--- a/Aulas/ApresentacaoEIntroducaoAESSGraduacao/SEIntroduction.pptx
+++ b/Aulas/ApresentacaoEIntroducaoAESSGraduacao/SEIntroduction.pptx
@@ -1,57 +1,55 @@
 
 <file path=ppt/presentation.xml><?xml version="1.0" encoding="utf-8"?>
-<p:presentation xmlns:a="http://schemas.openxmlformats.org/drawingml/2006/main" xmlns:r="http://schemas.openxmlformats.org/officeDocument/2006/relationships" xmlns:p="http://schemas.openxmlformats.org/presentationml/2006/main" xmlns:m="http://schemas.openxmlformats.org/officeDocument/2006/math" xmlns:a14="http://schemas.microsoft.com/office/drawing/2010/main">
+<p:presentation xmlns:a="http://schemas.openxmlformats.org/drawingml/2006/main" xmlns:r="http://schemas.openxmlformats.org/officeDocument/2006/relationships" xmlns:p="http://schemas.openxmlformats.org/presentationml/2006/main">
   <p:sldMasterIdLst>
-    <p:sldMasterId id="2147483648" r:id="rId5"/>
+    <p:sldMasterId id="2147483648" r:id="rId1"/>
   </p:sldMasterIdLst>
   <p:notesMasterIdLst>
-    <p:notesMasterId r:id="rId7"/>
+    <p:notesMasterId r:id="rId44"/>
   </p:notesMasterIdLst>
   <p:sldIdLst>
-    <p:sldId id="256" r:id="rId8"/>
-    <p:sldId id="257" r:id="rId9"/>
-    <p:sldId id="258" r:id="rId10"/>
-    <p:sldId id="259" r:id="rId11"/>
-    <p:sldId id="260" r:id="rId12"/>
-    <p:sldId id="261" r:id="rId13"/>
-    <p:sldId id="262" r:id="rId14"/>
-    <p:sldId id="263" r:id="rId15"/>
-    <p:sldId id="264" r:id="rId16"/>
-    <p:sldId id="265" r:id="rId17"/>
-    <p:sldId id="266" r:id="rId18"/>
-    <p:sldId id="267" r:id="rId19"/>
-    <p:sldId id="268" r:id="rId20"/>
-    <p:sldId id="269" r:id="rId21"/>
-    <p:sldId id="270" r:id="rId22"/>
-    <p:sldId id="271" r:id="rId23"/>
-    <p:sldId id="272" r:id="rId24"/>
-    <p:sldId id="273" r:id="rId25"/>
-    <p:sldId id="274" r:id="rId26"/>
-    <p:sldId id="275" r:id="rId27"/>
-    <p:sldId id="276" r:id="rId28"/>
-    <p:sldId id="277" r:id="rId29"/>
-    <p:sldId id="278" r:id="rId30"/>
-    <p:sldId id="279" r:id="rId31"/>
-    <p:sldId id="280" r:id="rId32"/>
-    <p:sldId id="281" r:id="rId33"/>
-    <p:sldId id="282" r:id="rId34"/>
-    <p:sldId id="283" r:id="rId35"/>
-    <p:sldId id="284" r:id="rId36"/>
-    <p:sldId id="285" r:id="rId37"/>
-    <p:sldId id="286" r:id="rId38"/>
-    <p:sldId id="287" r:id="rId39"/>
-    <p:sldId id="288" r:id="rId40"/>
-    <p:sldId id="289" r:id="rId41"/>
-    <p:sldId id="290" r:id="rId42"/>
-    <p:sldId id="291" r:id="rId43"/>
-    <p:sldId id="292" r:id="rId44"/>
-    <p:sldId id="293" r:id="rId45"/>
-    <p:sldId id="294" r:id="rId46"/>
-    <p:sldId id="295" r:id="rId47"/>
-    <p:sldId id="296" r:id="rId48"/>
-    <p:sldId id="297" r:id="rId49"/>
-    <p:sldId id="298" r:id="rId50"/>
-    <p:sldId id="299" r:id="rId51"/>
+    <p:sldId id="257" r:id="rId2"/>
+    <p:sldId id="258" r:id="rId3"/>
+    <p:sldId id="259" r:id="rId4"/>
+    <p:sldId id="260" r:id="rId5"/>
+    <p:sldId id="261" r:id="rId6"/>
+    <p:sldId id="300" r:id="rId7"/>
+    <p:sldId id="262" r:id="rId8"/>
+    <p:sldId id="263" r:id="rId9"/>
+    <p:sldId id="264" r:id="rId10"/>
+    <p:sldId id="265" r:id="rId11"/>
+    <p:sldId id="266" r:id="rId12"/>
+    <p:sldId id="267" r:id="rId13"/>
+    <p:sldId id="268" r:id="rId14"/>
+    <p:sldId id="269" r:id="rId15"/>
+    <p:sldId id="270" r:id="rId16"/>
+    <p:sldId id="301" r:id="rId17"/>
+    <p:sldId id="272" r:id="rId18"/>
+    <p:sldId id="273" r:id="rId19"/>
+    <p:sldId id="274" r:id="rId20"/>
+    <p:sldId id="275" r:id="rId21"/>
+    <p:sldId id="276" r:id="rId22"/>
+    <p:sldId id="277" r:id="rId23"/>
+    <p:sldId id="278" r:id="rId24"/>
+    <p:sldId id="279" r:id="rId25"/>
+    <p:sldId id="280" r:id="rId26"/>
+    <p:sldId id="302" r:id="rId27"/>
+    <p:sldId id="282" r:id="rId28"/>
+    <p:sldId id="283" r:id="rId29"/>
+    <p:sldId id="284" r:id="rId30"/>
+    <p:sldId id="285" r:id="rId31"/>
+    <p:sldId id="286" r:id="rId32"/>
+    <p:sldId id="287" r:id="rId33"/>
+    <p:sldId id="288" r:id="rId34"/>
+    <p:sldId id="289" r:id="rId35"/>
+    <p:sldId id="303" r:id="rId36"/>
+    <p:sldId id="291" r:id="rId37"/>
+    <p:sldId id="292" r:id="rId38"/>
+    <p:sldId id="293" r:id="rId39"/>
+    <p:sldId id="294" r:id="rId40"/>
+    <p:sldId id="295" r:id="rId41"/>
+    <p:sldId id="296" r:id="rId42"/>
+    <p:sldId id="297" r:id="rId43"/>
   </p:sldIdLst>
   <p:sldSz cx="13004800" cy="9753600"/>
   <p:notesSz cx="6858000" cy="9144000"/>
@@ -71,7 +69,7 @@
       <a:buFontTx/>
       <a:buNone/>
       <a:tabLst/>
-      <a:defRPr b="0" baseline="0" cap="none" i="0" spc="0" strike="noStrike" sz="1800" u="none" kumimoji="0" normalizeH="0">
+      <a:defRPr kumimoji="0" sz="1800" b="0" i="0" u="none" strike="noStrike" cap="none" spc="0" normalizeH="0" baseline="0">
         <a:ln>
           <a:noFill/>
         </a:ln>
@@ -97,7 +95,7 @@
       <a:buFontTx/>
       <a:buNone/>
       <a:tabLst/>
-      <a:defRPr b="0" baseline="0" cap="none" i="0" spc="0" strike="noStrike" sz="1200" u="none" kumimoji="0" normalizeH="0">
+      <a:defRPr kumimoji="0" sz="1200" b="0" i="0" u="none" strike="noStrike" cap="none" spc="0" normalizeH="0" baseline="0">
         <a:ln>
           <a:noFill/>
         </a:ln>
@@ -127,7 +125,7 @@
       <a:buFontTx/>
       <a:buNone/>
       <a:tabLst/>
-      <a:defRPr b="0" baseline="0" cap="none" i="0" spc="0" strike="noStrike" sz="1200" u="none" kumimoji="0" normalizeH="0">
+      <a:defRPr kumimoji="0" sz="1200" b="0" i="0" u="none" strike="noStrike" cap="none" spc="0" normalizeH="0" baseline="0">
         <a:ln>
           <a:noFill/>
         </a:ln>
@@ -157,7 +155,7 @@
       <a:buFontTx/>
       <a:buNone/>
       <a:tabLst/>
-      <a:defRPr b="0" baseline="0" cap="none" i="0" spc="0" strike="noStrike" sz="1200" u="none" kumimoji="0" normalizeH="0">
+      <a:defRPr kumimoji="0" sz="1200" b="0" i="0" u="none" strike="noStrike" cap="none" spc="0" normalizeH="0" baseline="0">
         <a:ln>
           <a:noFill/>
         </a:ln>
@@ -187,7 +185,7 @@
       <a:buFontTx/>
       <a:buNone/>
       <a:tabLst/>
-      <a:defRPr b="0" baseline="0" cap="none" i="0" spc="0" strike="noStrike" sz="1200" u="none" kumimoji="0" normalizeH="0">
+      <a:defRPr kumimoji="0" sz="1200" b="0" i="0" u="none" strike="noStrike" cap="none" spc="0" normalizeH="0" baseline="0">
         <a:ln>
           <a:noFill/>
         </a:ln>
@@ -217,7 +215,7 @@
       <a:buFontTx/>
       <a:buNone/>
       <a:tabLst/>
-      <a:defRPr b="0" baseline="0" cap="none" i="0" spc="0" strike="noStrike" sz="1200" u="none" kumimoji="0" normalizeH="0">
+      <a:defRPr kumimoji="0" sz="1200" b="0" i="0" u="none" strike="noStrike" cap="none" spc="0" normalizeH="0" baseline="0">
         <a:ln>
           <a:noFill/>
         </a:ln>
@@ -247,7 +245,7 @@
       <a:buFontTx/>
       <a:buNone/>
       <a:tabLst/>
-      <a:defRPr b="0" baseline="0" cap="none" i="0" spc="0" strike="noStrike" sz="1200" u="none" kumimoji="0" normalizeH="0">
+      <a:defRPr kumimoji="0" sz="1200" b="0" i="0" u="none" strike="noStrike" cap="none" spc="0" normalizeH="0" baseline="0">
         <a:ln>
           <a:noFill/>
         </a:ln>
@@ -277,7 +275,7 @@
       <a:buFontTx/>
       <a:buNone/>
       <a:tabLst/>
-      <a:defRPr b="0" baseline="0" cap="none" i="0" spc="0" strike="noStrike" sz="1200" u="none" kumimoji="0" normalizeH="0">
+      <a:defRPr kumimoji="0" sz="1200" b="0" i="0" u="none" strike="noStrike" cap="none" spc="0" normalizeH="0" baseline="0">
         <a:ln>
           <a:noFill/>
         </a:ln>
@@ -307,7 +305,7 @@
       <a:buFontTx/>
       <a:buNone/>
       <a:tabLst/>
-      <a:defRPr b="0" baseline="0" cap="none" i="0" spc="0" strike="noStrike" sz="1200" u="none" kumimoji="0" normalizeH="0">
+      <a:defRPr kumimoji="0" sz="1200" b="0" i="0" u="none" strike="noStrike" cap="none" spc="0" normalizeH="0" baseline="0">
         <a:ln>
           <a:noFill/>
         </a:ln>
@@ -337,7 +335,7 @@
       <a:buFontTx/>
       <a:buNone/>
       <a:tabLst/>
-      <a:defRPr b="0" baseline="0" cap="none" i="0" spc="0" strike="noStrike" sz="1200" u="none" kumimoji="0" normalizeH="0">
+      <a:defRPr kumimoji="0" sz="1200" b="0" i="0" u="none" strike="noStrike" cap="none" spc="0" normalizeH="0" baseline="0">
         <a:ln>
           <a:noFill/>
         </a:ln>
@@ -356,13 +354,14 @@
 </p:presentation>
 </file>
 
-<file path=ppt/commentAuthors.xml><?xml version="1.0" encoding="utf-8"?>
-<p:cmAuthorLst xmlns:a="http://schemas.openxmlformats.org/drawingml/2006/main" xmlns:r="http://schemas.openxmlformats.org/officeDocument/2006/relationships" xmlns:p="http://schemas.openxmlformats.org/presentationml/2006/main" xmlns:m="http://schemas.openxmlformats.org/officeDocument/2006/math" xmlns:a14="http://schemas.microsoft.com/office/drawing/2010/main"/>
-</file>
-
 <file path=ppt/notesMasters/notesMaster1.xml><?xml version="1.0" encoding="utf-8"?>
-<p:notesMaster xmlns:a="http://schemas.openxmlformats.org/drawingml/2006/main" xmlns:r="http://schemas.openxmlformats.org/officeDocument/2006/relationships" xmlns:p="http://schemas.openxmlformats.org/presentationml/2006/main" xmlns:m="http://schemas.openxmlformats.org/officeDocument/2006/math" xmlns:a14="http://schemas.microsoft.com/office/drawing/2010/main">
+<p:notesMaster xmlns:a="http://schemas.openxmlformats.org/drawingml/2006/main" xmlns:r="http://schemas.openxmlformats.org/officeDocument/2006/relationships" xmlns:p="http://schemas.openxmlformats.org/presentationml/2006/main">
   <p:cSld>
+    <p:bg>
+      <p:bgRef idx="1001">
+        <a:schemeClr val="bg1"/>
+      </p:bgRef>
+    </p:bg>
     <p:spTree>
       <p:nvGrpSpPr>
         <p:cNvPr id="1" name=""/>
@@ -380,7 +379,9 @@
       <p:sp>
         <p:nvSpPr>
           <p:cNvPr id="220" name="Shape 220"/>
-          <p:cNvSpPr/>
+          <p:cNvSpPr>
+            <a:spLocks noGrp="1" noRot="1" noChangeAspect="1"/>
+          </p:cNvSpPr>
           <p:nvPr>
             <p:ph type="sldImg"/>
           </p:nvPr>
@@ -398,14 +399,16 @@
           <a:bodyPr/>
           <a:lstStyle/>
           <a:p>
-            <a:pPr/>
+            <a:endParaRPr/>
           </a:p>
         </p:txBody>
       </p:sp>
       <p:sp>
         <p:nvSpPr>
           <p:cNvPr id="221" name="Shape 221"/>
-          <p:cNvSpPr/>
+          <p:cNvSpPr>
+            <a:spLocks noGrp="1"/>
+          </p:cNvSpPr>
           <p:nvPr>
             <p:ph type="body" sz="quarter" idx="1"/>
           </p:nvPr>
@@ -423,7 +426,7 @@
           <a:bodyPr/>
           <a:lstStyle/>
           <a:p>
-            <a:pPr/>
+            <a:endParaRPr/>
           </a:p>
         </p:txBody>
       </p:sp>
@@ -508,7 +511,7 @@
 </file>
 
 <file path=ppt/notesSlides/notesSlide1.xml><?xml version="1.0" encoding="utf-8"?>
-<p:notes xmlns:a="http://schemas.openxmlformats.org/drawingml/2006/main" xmlns:r="http://schemas.openxmlformats.org/officeDocument/2006/relationships" xmlns:p="http://schemas.openxmlformats.org/presentationml/2006/main" xmlns:m="http://schemas.openxmlformats.org/officeDocument/2006/math" xmlns:a14="http://schemas.microsoft.com/office/drawing/2010/main" showMasterSp="1" showMasterPhAnim="1">
+<p:notes xmlns:a="http://schemas.openxmlformats.org/drawingml/2006/main" xmlns:r="http://schemas.openxmlformats.org/officeDocument/2006/relationships" xmlns:p="http://schemas.openxmlformats.org/presentationml/2006/main">
   <p:cSld>
     <p:spTree>
       <p:nvGrpSpPr>
@@ -527,7 +530,9 @@
       <p:sp>
         <p:nvSpPr>
           <p:cNvPr id="231" name="Shape 231"/>
-          <p:cNvSpPr/>
+          <p:cNvSpPr>
+            <a:spLocks noGrp="1" noRot="1" noChangeAspect="1"/>
+          </p:cNvSpPr>
           <p:nvPr>
             <p:ph type="sldImg"/>
           </p:nvPr>
@@ -541,14 +546,16 @@
           <a:bodyPr/>
           <a:lstStyle/>
           <a:p>
-            <a:pPr/>
+            <a:endParaRPr/>
           </a:p>
         </p:txBody>
       </p:sp>
       <p:sp>
         <p:nvSpPr>
           <p:cNvPr id="232" name="Shape 232"/>
-          <p:cNvSpPr/>
+          <p:cNvSpPr>
+            <a:spLocks noGrp="1"/>
+          </p:cNvSpPr>
           <p:nvPr>
             <p:ph type="body" sz="quarter" idx="1"/>
           </p:nvPr>
@@ -562,7 +569,6 @@
           <a:bodyPr/>
           <a:lstStyle/>
           <a:p>
-            <a:pPr/>
             <a:r>
               <a:t>a primeira coisa é entender o nome. a primeira parte é&gt;&gt;&gt;</a:t>
             </a:r>
@@ -578,7 +584,7 @@
 </file>
 
 <file path=ppt/notesSlides/notesSlide10.xml><?xml version="1.0" encoding="utf-8"?>
-<p:notes xmlns:a="http://schemas.openxmlformats.org/drawingml/2006/main" xmlns:r="http://schemas.openxmlformats.org/officeDocument/2006/relationships" xmlns:p="http://schemas.openxmlformats.org/presentationml/2006/main" xmlns:m="http://schemas.openxmlformats.org/officeDocument/2006/math" xmlns:a14="http://schemas.microsoft.com/office/drawing/2010/main" showMasterSp="1" showMasterPhAnim="1">
+<p:notes xmlns:a="http://schemas.openxmlformats.org/drawingml/2006/main" xmlns:r="http://schemas.openxmlformats.org/officeDocument/2006/relationships" xmlns:p="http://schemas.openxmlformats.org/presentationml/2006/main">
   <p:cSld>
     <p:spTree>
       <p:nvGrpSpPr>
@@ -596,8 +602,10 @@
       </p:grpSpPr>
       <p:sp>
         <p:nvSpPr>
-          <p:cNvPr id="280" name="Shape 280"/>
-          <p:cNvSpPr/>
+          <p:cNvPr id="276" name="Shape 276"/>
+          <p:cNvSpPr>
+            <a:spLocks noGrp="1" noRot="1" noChangeAspect="1"/>
+          </p:cNvSpPr>
           <p:nvPr>
             <p:ph type="sldImg"/>
           </p:nvPr>
@@ -611,14 +619,16 @@
           <a:bodyPr/>
           <a:lstStyle/>
           <a:p>
-            <a:pPr/>
-          </a:p>
-        </p:txBody>
-      </p:sp>
-      <p:sp>
-        <p:nvSpPr>
-          <p:cNvPr id="281" name="Shape 281"/>
-          <p:cNvSpPr/>
+            <a:endParaRPr/>
+          </a:p>
+        </p:txBody>
+      </p:sp>
+      <p:sp>
+        <p:nvSpPr>
+          <p:cNvPr id="277" name="Shape 277"/>
+          <p:cNvSpPr>
+            <a:spLocks noGrp="1"/>
+          </p:cNvSpPr>
           <p:nvPr>
             <p:ph type="body" sz="quarter" idx="1"/>
           </p:nvPr>
@@ -632,12 +642,19 @@
           <a:bodyPr/>
           <a:lstStyle/>
           <a:p>
-            <a:pPr/>
-          </a:p>
-          <a:p>
-            <a:pPr/>
-            <a:r>
-              <a:t>temos de focar no segundo, porque a gente não quer ser visto como&gt;&gt;&gt;</a:t>
+            <a:endParaRPr/>
+          </a:p>
+          <a:p>
+            <a:r>
+              <a:t>&gt;&gt;&gt;preocupante </a:t>
+            </a:r>
+          </a:p>
+          <a:p>
+            <a:endParaRPr/>
+          </a:p>
+          <a:p>
+            <a:r>
+              <a:t>reflete foco em&gt;&gt;&gt;</a:t>
             </a:r>
           </a:p>
         </p:txBody>
@@ -651,7 +668,7 @@
 </file>
 
 <file path=ppt/notesSlides/notesSlide11.xml><?xml version="1.0" encoding="utf-8"?>
-<p:notes xmlns:a="http://schemas.openxmlformats.org/drawingml/2006/main" xmlns:r="http://schemas.openxmlformats.org/officeDocument/2006/relationships" xmlns:p="http://schemas.openxmlformats.org/presentationml/2006/main" xmlns:m="http://schemas.openxmlformats.org/officeDocument/2006/math" xmlns:a14="http://schemas.microsoft.com/office/drawing/2010/main" showMasterSp="1" showMasterPhAnim="1">
+<p:notes xmlns:a="http://schemas.openxmlformats.org/drawingml/2006/main" xmlns:r="http://schemas.openxmlformats.org/officeDocument/2006/relationships" xmlns:p="http://schemas.openxmlformats.org/presentationml/2006/main">
   <p:cSld>
     <p:spTree>
       <p:nvGrpSpPr>
@@ -669,8 +686,10 @@
       </p:grpSpPr>
       <p:sp>
         <p:nvSpPr>
-          <p:cNvPr id="285" name="Shape 285"/>
-          <p:cNvSpPr/>
+          <p:cNvPr id="280" name="Shape 280"/>
+          <p:cNvSpPr>
+            <a:spLocks noGrp="1" noRot="1" noChangeAspect="1"/>
+          </p:cNvSpPr>
           <p:nvPr>
             <p:ph type="sldImg"/>
           </p:nvPr>
@@ -684,14 +703,16 @@
           <a:bodyPr/>
           <a:lstStyle/>
           <a:p>
-            <a:pPr/>
-          </a:p>
-        </p:txBody>
-      </p:sp>
-      <p:sp>
-        <p:nvSpPr>
-          <p:cNvPr id="286" name="Shape 286"/>
-          <p:cNvSpPr/>
+            <a:endParaRPr/>
+          </a:p>
+        </p:txBody>
+      </p:sp>
+      <p:sp>
+        <p:nvSpPr>
+          <p:cNvPr id="281" name="Shape 281"/>
+          <p:cNvSpPr>
+            <a:spLocks noGrp="1"/>
+          </p:cNvSpPr>
           <p:nvPr>
             <p:ph type="body" sz="quarter" idx="1"/>
           </p:nvPr>
@@ -705,9 +726,11 @@
           <a:bodyPr/>
           <a:lstStyle/>
           <a:p>
-            <a:pPr/>
-            <a:r>
-              <a:t>de fato, temos que&gt;&gt;&gt;</a:t>
+            <a:endParaRPr/>
+          </a:p>
+          <a:p>
+            <a:r>
+              <a:t>temos de focar no segundo, porque a gente não quer ser visto como&gt;&gt;&gt;</a:t>
             </a:r>
           </a:p>
         </p:txBody>
@@ -721,7 +744,7 @@
 </file>
 
 <file path=ppt/notesSlides/notesSlide12.xml><?xml version="1.0" encoding="utf-8"?>
-<p:notes xmlns:a="http://schemas.openxmlformats.org/drawingml/2006/main" xmlns:r="http://schemas.openxmlformats.org/officeDocument/2006/relationships" xmlns:p="http://schemas.openxmlformats.org/presentationml/2006/main" xmlns:m="http://schemas.openxmlformats.org/officeDocument/2006/math" xmlns:a14="http://schemas.microsoft.com/office/drawing/2010/main" showMasterSp="1" showMasterPhAnim="1">
+<p:notes xmlns:a="http://schemas.openxmlformats.org/drawingml/2006/main" xmlns:r="http://schemas.openxmlformats.org/officeDocument/2006/relationships" xmlns:p="http://schemas.openxmlformats.org/presentationml/2006/main">
   <p:cSld>
     <p:spTree>
       <p:nvGrpSpPr>
@@ -739,8 +762,10 @@
       </p:grpSpPr>
       <p:sp>
         <p:nvSpPr>
-          <p:cNvPr id="290" name="Shape 290"/>
-          <p:cNvSpPr/>
+          <p:cNvPr id="285" name="Shape 285"/>
+          <p:cNvSpPr>
+            <a:spLocks noGrp="1" noRot="1" noChangeAspect="1"/>
+          </p:cNvSpPr>
           <p:nvPr>
             <p:ph type="sldImg"/>
           </p:nvPr>
@@ -754,14 +779,16 @@
           <a:bodyPr/>
           <a:lstStyle/>
           <a:p>
-            <a:pPr/>
-          </a:p>
-        </p:txBody>
-      </p:sp>
-      <p:sp>
-        <p:nvSpPr>
-          <p:cNvPr id="291" name="Shape 291"/>
-          <p:cNvSpPr/>
+            <a:endParaRPr/>
+          </a:p>
+        </p:txBody>
+      </p:sp>
+      <p:sp>
+        <p:nvSpPr>
+          <p:cNvPr id="286" name="Shape 286"/>
+          <p:cNvSpPr>
+            <a:spLocks noGrp="1"/>
+          </p:cNvSpPr>
           <p:nvPr>
             <p:ph type="body" sz="quarter" idx="1"/>
           </p:nvPr>
@@ -775,18 +802,8 @@
           <a:bodyPr/>
           <a:lstStyle/>
           <a:p>
-            <a:pPr/>
-            <a:r>
-              <a:t>muita gente trabalha assim, mas muita gente trabalha de forma não profissional também! </a:t>
-            </a:r>
-          </a:p>
-          <a:p>
-            <a:pPr/>
-          </a:p>
-          <a:p>
-            <a:pPr/>
-            <a:r>
-              <a:t>qual o segredo de quem trabalha assim? qual a vantagem competitiva associada? nosso objetivo aqui é entender e praticar isso…</a:t>
+            <a:r>
+              <a:t>de fato, temos que&gt;&gt;&gt;</a:t>
             </a:r>
           </a:p>
         </p:txBody>
@@ -800,7 +817,7 @@
 </file>
 
 <file path=ppt/notesSlides/notesSlide13.xml><?xml version="1.0" encoding="utf-8"?>
-<p:notes xmlns:a="http://schemas.openxmlformats.org/drawingml/2006/main" xmlns:r="http://schemas.openxmlformats.org/officeDocument/2006/relationships" xmlns:p="http://schemas.openxmlformats.org/presentationml/2006/main" xmlns:m="http://schemas.openxmlformats.org/officeDocument/2006/math" xmlns:a14="http://schemas.microsoft.com/office/drawing/2010/main" showMasterSp="1" showMasterPhAnim="1">
+<p:notes xmlns:a="http://schemas.openxmlformats.org/drawingml/2006/main" xmlns:r="http://schemas.openxmlformats.org/officeDocument/2006/relationships" xmlns:p="http://schemas.openxmlformats.org/presentationml/2006/main">
   <p:cSld>
     <p:spTree>
       <p:nvGrpSpPr>
@@ -818,8 +835,10 @@
       </p:grpSpPr>
       <p:sp>
         <p:nvSpPr>
-          <p:cNvPr id="304" name="Shape 304"/>
-          <p:cNvSpPr/>
+          <p:cNvPr id="290" name="Shape 290"/>
+          <p:cNvSpPr>
+            <a:spLocks noGrp="1" noRot="1" noChangeAspect="1"/>
+          </p:cNvSpPr>
           <p:nvPr>
             <p:ph type="sldImg"/>
           </p:nvPr>
@@ -833,14 +852,16 @@
           <a:bodyPr/>
           <a:lstStyle/>
           <a:p>
-            <a:pPr/>
-          </a:p>
-        </p:txBody>
-      </p:sp>
-      <p:sp>
-        <p:nvSpPr>
-          <p:cNvPr id="305" name="Shape 305"/>
-          <p:cNvSpPr/>
+            <a:endParaRPr/>
+          </a:p>
+        </p:txBody>
+      </p:sp>
+      <p:sp>
+        <p:nvSpPr>
+          <p:cNvPr id="291" name="Shape 291"/>
+          <p:cNvSpPr>
+            <a:spLocks noGrp="1"/>
+          </p:cNvSpPr>
           <p:nvPr>
             <p:ph type="body" sz="quarter" idx="1"/>
           </p:nvPr>
@@ -852,23 +873,18 @@
         </p:spPr>
         <p:txBody>
           <a:bodyPr/>
-          <a:lstStyle>
-            <a:lvl1pPr defTabSz="457200">
-              <a:lnSpc>
-                <a:spcPct val="125000"/>
-              </a:lnSpc>
-              <a:defRPr sz="3400">
-                <a:latin typeface="Avenir Roman"/>
-                <a:ea typeface="Avenir Roman"/>
-                <a:cs typeface="Avenir Roman"/>
-                <a:sym typeface="Avenir Roman"/>
-              </a:defRPr>
-            </a:lvl1pPr>
-          </a:lstStyle>
-          <a:p>
-            <a:pPr/>
-            <a:r>
-              <a:t>mas, nem sempre se chega lá</a:t>
+          <a:lstStyle/>
+          <a:p>
+            <a:r>
+              <a:t>muita gente trabalha assim, mas muita gente trabalha de forma não profissional também! </a:t>
+            </a:r>
+          </a:p>
+          <a:p>
+            <a:endParaRPr/>
+          </a:p>
+          <a:p>
+            <a:r>
+              <a:t>qual o segredo de quem trabalha assim? qual a vantagem competitiva associada? nosso objetivo aqui é entender e praticar isso…</a:t>
             </a:r>
           </a:p>
         </p:txBody>
@@ -882,7 +898,7 @@
 </file>
 
 <file path=ppt/notesSlides/notesSlide14.xml><?xml version="1.0" encoding="utf-8"?>
-<p:notes xmlns:a="http://schemas.openxmlformats.org/drawingml/2006/main" xmlns:r="http://schemas.openxmlformats.org/officeDocument/2006/relationships" xmlns:p="http://schemas.openxmlformats.org/presentationml/2006/main" xmlns:m="http://schemas.openxmlformats.org/officeDocument/2006/math" xmlns:a14="http://schemas.microsoft.com/office/drawing/2010/main" showMasterSp="1" showMasterPhAnim="1">
+<p:notes xmlns:a="http://schemas.openxmlformats.org/drawingml/2006/main" xmlns:r="http://schemas.openxmlformats.org/officeDocument/2006/relationships" xmlns:p="http://schemas.openxmlformats.org/presentationml/2006/main">
   <p:cSld>
     <p:spTree>
       <p:nvGrpSpPr>
@@ -900,8 +916,10 @@
       </p:grpSpPr>
       <p:sp>
         <p:nvSpPr>
-          <p:cNvPr id="311" name="Shape 311"/>
-          <p:cNvSpPr/>
+          <p:cNvPr id="304" name="Shape 304"/>
+          <p:cNvSpPr>
+            <a:spLocks noGrp="1" noRot="1" noChangeAspect="1"/>
+          </p:cNvSpPr>
           <p:nvPr>
             <p:ph type="sldImg"/>
           </p:nvPr>
@@ -915,14 +933,16 @@
           <a:bodyPr/>
           <a:lstStyle/>
           <a:p>
-            <a:pPr/>
-          </a:p>
-        </p:txBody>
-      </p:sp>
-      <p:sp>
-        <p:nvSpPr>
-          <p:cNvPr id="312" name="Shape 312"/>
-          <p:cNvSpPr/>
+            <a:endParaRPr/>
+          </a:p>
+        </p:txBody>
+      </p:sp>
+      <p:sp>
+        <p:nvSpPr>
+          <p:cNvPr id="305" name="Shape 305"/>
+          <p:cNvSpPr>
+            <a:spLocks noGrp="1"/>
+          </p:cNvSpPr>
           <p:nvPr>
             <p:ph type="body" sz="quarter" idx="1"/>
           </p:nvPr>
@@ -948,9 +968,8 @@
             </a:lvl1pPr>
           </a:lstStyle>
           <a:p>
-            <a:pPr/>
-            <a:r>
-              <a:t>cuidado com as estatísticas</a:t>
+            <a:r>
+              <a:t>mas, nem sempre se chega lá</a:t>
             </a:r>
           </a:p>
         </p:txBody>
@@ -964,7 +983,7 @@
 </file>
 
 <file path=ppt/notesSlides/notesSlide15.xml><?xml version="1.0" encoding="utf-8"?>
-<p:notes xmlns:a="http://schemas.openxmlformats.org/drawingml/2006/main" xmlns:r="http://schemas.openxmlformats.org/officeDocument/2006/relationships" xmlns:p="http://schemas.openxmlformats.org/presentationml/2006/main" xmlns:m="http://schemas.openxmlformats.org/officeDocument/2006/math" xmlns:a14="http://schemas.microsoft.com/office/drawing/2010/main" showMasterSp="1" showMasterPhAnim="1">
+<p:notes xmlns:a="http://schemas.openxmlformats.org/drawingml/2006/main" xmlns:r="http://schemas.openxmlformats.org/officeDocument/2006/relationships" xmlns:p="http://schemas.openxmlformats.org/presentationml/2006/main">
   <p:cSld>
     <p:spTree>
       <p:nvGrpSpPr>
@@ -982,8 +1001,10 @@
       </p:grpSpPr>
       <p:sp>
         <p:nvSpPr>
-          <p:cNvPr id="315" name="Shape 315"/>
-          <p:cNvSpPr/>
+          <p:cNvPr id="311" name="Shape 311"/>
+          <p:cNvSpPr>
+            <a:spLocks noGrp="1" noRot="1" noChangeAspect="1"/>
+          </p:cNvSpPr>
           <p:nvPr>
             <p:ph type="sldImg"/>
           </p:nvPr>
@@ -997,14 +1018,16 @@
           <a:bodyPr/>
           <a:lstStyle/>
           <a:p>
-            <a:pPr/>
-          </a:p>
-        </p:txBody>
-      </p:sp>
-      <p:sp>
-        <p:nvSpPr>
-          <p:cNvPr id="316" name="Shape 316"/>
-          <p:cNvSpPr/>
+            <a:endParaRPr/>
+          </a:p>
+        </p:txBody>
+      </p:sp>
+      <p:sp>
+        <p:nvSpPr>
+          <p:cNvPr id="312" name="Shape 312"/>
+          <p:cNvSpPr>
+            <a:spLocks noGrp="1"/>
+          </p:cNvSpPr>
           <p:nvPr>
             <p:ph type="body" sz="quarter" idx="1"/>
           </p:nvPr>
@@ -1016,11 +1039,22 @@
         </p:spPr>
         <p:txBody>
           <a:bodyPr/>
-          <a:lstStyle/>
-          <a:p>
-            <a:pPr/>
-            <a:r>
-              <a:t>colocar a referencia</a:t>
+          <a:lstStyle>
+            <a:lvl1pPr defTabSz="457200">
+              <a:lnSpc>
+                <a:spcPct val="125000"/>
+              </a:lnSpc>
+              <a:defRPr sz="3400">
+                <a:latin typeface="Avenir Roman"/>
+                <a:ea typeface="Avenir Roman"/>
+                <a:cs typeface="Avenir Roman"/>
+                <a:sym typeface="Avenir Roman"/>
+              </a:defRPr>
+            </a:lvl1pPr>
+          </a:lstStyle>
+          <a:p>
+            <a:r>
+              <a:t>cuidado com as estatísticas</a:t>
             </a:r>
           </a:p>
         </p:txBody>
@@ -1034,7 +1068,7 @@
 </file>
 
 <file path=ppt/notesSlides/notesSlide16.xml><?xml version="1.0" encoding="utf-8"?>
-<p:notes xmlns:a="http://schemas.openxmlformats.org/drawingml/2006/main" xmlns:r="http://schemas.openxmlformats.org/officeDocument/2006/relationships" xmlns:p="http://schemas.openxmlformats.org/presentationml/2006/main" xmlns:m="http://schemas.openxmlformats.org/officeDocument/2006/math" xmlns:a14="http://schemas.microsoft.com/office/drawing/2010/main" showMasterSp="1" showMasterPhAnim="1">
+<p:notes xmlns:a="http://schemas.openxmlformats.org/drawingml/2006/main" xmlns:r="http://schemas.openxmlformats.org/officeDocument/2006/relationships" xmlns:p="http://schemas.openxmlformats.org/presentationml/2006/main">
   <p:cSld>
     <p:spTree>
       <p:nvGrpSpPr>
@@ -1052,8 +1086,10 @@
       </p:grpSpPr>
       <p:sp>
         <p:nvSpPr>
-          <p:cNvPr id="338" name="Shape 338"/>
-          <p:cNvSpPr/>
+          <p:cNvPr id="315" name="Shape 315"/>
+          <p:cNvSpPr>
+            <a:spLocks noGrp="1" noRot="1" noChangeAspect="1"/>
+          </p:cNvSpPr>
           <p:nvPr>
             <p:ph type="sldImg"/>
           </p:nvPr>
@@ -1067,14 +1103,16 @@
           <a:bodyPr/>
           <a:lstStyle/>
           <a:p>
-            <a:pPr/>
-          </a:p>
-        </p:txBody>
-      </p:sp>
-      <p:sp>
-        <p:nvSpPr>
-          <p:cNvPr id="339" name="Shape 339"/>
-          <p:cNvSpPr/>
+            <a:endParaRPr/>
+          </a:p>
+        </p:txBody>
+      </p:sp>
+      <p:sp>
+        <p:nvSpPr>
+          <p:cNvPr id="316" name="Shape 316"/>
+          <p:cNvSpPr>
+            <a:spLocks noGrp="1"/>
+          </p:cNvSpPr>
           <p:nvPr>
             <p:ph type="body" sz="quarter" idx="1"/>
           </p:nvPr>
@@ -1086,23 +1124,10 @@
         </p:spPr>
         <p:txBody>
           <a:bodyPr/>
-          <a:lstStyle>
-            <a:lvl1pPr defTabSz="457200">
-              <a:lnSpc>
-                <a:spcPct val="125000"/>
-              </a:lnSpc>
-              <a:defRPr sz="3400">
-                <a:latin typeface="Avenir Roman"/>
-                <a:ea typeface="Avenir Roman"/>
-                <a:cs typeface="Avenir Roman"/>
-                <a:sym typeface="Avenir Roman"/>
-              </a:defRPr>
-            </a:lvl1pPr>
-          </a:lstStyle>
-          <a:p>
-            <a:pPr/>
-            <a:r>
-              <a:t>the importance of backward compatibility, and relate it to the other definition of compatibility. the Windows 2000 sources had a copy of Windows 3.1 (in x86 assembly!) and routines for detecting legacy applications and implementing various buggy behaviors that they depended on.</a:t>
+          <a:lstStyle/>
+          <a:p>
+            <a:r>
+              <a:t>colocar a referencia</a:t>
             </a:r>
           </a:p>
         </p:txBody>
@@ -1116,7 +1141,7 @@
 </file>
 
 <file path=ppt/notesSlides/notesSlide17.xml><?xml version="1.0" encoding="utf-8"?>
-<p:notes xmlns:a="http://schemas.openxmlformats.org/drawingml/2006/main" xmlns:r="http://schemas.openxmlformats.org/officeDocument/2006/relationships" xmlns:p="http://schemas.openxmlformats.org/presentationml/2006/main" xmlns:m="http://schemas.openxmlformats.org/officeDocument/2006/math" xmlns:a14="http://schemas.microsoft.com/office/drawing/2010/main" showMasterSp="1" showMasterPhAnim="1">
+<p:notes xmlns:a="http://schemas.openxmlformats.org/drawingml/2006/main" xmlns:r="http://schemas.openxmlformats.org/officeDocument/2006/relationships" xmlns:p="http://schemas.openxmlformats.org/presentationml/2006/main">
   <p:cSld>
     <p:spTree>
       <p:nvGrpSpPr>
@@ -1134,8 +1159,10 @@
       </p:grpSpPr>
       <p:sp>
         <p:nvSpPr>
-          <p:cNvPr id="343" name="Shape 343"/>
-          <p:cNvSpPr/>
+          <p:cNvPr id="338" name="Shape 338"/>
+          <p:cNvSpPr>
+            <a:spLocks noGrp="1" noRot="1" noChangeAspect="1"/>
+          </p:cNvSpPr>
           <p:nvPr>
             <p:ph type="sldImg"/>
           </p:nvPr>
@@ -1149,14 +1176,16 @@
           <a:bodyPr/>
           <a:lstStyle/>
           <a:p>
-            <a:pPr/>
-          </a:p>
-        </p:txBody>
-      </p:sp>
-      <p:sp>
-        <p:nvSpPr>
-          <p:cNvPr id="344" name="Shape 344"/>
-          <p:cNvSpPr/>
+            <a:endParaRPr/>
+          </a:p>
+        </p:txBody>
+      </p:sp>
+      <p:sp>
+        <p:nvSpPr>
+          <p:cNvPr id="339" name="Shape 339"/>
+          <p:cNvSpPr>
+            <a:spLocks noGrp="1"/>
+          </p:cNvSpPr>
           <p:nvPr>
             <p:ph type="body" sz="quarter" idx="1"/>
           </p:nvPr>
@@ -1168,41 +1197,22 @@
         </p:spPr>
         <p:txBody>
           <a:bodyPr/>
-          <a:lstStyle/>
-          <a:p>
-            <a:pPr/>
-          </a:p>
-          <a:p>
-            <a:pPr/>
-            <a:r>
-              <a:t>safety is different from reliability, is not being able to cause losses</a:t>
-            </a:r>
-          </a:p>
-          <a:p>
-            <a:pPr/>
-          </a:p>
-          <a:p>
-            <a:pPr/>
-            <a:r>
-              <a:t>lack of reliability can lead to losses too, but losses can occur even if system is reliable</a:t>
-            </a:r>
-          </a:p>
-          <a:p>
-            <a:pPr/>
-          </a:p>
-          <a:p>
-            <a:pPr/>
-            <a:r>
-              <a:t>can result from emergent behavior by composing reliable components, or even from contextual issues</a:t>
-            </a:r>
-          </a:p>
-          <a:p>
-            <a:pPr/>
-          </a:p>
-          <a:p>
-            <a:pPr/>
-            <a:r>
-              <a:t>unsafety often results from requirements issues! lack of validation issue, or even not being able to anticipate an specific situation</a:t>
+          <a:lstStyle>
+            <a:lvl1pPr defTabSz="457200">
+              <a:lnSpc>
+                <a:spcPct val="125000"/>
+              </a:lnSpc>
+              <a:defRPr sz="3400">
+                <a:latin typeface="Avenir Roman"/>
+                <a:ea typeface="Avenir Roman"/>
+                <a:cs typeface="Avenir Roman"/>
+                <a:sym typeface="Avenir Roman"/>
+              </a:defRPr>
+            </a:lvl1pPr>
+          </a:lstStyle>
+          <a:p>
+            <a:r>
+              <a:t>the importance of backward compatibility, and relate it to the other definition of compatibility. the Windows 2000 sources had a copy of Windows 3.1 (in x86 assembly!) and routines for detecting legacy applications and implementing various buggy behaviors that they depended on.</a:t>
             </a:r>
           </a:p>
         </p:txBody>
@@ -1216,7 +1226,7 @@
 </file>
 
 <file path=ppt/notesSlides/notesSlide18.xml><?xml version="1.0" encoding="utf-8"?>
-<p:notes xmlns:a="http://schemas.openxmlformats.org/drawingml/2006/main" xmlns:r="http://schemas.openxmlformats.org/officeDocument/2006/relationships" xmlns:p="http://schemas.openxmlformats.org/presentationml/2006/main" xmlns:m="http://schemas.openxmlformats.org/officeDocument/2006/math" xmlns:a14="http://schemas.microsoft.com/office/drawing/2010/main" showMasterSp="1" showMasterPhAnim="1">
+<p:notes xmlns:a="http://schemas.openxmlformats.org/drawingml/2006/main" xmlns:r="http://schemas.openxmlformats.org/officeDocument/2006/relationships" xmlns:p="http://schemas.openxmlformats.org/presentationml/2006/main">
   <p:cSld>
     <p:spTree>
       <p:nvGrpSpPr>
@@ -1234,8 +1244,10 @@
       </p:grpSpPr>
       <p:sp>
         <p:nvSpPr>
-          <p:cNvPr id="376" name="Shape 376"/>
-          <p:cNvSpPr/>
+          <p:cNvPr id="343" name="Shape 343"/>
+          <p:cNvSpPr>
+            <a:spLocks noGrp="1" noRot="1" noChangeAspect="1"/>
+          </p:cNvSpPr>
           <p:nvPr>
             <p:ph type="sldImg"/>
           </p:nvPr>
@@ -1249,14 +1261,16 @@
           <a:bodyPr/>
           <a:lstStyle/>
           <a:p>
-            <a:pPr/>
-          </a:p>
-        </p:txBody>
-      </p:sp>
-      <p:sp>
-        <p:nvSpPr>
-          <p:cNvPr id="377" name="Shape 377"/>
-          <p:cNvSpPr/>
+            <a:endParaRPr/>
+          </a:p>
+        </p:txBody>
+      </p:sp>
+      <p:sp>
+        <p:nvSpPr>
+          <p:cNvPr id="344" name="Shape 344"/>
+          <p:cNvSpPr>
+            <a:spLocks noGrp="1"/>
+          </p:cNvSpPr>
           <p:nvPr>
             <p:ph type="body" sz="quarter" idx="1"/>
           </p:nvPr>
@@ -1270,9 +1284,35 @@
           <a:bodyPr/>
           <a:lstStyle/>
           <a:p>
-            <a:pPr/>
-            <a:r>
-              <a:t>caso da toyota, barragens, etc.</a:t>
+            <a:endParaRPr/>
+          </a:p>
+          <a:p>
+            <a:r>
+              <a:t>safety is different from reliability, is not being able to cause losses</a:t>
+            </a:r>
+          </a:p>
+          <a:p>
+            <a:endParaRPr/>
+          </a:p>
+          <a:p>
+            <a:r>
+              <a:t>lack of reliability can lead to losses too, but losses can occur even if system is reliable</a:t>
+            </a:r>
+          </a:p>
+          <a:p>
+            <a:endParaRPr/>
+          </a:p>
+          <a:p>
+            <a:r>
+              <a:t>can result from emergent behavior by composing reliable components, or even from contextual issues</a:t>
+            </a:r>
+          </a:p>
+          <a:p>
+            <a:endParaRPr/>
+          </a:p>
+          <a:p>
+            <a:r>
+              <a:t>unsafety often results from requirements issues! lack of validation issue, or even not being able to anticipate an specific situation</a:t>
             </a:r>
           </a:p>
         </p:txBody>
@@ -1285,8 +1325,8 @@
 </p:notes>
 </file>
 
-<file path=ppt/notesSlides/notesSlide2.xml><?xml version="1.0" encoding="utf-8"?>
-<p:notes xmlns:a="http://schemas.openxmlformats.org/drawingml/2006/main" xmlns:r="http://schemas.openxmlformats.org/officeDocument/2006/relationships" xmlns:p="http://schemas.openxmlformats.org/presentationml/2006/main" xmlns:m="http://schemas.openxmlformats.org/officeDocument/2006/math" xmlns:a14="http://schemas.microsoft.com/office/drawing/2010/main" showMasterSp="1" showMasterPhAnim="1">
+<file path=ppt/notesSlides/notesSlide19.xml><?xml version="1.0" encoding="utf-8"?>
+<p:notes xmlns:a="http://schemas.openxmlformats.org/drawingml/2006/main" xmlns:r="http://schemas.openxmlformats.org/officeDocument/2006/relationships" xmlns:p="http://schemas.openxmlformats.org/presentationml/2006/main">
   <p:cSld>
     <p:spTree>
       <p:nvGrpSpPr>
@@ -1304,8 +1344,10 @@
       </p:grpSpPr>
       <p:sp>
         <p:nvSpPr>
-          <p:cNvPr id="237" name="Shape 237"/>
-          <p:cNvSpPr/>
+          <p:cNvPr id="376" name="Shape 376"/>
+          <p:cNvSpPr>
+            <a:spLocks noGrp="1" noRot="1" noChangeAspect="1"/>
+          </p:cNvSpPr>
           <p:nvPr>
             <p:ph type="sldImg"/>
           </p:nvPr>
@@ -1319,14 +1361,16 @@
           <a:bodyPr/>
           <a:lstStyle/>
           <a:p>
-            <a:pPr/>
-          </a:p>
-        </p:txBody>
-      </p:sp>
-      <p:sp>
-        <p:nvSpPr>
-          <p:cNvPr id="238" name="Shape 238"/>
-          <p:cNvSpPr/>
+            <a:endParaRPr/>
+          </a:p>
+        </p:txBody>
+      </p:sp>
+      <p:sp>
+        <p:nvSpPr>
+          <p:cNvPr id="377" name="Shape 377"/>
+          <p:cNvSpPr>
+            <a:spLocks noGrp="1"/>
+          </p:cNvSpPr>
           <p:nvPr>
             <p:ph type="body" sz="quarter" idx="1"/>
           </p:nvPr>
@@ -1340,9 +1384,8 @@
           <a:bodyPr/>
           <a:lstStyle/>
           <a:p>
-            <a:pPr/>
-            <a:r>
-              <a:t>falta agora a segunda parte do nome&gt;&gt;&gt;</a:t>
+            <a:r>
+              <a:t>caso da toyota, barragens, etc.</a:t>
             </a:r>
           </a:p>
         </p:txBody>
@@ -1355,8 +1398,8 @@
 </p:notes>
 </file>
 
-<file path=ppt/notesSlides/notesSlide3.xml><?xml version="1.0" encoding="utf-8"?>
-<p:notes xmlns:a="http://schemas.openxmlformats.org/drawingml/2006/main" xmlns:r="http://schemas.openxmlformats.org/officeDocument/2006/relationships" xmlns:p="http://schemas.openxmlformats.org/presentationml/2006/main" xmlns:m="http://schemas.openxmlformats.org/officeDocument/2006/math" xmlns:a14="http://schemas.microsoft.com/office/drawing/2010/main" showMasterSp="1" showMasterPhAnim="1">
+<file path=ppt/notesSlides/notesSlide2.xml><?xml version="1.0" encoding="utf-8"?>
+<p:notes xmlns:a="http://schemas.openxmlformats.org/drawingml/2006/main" xmlns:r="http://schemas.openxmlformats.org/officeDocument/2006/relationships" xmlns:p="http://schemas.openxmlformats.org/presentationml/2006/main">
   <p:cSld>
     <p:spTree>
       <p:nvGrpSpPr>
@@ -1374,8 +1417,10 @@
       </p:grpSpPr>
       <p:sp>
         <p:nvSpPr>
-          <p:cNvPr id="241" name="Shape 241"/>
-          <p:cNvSpPr/>
+          <p:cNvPr id="237" name="Shape 237"/>
+          <p:cNvSpPr>
+            <a:spLocks noGrp="1" noRot="1" noChangeAspect="1"/>
+          </p:cNvSpPr>
           <p:nvPr>
             <p:ph type="sldImg"/>
           </p:nvPr>
@@ -1389,14 +1434,16 @@
           <a:bodyPr/>
           <a:lstStyle/>
           <a:p>
-            <a:pPr/>
-          </a:p>
-        </p:txBody>
-      </p:sp>
-      <p:sp>
-        <p:nvSpPr>
-          <p:cNvPr id="242" name="Shape 242"/>
-          <p:cNvSpPr/>
+            <a:endParaRPr/>
+          </a:p>
+        </p:txBody>
+      </p:sp>
+      <p:sp>
+        <p:nvSpPr>
+          <p:cNvPr id="238" name="Shape 238"/>
+          <p:cNvSpPr>
+            <a:spLocks noGrp="1"/>
+          </p:cNvSpPr>
           <p:nvPr>
             <p:ph type="body" sz="quarter" idx="1"/>
           </p:nvPr>
@@ -1410,24 +1457,8 @@
           <a:bodyPr/>
           <a:lstStyle/>
           <a:p>
-            <a:pPr defTabSz="406400">
-              <a:defRPr sz="1800"/>
-            </a:pPr>
-            <a:r>
-              <a:t>nome criado por volta de 1966, por Margaret Hamilton, da NASA, software que levou o homem para a lua, “discipline of making software products” (foco em programa para uso próprio, produto não)</a:t>
-            </a:r>
-          </a:p>
-          <a:p>
-            <a:pPr defTabSz="406400">
-              <a:defRPr sz="1800"/>
-            </a:pPr>
-          </a:p>
-          <a:p>
-            <a:pPr defTabSz="406400">
-              <a:defRPr sz="1800"/>
-            </a:pPr>
-            <a:r>
-              <a:t>E por que é importante uma abordagem de engenharia para desenvolvimento de sistemas?&gt;&gt;&gt;</a:t>
+            <a:r>
+              <a:t>falta agora a segunda parte do nome&gt;&gt;&gt;</a:t>
             </a:r>
           </a:p>
         </p:txBody>
@@ -1440,8 +1471,8 @@
 </p:notes>
 </file>
 
-<file path=ppt/notesSlides/notesSlide4.xml><?xml version="1.0" encoding="utf-8"?>
-<p:notes xmlns:a="http://schemas.openxmlformats.org/drawingml/2006/main" xmlns:r="http://schemas.openxmlformats.org/officeDocument/2006/relationships" xmlns:p="http://schemas.openxmlformats.org/presentationml/2006/main" xmlns:m="http://schemas.openxmlformats.org/officeDocument/2006/math" xmlns:a14="http://schemas.microsoft.com/office/drawing/2010/main" showMasterSp="1" showMasterPhAnim="1">
+<file path=ppt/notesSlides/notesSlide3.xml><?xml version="1.0" encoding="utf-8"?>
+<p:notes xmlns:a="http://schemas.openxmlformats.org/drawingml/2006/main" xmlns:r="http://schemas.openxmlformats.org/officeDocument/2006/relationships" xmlns:p="http://schemas.openxmlformats.org/presentationml/2006/main">
   <p:cSld>
     <p:spTree>
       <p:nvGrpSpPr>
@@ -1459,8 +1490,10 @@
       </p:grpSpPr>
       <p:sp>
         <p:nvSpPr>
-          <p:cNvPr id="249" name="Shape 249"/>
-          <p:cNvSpPr/>
+          <p:cNvPr id="241" name="Shape 241"/>
+          <p:cNvSpPr>
+            <a:spLocks noGrp="1" noRot="1" noChangeAspect="1"/>
+          </p:cNvSpPr>
           <p:nvPr>
             <p:ph type="sldImg"/>
           </p:nvPr>
@@ -1474,14 +1507,16 @@
           <a:bodyPr/>
           <a:lstStyle/>
           <a:p>
-            <a:pPr/>
-          </a:p>
-        </p:txBody>
-      </p:sp>
-      <p:sp>
-        <p:nvSpPr>
-          <p:cNvPr id="250" name="Shape 250"/>
-          <p:cNvSpPr/>
+            <a:endParaRPr/>
+          </a:p>
+        </p:txBody>
+      </p:sp>
+      <p:sp>
+        <p:nvSpPr>
+          <p:cNvPr id="242" name="Shape 242"/>
+          <p:cNvSpPr>
+            <a:spLocks noGrp="1"/>
+          </p:cNvSpPr>
           <p:nvPr>
             <p:ph type="body" sz="quarter" idx="1"/>
           </p:nvPr>
@@ -1499,20 +1534,21 @@
               <a:defRPr sz="1800"/>
             </a:pPr>
             <a:r>
-              <a:t>&gt;&gt;&gt;Primeiro…</a:t>
+              <a:t>nome criado por volta de 1966, por Margaret Hamilton, da NASA, software que levou o homem para a lua, “discipline of making software products” (foco em programa para uso próprio, produto não)</a:t>
             </a:r>
           </a:p>
           <a:p>
             <a:pPr defTabSz="406400">
               <a:defRPr sz="1800"/>
             </a:pPr>
+            <a:endParaRPr/>
           </a:p>
           <a:p>
             <a:pPr defTabSz="406400">
               <a:defRPr sz="1800"/>
             </a:pPr>
             <a:r>
-              <a:t>por conta disso, para ela funcionar, precisamos de&gt;&gt;&gt;</a:t>
+              <a:t>E por que é importante uma abordagem de engenharia para desenvolvimento de sistemas?&gt;&gt;&gt;</a:t>
             </a:r>
           </a:p>
         </p:txBody>
@@ -1525,8 +1561,8 @@
 </p:notes>
 </file>
 
-<file path=ppt/notesSlides/notesSlide5.xml><?xml version="1.0" encoding="utf-8"?>
-<p:notes xmlns:a="http://schemas.openxmlformats.org/drawingml/2006/main" xmlns:r="http://schemas.openxmlformats.org/officeDocument/2006/relationships" xmlns:p="http://schemas.openxmlformats.org/presentationml/2006/main" xmlns:m="http://schemas.openxmlformats.org/officeDocument/2006/math" xmlns:a14="http://schemas.microsoft.com/office/drawing/2010/main" showMasterSp="1" showMasterPhAnim="1">
+<file path=ppt/notesSlides/notesSlide4.xml><?xml version="1.0" encoding="utf-8"?>
+<p:notes xmlns:a="http://schemas.openxmlformats.org/drawingml/2006/main" xmlns:r="http://schemas.openxmlformats.org/officeDocument/2006/relationships" xmlns:p="http://schemas.openxmlformats.org/presentationml/2006/main">
   <p:cSld>
     <p:spTree>
       <p:nvGrpSpPr>
@@ -1544,8 +1580,10 @@
       </p:grpSpPr>
       <p:sp>
         <p:nvSpPr>
-          <p:cNvPr id="254" name="Shape 254"/>
-          <p:cNvSpPr/>
+          <p:cNvPr id="249" name="Shape 249"/>
+          <p:cNvSpPr>
+            <a:spLocks noGrp="1" noRot="1" noChangeAspect="1"/>
+          </p:cNvSpPr>
           <p:nvPr>
             <p:ph type="sldImg"/>
           </p:nvPr>
@@ -1559,14 +1597,16 @@
           <a:bodyPr/>
           <a:lstStyle/>
           <a:p>
-            <a:pPr/>
-          </a:p>
-        </p:txBody>
-      </p:sp>
-      <p:sp>
-        <p:nvSpPr>
-          <p:cNvPr id="255" name="Shape 255"/>
-          <p:cNvSpPr/>
+            <a:endParaRPr/>
+          </a:p>
+        </p:txBody>
+      </p:sp>
+      <p:sp>
+        <p:nvSpPr>
+          <p:cNvPr id="250" name="Shape 250"/>
+          <p:cNvSpPr>
+            <a:spLocks noGrp="1"/>
+          </p:cNvSpPr>
           <p:nvPr>
             <p:ph type="body" sz="quarter" idx="1"/>
           </p:nvPr>
@@ -1580,29 +1620,25 @@
           <a:bodyPr/>
           <a:lstStyle/>
           <a:p>
-            <a:pPr defTabSz="457200">
-              <a:defRPr sz="2400">
-                <a:latin typeface="Helvetica"/>
-                <a:ea typeface="Helvetica"/>
-                <a:cs typeface="Helvetica"/>
-                <a:sym typeface="Helvetica"/>
-              </a:defRPr>
+            <a:pPr defTabSz="406400">
+              <a:defRPr sz="1800"/>
             </a:pPr>
             <a:r>
-              <a:t>não é só questão de criar, mas como criar com qualidade e produtividade, </a:t>
-            </a:r>
-          </a:p>
-          <a:p>
-            <a:pPr defTabSz="457200">
-              <a:defRPr sz="2400">
-                <a:latin typeface="Helvetica"/>
-                <a:ea typeface="Helvetica"/>
-                <a:cs typeface="Helvetica"/>
-                <a:sym typeface="Helvetica"/>
-              </a:defRPr>
+              <a:t>&gt;&gt;&gt;Primeiro…</a:t>
+            </a:r>
+          </a:p>
+          <a:p>
+            <a:pPr defTabSz="406400">
+              <a:defRPr sz="1800"/>
             </a:pPr>
-            <a:r>
-              <a:t>e só atingimos isso com… &gt;&gt;&gt;&gt;</a:t>
+            <a:endParaRPr/>
+          </a:p>
+          <a:p>
+            <a:pPr defTabSz="406400">
+              <a:defRPr sz="1800"/>
+            </a:pPr>
+            <a:r>
+              <a:t>por conta disso, para ela funcionar, precisamos de&gt;&gt;&gt;</a:t>
             </a:r>
           </a:p>
         </p:txBody>
@@ -1615,8 +1651,8 @@
 </p:notes>
 </file>
 
-<file path=ppt/notesSlides/notesSlide6.xml><?xml version="1.0" encoding="utf-8"?>
-<p:notes xmlns:a="http://schemas.openxmlformats.org/drawingml/2006/main" xmlns:r="http://schemas.openxmlformats.org/officeDocument/2006/relationships" xmlns:p="http://schemas.openxmlformats.org/presentationml/2006/main" xmlns:m="http://schemas.openxmlformats.org/officeDocument/2006/math" xmlns:a14="http://schemas.microsoft.com/office/drawing/2010/main" showMasterSp="1" showMasterPhAnim="1">
+<file path=ppt/notesSlides/notesSlide5.xml><?xml version="1.0" encoding="utf-8"?>
+<p:notes xmlns:a="http://schemas.openxmlformats.org/drawingml/2006/main" xmlns:r="http://schemas.openxmlformats.org/officeDocument/2006/relationships" xmlns:p="http://schemas.openxmlformats.org/presentationml/2006/main">
   <p:cSld>
     <p:spTree>
       <p:nvGrpSpPr>
@@ -1634,8 +1670,10 @@
       </p:grpSpPr>
       <p:sp>
         <p:nvSpPr>
-          <p:cNvPr id="262" name="Shape 262"/>
-          <p:cNvSpPr/>
+          <p:cNvPr id="249" name="Shape 249"/>
+          <p:cNvSpPr>
+            <a:spLocks noGrp="1" noRot="1" noChangeAspect="1"/>
+          </p:cNvSpPr>
           <p:nvPr>
             <p:ph type="sldImg"/>
           </p:nvPr>
@@ -1649,14 +1687,16 @@
           <a:bodyPr/>
           <a:lstStyle/>
           <a:p>
-            <a:pPr/>
-          </a:p>
-        </p:txBody>
-      </p:sp>
-      <p:sp>
-        <p:nvSpPr>
-          <p:cNvPr id="263" name="Shape 263"/>
-          <p:cNvSpPr/>
+            <a:endParaRPr/>
+          </a:p>
+        </p:txBody>
+      </p:sp>
+      <p:sp>
+        <p:nvSpPr>
+          <p:cNvPr id="250" name="Shape 250"/>
+          <p:cNvSpPr>
+            <a:spLocks noGrp="1"/>
+          </p:cNvSpPr>
           <p:nvPr>
             <p:ph type="body" sz="quarter" idx="1"/>
           </p:nvPr>
@@ -1670,27 +1710,25 @@
           <a:bodyPr/>
           <a:lstStyle/>
           <a:p>
-            <a:pPr/>
-            <a:r>
-              <a:t>parte arte, parte engenharia, levantar discussão</a:t>
-            </a:r>
-          </a:p>
-          <a:p>
-            <a:pPr/>
-          </a:p>
-          <a:p>
-            <a:pPr/>
-            <a:r>
-              <a:t>para casa de cachorro, basta o pedreiro… para a outra, o engenheiro…</a:t>
-            </a:r>
-          </a:p>
-          <a:p>
-            <a:pPr/>
-          </a:p>
-          <a:p>
-            <a:pPr/>
-            <a:r>
-              <a:t>mas o profissionalismo não é uma questão de conseguir desenvolver algo grande vs pequeno&gt;&gt;&gt;</a:t>
+            <a:pPr defTabSz="406400">
+              <a:defRPr sz="1800"/>
+            </a:pPr>
+            <a:r>
+              <a:t>&gt;&gt;&gt;Primeiro…</a:t>
+            </a:r>
+          </a:p>
+          <a:p>
+            <a:pPr defTabSz="406400">
+              <a:defRPr sz="1800"/>
+            </a:pPr>
+            <a:endParaRPr/>
+          </a:p>
+          <a:p>
+            <a:pPr defTabSz="406400">
+              <a:defRPr sz="1800"/>
+            </a:pPr>
+            <a:r>
+              <a:t>por conta disso, para ela funcionar, precisamos de&gt;&gt;&gt;</a:t>
             </a:r>
           </a:p>
         </p:txBody>
@@ -1703,8 +1741,8 @@
 </p:notes>
 </file>
 
-<file path=ppt/notesSlides/notesSlide7.xml><?xml version="1.0" encoding="utf-8"?>
-<p:notes xmlns:a="http://schemas.openxmlformats.org/drawingml/2006/main" xmlns:r="http://schemas.openxmlformats.org/officeDocument/2006/relationships" xmlns:p="http://schemas.openxmlformats.org/presentationml/2006/main" xmlns:m="http://schemas.openxmlformats.org/officeDocument/2006/math" xmlns:a14="http://schemas.microsoft.com/office/drawing/2010/main" showMasterSp="1" showMasterPhAnim="1">
+<file path=ppt/notesSlides/notesSlide6.xml><?xml version="1.0" encoding="utf-8"?>
+<p:notes xmlns:a="http://schemas.openxmlformats.org/drawingml/2006/main" xmlns:r="http://schemas.openxmlformats.org/officeDocument/2006/relationships" xmlns:p="http://schemas.openxmlformats.org/presentationml/2006/main">
   <p:cSld>
     <p:spTree>
       <p:nvGrpSpPr>
@@ -1722,8 +1760,10 @@
       </p:grpSpPr>
       <p:sp>
         <p:nvSpPr>
-          <p:cNvPr id="268" name="Shape 268"/>
-          <p:cNvSpPr/>
+          <p:cNvPr id="254" name="Shape 254"/>
+          <p:cNvSpPr>
+            <a:spLocks noGrp="1" noRot="1" noChangeAspect="1"/>
+          </p:cNvSpPr>
           <p:nvPr>
             <p:ph type="sldImg"/>
           </p:nvPr>
@@ -1737,14 +1777,16 @@
           <a:bodyPr/>
           <a:lstStyle/>
           <a:p>
-            <a:pPr/>
-          </a:p>
-        </p:txBody>
-      </p:sp>
-      <p:sp>
-        <p:nvSpPr>
-          <p:cNvPr id="269" name="Shape 269"/>
-          <p:cNvSpPr/>
+            <a:endParaRPr/>
+          </a:p>
+        </p:txBody>
+      </p:sp>
+      <p:sp>
+        <p:nvSpPr>
+          <p:cNvPr id="255" name="Shape 255"/>
+          <p:cNvSpPr>
+            <a:spLocks noGrp="1"/>
+          </p:cNvSpPr>
           <p:nvPr>
             <p:ph type="body" sz="quarter" idx="1"/>
           </p:nvPr>
@@ -1758,18 +1800,29 @@
           <a:bodyPr/>
           <a:lstStyle/>
           <a:p>
-            <a:pPr/>
-            <a:r>
-              <a:t>&gt;&gt;&gt; pode-se construir algo grande com gambiarras e sem engenharia…</a:t>
-            </a:r>
-          </a:p>
-          <a:p>
-            <a:pPr/>
-          </a:p>
-          <a:p>
-            <a:pPr/>
-            <a:r>
-              <a:t>de fato&gt;&gt;&gt; </a:t>
+            <a:pPr defTabSz="457200">
+              <a:defRPr sz="2400">
+                <a:latin typeface="Helvetica"/>
+                <a:ea typeface="Helvetica"/>
+                <a:cs typeface="Helvetica"/>
+                <a:sym typeface="Helvetica"/>
+              </a:defRPr>
+            </a:pPr>
+            <a:r>
+              <a:t>não é só questão de criar, mas como criar com qualidade e produtividade, </a:t>
+            </a:r>
+          </a:p>
+          <a:p>
+            <a:pPr defTabSz="457200">
+              <a:defRPr sz="2400">
+                <a:latin typeface="Helvetica"/>
+                <a:ea typeface="Helvetica"/>
+                <a:cs typeface="Helvetica"/>
+                <a:sym typeface="Helvetica"/>
+              </a:defRPr>
+            </a:pPr>
+            <a:r>
+              <a:t>e só atingimos isso com… &gt;&gt;&gt;&gt;</a:t>
             </a:r>
           </a:p>
         </p:txBody>
@@ -1782,8 +1835,8 @@
 </p:notes>
 </file>
 
-<file path=ppt/notesSlides/notesSlide8.xml><?xml version="1.0" encoding="utf-8"?>
-<p:notes xmlns:a="http://schemas.openxmlformats.org/drawingml/2006/main" xmlns:r="http://schemas.openxmlformats.org/officeDocument/2006/relationships" xmlns:p="http://schemas.openxmlformats.org/presentationml/2006/main" xmlns:m="http://schemas.openxmlformats.org/officeDocument/2006/math" xmlns:a14="http://schemas.microsoft.com/office/drawing/2010/main" showMasterSp="1" showMasterPhAnim="1">
+<file path=ppt/notesSlides/notesSlide7.xml><?xml version="1.0" encoding="utf-8"?>
+<p:notes xmlns:a="http://schemas.openxmlformats.org/drawingml/2006/main" xmlns:r="http://schemas.openxmlformats.org/officeDocument/2006/relationships" xmlns:p="http://schemas.openxmlformats.org/presentationml/2006/main">
   <p:cSld>
     <p:spTree>
       <p:nvGrpSpPr>
@@ -1801,8 +1854,10 @@
       </p:grpSpPr>
       <p:sp>
         <p:nvSpPr>
-          <p:cNvPr id="272" name="Shape 272"/>
-          <p:cNvSpPr/>
+          <p:cNvPr id="262" name="Shape 262"/>
+          <p:cNvSpPr>
+            <a:spLocks noGrp="1" noRot="1" noChangeAspect="1"/>
+          </p:cNvSpPr>
           <p:nvPr>
             <p:ph type="sldImg"/>
           </p:nvPr>
@@ -1816,14 +1871,16 @@
           <a:bodyPr/>
           <a:lstStyle/>
           <a:p>
-            <a:pPr/>
-          </a:p>
-        </p:txBody>
-      </p:sp>
-      <p:sp>
-        <p:nvSpPr>
-          <p:cNvPr id="273" name="Shape 273"/>
-          <p:cNvSpPr/>
+            <a:endParaRPr/>
+          </a:p>
+        </p:txBody>
+      </p:sp>
+      <p:sp>
+        <p:nvSpPr>
+          <p:cNvPr id="263" name="Shape 263"/>
+          <p:cNvSpPr>
+            <a:spLocks noGrp="1"/>
+          </p:cNvSpPr>
           <p:nvPr>
             <p:ph type="body" sz="quarter" idx="1"/>
           </p:nvPr>
@@ -1837,9 +1894,24 @@
           <a:bodyPr/>
           <a:lstStyle/>
           <a:p>
-            <a:pPr/>
-            <a:r>
-              <a:t>mas isso reflete&gt;&gt;&gt;</a:t>
+            <a:r>
+              <a:t>parte arte, parte engenharia, levantar discussão</a:t>
+            </a:r>
+          </a:p>
+          <a:p>
+            <a:endParaRPr/>
+          </a:p>
+          <a:p>
+            <a:r>
+              <a:t>para casa de cachorro, basta o pedreiro… para a outra, o engenheiro…</a:t>
+            </a:r>
+          </a:p>
+          <a:p>
+            <a:endParaRPr/>
+          </a:p>
+          <a:p>
+            <a:r>
+              <a:t>mas o profissionalismo não é uma questão de conseguir desenvolver algo grande vs pequeno&gt;&gt;&gt;</a:t>
             </a:r>
           </a:p>
         </p:txBody>
@@ -1852,8 +1924,8 @@
 </p:notes>
 </file>
 
-<file path=ppt/notesSlides/notesSlide9.xml><?xml version="1.0" encoding="utf-8"?>
-<p:notes xmlns:a="http://schemas.openxmlformats.org/drawingml/2006/main" xmlns:r="http://schemas.openxmlformats.org/officeDocument/2006/relationships" xmlns:p="http://schemas.openxmlformats.org/presentationml/2006/main" xmlns:m="http://schemas.openxmlformats.org/officeDocument/2006/math" xmlns:a14="http://schemas.microsoft.com/office/drawing/2010/main" showMasterSp="1" showMasterPhAnim="1">
+<file path=ppt/notesSlides/notesSlide8.xml><?xml version="1.0" encoding="utf-8"?>
+<p:notes xmlns:a="http://schemas.openxmlformats.org/drawingml/2006/main" xmlns:r="http://schemas.openxmlformats.org/officeDocument/2006/relationships" xmlns:p="http://schemas.openxmlformats.org/presentationml/2006/main">
   <p:cSld>
     <p:spTree>
       <p:nvGrpSpPr>
@@ -1871,8 +1943,10 @@
       </p:grpSpPr>
       <p:sp>
         <p:nvSpPr>
-          <p:cNvPr id="276" name="Shape 276"/>
-          <p:cNvSpPr/>
+          <p:cNvPr id="268" name="Shape 268"/>
+          <p:cNvSpPr>
+            <a:spLocks noGrp="1" noRot="1" noChangeAspect="1"/>
+          </p:cNvSpPr>
           <p:nvPr>
             <p:ph type="sldImg"/>
           </p:nvPr>
@@ -1886,14 +1960,16 @@
           <a:bodyPr/>
           <a:lstStyle/>
           <a:p>
-            <a:pPr/>
-          </a:p>
-        </p:txBody>
-      </p:sp>
-      <p:sp>
-        <p:nvSpPr>
-          <p:cNvPr id="277" name="Shape 277"/>
-          <p:cNvSpPr/>
+            <a:endParaRPr/>
+          </a:p>
+        </p:txBody>
+      </p:sp>
+      <p:sp>
+        <p:nvSpPr>
+          <p:cNvPr id="269" name="Shape 269"/>
+          <p:cNvSpPr>
+            <a:spLocks noGrp="1"/>
+          </p:cNvSpPr>
           <p:nvPr>
             <p:ph type="body" sz="quarter" idx="1"/>
           </p:nvPr>
@@ -1907,21 +1983,89 @@
           <a:bodyPr/>
           <a:lstStyle/>
           <a:p>
-            <a:pPr/>
-          </a:p>
-          <a:p>
-            <a:pPr/>
-            <a:r>
-              <a:t>&gt;&gt;&gt;preocupante </a:t>
-            </a:r>
-          </a:p>
-          <a:p>
-            <a:pPr/>
-          </a:p>
-          <a:p>
-            <a:pPr/>
-            <a:r>
-              <a:t>reflete foco em&gt;&gt;&gt;</a:t>
+            <a:r>
+              <a:t>&gt;&gt;&gt; pode-se construir algo grande com gambiarras e sem engenharia…</a:t>
+            </a:r>
+          </a:p>
+          <a:p>
+            <a:endParaRPr/>
+          </a:p>
+          <a:p>
+            <a:r>
+              <a:t>de fato&gt;&gt;&gt; </a:t>
+            </a:r>
+          </a:p>
+        </p:txBody>
+      </p:sp>
+    </p:spTree>
+  </p:cSld>
+  <p:clrMapOvr>
+    <a:masterClrMapping/>
+  </p:clrMapOvr>
+</p:notes>
+</file>
+
+<file path=ppt/notesSlides/notesSlide9.xml><?xml version="1.0" encoding="utf-8"?>
+<p:notes xmlns:a="http://schemas.openxmlformats.org/drawingml/2006/main" xmlns:r="http://schemas.openxmlformats.org/officeDocument/2006/relationships" xmlns:p="http://schemas.openxmlformats.org/presentationml/2006/main">
+  <p:cSld>
+    <p:spTree>
+      <p:nvGrpSpPr>
+        <p:cNvPr id="1" name=""/>
+        <p:cNvGrpSpPr/>
+        <p:nvPr/>
+      </p:nvGrpSpPr>
+      <p:grpSpPr>
+        <a:xfrm>
+          <a:off x="0" y="0"/>
+          <a:ext cx="0" cy="0"/>
+          <a:chOff x="0" y="0"/>
+          <a:chExt cx="0" cy="0"/>
+        </a:xfrm>
+      </p:grpSpPr>
+      <p:sp>
+        <p:nvSpPr>
+          <p:cNvPr id="272" name="Shape 272"/>
+          <p:cNvSpPr>
+            <a:spLocks noGrp="1" noRot="1" noChangeAspect="1"/>
+          </p:cNvSpPr>
+          <p:nvPr>
+            <p:ph type="sldImg"/>
+          </p:nvPr>
+        </p:nvSpPr>
+        <p:spPr>
+          <a:prstGeom prst="rect">
+            <a:avLst/>
+          </a:prstGeom>
+        </p:spPr>
+        <p:txBody>
+          <a:bodyPr/>
+          <a:lstStyle/>
+          <a:p>
+            <a:endParaRPr/>
+          </a:p>
+        </p:txBody>
+      </p:sp>
+      <p:sp>
+        <p:nvSpPr>
+          <p:cNvPr id="273" name="Shape 273"/>
+          <p:cNvSpPr>
+            <a:spLocks noGrp="1"/>
+          </p:cNvSpPr>
+          <p:nvPr>
+            <p:ph type="body" sz="quarter" idx="1"/>
+          </p:nvPr>
+        </p:nvSpPr>
+        <p:spPr>
+          <a:prstGeom prst="rect">
+            <a:avLst/>
+          </a:prstGeom>
+        </p:spPr>
+        <p:txBody>
+          <a:bodyPr/>
+          <a:lstStyle/>
+          <a:p>
+            <a:r>
+              <a:t>mas isso reflete&gt;&gt;&gt;</a:t>
             </a:r>
           </a:p>
         </p:txBody>
@@ -1935,7 +2079,7 @@
 </file>
 
 <file path=ppt/slideLayouts/slideLayout1.xml><?xml version="1.0" encoding="utf-8"?>
-<p:sldLayout xmlns:a="http://schemas.openxmlformats.org/drawingml/2006/main" xmlns:r="http://schemas.openxmlformats.org/officeDocument/2006/relationships" xmlns:p="http://schemas.openxmlformats.org/presentationml/2006/main" xmlns:m="http://schemas.openxmlformats.org/officeDocument/2006/math" xmlns:a14="http://schemas.microsoft.com/office/drawing/2010/main" type="title" showMasterSp="1" showMasterPhAnim="1">
+<p:sldLayout xmlns:a="http://schemas.openxmlformats.org/drawingml/2006/main" xmlns:r="http://schemas.openxmlformats.org/officeDocument/2006/relationships" xmlns:p="http://schemas.openxmlformats.org/presentationml/2006/main" type="title">
   <p:cSld name="Title &amp; Subtitle">
     <p:spTree>
       <p:nvGrpSpPr>
@@ -1954,7 +2098,9 @@
       <p:sp>
         <p:nvSpPr>
           <p:cNvPr id="11" name="Title Text"/>
-          <p:cNvSpPr txBox="1"/>
+          <p:cNvSpPr txBox="1">
+            <a:spLocks noGrp="1"/>
+          </p:cNvSpPr>
           <p:nvPr>
             <p:ph type="title"/>
           </p:nvPr>
@@ -1972,7 +2118,6 @@
           <a:bodyPr anchor="b"/>
           <a:lstStyle/>
           <a:p>
-            <a:pPr/>
             <a:r>
               <a:t>Title Text</a:t>
             </a:r>
@@ -1982,7 +2127,9 @@
       <p:sp>
         <p:nvSpPr>
           <p:cNvPr id="12" name="Body Level One…"/>
-          <p:cNvSpPr txBox="1"/>
+          <p:cNvSpPr txBox="1">
+            <a:spLocks noGrp="1"/>
+          </p:cNvSpPr>
           <p:nvPr>
             <p:ph type="body" sz="quarter" idx="1"/>
           </p:nvPr>
@@ -2041,7 +2188,6 @@
             </a:lvl5pPr>
           </a:lstStyle>
           <a:p>
-            <a:pPr/>
             <a:r>
               <a:t>Body Level One</a:t>
             </a:r>
@@ -2075,7 +2221,9 @@
       <p:sp>
         <p:nvSpPr>
           <p:cNvPr id="13" name="Slide Number"/>
-          <p:cNvSpPr txBox="1"/>
+          <p:cNvSpPr txBox="1">
+            <a:spLocks noGrp="1"/>
+          </p:cNvSpPr>
           <p:nvPr>
             <p:ph type="sldNum" sz="quarter" idx="2"/>
           </p:nvPr>
@@ -2089,8 +2237,12 @@
           <a:bodyPr/>
           <a:lstStyle/>
           <a:p>
-            <a:pPr/>
-            <a:fld id="{86CB4B4D-7CA3-9044-876B-883B54F8677D}" type="slidenum"/>
+            <a:fld id="{86CB4B4D-7CA3-9044-876B-883B54F8677D}" type="slidenum">
+              <a:rPr/>
+              <a:pPr/>
+              <a:t>‹nº›</a:t>
+            </a:fld>
+            <a:endParaRPr/>
           </a:p>
         </p:txBody>
       </p:sp>
@@ -2099,12 +2251,12 @@
   <p:clrMapOvr>
     <a:masterClrMapping/>
   </p:clrMapOvr>
-  <p:transition xmlns:p14="http://schemas.microsoft.com/office/powerpoint/2010/main" spd="med" advClick="1"/>
+  <p:transition spd="med"/>
 </p:sldLayout>
 </file>
 
 <file path=ppt/slideLayouts/slideLayout10.xml><?xml version="1.0" encoding="utf-8"?>
-<p:sldLayout xmlns:a="http://schemas.openxmlformats.org/drawingml/2006/main" xmlns:r="http://schemas.openxmlformats.org/officeDocument/2006/relationships" xmlns:p="http://schemas.openxmlformats.org/presentationml/2006/main" xmlns:m="http://schemas.openxmlformats.org/officeDocument/2006/math" xmlns:a14="http://schemas.microsoft.com/office/drawing/2010/main" type="tx" showMasterSp="1" showMasterPhAnim="1">
+<p:sldLayout xmlns:a="http://schemas.openxmlformats.org/drawingml/2006/main" xmlns:r="http://schemas.openxmlformats.org/officeDocument/2006/relationships" xmlns:p="http://schemas.openxmlformats.org/presentationml/2006/main" type="tx">
   <p:cSld name="Photo - Vertical">
     <p:spTree>
       <p:nvGrpSpPr>
@@ -2123,7 +2275,9 @@
       <p:sp>
         <p:nvSpPr>
           <p:cNvPr id="87" name="Image"/>
-          <p:cNvSpPr/>
+          <p:cNvSpPr>
+            <a:spLocks noGrp="1"/>
+          </p:cNvSpPr>
           <p:nvPr>
             <p:ph type="pic" sz="half" idx="21"/>
           </p:nvPr>
@@ -2141,14 +2295,16 @@
           <a:bodyPr lIns="91439" tIns="45719" rIns="91439" bIns="45719" anchor="t"/>
           <a:lstStyle/>
           <a:p>
-            <a:pPr/>
+            <a:endParaRPr/>
           </a:p>
         </p:txBody>
       </p:sp>
       <p:sp>
         <p:nvSpPr>
           <p:cNvPr id="88" name="Title Text"/>
-          <p:cNvSpPr txBox="1"/>
+          <p:cNvSpPr txBox="1">
+            <a:spLocks noGrp="1"/>
+          </p:cNvSpPr>
           <p:nvPr>
             <p:ph type="title"/>
           </p:nvPr>
@@ -2170,7 +2326,6 @@
             </a:lvl1pPr>
           </a:lstStyle>
           <a:p>
-            <a:pPr/>
             <a:r>
               <a:t>Title Text</a:t>
             </a:r>
@@ -2180,7 +2335,9 @@
       <p:sp>
         <p:nvSpPr>
           <p:cNvPr id="89" name="Body Level One…"/>
-          <p:cNvSpPr txBox="1"/>
+          <p:cNvSpPr txBox="1">
+            <a:spLocks noGrp="1"/>
+          </p:cNvSpPr>
           <p:nvPr>
             <p:ph type="body" sz="quarter" idx="1"/>
           </p:nvPr>
@@ -2239,7 +2396,6 @@
             </a:lvl5pPr>
           </a:lstStyle>
           <a:p>
-            <a:pPr/>
             <a:r>
               <a:t>Body Level One</a:t>
             </a:r>
@@ -2273,7 +2429,9 @@
       <p:sp>
         <p:nvSpPr>
           <p:cNvPr id="90" name="Slide Number"/>
-          <p:cNvSpPr txBox="1"/>
+          <p:cNvSpPr txBox="1">
+            <a:spLocks noGrp="1"/>
+          </p:cNvSpPr>
           <p:nvPr>
             <p:ph type="sldNum" sz="quarter" idx="2"/>
           </p:nvPr>
@@ -2287,8 +2445,12 @@
           <a:bodyPr/>
           <a:lstStyle/>
           <a:p>
-            <a:pPr/>
-            <a:fld id="{86CB4B4D-7CA3-9044-876B-883B54F8677D}" type="slidenum"/>
+            <a:fld id="{86CB4B4D-7CA3-9044-876B-883B54F8677D}" type="slidenum">
+              <a:rPr/>
+              <a:pPr/>
+              <a:t>‹nº›</a:t>
+            </a:fld>
+            <a:endParaRPr/>
           </a:p>
         </p:txBody>
       </p:sp>
@@ -2297,12 +2459,12 @@
   <p:clrMapOvr>
     <a:masterClrMapping/>
   </p:clrMapOvr>
-  <p:transition xmlns:p14="http://schemas.microsoft.com/office/powerpoint/2010/main" spd="med" advClick="1"/>
+  <p:transition spd="med"/>
 </p:sldLayout>
 </file>
 
 <file path=ppt/slideLayouts/slideLayout11.xml><?xml version="1.0" encoding="utf-8"?>
-<p:sldLayout xmlns:a="http://schemas.openxmlformats.org/drawingml/2006/main" xmlns:r="http://schemas.openxmlformats.org/officeDocument/2006/relationships" xmlns:p="http://schemas.openxmlformats.org/presentationml/2006/main" xmlns:m="http://schemas.openxmlformats.org/officeDocument/2006/math" xmlns:a14="http://schemas.microsoft.com/office/drawing/2010/main" type="tx" showMasterSp="1" showMasterPhAnim="1">
+<p:sldLayout xmlns:a="http://schemas.openxmlformats.org/drawingml/2006/main" xmlns:r="http://schemas.openxmlformats.org/officeDocument/2006/relationships" xmlns:p="http://schemas.openxmlformats.org/presentationml/2006/main" type="tx">
   <p:cSld name="Photo - Vertical Reflection">
     <p:spTree>
       <p:nvGrpSpPr>
@@ -2321,7 +2483,9 @@
       <p:sp>
         <p:nvSpPr>
           <p:cNvPr id="97" name="Image"/>
-          <p:cNvSpPr/>
+          <p:cNvSpPr>
+            <a:spLocks noGrp="1"/>
+          </p:cNvSpPr>
           <p:nvPr>
             <p:ph type="pic" sz="half" idx="21"/>
           </p:nvPr>
@@ -2335,21 +2499,23 @@
             <a:avLst/>
           </a:prstGeom>
           <a:effectLst>
-            <a:reflection blurRad="0" stA="50000" stPos="0" endA="0" endPos="40000" dist="0" dir="5400000" fadeDir="5400000" sx="100000" sy="-100000" kx="0" ky="0" algn="bl" rotWithShape="0"/>
+            <a:reflection stA="50000" endPos="40000" dir="5400000" sy="-100000" algn="bl" rotWithShape="0"/>
           </a:effectLst>
         </p:spPr>
         <p:txBody>
           <a:bodyPr lIns="91439" tIns="45719" rIns="91439" bIns="45719" anchor="t"/>
           <a:lstStyle/>
           <a:p>
-            <a:pPr/>
+            <a:endParaRPr/>
           </a:p>
         </p:txBody>
       </p:sp>
       <p:sp>
         <p:nvSpPr>
           <p:cNvPr id="98" name="Title Text"/>
-          <p:cNvSpPr txBox="1"/>
+          <p:cNvSpPr txBox="1">
+            <a:spLocks noGrp="1"/>
+          </p:cNvSpPr>
           <p:nvPr>
             <p:ph type="title"/>
           </p:nvPr>
@@ -2371,7 +2537,6 @@
             </a:lvl1pPr>
           </a:lstStyle>
           <a:p>
-            <a:pPr/>
             <a:r>
               <a:t>Title Text</a:t>
             </a:r>
@@ -2381,7 +2546,9 @@
       <p:sp>
         <p:nvSpPr>
           <p:cNvPr id="99" name="Body Level One…"/>
-          <p:cNvSpPr txBox="1"/>
+          <p:cNvSpPr txBox="1">
+            <a:spLocks noGrp="1"/>
+          </p:cNvSpPr>
           <p:nvPr>
             <p:ph type="body" sz="quarter" idx="1"/>
           </p:nvPr>
@@ -2440,7 +2607,6 @@
             </a:lvl5pPr>
           </a:lstStyle>
           <a:p>
-            <a:pPr/>
             <a:r>
               <a:t>Body Level One</a:t>
             </a:r>
@@ -2474,7 +2640,9 @@
       <p:sp>
         <p:nvSpPr>
           <p:cNvPr id="100" name="Slide Number"/>
-          <p:cNvSpPr txBox="1"/>
+          <p:cNvSpPr txBox="1">
+            <a:spLocks noGrp="1"/>
+          </p:cNvSpPr>
           <p:nvPr>
             <p:ph type="sldNum" sz="quarter" idx="2"/>
           </p:nvPr>
@@ -2488,8 +2656,12 @@
           <a:bodyPr/>
           <a:lstStyle/>
           <a:p>
-            <a:pPr/>
-            <a:fld id="{86CB4B4D-7CA3-9044-876B-883B54F8677D}" type="slidenum"/>
+            <a:fld id="{86CB4B4D-7CA3-9044-876B-883B54F8677D}" type="slidenum">
+              <a:rPr/>
+              <a:pPr/>
+              <a:t>‹nº›</a:t>
+            </a:fld>
+            <a:endParaRPr/>
           </a:p>
         </p:txBody>
       </p:sp>
@@ -2498,12 +2670,12 @@
   <p:clrMapOvr>
     <a:masterClrMapping/>
   </p:clrMapOvr>
-  <p:transition xmlns:p14="http://schemas.microsoft.com/office/powerpoint/2010/main" spd="med" advClick="1"/>
+  <p:transition spd="med"/>
 </p:sldLayout>
 </file>
 
 <file path=ppt/slideLayouts/slideLayout12.xml><?xml version="1.0" encoding="utf-8"?>
-<p:sldLayout xmlns:a="http://schemas.openxmlformats.org/drawingml/2006/main" xmlns:r="http://schemas.openxmlformats.org/officeDocument/2006/relationships" xmlns:p="http://schemas.openxmlformats.org/presentationml/2006/main" xmlns:m="http://schemas.openxmlformats.org/officeDocument/2006/math" xmlns:a14="http://schemas.microsoft.com/office/drawing/2010/main" type="tx" showMasterSp="1" showMasterPhAnim="1">
+<p:sldLayout xmlns:a="http://schemas.openxmlformats.org/drawingml/2006/main" xmlns:r="http://schemas.openxmlformats.org/officeDocument/2006/relationships" xmlns:p="http://schemas.openxmlformats.org/presentationml/2006/main" type="tx">
   <p:cSld name="Title, Bullets &amp; Photo">
     <p:spTree>
       <p:nvGrpSpPr>
@@ -2522,7 +2694,9 @@
       <p:sp>
         <p:nvSpPr>
           <p:cNvPr id="107" name="Image"/>
-          <p:cNvSpPr/>
+          <p:cNvSpPr>
+            <a:spLocks noGrp="1"/>
+          </p:cNvSpPr>
           <p:nvPr>
             <p:ph type="pic" sz="quarter" idx="21"/>
           </p:nvPr>
@@ -2540,14 +2714,16 @@
           <a:bodyPr lIns="91439" tIns="45719" rIns="91439" bIns="45719" anchor="t"/>
           <a:lstStyle/>
           <a:p>
-            <a:pPr/>
+            <a:endParaRPr/>
           </a:p>
         </p:txBody>
       </p:sp>
       <p:sp>
         <p:nvSpPr>
           <p:cNvPr id="108" name="Title Text"/>
-          <p:cNvSpPr txBox="1"/>
+          <p:cNvSpPr txBox="1">
+            <a:spLocks noGrp="1"/>
+          </p:cNvSpPr>
           <p:nvPr>
             <p:ph type="title"/>
           </p:nvPr>
@@ -2561,7 +2737,6 @@
           <a:bodyPr/>
           <a:lstStyle/>
           <a:p>
-            <a:pPr/>
             <a:r>
               <a:t>Title Text</a:t>
             </a:r>
@@ -2571,7 +2746,9 @@
       <p:sp>
         <p:nvSpPr>
           <p:cNvPr id="109" name="Body Level One…"/>
-          <p:cNvSpPr txBox="1"/>
+          <p:cNvSpPr txBox="1">
+            <a:spLocks noGrp="1"/>
+          </p:cNvSpPr>
           <p:nvPr>
             <p:ph type="body" sz="half" idx="1"/>
           </p:nvPr>
@@ -2620,7 +2797,6 @@
             </a:lvl5pPr>
           </a:lstStyle>
           <a:p>
-            <a:pPr/>
             <a:r>
               <a:t>Body Level One</a:t>
             </a:r>
@@ -2654,7 +2830,9 @@
       <p:sp>
         <p:nvSpPr>
           <p:cNvPr id="110" name="Slide Number"/>
-          <p:cNvSpPr txBox="1"/>
+          <p:cNvSpPr txBox="1">
+            <a:spLocks noGrp="1"/>
+          </p:cNvSpPr>
           <p:nvPr>
             <p:ph type="sldNum" sz="quarter" idx="2"/>
           </p:nvPr>
@@ -2668,8 +2846,12 @@
           <a:bodyPr/>
           <a:lstStyle/>
           <a:p>
-            <a:pPr/>
-            <a:fld id="{86CB4B4D-7CA3-9044-876B-883B54F8677D}" type="slidenum"/>
+            <a:fld id="{86CB4B4D-7CA3-9044-876B-883B54F8677D}" type="slidenum">
+              <a:rPr/>
+              <a:pPr/>
+              <a:t>‹nº›</a:t>
+            </a:fld>
+            <a:endParaRPr/>
           </a:p>
         </p:txBody>
       </p:sp>
@@ -2678,12 +2860,12 @@
   <p:clrMapOvr>
     <a:masterClrMapping/>
   </p:clrMapOvr>
-  <p:transition xmlns:p14="http://schemas.microsoft.com/office/powerpoint/2010/main" spd="med" advClick="1"/>
+  <p:transition spd="med"/>
 </p:sldLayout>
 </file>
 
 <file path=ppt/slideLayouts/slideLayout13.xml><?xml version="1.0" encoding="utf-8"?>
-<p:sldLayout xmlns:a="http://schemas.openxmlformats.org/drawingml/2006/main" xmlns:r="http://schemas.openxmlformats.org/officeDocument/2006/relationships" xmlns:p="http://schemas.openxmlformats.org/presentationml/2006/main" xmlns:m="http://schemas.openxmlformats.org/officeDocument/2006/math" xmlns:a14="http://schemas.microsoft.com/office/drawing/2010/main" type="tx" showMasterSp="1" showMasterPhAnim="1">
+<p:sldLayout xmlns:a="http://schemas.openxmlformats.org/drawingml/2006/main" xmlns:r="http://schemas.openxmlformats.org/officeDocument/2006/relationships" xmlns:p="http://schemas.openxmlformats.org/presentationml/2006/main" type="tx">
   <p:cSld name="Title &amp; Bullets - Left">
     <p:spTree>
       <p:nvGrpSpPr>
@@ -2702,7 +2884,9 @@
       <p:sp>
         <p:nvSpPr>
           <p:cNvPr id="117" name="Title Text"/>
-          <p:cNvSpPr txBox="1"/>
+          <p:cNvSpPr txBox="1">
+            <a:spLocks noGrp="1"/>
+          </p:cNvSpPr>
           <p:nvPr>
             <p:ph type="title"/>
           </p:nvPr>
@@ -2716,7 +2900,6 @@
           <a:bodyPr/>
           <a:lstStyle/>
           <a:p>
-            <a:pPr/>
             <a:r>
               <a:t>Title Text</a:t>
             </a:r>
@@ -2726,7 +2909,9 @@
       <p:sp>
         <p:nvSpPr>
           <p:cNvPr id="118" name="Body Level One…"/>
-          <p:cNvSpPr txBox="1"/>
+          <p:cNvSpPr txBox="1">
+            <a:spLocks noGrp="1"/>
+          </p:cNvSpPr>
           <p:nvPr>
             <p:ph type="body" sz="half" idx="1"/>
           </p:nvPr>
@@ -2775,7 +2960,6 @@
             </a:lvl5pPr>
           </a:lstStyle>
           <a:p>
-            <a:pPr/>
             <a:r>
               <a:t>Body Level One</a:t>
             </a:r>
@@ -2809,7 +2993,9 @@
       <p:sp>
         <p:nvSpPr>
           <p:cNvPr id="119" name="Slide Number"/>
-          <p:cNvSpPr txBox="1"/>
+          <p:cNvSpPr txBox="1">
+            <a:spLocks noGrp="1"/>
+          </p:cNvSpPr>
           <p:nvPr>
             <p:ph type="sldNum" sz="quarter" idx="2"/>
           </p:nvPr>
@@ -2823,8 +3009,12 @@
           <a:bodyPr/>
           <a:lstStyle/>
           <a:p>
-            <a:pPr/>
-            <a:fld id="{86CB4B4D-7CA3-9044-876B-883B54F8677D}" type="slidenum"/>
+            <a:fld id="{86CB4B4D-7CA3-9044-876B-883B54F8677D}" type="slidenum">
+              <a:rPr/>
+              <a:pPr/>
+              <a:t>‹nº›</a:t>
+            </a:fld>
+            <a:endParaRPr/>
           </a:p>
         </p:txBody>
       </p:sp>
@@ -2833,12 +3023,12 @@
   <p:clrMapOvr>
     <a:masterClrMapping/>
   </p:clrMapOvr>
-  <p:transition xmlns:p14="http://schemas.microsoft.com/office/powerpoint/2010/main" spd="med" advClick="1"/>
+  <p:transition spd="med"/>
 </p:sldLayout>
 </file>
 
 <file path=ppt/slideLayouts/slideLayout14.xml><?xml version="1.0" encoding="utf-8"?>
-<p:sldLayout xmlns:a="http://schemas.openxmlformats.org/drawingml/2006/main" xmlns:r="http://schemas.openxmlformats.org/officeDocument/2006/relationships" xmlns:p="http://schemas.openxmlformats.org/presentationml/2006/main" xmlns:m="http://schemas.openxmlformats.org/officeDocument/2006/math" xmlns:a14="http://schemas.microsoft.com/office/drawing/2010/main" type="tx" showMasterSp="1" showMasterPhAnim="1">
+<p:sldLayout xmlns:a="http://schemas.openxmlformats.org/drawingml/2006/main" xmlns:r="http://schemas.openxmlformats.org/officeDocument/2006/relationships" xmlns:p="http://schemas.openxmlformats.org/presentationml/2006/main" type="tx">
   <p:cSld name="Title &amp; Bullets - Right">
     <p:spTree>
       <p:nvGrpSpPr>
@@ -2857,7 +3047,9 @@
       <p:sp>
         <p:nvSpPr>
           <p:cNvPr id="126" name="Title Text"/>
-          <p:cNvSpPr txBox="1"/>
+          <p:cNvSpPr txBox="1">
+            <a:spLocks noGrp="1"/>
+          </p:cNvSpPr>
           <p:nvPr>
             <p:ph type="title"/>
           </p:nvPr>
@@ -2871,7 +3063,6 @@
           <a:bodyPr/>
           <a:lstStyle/>
           <a:p>
-            <a:pPr/>
             <a:r>
               <a:t>Title Text</a:t>
             </a:r>
@@ -2881,7 +3072,9 @@
       <p:sp>
         <p:nvSpPr>
           <p:cNvPr id="127" name="Body Level One…"/>
-          <p:cNvSpPr txBox="1"/>
+          <p:cNvSpPr txBox="1">
+            <a:spLocks noGrp="1"/>
+          </p:cNvSpPr>
           <p:nvPr>
             <p:ph type="body" sz="quarter" idx="1"/>
           </p:nvPr>
@@ -2930,7 +3123,6 @@
             </a:lvl5pPr>
           </a:lstStyle>
           <a:p>
-            <a:pPr/>
             <a:r>
               <a:t>Body Level One</a:t>
             </a:r>
@@ -2964,7 +3156,9 @@
       <p:sp>
         <p:nvSpPr>
           <p:cNvPr id="128" name="Slide Number"/>
-          <p:cNvSpPr txBox="1"/>
+          <p:cNvSpPr txBox="1">
+            <a:spLocks noGrp="1"/>
+          </p:cNvSpPr>
           <p:nvPr>
             <p:ph type="sldNum" sz="quarter" idx="2"/>
           </p:nvPr>
@@ -2978,8 +3172,12 @@
           <a:bodyPr/>
           <a:lstStyle/>
           <a:p>
-            <a:pPr/>
-            <a:fld id="{86CB4B4D-7CA3-9044-876B-883B54F8677D}" type="slidenum"/>
+            <a:fld id="{86CB4B4D-7CA3-9044-876B-883B54F8677D}" type="slidenum">
+              <a:rPr/>
+              <a:pPr/>
+              <a:t>‹nº›</a:t>
+            </a:fld>
+            <a:endParaRPr/>
           </a:p>
         </p:txBody>
       </p:sp>
@@ -2988,12 +3186,12 @@
   <p:clrMapOvr>
     <a:masterClrMapping/>
   </p:clrMapOvr>
-  <p:transition xmlns:p14="http://schemas.microsoft.com/office/powerpoint/2010/main" spd="med" advClick="1"/>
+  <p:transition spd="med"/>
 </p:sldLayout>
 </file>
 
 <file path=ppt/slideLayouts/slideLayout15.xml><?xml version="1.0" encoding="utf-8"?>
-<p:sldLayout xmlns:a="http://schemas.openxmlformats.org/drawingml/2006/main" xmlns:r="http://schemas.openxmlformats.org/officeDocument/2006/relationships" xmlns:p="http://schemas.openxmlformats.org/presentationml/2006/main" xmlns:m="http://schemas.openxmlformats.org/officeDocument/2006/math" xmlns:a14="http://schemas.microsoft.com/office/drawing/2010/main" type="tx" showMasterSp="1" showMasterPhAnim="1">
+<p:sldLayout xmlns:a="http://schemas.openxmlformats.org/drawingml/2006/main" xmlns:r="http://schemas.openxmlformats.org/officeDocument/2006/relationships" xmlns:p="http://schemas.openxmlformats.org/presentationml/2006/main" type="tx">
   <p:cSld name="Title - Top">
     <p:spTree>
       <p:nvGrpSpPr>
@@ -3012,7 +3210,9 @@
       <p:sp>
         <p:nvSpPr>
           <p:cNvPr id="135" name="Title Text"/>
-          <p:cNvSpPr txBox="1"/>
+          <p:cNvSpPr txBox="1">
+            <a:spLocks noGrp="1"/>
+          </p:cNvSpPr>
           <p:nvPr>
             <p:ph type="title"/>
           </p:nvPr>
@@ -3034,7 +3234,6 @@
             </a:lvl1pPr>
           </a:lstStyle>
           <a:p>
-            <a:pPr/>
             <a:r>
               <a:t>Title Text</a:t>
             </a:r>
@@ -3044,7 +3243,9 @@
       <p:sp>
         <p:nvSpPr>
           <p:cNvPr id="136" name="Slide Number"/>
-          <p:cNvSpPr txBox="1"/>
+          <p:cNvSpPr txBox="1">
+            <a:spLocks noGrp="1"/>
+          </p:cNvSpPr>
           <p:nvPr>
             <p:ph type="sldNum" sz="quarter" idx="2"/>
           </p:nvPr>
@@ -3066,8 +3267,12 @@
             </a:lvl1pPr>
           </a:lstStyle>
           <a:p>
-            <a:pPr/>
-            <a:fld id="{86CB4B4D-7CA3-9044-876B-883B54F8677D}" type="slidenum"/>
+            <a:fld id="{86CB4B4D-7CA3-9044-876B-883B54F8677D}" type="slidenum">
+              <a:rPr/>
+              <a:pPr/>
+              <a:t>‹nº›</a:t>
+            </a:fld>
+            <a:endParaRPr/>
           </a:p>
         </p:txBody>
       </p:sp>
@@ -3076,12 +3281,12 @@
   <p:clrMapOvr>
     <a:masterClrMapping/>
   </p:clrMapOvr>
-  <p:transition xmlns:p14="http://schemas.microsoft.com/office/powerpoint/2010/main" spd="med" advClick="1"/>
+  <p:transition spd="med"/>
 </p:sldLayout>
 </file>
 
 <file path=ppt/slideLayouts/slideLayout16.xml><?xml version="1.0" encoding="utf-8"?>
-<p:sldLayout xmlns:a="http://schemas.openxmlformats.org/drawingml/2006/main" xmlns:r="http://schemas.openxmlformats.org/officeDocument/2006/relationships" xmlns:p="http://schemas.openxmlformats.org/presentationml/2006/main" xmlns:m="http://schemas.openxmlformats.org/officeDocument/2006/math" xmlns:a14="http://schemas.microsoft.com/office/drawing/2010/main" type="tx" showMasterSp="1" showMasterPhAnim="1">
+<p:sldLayout xmlns:a="http://schemas.openxmlformats.org/drawingml/2006/main" xmlns:r="http://schemas.openxmlformats.org/officeDocument/2006/relationships" xmlns:p="http://schemas.openxmlformats.org/presentationml/2006/main" type="tx">
   <p:cSld name="Title &amp; Subtitle">
     <p:spTree>
       <p:nvGrpSpPr>
@@ -3100,7 +3305,9 @@
       <p:sp>
         <p:nvSpPr>
           <p:cNvPr id="143" name="Title Text"/>
-          <p:cNvSpPr txBox="1"/>
+          <p:cNvSpPr txBox="1">
+            <a:spLocks noGrp="1"/>
+          </p:cNvSpPr>
           <p:nvPr>
             <p:ph type="title"/>
           </p:nvPr>
@@ -3122,7 +3329,6 @@
             </a:lvl1pPr>
           </a:lstStyle>
           <a:p>
-            <a:pPr/>
             <a:r>
               <a:t>Title Text</a:t>
             </a:r>
@@ -3132,7 +3338,9 @@
       <p:sp>
         <p:nvSpPr>
           <p:cNvPr id="144" name="Body Level One…"/>
-          <p:cNvSpPr txBox="1"/>
+          <p:cNvSpPr txBox="1">
+            <a:spLocks noGrp="1"/>
+          </p:cNvSpPr>
           <p:nvPr>
             <p:ph type="body" sz="quarter" idx="1"/>
           </p:nvPr>
@@ -3191,7 +3399,6 @@
             </a:lvl5pPr>
           </a:lstStyle>
           <a:p>
-            <a:pPr/>
             <a:r>
               <a:t>Body Level One</a:t>
             </a:r>
@@ -3225,7 +3432,9 @@
       <p:sp>
         <p:nvSpPr>
           <p:cNvPr id="145" name="Slide Number"/>
-          <p:cNvSpPr txBox="1"/>
+          <p:cNvSpPr txBox="1">
+            <a:spLocks noGrp="1"/>
+          </p:cNvSpPr>
           <p:nvPr>
             <p:ph type="sldNum" sz="quarter" idx="2"/>
           </p:nvPr>
@@ -3247,8 +3456,12 @@
             </a:lvl1pPr>
           </a:lstStyle>
           <a:p>
-            <a:pPr/>
-            <a:fld id="{86CB4B4D-7CA3-9044-876B-883B54F8677D}" type="slidenum"/>
+            <a:fld id="{86CB4B4D-7CA3-9044-876B-883B54F8677D}" type="slidenum">
+              <a:rPr/>
+              <a:pPr/>
+              <a:t>‹nº›</a:t>
+            </a:fld>
+            <a:endParaRPr/>
           </a:p>
         </p:txBody>
       </p:sp>
@@ -3257,18 +3470,19 @@
   <p:clrMapOvr>
     <a:masterClrMapping/>
   </p:clrMapOvr>
-  <p:transition xmlns:p14="http://schemas.microsoft.com/office/powerpoint/2010/main" spd="med" advClick="1"/>
+  <p:transition spd="med"/>
 </p:sldLayout>
 </file>
 
 <file path=ppt/slideLayouts/slideLayout17.xml><?xml version="1.0" encoding="utf-8"?>
-<p:sldLayout xmlns:a="http://schemas.openxmlformats.org/drawingml/2006/main" xmlns:r="http://schemas.openxmlformats.org/officeDocument/2006/relationships" xmlns:p="http://schemas.openxmlformats.org/presentationml/2006/main" xmlns:m="http://schemas.openxmlformats.org/officeDocument/2006/math" xmlns:a14="http://schemas.microsoft.com/office/drawing/2010/main" type="tx" showMasterSp="1" showMasterPhAnim="1">
+<p:sldLayout xmlns:a="http://schemas.openxmlformats.org/drawingml/2006/main" xmlns:r="http://schemas.openxmlformats.org/officeDocument/2006/relationships" xmlns:p="http://schemas.openxmlformats.org/presentationml/2006/main" type="tx">
   <p:cSld name="Default">
     <p:bg>
       <p:bgPr>
         <a:solidFill>
           <a:srgbClr val="FFFFFF"/>
         </a:solidFill>
+        <a:effectLst/>
       </p:bgPr>
     </p:bg>
     <p:spTree>
@@ -3288,7 +3502,9 @@
       <p:sp>
         <p:nvSpPr>
           <p:cNvPr id="152" name="Title Text"/>
-          <p:cNvSpPr txBox="1"/>
+          <p:cNvSpPr txBox="1">
+            <a:spLocks noGrp="1"/>
+          </p:cNvSpPr>
           <p:nvPr>
             <p:ph type="title"/>
           </p:nvPr>
@@ -3318,7 +3534,6 @@
             </a:lvl1pPr>
           </a:lstStyle>
           <a:p>
-            <a:pPr/>
             <a:r>
               <a:t>Title Text</a:t>
             </a:r>
@@ -3328,7 +3543,9 @@
       <p:sp>
         <p:nvSpPr>
           <p:cNvPr id="153" name="Body Level One…"/>
-          <p:cNvSpPr txBox="1"/>
+          <p:cNvSpPr txBox="1">
+            <a:spLocks noGrp="1"/>
+          </p:cNvSpPr>
           <p:nvPr>
             <p:ph type="body" idx="1"/>
           </p:nvPr>
@@ -3441,7 +3658,6 @@
             </a:lvl5pPr>
           </a:lstStyle>
           <a:p>
-            <a:pPr/>
             <a:r>
               <a:t>Body Level One</a:t>
             </a:r>
@@ -3475,7 +3691,9 @@
       <p:sp>
         <p:nvSpPr>
           <p:cNvPr id="154" name="Slide Number"/>
-          <p:cNvSpPr txBox="1"/>
+          <p:cNvSpPr txBox="1">
+            <a:spLocks noGrp="1"/>
+          </p:cNvSpPr>
           <p:nvPr>
             <p:ph type="sldNum" sz="quarter" idx="2"/>
           </p:nvPr>
@@ -3505,8 +3723,12 @@
             </a:lvl1pPr>
           </a:lstStyle>
           <a:p>
-            <a:pPr/>
-            <a:fld id="{86CB4B4D-7CA3-9044-876B-883B54F8677D}" type="slidenum"/>
+            <a:fld id="{86CB4B4D-7CA3-9044-876B-883B54F8677D}" type="slidenum">
+              <a:rPr/>
+              <a:pPr/>
+              <a:t>‹nº›</a:t>
+            </a:fld>
+            <a:endParaRPr/>
           </a:p>
         </p:txBody>
       </p:sp>
@@ -3515,12 +3737,12 @@
   <p:clrMapOvr>
     <a:masterClrMapping/>
   </p:clrMapOvr>
-  <p:transition xmlns:p14="http://schemas.microsoft.com/office/powerpoint/2010/main" spd="med" advClick="1"/>
+  <p:transition spd="med"/>
 </p:sldLayout>
 </file>
 
 <file path=ppt/slideLayouts/slideLayout18.xml><?xml version="1.0" encoding="utf-8"?>
-<p:sldLayout xmlns:a="http://schemas.openxmlformats.org/drawingml/2006/main" xmlns:r="http://schemas.openxmlformats.org/officeDocument/2006/relationships" xmlns:p="http://schemas.openxmlformats.org/presentationml/2006/main" xmlns:m="http://schemas.openxmlformats.org/officeDocument/2006/math" xmlns:a14="http://schemas.microsoft.com/office/drawing/2010/main" type="tx" showMasterSp="1" showMasterPhAnim="1">
+<p:sldLayout xmlns:a="http://schemas.openxmlformats.org/drawingml/2006/main" xmlns:r="http://schemas.openxmlformats.org/officeDocument/2006/relationships" xmlns:p="http://schemas.openxmlformats.org/presentationml/2006/main" type="tx">
   <p:cSld name="Title &amp; Bullets">
     <p:spTree>
       <p:nvGrpSpPr>
@@ -3539,7 +3761,9 @@
       <p:sp>
         <p:nvSpPr>
           <p:cNvPr id="161" name="Title Text"/>
-          <p:cNvSpPr txBox="1"/>
+          <p:cNvSpPr txBox="1">
+            <a:spLocks noGrp="1"/>
+          </p:cNvSpPr>
           <p:nvPr>
             <p:ph type="title"/>
           </p:nvPr>
@@ -3555,7 +3779,7 @@
         </p:spPr>
         <p:txBody>
           <a:bodyPr>
-            <a:normAutofit fontScale="100000" lnSpcReduction="0"/>
+            <a:normAutofit/>
           </a:bodyPr>
           <a:lstStyle>
             <a:lvl1pPr>
@@ -3563,7 +3787,6 @@
             </a:lvl1pPr>
           </a:lstStyle>
           <a:p>
-            <a:pPr/>
             <a:r>
               <a:t>Title Text</a:t>
             </a:r>
@@ -3573,7 +3796,9 @@
       <p:sp>
         <p:nvSpPr>
           <p:cNvPr id="162" name="Body Level One…"/>
-          <p:cNvSpPr txBox="1"/>
+          <p:cNvSpPr txBox="1">
+            <a:spLocks noGrp="1"/>
+          </p:cNvSpPr>
           <p:nvPr>
             <p:ph type="body" idx="1"/>
           </p:nvPr>
@@ -3589,7 +3814,7 @@
         </p:spPr>
         <p:txBody>
           <a:bodyPr>
-            <a:normAutofit fontScale="100000" lnSpcReduction="0"/>
+            <a:normAutofit/>
           </a:bodyPr>
           <a:lstStyle>
             <a:lvl1pPr marL="444500" indent="-444500">
@@ -3629,7 +3854,6 @@
             </a:lvl5pPr>
           </a:lstStyle>
           <a:p>
-            <a:pPr/>
             <a:r>
               <a:t>Body Level One</a:t>
             </a:r>
@@ -3663,7 +3887,9 @@
       <p:sp>
         <p:nvSpPr>
           <p:cNvPr id="163" name="Slide Number"/>
-          <p:cNvSpPr txBox="1"/>
+          <p:cNvSpPr txBox="1">
+            <a:spLocks noGrp="1"/>
+          </p:cNvSpPr>
           <p:nvPr>
             <p:ph type="sldNum" sz="quarter" idx="2"/>
           </p:nvPr>
@@ -3690,8 +3916,12 @@
             </a:lvl1pPr>
           </a:lstStyle>
           <a:p>
-            <a:pPr/>
-            <a:fld id="{86CB4B4D-7CA3-9044-876B-883B54F8677D}" type="slidenum"/>
+            <a:fld id="{86CB4B4D-7CA3-9044-876B-883B54F8677D}" type="slidenum">
+              <a:rPr/>
+              <a:pPr/>
+              <a:t>‹nº›</a:t>
+            </a:fld>
+            <a:endParaRPr/>
           </a:p>
         </p:txBody>
       </p:sp>
@@ -3700,12 +3930,12 @@
   <p:clrMapOvr>
     <a:masterClrMapping/>
   </p:clrMapOvr>
-  <p:transition xmlns:p14="http://schemas.microsoft.com/office/powerpoint/2010/main" spd="med" advClick="1"/>
+  <p:transition spd="med"/>
 </p:sldLayout>
 </file>
 
 <file path=ppt/slideLayouts/slideLayout19.xml><?xml version="1.0" encoding="utf-8"?>
-<p:sldLayout xmlns:a="http://schemas.openxmlformats.org/drawingml/2006/main" xmlns:r="http://schemas.openxmlformats.org/officeDocument/2006/relationships" xmlns:p="http://schemas.openxmlformats.org/presentationml/2006/main" xmlns:m="http://schemas.openxmlformats.org/officeDocument/2006/math" xmlns:a14="http://schemas.microsoft.com/office/drawing/2010/main" type="tx" showMasterSp="1" showMasterPhAnim="1">
+<p:sldLayout xmlns:a="http://schemas.openxmlformats.org/drawingml/2006/main" xmlns:r="http://schemas.openxmlformats.org/officeDocument/2006/relationships" xmlns:p="http://schemas.openxmlformats.org/presentationml/2006/main" type="tx">
   <p:cSld name="Title - Top">
     <p:spTree>
       <p:nvGrpSpPr>
@@ -3724,7 +3954,9 @@
       <p:sp>
         <p:nvSpPr>
           <p:cNvPr id="170" name="Title Text"/>
-          <p:cNvSpPr txBox="1"/>
+          <p:cNvSpPr txBox="1">
+            <a:spLocks noGrp="1"/>
+          </p:cNvSpPr>
           <p:nvPr>
             <p:ph type="title"/>
           </p:nvPr>
@@ -3740,7 +3972,7 @@
         </p:spPr>
         <p:txBody>
           <a:bodyPr>
-            <a:normAutofit fontScale="100000" lnSpcReduction="0"/>
+            <a:normAutofit/>
           </a:bodyPr>
           <a:lstStyle>
             <a:lvl1pPr>
@@ -3753,7 +3985,6 @@
             </a:lvl1pPr>
           </a:lstStyle>
           <a:p>
-            <a:pPr/>
             <a:r>
               <a:t>Title Text</a:t>
             </a:r>
@@ -3763,7 +3994,9 @@
       <p:sp>
         <p:nvSpPr>
           <p:cNvPr id="171" name="Slide Number"/>
-          <p:cNvSpPr txBox="1"/>
+          <p:cNvSpPr txBox="1">
+            <a:spLocks noGrp="1"/>
+          </p:cNvSpPr>
           <p:nvPr>
             <p:ph type="sldNum" sz="quarter" idx="2"/>
           </p:nvPr>
@@ -3790,8 +4023,12 @@
             </a:lvl1pPr>
           </a:lstStyle>
           <a:p>
-            <a:pPr/>
-            <a:fld id="{86CB4B4D-7CA3-9044-876B-883B54F8677D}" type="slidenum"/>
+            <a:fld id="{86CB4B4D-7CA3-9044-876B-883B54F8677D}" type="slidenum">
+              <a:rPr/>
+              <a:pPr/>
+              <a:t>‹nº›</a:t>
+            </a:fld>
+            <a:endParaRPr/>
           </a:p>
         </p:txBody>
       </p:sp>
@@ -3800,12 +4037,12 @@
   <p:clrMapOvr>
     <a:masterClrMapping/>
   </p:clrMapOvr>
-  <p:transition xmlns:p14="http://schemas.microsoft.com/office/powerpoint/2010/main" spd="med" advClick="1"/>
+  <p:transition spd="med"/>
 </p:sldLayout>
 </file>
 
 <file path=ppt/slideLayouts/slideLayout2.xml><?xml version="1.0" encoding="utf-8"?>
-<p:sldLayout xmlns:a="http://schemas.openxmlformats.org/drawingml/2006/main" xmlns:r="http://schemas.openxmlformats.org/officeDocument/2006/relationships" xmlns:p="http://schemas.openxmlformats.org/presentationml/2006/main" xmlns:m="http://schemas.openxmlformats.org/officeDocument/2006/math" xmlns:a14="http://schemas.microsoft.com/office/drawing/2010/main" type="tx" showMasterSp="1" showMasterPhAnim="1">
+<p:sldLayout xmlns:a="http://schemas.openxmlformats.org/drawingml/2006/main" xmlns:r="http://schemas.openxmlformats.org/officeDocument/2006/relationships" xmlns:p="http://schemas.openxmlformats.org/presentationml/2006/main" type="tx">
   <p:cSld name="Title &amp; Bullets">
     <p:spTree>
       <p:nvGrpSpPr>
@@ -3824,7 +4061,9 @@
       <p:sp>
         <p:nvSpPr>
           <p:cNvPr id="20" name="Title Text"/>
-          <p:cNvSpPr txBox="1"/>
+          <p:cNvSpPr txBox="1">
+            <a:spLocks noGrp="1"/>
+          </p:cNvSpPr>
           <p:nvPr>
             <p:ph type="title"/>
           </p:nvPr>
@@ -3838,7 +4077,6 @@
           <a:bodyPr/>
           <a:lstStyle/>
           <a:p>
-            <a:pPr/>
             <a:r>
               <a:t>Title Text</a:t>
             </a:r>
@@ -3848,7 +4086,9 @@
       <p:sp>
         <p:nvSpPr>
           <p:cNvPr id="21" name="Body Level One…"/>
-          <p:cNvSpPr txBox="1"/>
+          <p:cNvSpPr txBox="1">
+            <a:spLocks noGrp="1"/>
+          </p:cNvSpPr>
           <p:nvPr>
             <p:ph type="body" idx="1"/>
           </p:nvPr>
@@ -3892,7 +4132,6 @@
             </a:lvl5pPr>
           </a:lstStyle>
           <a:p>
-            <a:pPr/>
             <a:r>
               <a:t>Body Level One</a:t>
             </a:r>
@@ -3926,7 +4165,9 @@
       <p:sp>
         <p:nvSpPr>
           <p:cNvPr id="22" name="Slide Number"/>
-          <p:cNvSpPr txBox="1"/>
+          <p:cNvSpPr txBox="1">
+            <a:spLocks noGrp="1"/>
+          </p:cNvSpPr>
           <p:nvPr>
             <p:ph type="sldNum" sz="quarter" idx="2"/>
           </p:nvPr>
@@ -3940,8 +4181,12 @@
           <a:bodyPr/>
           <a:lstStyle/>
           <a:p>
-            <a:pPr/>
-            <a:fld id="{86CB4B4D-7CA3-9044-876B-883B54F8677D}" type="slidenum"/>
+            <a:fld id="{86CB4B4D-7CA3-9044-876B-883B54F8677D}" type="slidenum">
+              <a:rPr/>
+              <a:pPr/>
+              <a:t>‹nº›</a:t>
+            </a:fld>
+            <a:endParaRPr/>
           </a:p>
         </p:txBody>
       </p:sp>
@@ -3950,12 +4195,12 @@
   <p:clrMapOvr>
     <a:masterClrMapping/>
   </p:clrMapOvr>
-  <p:transition xmlns:p14="http://schemas.microsoft.com/office/powerpoint/2010/main" spd="med" advClick="1"/>
+  <p:transition spd="med"/>
 </p:sldLayout>
 </file>
 
 <file path=ppt/slideLayouts/slideLayout20.xml><?xml version="1.0" encoding="utf-8"?>
-<p:sldLayout xmlns:a="http://schemas.openxmlformats.org/drawingml/2006/main" xmlns:r="http://schemas.openxmlformats.org/officeDocument/2006/relationships" xmlns:p="http://schemas.openxmlformats.org/presentationml/2006/main" xmlns:m="http://schemas.openxmlformats.org/officeDocument/2006/math" xmlns:a14="http://schemas.microsoft.com/office/drawing/2010/main" type="tx" showMasterSp="1" showMasterPhAnim="1">
+<p:sldLayout xmlns:a="http://schemas.openxmlformats.org/drawingml/2006/main" xmlns:r="http://schemas.openxmlformats.org/officeDocument/2006/relationships" xmlns:p="http://schemas.openxmlformats.org/presentationml/2006/main" type="tx">
   <p:cSld name="Title &amp; Bullets">
     <p:spTree>
       <p:nvGrpSpPr>
@@ -3974,7 +4219,9 @@
       <p:sp>
         <p:nvSpPr>
           <p:cNvPr id="178" name="Title Text"/>
-          <p:cNvSpPr txBox="1"/>
+          <p:cNvSpPr txBox="1">
+            <a:spLocks noGrp="1"/>
+          </p:cNvSpPr>
           <p:nvPr>
             <p:ph type="title"/>
           </p:nvPr>
@@ -3990,7 +4237,7 @@
         </p:spPr>
         <p:txBody>
           <a:bodyPr>
-            <a:normAutofit fontScale="100000" lnSpcReduction="0"/>
+            <a:normAutofit/>
           </a:bodyPr>
           <a:lstStyle>
             <a:lvl1pPr>
@@ -3998,7 +4245,6 @@
             </a:lvl1pPr>
           </a:lstStyle>
           <a:p>
-            <a:pPr/>
             <a:r>
               <a:t>Title Text</a:t>
             </a:r>
@@ -4008,7 +4254,9 @@
       <p:sp>
         <p:nvSpPr>
           <p:cNvPr id="179" name="Body Level One…"/>
-          <p:cNvSpPr txBox="1"/>
+          <p:cNvSpPr txBox="1">
+            <a:spLocks noGrp="1"/>
+          </p:cNvSpPr>
           <p:nvPr>
             <p:ph type="body" idx="1"/>
           </p:nvPr>
@@ -4024,7 +4272,7 @@
         </p:spPr>
         <p:txBody>
           <a:bodyPr>
-            <a:normAutofit fontScale="100000" lnSpcReduction="0"/>
+            <a:normAutofit/>
           </a:bodyPr>
           <a:lstStyle>
             <a:lvl1pPr marL="444500" indent="-444500">
@@ -4064,7 +4312,6 @@
             </a:lvl5pPr>
           </a:lstStyle>
           <a:p>
-            <a:pPr/>
             <a:r>
               <a:t>Body Level One</a:t>
             </a:r>
@@ -4098,7 +4345,9 @@
       <p:sp>
         <p:nvSpPr>
           <p:cNvPr id="180" name="Slide Number"/>
-          <p:cNvSpPr txBox="1"/>
+          <p:cNvSpPr txBox="1">
+            <a:spLocks noGrp="1"/>
+          </p:cNvSpPr>
           <p:nvPr>
             <p:ph type="sldNum" sz="quarter" idx="2"/>
           </p:nvPr>
@@ -4125,8 +4374,12 @@
             </a:lvl1pPr>
           </a:lstStyle>
           <a:p>
-            <a:pPr/>
-            <a:fld id="{86CB4B4D-7CA3-9044-876B-883B54F8677D}" type="slidenum"/>
+            <a:fld id="{86CB4B4D-7CA3-9044-876B-883B54F8677D}" type="slidenum">
+              <a:rPr/>
+              <a:pPr/>
+              <a:t>‹nº›</a:t>
+            </a:fld>
+            <a:endParaRPr/>
           </a:p>
         </p:txBody>
       </p:sp>
@@ -4135,12 +4388,12 @@
   <p:clrMapOvr>
     <a:masterClrMapping/>
   </p:clrMapOvr>
-  <p:transition xmlns:p14="http://schemas.microsoft.com/office/powerpoint/2010/main" spd="med" advClick="1"/>
+  <p:transition spd="med"/>
 </p:sldLayout>
 </file>
 
 <file path=ppt/slideLayouts/slideLayout21.xml><?xml version="1.0" encoding="utf-8"?>
-<p:sldLayout xmlns:a="http://schemas.openxmlformats.org/drawingml/2006/main" xmlns:r="http://schemas.openxmlformats.org/officeDocument/2006/relationships" xmlns:p="http://schemas.openxmlformats.org/presentationml/2006/main" xmlns:m="http://schemas.openxmlformats.org/officeDocument/2006/math" xmlns:a14="http://schemas.microsoft.com/office/drawing/2010/main" type="tx" showMasterSp="1" showMasterPhAnim="1">
+<p:sldLayout xmlns:a="http://schemas.openxmlformats.org/drawingml/2006/main" xmlns:r="http://schemas.openxmlformats.org/officeDocument/2006/relationships" xmlns:p="http://schemas.openxmlformats.org/presentationml/2006/main" type="tx">
   <p:cSld name="Title &amp; Bullets">
     <p:spTree>
       <p:nvGrpSpPr>
@@ -4159,7 +4412,9 @@
       <p:sp>
         <p:nvSpPr>
           <p:cNvPr id="187" name="Title Text"/>
-          <p:cNvSpPr txBox="1"/>
+          <p:cNvSpPr txBox="1">
+            <a:spLocks noGrp="1"/>
+          </p:cNvSpPr>
           <p:nvPr>
             <p:ph type="title"/>
           </p:nvPr>
@@ -4175,7 +4430,7 @@
         </p:spPr>
         <p:txBody>
           <a:bodyPr>
-            <a:normAutofit fontScale="100000" lnSpcReduction="0"/>
+            <a:normAutofit/>
           </a:bodyPr>
           <a:lstStyle>
             <a:lvl1pPr>
@@ -4188,7 +4443,6 @@
             </a:lvl1pPr>
           </a:lstStyle>
           <a:p>
-            <a:pPr/>
             <a:r>
               <a:t>Title Text</a:t>
             </a:r>
@@ -4198,7 +4452,9 @@
       <p:sp>
         <p:nvSpPr>
           <p:cNvPr id="188" name="Body Level One…"/>
-          <p:cNvSpPr txBox="1"/>
+          <p:cNvSpPr txBox="1">
+            <a:spLocks noGrp="1"/>
+          </p:cNvSpPr>
           <p:nvPr>
             <p:ph type="body" idx="1"/>
           </p:nvPr>
@@ -4214,7 +4470,7 @@
         </p:spPr>
         <p:txBody>
           <a:bodyPr>
-            <a:normAutofit fontScale="100000" lnSpcReduction="0"/>
+            <a:normAutofit/>
           </a:bodyPr>
           <a:lstStyle>
             <a:lvl1pPr marL="444500" indent="-444500">
@@ -4279,7 +4535,6 @@
             </a:lvl5pPr>
           </a:lstStyle>
           <a:p>
-            <a:pPr/>
             <a:r>
               <a:t>Body Level One</a:t>
             </a:r>
@@ -4313,7 +4568,9 @@
       <p:sp>
         <p:nvSpPr>
           <p:cNvPr id="189" name="Slide Number"/>
-          <p:cNvSpPr txBox="1"/>
+          <p:cNvSpPr txBox="1">
+            <a:spLocks noGrp="1"/>
+          </p:cNvSpPr>
           <p:nvPr>
             <p:ph type="sldNum" sz="quarter" idx="2"/>
           </p:nvPr>
@@ -4340,8 +4597,12 @@
             </a:lvl1pPr>
           </a:lstStyle>
           <a:p>
-            <a:pPr/>
-            <a:fld id="{86CB4B4D-7CA3-9044-876B-883B54F8677D}" type="slidenum"/>
+            <a:fld id="{86CB4B4D-7CA3-9044-876B-883B54F8677D}" type="slidenum">
+              <a:rPr/>
+              <a:pPr/>
+              <a:t>‹nº›</a:t>
+            </a:fld>
+            <a:endParaRPr/>
           </a:p>
         </p:txBody>
       </p:sp>
@@ -4350,12 +4611,12 @@
   <p:clrMapOvr>
     <a:masterClrMapping/>
   </p:clrMapOvr>
-  <p:transition xmlns:p14="http://schemas.microsoft.com/office/powerpoint/2010/main" spd="med" advClick="1"/>
+  <p:transition spd="med"/>
 </p:sldLayout>
 </file>
 
 <file path=ppt/slideLayouts/slideLayout22.xml><?xml version="1.0" encoding="utf-8"?>
-<p:sldLayout xmlns:a="http://schemas.openxmlformats.org/drawingml/2006/main" xmlns:r="http://schemas.openxmlformats.org/officeDocument/2006/relationships" xmlns:p="http://schemas.openxmlformats.org/presentationml/2006/main" xmlns:m="http://schemas.openxmlformats.org/officeDocument/2006/math" xmlns:a14="http://schemas.microsoft.com/office/drawing/2010/main" type="tx" showMasterSp="1" showMasterPhAnim="1">
+<p:sldLayout xmlns:a="http://schemas.openxmlformats.org/drawingml/2006/main" xmlns:r="http://schemas.openxmlformats.org/officeDocument/2006/relationships" xmlns:p="http://schemas.openxmlformats.org/presentationml/2006/main" type="tx">
   <p:cSld name="Title - Top">
     <p:spTree>
       <p:nvGrpSpPr>
@@ -4374,7 +4635,9 @@
       <p:sp>
         <p:nvSpPr>
           <p:cNvPr id="196" name="Title Text"/>
-          <p:cNvSpPr txBox="1"/>
+          <p:cNvSpPr txBox="1">
+            <a:spLocks noGrp="1"/>
+          </p:cNvSpPr>
           <p:nvPr>
             <p:ph type="title"/>
           </p:nvPr>
@@ -4396,7 +4659,6 @@
             </a:lvl1pPr>
           </a:lstStyle>
           <a:p>
-            <a:pPr/>
             <a:r>
               <a:t>Title Text</a:t>
             </a:r>
@@ -4406,7 +4668,9 @@
       <p:sp>
         <p:nvSpPr>
           <p:cNvPr id="197" name="Slide Number"/>
-          <p:cNvSpPr txBox="1"/>
+          <p:cNvSpPr txBox="1">
+            <a:spLocks noGrp="1"/>
+          </p:cNvSpPr>
           <p:nvPr>
             <p:ph type="sldNum" sz="quarter" idx="2"/>
           </p:nvPr>
@@ -4428,8 +4692,12 @@
             </a:lvl1pPr>
           </a:lstStyle>
           <a:p>
-            <a:pPr/>
-            <a:fld id="{86CB4B4D-7CA3-9044-876B-883B54F8677D}" type="slidenum"/>
+            <a:fld id="{86CB4B4D-7CA3-9044-876B-883B54F8677D}" type="slidenum">
+              <a:rPr/>
+              <a:pPr/>
+              <a:t>‹nº›</a:t>
+            </a:fld>
+            <a:endParaRPr/>
           </a:p>
         </p:txBody>
       </p:sp>
@@ -4438,12 +4706,12 @@
   <p:clrMapOvr>
     <a:masterClrMapping/>
   </p:clrMapOvr>
-  <p:transition xmlns:p14="http://schemas.microsoft.com/office/powerpoint/2010/main" spd="med" advClick="1"/>
+  <p:transition spd="med"/>
 </p:sldLayout>
 </file>
 
 <file path=ppt/slideLayouts/slideLayout23.xml><?xml version="1.0" encoding="utf-8"?>
-<p:sldLayout xmlns:a="http://schemas.openxmlformats.org/drawingml/2006/main" xmlns:r="http://schemas.openxmlformats.org/officeDocument/2006/relationships" xmlns:p="http://schemas.openxmlformats.org/presentationml/2006/main" xmlns:m="http://schemas.openxmlformats.org/officeDocument/2006/math" xmlns:a14="http://schemas.microsoft.com/office/drawing/2010/main" type="tx" showMasterSp="1" showMasterPhAnim="1">
+<p:sldLayout xmlns:a="http://schemas.openxmlformats.org/drawingml/2006/main" xmlns:r="http://schemas.openxmlformats.org/officeDocument/2006/relationships" xmlns:p="http://schemas.openxmlformats.org/presentationml/2006/main" type="tx">
   <p:cSld name="Title &amp; Subtitle">
     <p:spTree>
       <p:nvGrpSpPr>
@@ -4462,7 +4730,9 @@
       <p:sp>
         <p:nvSpPr>
           <p:cNvPr id="204" name="Title Text"/>
-          <p:cNvSpPr txBox="1"/>
+          <p:cNvSpPr txBox="1">
+            <a:spLocks noGrp="1"/>
+          </p:cNvSpPr>
           <p:nvPr>
             <p:ph type="title"/>
           </p:nvPr>
@@ -4478,7 +4748,7 @@
         </p:spPr>
         <p:txBody>
           <a:bodyPr anchor="b">
-            <a:normAutofit fontScale="100000" lnSpcReduction="0"/>
+            <a:normAutofit/>
           </a:bodyPr>
           <a:lstStyle>
             <a:lvl1pPr>
@@ -4486,7 +4756,6 @@
             </a:lvl1pPr>
           </a:lstStyle>
           <a:p>
-            <a:pPr/>
             <a:r>
               <a:t>Title Text</a:t>
             </a:r>
@@ -4496,7 +4765,9 @@
       <p:sp>
         <p:nvSpPr>
           <p:cNvPr id="205" name="Slide Number"/>
-          <p:cNvSpPr txBox="1"/>
+          <p:cNvSpPr txBox="1">
+            <a:spLocks noGrp="1"/>
+          </p:cNvSpPr>
           <p:nvPr>
             <p:ph type="sldNum" sz="quarter" idx="2"/>
           </p:nvPr>
@@ -4512,7 +4783,7 @@
         </p:spPr>
         <p:txBody>
           <a:bodyPr>
-            <a:normAutofit fontScale="100000" lnSpcReduction="0"/>
+            <a:normAutofit/>
           </a:bodyPr>
           <a:lstStyle>
             <a:lvl1pPr>
@@ -4520,8 +4791,12 @@
             </a:lvl1pPr>
           </a:lstStyle>
           <a:p>
-            <a:pPr/>
-            <a:fld id="{86CB4B4D-7CA3-9044-876B-883B54F8677D}" type="slidenum"/>
+            <a:fld id="{86CB4B4D-7CA3-9044-876B-883B54F8677D}" type="slidenum">
+              <a:rPr/>
+              <a:pPr/>
+              <a:t>‹nº›</a:t>
+            </a:fld>
+            <a:endParaRPr/>
           </a:p>
         </p:txBody>
       </p:sp>
@@ -4530,12 +4805,12 @@
   <p:clrMapOvr>
     <a:masterClrMapping/>
   </p:clrMapOvr>
-  <p:transition xmlns:p14="http://schemas.microsoft.com/office/powerpoint/2010/main" spd="med" advClick="1"/>
+  <p:transition spd="med"/>
 </p:sldLayout>
 </file>
 
 <file path=ppt/slideLayouts/slideLayout24.xml><?xml version="1.0" encoding="utf-8"?>
-<p:sldLayout xmlns:a="http://schemas.openxmlformats.org/drawingml/2006/main" xmlns:r="http://schemas.openxmlformats.org/officeDocument/2006/relationships" xmlns:p="http://schemas.openxmlformats.org/presentationml/2006/main" xmlns:m="http://schemas.openxmlformats.org/officeDocument/2006/math" xmlns:a14="http://schemas.microsoft.com/office/drawing/2010/main" type="tx" showMasterSp="1" showMasterPhAnim="1">
+<p:sldLayout xmlns:a="http://schemas.openxmlformats.org/drawingml/2006/main" xmlns:r="http://schemas.openxmlformats.org/officeDocument/2006/relationships" xmlns:p="http://schemas.openxmlformats.org/presentationml/2006/main" type="tx">
   <p:cSld name="Master #16">
     <p:spTree>
       <p:nvGrpSpPr>
@@ -4554,7 +4829,9 @@
       <p:sp>
         <p:nvSpPr>
           <p:cNvPr id="212" name="Title Text"/>
-          <p:cNvSpPr txBox="1"/>
+          <p:cNvSpPr txBox="1">
+            <a:spLocks noGrp="1"/>
+          </p:cNvSpPr>
           <p:nvPr>
             <p:ph type="title"/>
           </p:nvPr>
@@ -4566,7 +4843,7 @@
         </p:spPr>
         <p:txBody>
           <a:bodyPr>
-            <a:normAutofit fontScale="100000" lnSpcReduction="0"/>
+            <a:normAutofit/>
           </a:bodyPr>
           <a:lstStyle>
             <a:lvl1pPr>
@@ -4574,7 +4851,6 @@
             </a:lvl1pPr>
           </a:lstStyle>
           <a:p>
-            <a:pPr/>
             <a:r>
               <a:t>Title Text</a:t>
             </a:r>
@@ -4584,7 +4860,9 @@
       <p:sp>
         <p:nvSpPr>
           <p:cNvPr id="213" name="Body Level One…"/>
-          <p:cNvSpPr txBox="1"/>
+          <p:cNvSpPr txBox="1">
+            <a:spLocks noGrp="1"/>
+          </p:cNvSpPr>
           <p:nvPr>
             <p:ph type="body" idx="1"/>
           </p:nvPr>
@@ -4600,7 +4878,7 @@
         </p:spPr>
         <p:txBody>
           <a:bodyPr>
-            <a:normAutofit fontScale="100000" lnSpcReduction="0"/>
+            <a:normAutofit/>
           </a:bodyPr>
           <a:lstStyle>
             <a:lvl1pPr>
@@ -4635,7 +4913,6 @@
             </a:lvl5pPr>
           </a:lstStyle>
           <a:p>
-            <a:pPr/>
             <a:r>
               <a:t>Body Level One</a:t>
             </a:r>
@@ -4669,7 +4946,9 @@
       <p:sp>
         <p:nvSpPr>
           <p:cNvPr id="214" name="Slide Number"/>
-          <p:cNvSpPr txBox="1"/>
+          <p:cNvSpPr txBox="1">
+            <a:spLocks noGrp="1"/>
+          </p:cNvSpPr>
           <p:nvPr>
             <p:ph type="sldNum" sz="quarter" idx="2"/>
           </p:nvPr>
@@ -4685,7 +4964,7 @@
         </p:spPr>
         <p:txBody>
           <a:bodyPr>
-            <a:normAutofit fontScale="100000" lnSpcReduction="0"/>
+            <a:normAutofit/>
           </a:bodyPr>
           <a:lstStyle>
             <a:lvl1pPr>
@@ -4693,8 +4972,12 @@
             </a:lvl1pPr>
           </a:lstStyle>
           <a:p>
-            <a:pPr/>
-            <a:fld id="{86CB4B4D-7CA3-9044-876B-883B54F8677D}" type="slidenum"/>
+            <a:fld id="{86CB4B4D-7CA3-9044-876B-883B54F8677D}" type="slidenum">
+              <a:rPr/>
+              <a:pPr/>
+              <a:t>‹nº›</a:t>
+            </a:fld>
+            <a:endParaRPr/>
           </a:p>
         </p:txBody>
       </p:sp>
@@ -4703,12 +4986,12 @@
   <p:clrMapOvr>
     <a:masterClrMapping/>
   </p:clrMapOvr>
-  <p:transition xmlns:p14="http://schemas.microsoft.com/office/powerpoint/2010/main" spd="med" advClick="1"/>
+  <p:transition spd="med"/>
 </p:sldLayout>
 </file>
 
 <file path=ppt/slideLayouts/slideLayout3.xml><?xml version="1.0" encoding="utf-8"?>
-<p:sldLayout xmlns:a="http://schemas.openxmlformats.org/drawingml/2006/main" xmlns:r="http://schemas.openxmlformats.org/officeDocument/2006/relationships" xmlns:p="http://schemas.openxmlformats.org/presentationml/2006/main" xmlns:m="http://schemas.openxmlformats.org/officeDocument/2006/math" xmlns:a14="http://schemas.microsoft.com/office/drawing/2010/main" type="tx" showMasterSp="1" showMasterPhAnim="1">
+<p:sldLayout xmlns:a="http://schemas.openxmlformats.org/drawingml/2006/main" xmlns:r="http://schemas.openxmlformats.org/officeDocument/2006/relationships" xmlns:p="http://schemas.openxmlformats.org/presentationml/2006/main" type="tx">
   <p:cSld name="Title &amp; Bullets - 2 Column">
     <p:spTree>
       <p:nvGrpSpPr>
@@ -4727,7 +5010,9 @@
       <p:sp>
         <p:nvSpPr>
           <p:cNvPr id="29" name="Title Text"/>
-          <p:cNvSpPr txBox="1"/>
+          <p:cNvSpPr txBox="1">
+            <a:spLocks noGrp="1"/>
+          </p:cNvSpPr>
           <p:nvPr>
             <p:ph type="title"/>
           </p:nvPr>
@@ -4741,7 +5026,6 @@
           <a:bodyPr/>
           <a:lstStyle/>
           <a:p>
-            <a:pPr/>
             <a:r>
               <a:t>Title Text</a:t>
             </a:r>
@@ -4751,7 +5035,9 @@
       <p:sp>
         <p:nvSpPr>
           <p:cNvPr id="30" name="Body Level One…"/>
-          <p:cNvSpPr txBox="1"/>
+          <p:cNvSpPr txBox="1">
+            <a:spLocks noGrp="1"/>
+          </p:cNvSpPr>
           <p:nvPr>
             <p:ph type="body" idx="1"/>
           </p:nvPr>
@@ -4800,7 +5086,6 @@
             </a:lvl5pPr>
           </a:lstStyle>
           <a:p>
-            <a:pPr/>
             <a:r>
               <a:t>Body Level One</a:t>
             </a:r>
@@ -4834,7 +5119,9 @@
       <p:sp>
         <p:nvSpPr>
           <p:cNvPr id="31" name="Slide Number"/>
-          <p:cNvSpPr txBox="1"/>
+          <p:cNvSpPr txBox="1">
+            <a:spLocks noGrp="1"/>
+          </p:cNvSpPr>
           <p:nvPr>
             <p:ph type="sldNum" sz="quarter" idx="2"/>
           </p:nvPr>
@@ -4848,8 +5135,12 @@
           <a:bodyPr/>
           <a:lstStyle/>
           <a:p>
-            <a:pPr/>
-            <a:fld id="{86CB4B4D-7CA3-9044-876B-883B54F8677D}" type="slidenum"/>
+            <a:fld id="{86CB4B4D-7CA3-9044-876B-883B54F8677D}" type="slidenum">
+              <a:rPr/>
+              <a:pPr/>
+              <a:t>‹nº›</a:t>
+            </a:fld>
+            <a:endParaRPr/>
           </a:p>
         </p:txBody>
       </p:sp>
@@ -4858,12 +5149,12 @@
   <p:clrMapOvr>
     <a:masterClrMapping/>
   </p:clrMapOvr>
-  <p:transition xmlns:p14="http://schemas.microsoft.com/office/powerpoint/2010/main" spd="med" advClick="1"/>
+  <p:transition spd="med"/>
 </p:sldLayout>
 </file>
 
 <file path=ppt/slideLayouts/slideLayout4.xml><?xml version="1.0" encoding="utf-8"?>
-<p:sldLayout xmlns:a="http://schemas.openxmlformats.org/drawingml/2006/main" xmlns:r="http://schemas.openxmlformats.org/officeDocument/2006/relationships" xmlns:p="http://schemas.openxmlformats.org/presentationml/2006/main" xmlns:m="http://schemas.openxmlformats.org/officeDocument/2006/math" xmlns:a14="http://schemas.microsoft.com/office/drawing/2010/main" type="tx" showMasterSp="1" showMasterPhAnim="1">
+<p:sldLayout xmlns:a="http://schemas.openxmlformats.org/drawingml/2006/main" xmlns:r="http://schemas.openxmlformats.org/officeDocument/2006/relationships" xmlns:p="http://schemas.openxmlformats.org/presentationml/2006/main" type="tx">
   <p:cSld name="Bullets">
     <p:spTree>
       <p:nvGrpSpPr>
@@ -4882,7 +5173,9 @@
       <p:sp>
         <p:nvSpPr>
           <p:cNvPr id="38" name="Body Level One…"/>
-          <p:cNvSpPr txBox="1"/>
+          <p:cNvSpPr txBox="1">
+            <a:spLocks noGrp="1"/>
+          </p:cNvSpPr>
           <p:nvPr>
             <p:ph type="body" idx="1"/>
           </p:nvPr>
@@ -4896,7 +5189,6 @@
           <a:bodyPr/>
           <a:lstStyle/>
           <a:p>
-            <a:pPr/>
             <a:r>
               <a:t>Body Level One</a:t>
             </a:r>
@@ -4930,7 +5222,9 @@
       <p:sp>
         <p:nvSpPr>
           <p:cNvPr id="39" name="Slide Number"/>
-          <p:cNvSpPr txBox="1"/>
+          <p:cNvSpPr txBox="1">
+            <a:spLocks noGrp="1"/>
+          </p:cNvSpPr>
           <p:nvPr>
             <p:ph type="sldNum" sz="quarter" idx="2"/>
           </p:nvPr>
@@ -4944,8 +5238,12 @@
           <a:bodyPr/>
           <a:lstStyle/>
           <a:p>
-            <a:pPr/>
-            <a:fld id="{86CB4B4D-7CA3-9044-876B-883B54F8677D}" type="slidenum"/>
+            <a:fld id="{86CB4B4D-7CA3-9044-876B-883B54F8677D}" type="slidenum">
+              <a:rPr/>
+              <a:pPr/>
+              <a:t>‹nº›</a:t>
+            </a:fld>
+            <a:endParaRPr/>
           </a:p>
         </p:txBody>
       </p:sp>
@@ -4954,12 +5252,12 @@
   <p:clrMapOvr>
     <a:masterClrMapping/>
   </p:clrMapOvr>
-  <p:transition xmlns:p14="http://schemas.microsoft.com/office/powerpoint/2010/main" spd="med" advClick="1"/>
+  <p:transition spd="med"/>
 </p:sldLayout>
 </file>
 
 <file path=ppt/slideLayouts/slideLayout5.xml><?xml version="1.0" encoding="utf-8"?>
-<p:sldLayout xmlns:a="http://schemas.openxmlformats.org/drawingml/2006/main" xmlns:r="http://schemas.openxmlformats.org/officeDocument/2006/relationships" xmlns:p="http://schemas.openxmlformats.org/presentationml/2006/main" xmlns:m="http://schemas.openxmlformats.org/officeDocument/2006/math" xmlns:a14="http://schemas.microsoft.com/office/drawing/2010/main" type="tx" showMasterSp="1" showMasterPhAnim="1">
+<p:sldLayout xmlns:a="http://schemas.openxmlformats.org/drawingml/2006/main" xmlns:r="http://schemas.openxmlformats.org/officeDocument/2006/relationships" xmlns:p="http://schemas.openxmlformats.org/presentationml/2006/main" type="tx">
   <p:cSld name="Blank">
     <p:spTree>
       <p:nvGrpSpPr>
@@ -4978,7 +5276,9 @@
       <p:sp>
         <p:nvSpPr>
           <p:cNvPr id="46" name="Slide Number"/>
-          <p:cNvSpPr txBox="1"/>
+          <p:cNvSpPr txBox="1">
+            <a:spLocks noGrp="1"/>
+          </p:cNvSpPr>
           <p:nvPr>
             <p:ph type="sldNum" sz="quarter" idx="2"/>
           </p:nvPr>
@@ -4992,8 +5292,12 @@
           <a:bodyPr/>
           <a:lstStyle/>
           <a:p>
-            <a:pPr/>
-            <a:fld id="{86CB4B4D-7CA3-9044-876B-883B54F8677D}" type="slidenum"/>
+            <a:fld id="{86CB4B4D-7CA3-9044-876B-883B54F8677D}" type="slidenum">
+              <a:rPr/>
+              <a:pPr/>
+              <a:t>‹nº›</a:t>
+            </a:fld>
+            <a:endParaRPr/>
           </a:p>
         </p:txBody>
       </p:sp>
@@ -5002,12 +5306,12 @@
   <p:clrMapOvr>
     <a:masterClrMapping/>
   </p:clrMapOvr>
-  <p:transition xmlns:p14="http://schemas.microsoft.com/office/powerpoint/2010/main" spd="med" advClick="1"/>
+  <p:transition spd="med"/>
 </p:sldLayout>
 </file>
 
 <file path=ppt/slideLayouts/slideLayout6.xml><?xml version="1.0" encoding="utf-8"?>
-<p:sldLayout xmlns:a="http://schemas.openxmlformats.org/drawingml/2006/main" xmlns:r="http://schemas.openxmlformats.org/officeDocument/2006/relationships" xmlns:p="http://schemas.openxmlformats.org/presentationml/2006/main" xmlns:m="http://schemas.openxmlformats.org/officeDocument/2006/math" xmlns:a14="http://schemas.microsoft.com/office/drawing/2010/main" type="tx" showMasterSp="1" showMasterPhAnim="1">
+<p:sldLayout xmlns:a="http://schemas.openxmlformats.org/drawingml/2006/main" xmlns:r="http://schemas.openxmlformats.org/officeDocument/2006/relationships" xmlns:p="http://schemas.openxmlformats.org/presentationml/2006/main" type="tx">
   <p:cSld name="Title - Top">
     <p:spTree>
       <p:nvGrpSpPr>
@@ -5026,7 +5330,9 @@
       <p:sp>
         <p:nvSpPr>
           <p:cNvPr id="53" name="Title Text"/>
-          <p:cNvSpPr txBox="1"/>
+          <p:cNvSpPr txBox="1">
+            <a:spLocks noGrp="1"/>
+          </p:cNvSpPr>
           <p:nvPr>
             <p:ph type="title"/>
           </p:nvPr>
@@ -5040,7 +5346,6 @@
           <a:bodyPr/>
           <a:lstStyle/>
           <a:p>
-            <a:pPr/>
             <a:r>
               <a:t>Title Text</a:t>
             </a:r>
@@ -5050,7 +5355,9 @@
       <p:sp>
         <p:nvSpPr>
           <p:cNvPr id="54" name="Slide Number"/>
-          <p:cNvSpPr txBox="1"/>
+          <p:cNvSpPr txBox="1">
+            <a:spLocks noGrp="1"/>
+          </p:cNvSpPr>
           <p:nvPr>
             <p:ph type="sldNum" sz="quarter" idx="2"/>
           </p:nvPr>
@@ -5064,8 +5371,12 @@
           <a:bodyPr/>
           <a:lstStyle/>
           <a:p>
-            <a:pPr/>
-            <a:fld id="{86CB4B4D-7CA3-9044-876B-883B54F8677D}" type="slidenum"/>
+            <a:fld id="{86CB4B4D-7CA3-9044-876B-883B54F8677D}" type="slidenum">
+              <a:rPr/>
+              <a:pPr/>
+              <a:t>‹nº›</a:t>
+            </a:fld>
+            <a:endParaRPr/>
           </a:p>
         </p:txBody>
       </p:sp>
@@ -5074,12 +5385,12 @@
   <p:clrMapOvr>
     <a:masterClrMapping/>
   </p:clrMapOvr>
-  <p:transition xmlns:p14="http://schemas.microsoft.com/office/powerpoint/2010/main" spd="med" advClick="1"/>
+  <p:transition spd="med"/>
 </p:sldLayout>
 </file>
 
 <file path=ppt/slideLayouts/slideLayout7.xml><?xml version="1.0" encoding="utf-8"?>
-<p:sldLayout xmlns:a="http://schemas.openxmlformats.org/drawingml/2006/main" xmlns:r="http://schemas.openxmlformats.org/officeDocument/2006/relationships" xmlns:p="http://schemas.openxmlformats.org/presentationml/2006/main" xmlns:m="http://schemas.openxmlformats.org/officeDocument/2006/math" xmlns:a14="http://schemas.microsoft.com/office/drawing/2010/main" type="tx" showMasterSp="1" showMasterPhAnim="1">
+<p:sldLayout xmlns:a="http://schemas.openxmlformats.org/drawingml/2006/main" xmlns:r="http://schemas.openxmlformats.org/officeDocument/2006/relationships" xmlns:p="http://schemas.openxmlformats.org/presentationml/2006/main" type="tx">
   <p:cSld name="Title - Center">
     <p:spTree>
       <p:nvGrpSpPr>
@@ -5098,7 +5409,9 @@
       <p:sp>
         <p:nvSpPr>
           <p:cNvPr id="61" name="Title Text"/>
-          <p:cNvSpPr txBox="1"/>
+          <p:cNvSpPr txBox="1">
+            <a:spLocks noGrp="1"/>
+          </p:cNvSpPr>
           <p:nvPr>
             <p:ph type="title"/>
           </p:nvPr>
@@ -5116,7 +5429,6 @@
           <a:bodyPr/>
           <a:lstStyle/>
           <a:p>
-            <a:pPr/>
             <a:r>
               <a:t>Title Text</a:t>
             </a:r>
@@ -5126,7 +5438,9 @@
       <p:sp>
         <p:nvSpPr>
           <p:cNvPr id="62" name="Slide Number"/>
-          <p:cNvSpPr txBox="1"/>
+          <p:cNvSpPr txBox="1">
+            <a:spLocks noGrp="1"/>
+          </p:cNvSpPr>
           <p:nvPr>
             <p:ph type="sldNum" sz="quarter" idx="2"/>
           </p:nvPr>
@@ -5140,8 +5454,12 @@
           <a:bodyPr/>
           <a:lstStyle/>
           <a:p>
-            <a:pPr/>
-            <a:fld id="{86CB4B4D-7CA3-9044-876B-883B54F8677D}" type="slidenum"/>
+            <a:fld id="{86CB4B4D-7CA3-9044-876B-883B54F8677D}" type="slidenum">
+              <a:rPr/>
+              <a:pPr/>
+              <a:t>‹nº›</a:t>
+            </a:fld>
+            <a:endParaRPr/>
           </a:p>
         </p:txBody>
       </p:sp>
@@ -5150,12 +5468,12 @@
   <p:clrMapOvr>
     <a:masterClrMapping/>
   </p:clrMapOvr>
-  <p:transition xmlns:p14="http://schemas.microsoft.com/office/powerpoint/2010/main" spd="med" advClick="1"/>
+  <p:transition spd="med"/>
 </p:sldLayout>
 </file>
 
 <file path=ppt/slideLayouts/slideLayout8.xml><?xml version="1.0" encoding="utf-8"?>
-<p:sldLayout xmlns:a="http://schemas.openxmlformats.org/drawingml/2006/main" xmlns:r="http://schemas.openxmlformats.org/officeDocument/2006/relationships" xmlns:p="http://schemas.openxmlformats.org/presentationml/2006/main" xmlns:m="http://schemas.openxmlformats.org/officeDocument/2006/math" xmlns:a14="http://schemas.microsoft.com/office/drawing/2010/main" type="tx" showMasterSp="1" showMasterPhAnim="1">
+<p:sldLayout xmlns:a="http://schemas.openxmlformats.org/drawingml/2006/main" xmlns:r="http://schemas.openxmlformats.org/officeDocument/2006/relationships" xmlns:p="http://schemas.openxmlformats.org/presentationml/2006/main" type="tx">
   <p:cSld name="Photo - Horizontal">
     <p:spTree>
       <p:nvGrpSpPr>
@@ -5174,7 +5492,9 @@
       <p:sp>
         <p:nvSpPr>
           <p:cNvPr id="69" name="Image"/>
-          <p:cNvSpPr/>
+          <p:cNvSpPr>
+            <a:spLocks noGrp="1"/>
+          </p:cNvSpPr>
           <p:nvPr>
             <p:ph type="pic" sz="half" idx="21"/>
           </p:nvPr>
@@ -5192,14 +5512,16 @@
           <a:bodyPr lIns="91439" tIns="45719" rIns="91439" bIns="45719" anchor="t"/>
           <a:lstStyle/>
           <a:p>
-            <a:pPr/>
+            <a:endParaRPr/>
           </a:p>
         </p:txBody>
       </p:sp>
       <p:sp>
         <p:nvSpPr>
           <p:cNvPr id="70" name="Title Text"/>
-          <p:cNvSpPr txBox="1"/>
+          <p:cNvSpPr txBox="1">
+            <a:spLocks noGrp="1"/>
+          </p:cNvSpPr>
           <p:nvPr>
             <p:ph type="title"/>
           </p:nvPr>
@@ -5217,7 +5539,6 @@
           <a:bodyPr/>
           <a:lstStyle/>
           <a:p>
-            <a:pPr/>
             <a:r>
               <a:t>Title Text</a:t>
             </a:r>
@@ -5227,7 +5548,9 @@
       <p:sp>
         <p:nvSpPr>
           <p:cNvPr id="71" name="Slide Number"/>
-          <p:cNvSpPr txBox="1"/>
+          <p:cNvSpPr txBox="1">
+            <a:spLocks noGrp="1"/>
+          </p:cNvSpPr>
           <p:nvPr>
             <p:ph type="sldNum" sz="quarter" idx="2"/>
           </p:nvPr>
@@ -5241,8 +5564,12 @@
           <a:bodyPr/>
           <a:lstStyle/>
           <a:p>
-            <a:pPr/>
-            <a:fld id="{86CB4B4D-7CA3-9044-876B-883B54F8677D}" type="slidenum"/>
+            <a:fld id="{86CB4B4D-7CA3-9044-876B-883B54F8677D}" type="slidenum">
+              <a:rPr/>
+              <a:pPr/>
+              <a:t>‹nº›</a:t>
+            </a:fld>
+            <a:endParaRPr/>
           </a:p>
         </p:txBody>
       </p:sp>
@@ -5251,12 +5578,12 @@
   <p:clrMapOvr>
     <a:masterClrMapping/>
   </p:clrMapOvr>
-  <p:transition xmlns:p14="http://schemas.microsoft.com/office/powerpoint/2010/main" spd="med" advClick="1"/>
+  <p:transition spd="med"/>
 </p:sldLayout>
 </file>
 
 <file path=ppt/slideLayouts/slideLayout9.xml><?xml version="1.0" encoding="utf-8"?>
-<p:sldLayout xmlns:a="http://schemas.openxmlformats.org/drawingml/2006/main" xmlns:r="http://schemas.openxmlformats.org/officeDocument/2006/relationships" xmlns:p="http://schemas.openxmlformats.org/presentationml/2006/main" xmlns:m="http://schemas.openxmlformats.org/officeDocument/2006/math" xmlns:a14="http://schemas.microsoft.com/office/drawing/2010/main" type="tx" showMasterSp="1" showMasterPhAnim="1">
+<p:sldLayout xmlns:a="http://schemas.openxmlformats.org/drawingml/2006/main" xmlns:r="http://schemas.openxmlformats.org/officeDocument/2006/relationships" xmlns:p="http://schemas.openxmlformats.org/presentationml/2006/main" type="tx">
   <p:cSld name="Photo - Horizontal Reflection">
     <p:spTree>
       <p:nvGrpSpPr>
@@ -5275,7 +5602,9 @@
       <p:sp>
         <p:nvSpPr>
           <p:cNvPr id="78" name="Image"/>
-          <p:cNvSpPr/>
+          <p:cNvSpPr>
+            <a:spLocks noGrp="1"/>
+          </p:cNvSpPr>
           <p:nvPr>
             <p:ph type="pic" sz="half" idx="21"/>
           </p:nvPr>
@@ -5289,21 +5618,23 @@
             <a:avLst/>
           </a:prstGeom>
           <a:effectLst>
-            <a:reflection blurRad="0" stA="50000" stPos="0" endA="0" endPos="40000" dist="0" dir="5400000" fadeDir="5400000" sx="100000" sy="-100000" kx="0" ky="0" algn="bl" rotWithShape="0"/>
+            <a:reflection stA="50000" endPos="40000" dir="5400000" sy="-100000" algn="bl" rotWithShape="0"/>
           </a:effectLst>
         </p:spPr>
         <p:txBody>
           <a:bodyPr lIns="91439" tIns="45719" rIns="91439" bIns="45719" anchor="t"/>
           <a:lstStyle/>
           <a:p>
-            <a:pPr/>
+            <a:endParaRPr/>
           </a:p>
         </p:txBody>
       </p:sp>
       <p:sp>
         <p:nvSpPr>
           <p:cNvPr id="79" name="Title Text"/>
-          <p:cNvSpPr txBox="1"/>
+          <p:cNvSpPr txBox="1">
+            <a:spLocks noGrp="1"/>
+          </p:cNvSpPr>
           <p:nvPr>
             <p:ph type="title"/>
           </p:nvPr>
@@ -5321,7 +5652,6 @@
           <a:bodyPr/>
           <a:lstStyle/>
           <a:p>
-            <a:pPr/>
             <a:r>
               <a:t>Title Text</a:t>
             </a:r>
@@ -5331,7 +5661,9 @@
       <p:sp>
         <p:nvSpPr>
           <p:cNvPr id="80" name="Slide Number"/>
-          <p:cNvSpPr txBox="1"/>
+          <p:cNvSpPr txBox="1">
+            <a:spLocks noGrp="1"/>
+          </p:cNvSpPr>
           <p:nvPr>
             <p:ph type="sldNum" sz="quarter" idx="2"/>
           </p:nvPr>
@@ -5345,8 +5677,12 @@
           <a:bodyPr/>
           <a:lstStyle/>
           <a:p>
-            <a:pPr/>
-            <a:fld id="{86CB4B4D-7CA3-9044-876B-883B54F8677D}" type="slidenum"/>
+            <a:fld id="{86CB4B4D-7CA3-9044-876B-883B54F8677D}" type="slidenum">
+              <a:rPr/>
+              <a:pPr/>
+              <a:t>‹nº›</a:t>
+            </a:fld>
+            <a:endParaRPr/>
           </a:p>
         </p:txBody>
       </p:sp>
@@ -5355,18 +5691,19 @@
   <p:clrMapOvr>
     <a:masterClrMapping/>
   </p:clrMapOvr>
-  <p:transition xmlns:p14="http://schemas.microsoft.com/office/powerpoint/2010/main" spd="med" advClick="1"/>
+  <p:transition spd="med"/>
 </p:sldLayout>
 </file>
 
 <file path=ppt/slideMasters/slideMaster1.xml><?xml version="1.0" encoding="utf-8"?>
-<p:sldMaster xmlns:a="http://schemas.openxmlformats.org/drawingml/2006/main" xmlns:r="http://schemas.openxmlformats.org/officeDocument/2006/relationships" xmlns:p="http://schemas.openxmlformats.org/presentationml/2006/main" xmlns:m="http://schemas.openxmlformats.org/officeDocument/2006/math" xmlns:a14="http://schemas.microsoft.com/office/drawing/2010/main">
+<p:sldMaster xmlns:a="http://schemas.openxmlformats.org/drawingml/2006/main" xmlns:r="http://schemas.openxmlformats.org/officeDocument/2006/relationships" xmlns:p="http://schemas.openxmlformats.org/presentationml/2006/main">
   <p:cSld>
     <p:bg>
       <p:bgPr>
         <a:solidFill>
           <a:srgbClr val="000000"/>
         </a:solidFill>
+        <a:effectLst/>
       </p:bgPr>
     </p:bg>
     <p:spTree>
@@ -5386,7 +5723,9 @@
       <p:sp>
         <p:nvSpPr>
           <p:cNvPr id="2" name="Body Level One…"/>
-          <p:cNvSpPr txBox="1"/>
+          <p:cNvSpPr txBox="1">
+            <a:spLocks noGrp="1"/>
+          </p:cNvSpPr>
           <p:nvPr>
             <p:ph type="body" idx="1"/>
           </p:nvPr>
@@ -5404,7 +5743,7 @@
           </a:ln>
           <a:extLst>
             <a:ext uri="{C572A759-6A51-4108-AA02-DFA0A04FC94B}">
-              <ma14:wrappingTextBoxFlag xmlns:ma14="http://schemas.microsoft.com/office/mac/drawingml/2011/main" val="1"/>
+              <ma14:wrappingTextBoxFlag xmlns:ma14="http://schemas.microsoft.com/office/mac/drawingml/2011/main" xmlns:a14="http://schemas.microsoft.com/office/drawing/2010/main" xmlns:m="http://schemas.openxmlformats.org/officeDocument/2006/math" xmlns="" val="1"/>
             </a:ext>
           </a:extLst>
         </p:spPr>
@@ -5412,7 +5751,6 @@
           <a:bodyPr lIns="50800" tIns="50800" rIns="50800" bIns="50800" anchor="ctr"/>
           <a:lstStyle/>
           <a:p>
-            <a:pPr/>
             <a:r>
               <a:t>Body Level One</a:t>
             </a:r>
@@ -5446,7 +5784,9 @@
       <p:sp>
         <p:nvSpPr>
           <p:cNvPr id="3" name="Title Text"/>
-          <p:cNvSpPr txBox="1"/>
+          <p:cNvSpPr txBox="1">
+            <a:spLocks noGrp="1"/>
+          </p:cNvSpPr>
           <p:nvPr>
             <p:ph type="title"/>
           </p:nvPr>
@@ -5464,7 +5804,7 @@
           </a:ln>
           <a:extLst>
             <a:ext uri="{C572A759-6A51-4108-AA02-DFA0A04FC94B}">
-              <ma14:wrappingTextBoxFlag xmlns:ma14="http://schemas.microsoft.com/office/mac/drawingml/2011/main" val="1"/>
+              <ma14:wrappingTextBoxFlag xmlns:ma14="http://schemas.microsoft.com/office/mac/drawingml/2011/main" xmlns:a14="http://schemas.microsoft.com/office/drawing/2010/main" xmlns:m="http://schemas.openxmlformats.org/officeDocument/2006/math" xmlns="" val="1"/>
             </a:ext>
           </a:extLst>
         </p:spPr>
@@ -5472,7 +5812,6 @@
           <a:bodyPr lIns="50800" tIns="50800" rIns="50800" bIns="50800" anchor="ctr"/>
           <a:lstStyle/>
           <a:p>
-            <a:pPr/>
             <a:r>
               <a:t>Title Text</a:t>
             </a:r>
@@ -5482,7 +5821,9 @@
       <p:sp>
         <p:nvSpPr>
           <p:cNvPr id="4" name="Slide Number"/>
-          <p:cNvSpPr txBox="1"/>
+          <p:cNvSpPr txBox="1">
+            <a:spLocks noGrp="1"/>
+          </p:cNvSpPr>
           <p:nvPr>
             <p:ph type="sldNum" sz="quarter" idx="2"/>
           </p:nvPr>
@@ -5517,8 +5858,12 @@
             </a:lvl1pPr>
           </a:lstStyle>
           <a:p>
-            <a:pPr/>
-            <a:fld id="{86CB4B4D-7CA3-9044-876B-883B54F8677D}" type="slidenum"/>
+            <a:fld id="{86CB4B4D-7CA3-9044-876B-883B54F8677D}" type="slidenum">
+              <a:rPr/>
+              <a:pPr/>
+              <a:t>‹nº›</a:t>
+            </a:fld>
+            <a:endParaRPr/>
           </a:p>
         </p:txBody>
       </p:sp>
@@ -5526,32 +5871,32 @@
   </p:cSld>
   <p:clrMap bg1="lt1" tx1="dk1" bg2="lt2" tx2="dk2" accent1="accent1" accent2="accent2" accent3="accent3" accent4="accent4" accent5="accent5" accent6="accent6" hlink="hlink" folHlink="folHlink"/>
   <p:sldLayoutIdLst>
-    <p:sldLayoutId id="2147483649" r:id="rId2"/>
-    <p:sldLayoutId id="2147483650" r:id="rId3"/>
-    <p:sldLayoutId id="2147483651" r:id="rId4"/>
-    <p:sldLayoutId id="2147483652" r:id="rId5"/>
-    <p:sldLayoutId id="2147483653" r:id="rId6"/>
-    <p:sldLayoutId id="2147483654" r:id="rId7"/>
-    <p:sldLayoutId id="2147483655" r:id="rId8"/>
-    <p:sldLayoutId id="2147483656" r:id="rId9"/>
-    <p:sldLayoutId id="2147483657" r:id="rId10"/>
-    <p:sldLayoutId id="2147483658" r:id="rId11"/>
-    <p:sldLayoutId id="2147483659" r:id="rId12"/>
-    <p:sldLayoutId id="2147483660" r:id="rId13"/>
-    <p:sldLayoutId id="2147483661" r:id="rId14"/>
-    <p:sldLayoutId id="2147483662" r:id="rId15"/>
-    <p:sldLayoutId id="2147483663" r:id="rId16"/>
-    <p:sldLayoutId id="2147483664" r:id="rId17"/>
-    <p:sldLayoutId id="2147483665" r:id="rId18"/>
-    <p:sldLayoutId id="2147483666" r:id="rId19"/>
-    <p:sldLayoutId id="2147483667" r:id="rId20"/>
-    <p:sldLayoutId id="2147483668" r:id="rId21"/>
-    <p:sldLayoutId id="2147483669" r:id="rId22"/>
-    <p:sldLayoutId id="2147483670" r:id="rId23"/>
-    <p:sldLayoutId id="2147483671" r:id="rId24"/>
-    <p:sldLayoutId id="2147483672" r:id="rId25"/>
+    <p:sldLayoutId id="2147483649" r:id="rId1"/>
+    <p:sldLayoutId id="2147483650" r:id="rId2"/>
+    <p:sldLayoutId id="2147483651" r:id="rId3"/>
+    <p:sldLayoutId id="2147483652" r:id="rId4"/>
+    <p:sldLayoutId id="2147483653" r:id="rId5"/>
+    <p:sldLayoutId id="2147483654" r:id="rId6"/>
+    <p:sldLayoutId id="2147483655" r:id="rId7"/>
+    <p:sldLayoutId id="2147483656" r:id="rId8"/>
+    <p:sldLayoutId id="2147483657" r:id="rId9"/>
+    <p:sldLayoutId id="2147483658" r:id="rId10"/>
+    <p:sldLayoutId id="2147483659" r:id="rId11"/>
+    <p:sldLayoutId id="2147483660" r:id="rId12"/>
+    <p:sldLayoutId id="2147483661" r:id="rId13"/>
+    <p:sldLayoutId id="2147483662" r:id="rId14"/>
+    <p:sldLayoutId id="2147483663" r:id="rId15"/>
+    <p:sldLayoutId id="2147483664" r:id="rId16"/>
+    <p:sldLayoutId id="2147483665" r:id="rId17"/>
+    <p:sldLayoutId id="2147483666" r:id="rId18"/>
+    <p:sldLayoutId id="2147483667" r:id="rId19"/>
+    <p:sldLayoutId id="2147483668" r:id="rId20"/>
+    <p:sldLayoutId id="2147483669" r:id="rId21"/>
+    <p:sldLayoutId id="2147483670" r:id="rId22"/>
+    <p:sldLayoutId id="2147483671" r:id="rId23"/>
+    <p:sldLayoutId id="2147483672" r:id="rId24"/>
   </p:sldLayoutIdLst>
-  <p:transition xmlns:p14="http://schemas.microsoft.com/office/powerpoint/2010/main" spd="med" advClick="1"/>
+  <p:transition spd="med"/>
   <p:txStyles>
     <p:titleStyle>
       <a:lvl1pPr marL="0" marR="0" indent="0" algn="ctr" defTabSz="584200" rtl="0" latinLnBrk="0">
@@ -5569,7 +5914,7 @@
         <a:buFontTx/>
         <a:buNone/>
         <a:tabLst/>
-        <a:defRPr b="0" baseline="0" cap="none" i="0" spc="0" strike="noStrike" sz="8400" u="none">
+        <a:defRPr sz="8400" b="0" i="0" u="none" strike="noStrike" cap="none" spc="0" baseline="0">
           <a:solidFill>
             <a:srgbClr val="FFFFFF"/>
           </a:solidFill>
@@ -5595,7 +5940,7 @@
         <a:buFontTx/>
         <a:buNone/>
         <a:tabLst/>
-        <a:defRPr b="0" baseline="0" cap="none" i="0" spc="0" strike="noStrike" sz="8400" u="none">
+        <a:defRPr sz="8400" b="0" i="0" u="none" strike="noStrike" cap="none" spc="0" baseline="0">
           <a:solidFill>
             <a:srgbClr val="FFFFFF"/>
           </a:solidFill>
@@ -5621,7 +5966,7 @@
         <a:buFontTx/>
         <a:buNone/>
         <a:tabLst/>
-        <a:defRPr b="0" baseline="0" cap="none" i="0" spc="0" strike="noStrike" sz="8400" u="none">
+        <a:defRPr sz="8400" b="0" i="0" u="none" strike="noStrike" cap="none" spc="0" baseline="0">
           <a:solidFill>
             <a:srgbClr val="FFFFFF"/>
           </a:solidFill>
@@ -5647,7 +5992,7 @@
         <a:buFontTx/>
         <a:buNone/>
         <a:tabLst/>
-        <a:defRPr b="0" baseline="0" cap="none" i="0" spc="0" strike="noStrike" sz="8400" u="none">
+        <a:defRPr sz="8400" b="0" i="0" u="none" strike="noStrike" cap="none" spc="0" baseline="0">
           <a:solidFill>
             <a:srgbClr val="FFFFFF"/>
           </a:solidFill>
@@ -5673,7 +6018,7 @@
         <a:buFontTx/>
         <a:buNone/>
         <a:tabLst/>
-        <a:defRPr b="0" baseline="0" cap="none" i="0" spc="0" strike="noStrike" sz="8400" u="none">
+        <a:defRPr sz="8400" b="0" i="0" u="none" strike="noStrike" cap="none" spc="0" baseline="0">
           <a:solidFill>
             <a:srgbClr val="FFFFFF"/>
           </a:solidFill>
@@ -5699,7 +6044,7 @@
         <a:buFontTx/>
         <a:buNone/>
         <a:tabLst/>
-        <a:defRPr b="0" baseline="0" cap="none" i="0" spc="0" strike="noStrike" sz="8400" u="none">
+        <a:defRPr sz="8400" b="0" i="0" u="none" strike="noStrike" cap="none" spc="0" baseline="0">
           <a:solidFill>
             <a:srgbClr val="FFFFFF"/>
           </a:solidFill>
@@ -5725,7 +6070,7 @@
         <a:buFontTx/>
         <a:buNone/>
         <a:tabLst/>
-        <a:defRPr b="0" baseline="0" cap="none" i="0" spc="0" strike="noStrike" sz="8400" u="none">
+        <a:defRPr sz="8400" b="0" i="0" u="none" strike="noStrike" cap="none" spc="0" baseline="0">
           <a:solidFill>
             <a:srgbClr val="FFFFFF"/>
           </a:solidFill>
@@ -5751,7 +6096,7 @@
         <a:buFontTx/>
         <a:buNone/>
         <a:tabLst/>
-        <a:defRPr b="0" baseline="0" cap="none" i="0" spc="0" strike="noStrike" sz="8400" u="none">
+        <a:defRPr sz="8400" b="0" i="0" u="none" strike="noStrike" cap="none" spc="0" baseline="0">
           <a:solidFill>
             <a:srgbClr val="FFFFFF"/>
           </a:solidFill>
@@ -5777,7 +6122,7 @@
         <a:buFontTx/>
         <a:buNone/>
         <a:tabLst/>
-        <a:defRPr b="0" baseline="0" cap="none" i="0" spc="0" strike="noStrike" sz="8400" u="none">
+        <a:defRPr sz="8400" b="0" i="0" u="none" strike="noStrike" cap="none" spc="0" baseline="0">
           <a:solidFill>
             <a:srgbClr val="FFFFFF"/>
           </a:solidFill>
@@ -5805,7 +6150,7 @@
         <a:buFontTx/>
         <a:buChar char="•"/>
         <a:tabLst/>
-        <a:defRPr b="0" baseline="0" cap="none" i="0" spc="0" strike="noStrike" sz="4200" u="none">
+        <a:defRPr sz="4200" b="0" i="0" u="none" strike="noStrike" cap="none" spc="0" baseline="0">
           <a:solidFill>
             <a:srgbClr val="FFFFFF"/>
           </a:solidFill>
@@ -5831,7 +6176,7 @@
         <a:buFontTx/>
         <a:buChar char="•"/>
         <a:tabLst/>
-        <a:defRPr b="0" baseline="0" cap="none" i="0" spc="0" strike="noStrike" sz="4200" u="none">
+        <a:defRPr sz="4200" b="0" i="0" u="none" strike="noStrike" cap="none" spc="0" baseline="0">
           <a:solidFill>
             <a:srgbClr val="FFFFFF"/>
           </a:solidFill>
@@ -5857,7 +6202,7 @@
         <a:buFontTx/>
         <a:buChar char="•"/>
         <a:tabLst/>
-        <a:defRPr b="0" baseline="0" cap="none" i="0" spc="0" strike="noStrike" sz="4200" u="none">
+        <a:defRPr sz="4200" b="0" i="0" u="none" strike="noStrike" cap="none" spc="0" baseline="0">
           <a:solidFill>
             <a:srgbClr val="FFFFFF"/>
           </a:solidFill>
@@ -5883,7 +6228,7 @@
         <a:buFontTx/>
         <a:buChar char="•"/>
         <a:tabLst/>
-        <a:defRPr b="0" baseline="0" cap="none" i="0" spc="0" strike="noStrike" sz="4200" u="none">
+        <a:defRPr sz="4200" b="0" i="0" u="none" strike="noStrike" cap="none" spc="0" baseline="0">
           <a:solidFill>
             <a:srgbClr val="FFFFFF"/>
           </a:solidFill>
@@ -5909,7 +6254,7 @@
         <a:buFontTx/>
         <a:buChar char="•"/>
         <a:tabLst/>
-        <a:defRPr b="0" baseline="0" cap="none" i="0" spc="0" strike="noStrike" sz="4200" u="none">
+        <a:defRPr sz="4200" b="0" i="0" u="none" strike="noStrike" cap="none" spc="0" baseline="0">
           <a:solidFill>
             <a:srgbClr val="FFFFFF"/>
           </a:solidFill>
@@ -5935,7 +6280,7 @@
         <a:buFontTx/>
         <a:buChar char="•"/>
         <a:tabLst/>
-        <a:defRPr b="0" baseline="0" cap="none" i="0" spc="0" strike="noStrike" sz="4200" u="none">
+        <a:defRPr sz="4200" b="0" i="0" u="none" strike="noStrike" cap="none" spc="0" baseline="0">
           <a:solidFill>
             <a:srgbClr val="FFFFFF"/>
           </a:solidFill>
@@ -5961,7 +6306,7 @@
         <a:buFontTx/>
         <a:buChar char="•"/>
         <a:tabLst/>
-        <a:defRPr b="0" baseline="0" cap="none" i="0" spc="0" strike="noStrike" sz="4200" u="none">
+        <a:defRPr sz="4200" b="0" i="0" u="none" strike="noStrike" cap="none" spc="0" baseline="0">
           <a:solidFill>
             <a:srgbClr val="FFFFFF"/>
           </a:solidFill>
@@ -5987,7 +6332,7 @@
         <a:buFontTx/>
         <a:buChar char="•"/>
         <a:tabLst/>
-        <a:defRPr b="0" baseline="0" cap="none" i="0" spc="0" strike="noStrike" sz="4200" u="none">
+        <a:defRPr sz="4200" b="0" i="0" u="none" strike="noStrike" cap="none" spc="0" baseline="0">
           <a:solidFill>
             <a:srgbClr val="FFFFFF"/>
           </a:solidFill>
@@ -6013,7 +6358,7 @@
         <a:buFontTx/>
         <a:buChar char="•"/>
         <a:tabLst/>
-        <a:defRPr b="0" baseline="0" cap="none" i="0" spc="0" strike="noStrike" sz="4200" u="none">
+        <a:defRPr sz="4200" b="0" i="0" u="none" strike="noStrike" cap="none" spc="0" baseline="0">
           <a:solidFill>
             <a:srgbClr val="FFFFFF"/>
           </a:solidFill>
@@ -6041,7 +6386,7 @@
         <a:buFontTx/>
         <a:buNone/>
         <a:tabLst/>
-        <a:defRPr b="0" baseline="0" cap="none" i="0" spc="0" strike="noStrike" sz="1800" u="none">
+        <a:defRPr sz="1800" b="0" i="0" u="none" strike="noStrike" cap="none" spc="0" baseline="0">
           <a:solidFill>
             <a:schemeClr val="tx1"/>
           </a:solidFill>
@@ -6067,7 +6412,7 @@
         <a:buFontTx/>
         <a:buNone/>
         <a:tabLst/>
-        <a:defRPr b="0" baseline="0" cap="none" i="0" spc="0" strike="noStrike" sz="1800" u="none">
+        <a:defRPr sz="1800" b="0" i="0" u="none" strike="noStrike" cap="none" spc="0" baseline="0">
           <a:solidFill>
             <a:schemeClr val="tx1"/>
           </a:solidFill>
@@ -6093,7 +6438,7 @@
         <a:buFontTx/>
         <a:buNone/>
         <a:tabLst/>
-        <a:defRPr b="0" baseline="0" cap="none" i="0" spc="0" strike="noStrike" sz="1800" u="none">
+        <a:defRPr sz="1800" b="0" i="0" u="none" strike="noStrike" cap="none" spc="0" baseline="0">
           <a:solidFill>
             <a:schemeClr val="tx1"/>
           </a:solidFill>
@@ -6119,7 +6464,7 @@
         <a:buFontTx/>
         <a:buNone/>
         <a:tabLst/>
-        <a:defRPr b="0" baseline="0" cap="none" i="0" spc="0" strike="noStrike" sz="1800" u="none">
+        <a:defRPr sz="1800" b="0" i="0" u="none" strike="noStrike" cap="none" spc="0" baseline="0">
           <a:solidFill>
             <a:schemeClr val="tx1"/>
           </a:solidFill>
@@ -6145,7 +6490,7 @@
         <a:buFontTx/>
         <a:buNone/>
         <a:tabLst/>
-        <a:defRPr b="0" baseline="0" cap="none" i="0" spc="0" strike="noStrike" sz="1800" u="none">
+        <a:defRPr sz="1800" b="0" i="0" u="none" strike="noStrike" cap="none" spc="0" baseline="0">
           <a:solidFill>
             <a:schemeClr val="tx1"/>
           </a:solidFill>
@@ -6171,7 +6516,7 @@
         <a:buFontTx/>
         <a:buNone/>
         <a:tabLst/>
-        <a:defRPr b="0" baseline="0" cap="none" i="0" spc="0" strike="noStrike" sz="1800" u="none">
+        <a:defRPr sz="1800" b="0" i="0" u="none" strike="noStrike" cap="none" spc="0" baseline="0">
           <a:solidFill>
             <a:schemeClr val="tx1"/>
           </a:solidFill>
@@ -6197,7 +6542,7 @@
         <a:buFontTx/>
         <a:buNone/>
         <a:tabLst/>
-        <a:defRPr b="0" baseline="0" cap="none" i="0" spc="0" strike="noStrike" sz="1800" u="none">
+        <a:defRPr sz="1800" b="0" i="0" u="none" strike="noStrike" cap="none" spc="0" baseline="0">
           <a:solidFill>
             <a:schemeClr val="tx1"/>
           </a:solidFill>
@@ -6223,7 +6568,7 @@
         <a:buFontTx/>
         <a:buNone/>
         <a:tabLst/>
-        <a:defRPr b="0" baseline="0" cap="none" i="0" spc="0" strike="noStrike" sz="1800" u="none">
+        <a:defRPr sz="1800" b="0" i="0" u="none" strike="noStrike" cap="none" spc="0" baseline="0">
           <a:solidFill>
             <a:schemeClr val="tx1"/>
           </a:solidFill>
@@ -6249,7 +6594,7 @@
         <a:buFontTx/>
         <a:buNone/>
         <a:tabLst/>
-        <a:defRPr b="0" baseline="0" cap="none" i="0" spc="0" strike="noStrike" sz="1800" u="none">
+        <a:defRPr sz="1800" b="0" i="0" u="none" strike="noStrike" cap="none" spc="0" baseline="0">
           <a:solidFill>
             <a:schemeClr val="tx1"/>
           </a:solidFill>
@@ -6266,7 +6611,7 @@
 </file>
 
 <file path=ppt/slides/slide1.xml><?xml version="1.0" encoding="utf-8"?>
-<p:sld xmlns:a="http://schemas.openxmlformats.org/drawingml/2006/main" xmlns:r="http://schemas.openxmlformats.org/officeDocument/2006/relationships" xmlns:p="http://schemas.openxmlformats.org/presentationml/2006/main" xmlns:m="http://schemas.openxmlformats.org/officeDocument/2006/math" xmlns:a14="http://schemas.microsoft.com/office/drawing/2010/main" show="0" showMasterSp="1" showMasterPhAnim="1">
+<p:sld xmlns:a="http://schemas.openxmlformats.org/drawingml/2006/main" xmlns:r="http://schemas.openxmlformats.org/officeDocument/2006/relationships" xmlns:p="http://schemas.openxmlformats.org/presentationml/2006/main">
   <p:cSld>
     <p:spTree>
       <p:nvGrpSpPr>
@@ -6284,48 +6629,66 @@
       </p:grpSpPr>
       <p:sp>
         <p:nvSpPr>
-          <p:cNvPr id="223" name="In class and after class interaction"/>
-          <p:cNvSpPr txBox="1"/>
-          <p:nvPr>
-            <p:ph type="title"/>
+          <p:cNvPr id="226" name="Software and systems engineering"/>
+          <p:cNvSpPr txBox="1">
+            <a:spLocks noGrp="1"/>
+          </p:cNvSpPr>
+          <p:nvPr>
+            <p:ph type="ctrTitle"/>
+          </p:nvPr>
+        </p:nvSpPr>
+        <p:spPr>
+          <a:prstGeom prst="rect">
+            <a:avLst/>
+          </a:prstGeom>
+        </p:spPr>
+        <p:txBody>
+          <a:bodyPr>
+            <a:normAutofit/>
+          </a:bodyPr>
+          <a:lstStyle/>
+          <a:p>
+            <a:r>
+              <a:t>Software </a:t>
+            </a:r>
+            <a:r>
+              <a:rPr/>
+              <a:t>and </a:t>
+            </a:r>
+            <a:r>
+              <a:rPr lang="en-US" dirty="0" smtClean="0"/>
+              <a:t>S</a:t>
+            </a:r>
+            <a:r>
+              <a:rPr smtClean="0"/>
+              <a:t>ystems </a:t>
+            </a:r>
+            <a:r>
+              <a:rPr lang="en-US" dirty="0" smtClean="0"/>
+              <a:t>E</a:t>
+            </a:r>
+            <a:r>
+              <a:rPr smtClean="0"/>
+              <a:t>ngineering</a:t>
+            </a:r>
+            <a:endParaRPr/>
+          </a:p>
+        </p:txBody>
+      </p:sp>
+      <p:sp>
+        <p:nvSpPr>
+          <p:cNvPr id="227" name="Paulo Borba…"/>
+          <p:cNvSpPr txBox="1">
+            <a:spLocks noGrp="1"/>
+          </p:cNvSpPr>
+          <p:nvPr>
+            <p:ph type="subTitle" sz="quarter" idx="1"/>
           </p:nvPr>
         </p:nvSpPr>
         <p:spPr>
           <a:xfrm>
-            <a:off x="1270000" y="-454963"/>
-            <a:ext cx="10464800" cy="2438401"/>
-          </a:xfrm>
-          <a:prstGeom prst="rect">
-            <a:avLst/>
-          </a:prstGeom>
-        </p:spPr>
-        <p:txBody>
-          <a:bodyPr/>
-          <a:lstStyle>
-            <a:lvl1pPr>
-              <a:defRPr sz="4200"/>
-            </a:lvl1pPr>
-          </a:lstStyle>
-          <a:p>
-            <a:pPr/>
-            <a:r>
-              <a:t>In class and after class interaction</a:t>
-            </a:r>
-          </a:p>
-        </p:txBody>
-      </p:sp>
-      <p:sp>
-        <p:nvSpPr>
-          <p:cNvPr id="224" name="open questions (about key concepts, about superficially covered concepts, from previous exams, etc.) to consolidate or extend knowledge: 1. Explique a diferença entre fator de qualidade interno e externo, e dê exemplos de ambos. 2. Como você exemplificar"/>
-          <p:cNvSpPr txBox="1"/>
-          <p:nvPr>
-            <p:ph type="body" idx="1"/>
-          </p:nvPr>
-        </p:nvSpPr>
-        <p:spPr>
-          <a:xfrm>
-            <a:off x="420495" y="1282313"/>
-            <a:ext cx="11674443" cy="8085857"/>
+            <a:off x="1215988" y="5591180"/>
+            <a:ext cx="10464800" cy="1816100"/>
           </a:xfrm>
           <a:prstGeom prst="rect">
             <a:avLst/>
@@ -6335,104 +6698,235 @@
           <a:bodyPr/>
           <a:lstStyle/>
           <a:p>
-            <a:pPr>
-              <a:buClr>
-                <a:srgbClr val="FEFB27"/>
-              </a:buClr>
-              <a:defRPr sz="2400"/>
-            </a:pPr>
-            <a:r>
-              <a:rPr>
-                <a:solidFill>
-                  <a:srgbClr val="FEFB27"/>
-                </a:solidFill>
-              </a:rPr>
-              <a:t>open questions (about key concepts, about superficially covered concepts, from previous exams, etc.) to consolidate or extend knowledge:</a:t>
-            </a:r>
-            <a:r>
-              <a:t> 1. Explique a diferença entre fator de qualidade interno e externo, e dê exemplos de ambos. 2. Como você exemplificaria a diferença entre "how to do it?" e "how to do it right?"?</a:t>
-            </a:r>
-          </a:p>
-          <a:p>
-            <a:pPr>
-              <a:buClr>
-                <a:srgbClr val="FEFB27"/>
-              </a:buClr>
-              <a:defRPr sz="2400"/>
-            </a:pPr>
-            <a:r>
-              <a:rPr>
-                <a:solidFill>
-                  <a:srgbClr val="FEFB27"/>
-                </a:solidFill>
-              </a:rPr>
-              <a:t>discussion topics (value systems, method and technology choices, blog posts, tweet threads, short videos, additional references, etc.) to motivate, extend knowledge, and exercise reflection and communication skills:</a:t>
-            </a:r>
-            <a:r>
-              <a:t> 1. Como você acha que poderia medir a produtividade de um programador? 2. See To do after class 3. </a:t>
-            </a:r>
-            <a:r>
-              <a:rPr u="sng">
-                <a:hlinkClick r:id="rId2" invalidUrl="" action="" tgtFrame="" tooltip="" history="1" highlightClick="0" endSnd="0"/>
-              </a:rPr>
-              <a:t>https://www.youtube.com/watch?v=rwvmru5JmXk</a:t>
-            </a:r>
-            <a:r>
-              <a:t> video que mostra prédio sendo construído em 15 dias! O que tornou isso possível?</a:t>
-            </a:r>
-          </a:p>
-          <a:p>
-            <a:pPr>
-              <a:defRPr sz="2400">
-                <a:solidFill>
-                  <a:srgbClr val="FEFB27"/>
-                </a:solidFill>
-              </a:defRPr>
-            </a:pPr>
-            <a:r>
-              <a:t>quizzes (about key concepts) to consolidate knowledge and self assessment: </a:t>
-            </a:r>
-            <a:r>
-              <a:rPr>
+            <a:r>
+              <a:rPr lang="en-US" dirty="0" smtClean="0"/>
+              <a:t>Marcelo </a:t>
+            </a:r>
+            <a:r>
+              <a:rPr lang="en-US" dirty="0" err="1" smtClean="0"/>
+              <a:t>d’Amorim</a:t>
+            </a:r>
+            <a:endParaRPr/>
+          </a:p>
+          <a:p>
+            <a:r>
+              <a:t>Federal University of Pernambuco</a:t>
+            </a:r>
+          </a:p>
+        </p:txBody>
+      </p:sp>
+      <p:sp>
+        <p:nvSpPr>
+          <p:cNvPr id="228" name="pauloborba.cin.ufpe.br"/>
+          <p:cNvSpPr txBox="1"/>
+          <p:nvPr/>
+        </p:nvSpPr>
+        <p:spPr>
+          <a:xfrm>
+            <a:off x="2578100" y="8833826"/>
+            <a:ext cx="7848600" cy="482601"/>
+          </a:xfrm>
+          <a:prstGeom prst="rect">
+            <a:avLst/>
+          </a:prstGeom>
+          <a:ln w="12700">
+            <a:miter lim="400000"/>
+          </a:ln>
+          <a:extLst>
+            <a:ext uri="{C572A759-6A51-4108-AA02-DFA0A04FC94B}">
+              <ma14:wrappingTextBoxFlag xmlns:ma14="http://schemas.microsoft.com/office/mac/drawingml/2011/main" xmlns:a14="http://schemas.microsoft.com/office/drawing/2010/main" xmlns:m="http://schemas.openxmlformats.org/officeDocument/2006/math" xmlns="" val="1"/>
+            </a:ext>
+          </a:extLst>
+        </p:spPr>
+        <p:txBody>
+          <a:bodyPr lIns="50800" tIns="50800" rIns="50800" bIns="50800" anchor="ctr">
+            <a:spAutoFit/>
+          </a:bodyPr>
+          <a:lstStyle>
+            <a:lvl1pPr algn="ctr" defTabSz="584200">
+              <a:defRPr sz="2400" b="1" u="sng">
                 <a:solidFill>
                   <a:srgbClr val="F3F9F6"/>
                 </a:solidFill>
+                <a:latin typeface="Courier New"/>
+                <a:ea typeface="Courier New"/>
+                <a:cs typeface="Courier New"/>
+                <a:sym typeface="Courier New"/>
+                <a:hlinkClick r:id="rId2"/>
+              </a:defRPr>
+            </a:lvl1pPr>
+          </a:lstStyle>
+          <a:p>
+            <a:pPr>
+              <a:defRPr u="none"/>
+            </a:pPr>
+            <a:r>
+              <a:rPr lang="en-US" u="sng" dirty="0" smtClean="0">
+                <a:hlinkClick r:id="rId2"/>
               </a:rPr>
-              <a:t>1. "Indique a seguir a única causa essencial (ou seja, não acidental) para os problemas em projetos de desenvolvimento de software:" "Dificuldade de formalização" "Equipe inexperiente" "Uso de linguagem inadequada" "Gerenciamento inadequado"  </a:t>
-            </a:r>
-            <a:endParaRPr>
-              <a:solidFill>
-                <a:srgbClr val="F3F9F6"/>
-              </a:solidFill>
+              <a:t>www.cin.ufpe.br/~damorim</a:t>
+            </a:r>
+            <a:endParaRPr u="sng">
+              <a:hlinkClick r:id="rId2"/>
             </a:endParaRPr>
           </a:p>
-          <a:p>
-            <a:pPr>
-              <a:defRPr sz="2400">
-                <a:solidFill>
-                  <a:srgbClr val="FEFB27"/>
-                </a:solidFill>
-              </a:defRPr>
+        </p:txBody>
+      </p:sp>
+      <p:sp>
+        <p:nvSpPr>
+          <p:cNvPr id="5" name="CaixaDeTexto 4"/>
+          <p:cNvSpPr txBox="1"/>
+          <p:nvPr/>
+        </p:nvSpPr>
+        <p:spPr>
+          <a:xfrm>
+            <a:off x="72980" y="19016"/>
+            <a:ext cx="7683194" cy="287258"/>
+          </a:xfrm>
+          <a:prstGeom prst="rect">
+            <a:avLst/>
+          </a:prstGeom>
+          <a:noFill/>
+          <a:ln w="12700" cap="flat">
+            <a:noFill/>
+            <a:miter lim="400000"/>
+          </a:ln>
+          <a:effectLst/>
+          <a:sp3d/>
+        </p:spPr>
+        <p:style>
+          <a:lnRef idx="0">
+            <a:scrgbClr r="0" g="0" b="0"/>
+          </a:lnRef>
+          <a:fillRef idx="0">
+            <a:scrgbClr r="0" g="0" b="0"/>
+          </a:fillRef>
+          <a:effectRef idx="0">
+            <a:scrgbClr r="0" g="0" b="0"/>
+          </a:effectRef>
+          <a:fontRef idx="none"/>
+        </p:style>
+        <p:txBody>
+          <a:bodyPr rot="0" spcFirstLastPara="1" vertOverflow="overflow" horzOverflow="overflow" vert="horz" wrap="none" lIns="50800" tIns="50800" rIns="50800" bIns="50800" numCol="1" spcCol="38100" rtlCol="0" anchor="ctr">
+            <a:spAutoFit/>
+          </a:bodyPr>
+          <a:lstStyle/>
+          <a:p>
+            <a:pPr marL="0" marR="0" indent="0" algn="l" defTabSz="457200" rtl="0" fontAlgn="auto" latinLnBrk="0" hangingPunct="0">
+              <a:lnSpc>
+                <a:spcPct val="100000"/>
+              </a:lnSpc>
+              <a:spcBef>
+                <a:spcPts val="0"/>
+              </a:spcBef>
+              <a:spcAft>
+                <a:spcPts val="0"/>
+              </a:spcAft>
+              <a:buClrTx/>
+              <a:buSzTx/>
+              <a:buFontTx/>
+              <a:buNone/>
+              <a:tabLst/>
             </a:pPr>
             <a:r>
-              <a:t>surveys (about student difficulties, required effort, wishes, and activity progress; about course methodology, etc.):  </a:t>
-            </a:r>
-            <a:r>
-              <a:rPr>
-                <a:solidFill>
-                  <a:srgbClr val="F3F9F6"/>
-                </a:solidFill>
-              </a:rPr>
-              <a:t>1. "V</a:t>
-            </a:r>
-            <a:r>
-              <a:rPr>
+              <a:rPr kumimoji="0" lang="en-US" sz="1200" b="0" i="0" u="none" strike="noStrike" cap="none" spc="0" normalizeH="0" baseline="0" dirty="0" smtClean="0">
+                <a:ln>
+                  <a:noFill/>
+                </a:ln>
                 <a:solidFill>
                   <a:srgbClr val="FFFFFF"/>
                 </a:solidFill>
+                <a:effectLst/>
+                <a:uFillTx/>
+                <a:latin typeface="+mn-lt"/>
+                <a:ea typeface="Helvetica"/>
+                <a:cs typeface="Helvetica"/>
+                <a:sym typeface="Helvetica"/>
               </a:rPr>
-              <a:t>ocê prevê algum problema (de ordem emocional, de dificuldade de estudo, da metodologia adotada para a disciplina, sobrecarga de atividades, etc.) que pode atrapalhar o seu desempenho na disciplina?" "Sim" “Não"</a:t>
-            </a:r>
+              <a:t>* Slides based on the material published by Paulo </a:t>
+            </a:r>
+            <a:r>
+              <a:rPr kumimoji="0" lang="en-US" sz="1200" b="0" i="0" u="none" strike="noStrike" cap="none" spc="0" normalizeH="0" baseline="0" dirty="0" err="1" smtClean="0">
+                <a:ln>
+                  <a:noFill/>
+                </a:ln>
+                <a:solidFill>
+                  <a:srgbClr val="FFFFFF"/>
+                </a:solidFill>
+                <a:effectLst/>
+                <a:uFillTx/>
+                <a:latin typeface="+mn-lt"/>
+                <a:ea typeface="Helvetica"/>
+                <a:cs typeface="Helvetica"/>
+                <a:sym typeface="Helvetica"/>
+              </a:rPr>
+              <a:t>Borba</a:t>
+            </a:r>
+            <a:r>
+              <a:rPr kumimoji="0" lang="en-US" sz="1200" b="0" i="0" u="none" strike="noStrike" cap="none" spc="0" normalizeH="0" baseline="0" dirty="0" smtClean="0">
+                <a:ln>
+                  <a:noFill/>
+                </a:ln>
+                <a:solidFill>
+                  <a:srgbClr val="FFFFFF"/>
+                </a:solidFill>
+                <a:effectLst/>
+                <a:uFillTx/>
+                <a:latin typeface="+mn-lt"/>
+                <a:ea typeface="Helvetica"/>
+                <a:cs typeface="Helvetica"/>
+                <a:sym typeface="Helvetica"/>
+              </a:rPr>
+              <a:t> (phmb@cin.ufpe.br) under </a:t>
+            </a:r>
+            <a:r>
+              <a:rPr kumimoji="0" lang="en-US" sz="1200" b="0" i="0" u="none" strike="noStrike" cap="none" spc="0" normalizeH="0" baseline="0" dirty="0" smtClean="0">
+                <a:ln>
+                  <a:noFill/>
+                </a:ln>
+                <a:solidFill>
+                  <a:srgbClr val="FFFFFF"/>
+                </a:solidFill>
+                <a:effectLst/>
+                <a:uFillTx/>
+                <a:latin typeface="Helvetica"/>
+                <a:ea typeface="Helvetica"/>
+                <a:cs typeface="Helvetica"/>
+                <a:sym typeface="Helvetica"/>
+              </a:rPr>
+              <a:t>Creative</a:t>
+            </a:r>
+            <a:r>
+              <a:rPr kumimoji="0" lang="en-US" sz="1200" b="0" i="0" u="none" strike="noStrike" cap="none" spc="0" normalizeH="0" dirty="0" smtClean="0">
+                <a:ln>
+                  <a:noFill/>
+                </a:ln>
+                <a:solidFill>
+                  <a:srgbClr val="FFFFFF"/>
+                </a:solidFill>
+                <a:effectLst/>
+                <a:uFillTx/>
+                <a:latin typeface="Helvetica"/>
+                <a:ea typeface="Helvetica"/>
+                <a:cs typeface="Helvetica"/>
+                <a:sym typeface="Helvetica"/>
+              </a:rPr>
+              <a:t> Commons license</a:t>
+            </a:r>
+            <a:endParaRPr kumimoji="0" lang="pt-BR" sz="1200" b="0" i="0" u="none" strike="noStrike" cap="none" spc="0" normalizeH="0" baseline="0" dirty="0">
+              <a:ln>
+                <a:noFill/>
+              </a:ln>
+              <a:solidFill>
+                <a:srgbClr val="FFFFFF"/>
+              </a:solidFill>
+              <a:effectLst/>
+              <a:uFillTx/>
+              <a:latin typeface="Helvetica"/>
+              <a:ea typeface="Helvetica"/>
+              <a:cs typeface="Helvetica"/>
+              <a:sym typeface="Helvetica"/>
+            </a:endParaRPr>
           </a:p>
         </p:txBody>
       </p:sp>
@@ -6441,12 +6935,19 @@
   <p:clrMapOvr>
     <a:masterClrMapping/>
   </p:clrMapOvr>
-  <p:transition xmlns:p14="http://schemas.microsoft.com/office/powerpoint/2010/main" spd="med" advClick="1"/>
+  <p:transition spd="med"/>
+  <p:timing>
+    <p:tnLst>
+      <p:par>
+        <p:cTn id="1" dur="indefinite" restart="never" nodeType="tmRoot"/>
+      </p:par>
+    </p:tnLst>
+  </p:timing>
 </p:sld>
 </file>
 
 <file path=ppt/slides/slide10.xml><?xml version="1.0" encoding="utf-8"?>
-<p:sld xmlns:a="http://schemas.openxmlformats.org/drawingml/2006/main" xmlns:r="http://schemas.openxmlformats.org/officeDocument/2006/relationships" xmlns:p="http://schemas.openxmlformats.org/presentationml/2006/main" xmlns:m="http://schemas.openxmlformats.org/officeDocument/2006/math" xmlns:a14="http://schemas.microsoft.com/office/drawing/2010/main" showMasterSp="1" showMasterPhAnim="1">
+<p:sld xmlns:a="http://schemas.openxmlformats.org/drawingml/2006/main" xmlns:r="http://schemas.openxmlformats.org/officeDocument/2006/relationships" xmlns:p="http://schemas.openxmlformats.org/presentationml/2006/main">
   <p:cSld>
     <p:spTree>
       <p:nvGrpSpPr>
@@ -6465,7 +6966,9 @@
       <p:sp>
         <p:nvSpPr>
           <p:cNvPr id="271" name="Most software today is very much like an Egyptian pyramid with millions of bricks piled on top of each other, with no structural integrity, but just done by brute force and thousands of slaves.…"/>
-          <p:cNvSpPr txBox="1"/>
+          <p:cNvSpPr txBox="1">
+            <a:spLocks noGrp="1"/>
+          </p:cNvSpPr>
           <p:nvPr>
             <p:ph type="title"/>
           </p:nvPr>
@@ -6504,7 +7007,7 @@
             </a:pPr>
             <a:r>
               <a:rPr u="sng">
-                <a:hlinkClick r:id="rId3" invalidUrl="" action="" tgtFrame="" tooltip="" history="1" highlightClick="0" endSnd="0"/>
+                <a:hlinkClick r:id="rId3"/>
               </a:rPr>
               <a:t>http://en.wikipedia.org/wiki/Alan_Kay</a:t>
             </a:r>
@@ -6516,12 +7019,19 @@
   <p:clrMapOvr>
     <a:masterClrMapping/>
   </p:clrMapOvr>
-  <p:transition xmlns:p14="http://schemas.microsoft.com/office/powerpoint/2010/main" spd="med" advClick="1"/>
+  <p:transition spd="med"/>
+  <p:timing>
+    <p:tnLst>
+      <p:par>
+        <p:cTn id="1" dur="indefinite" restart="never" nodeType="tmRoot"/>
+      </p:par>
+    </p:tnLst>
+  </p:timing>
 </p:sld>
 </file>
 
 <file path=ppt/slides/slide11.xml><?xml version="1.0" encoding="utf-8"?>
-<p:sld xmlns:a="http://schemas.openxmlformats.org/drawingml/2006/main" xmlns:r="http://schemas.openxmlformats.org/officeDocument/2006/relationships" xmlns:p="http://schemas.openxmlformats.org/presentationml/2006/main" xmlns:m="http://schemas.openxmlformats.org/officeDocument/2006/math" xmlns:a14="http://schemas.microsoft.com/office/drawing/2010/main" showMasterSp="1" showMasterPhAnim="1">
+<p:sld xmlns:a="http://schemas.openxmlformats.org/drawingml/2006/main" xmlns:r="http://schemas.openxmlformats.org/officeDocument/2006/relationships" xmlns:p="http://schemas.openxmlformats.org/presentationml/2006/main">
   <p:cSld>
     <p:spTree>
       <p:nvGrpSpPr>
@@ -6571,12 +7081,19 @@
   <p:clrMapOvr>
     <a:masterClrMapping/>
   </p:clrMapOvr>
-  <p:transition xmlns:p14="http://schemas.microsoft.com/office/powerpoint/2010/main" spd="med" advClick="1"/>
+  <p:transition spd="med"/>
+  <p:timing>
+    <p:tnLst>
+      <p:par>
+        <p:cTn id="1" dur="indefinite" restart="never" nodeType="tmRoot"/>
+      </p:par>
+    </p:tnLst>
+  </p:timing>
 </p:sld>
 </file>
 
 <file path=ppt/slides/slide12.xml><?xml version="1.0" encoding="utf-8"?>
-<p:sld xmlns:a="http://schemas.openxmlformats.org/drawingml/2006/main" xmlns:r="http://schemas.openxmlformats.org/officeDocument/2006/relationships" xmlns:p="http://schemas.openxmlformats.org/presentationml/2006/main" xmlns:m="http://schemas.openxmlformats.org/officeDocument/2006/math" xmlns:a14="http://schemas.microsoft.com/office/drawing/2010/main" showMasterSp="1" showMasterPhAnim="1">
+<p:sld xmlns:a="http://schemas.openxmlformats.org/drawingml/2006/main" xmlns:r="http://schemas.openxmlformats.org/officeDocument/2006/relationships" xmlns:p="http://schemas.openxmlformats.org/presentationml/2006/main">
   <p:cSld>
     <p:spTree>
       <p:nvGrpSpPr>
@@ -6595,7 +7112,9 @@
       <p:sp>
         <p:nvSpPr>
           <p:cNvPr id="279" name="focus…"/>
-          <p:cNvSpPr txBox="1"/>
+          <p:cNvSpPr txBox="1">
+            <a:spLocks noGrp="1"/>
+          </p:cNvSpPr>
           <p:nvPr>
             <p:ph type="title"/>
           </p:nvPr>
@@ -6613,25 +7132,21 @@
           <a:bodyPr/>
           <a:lstStyle/>
           <a:p>
-            <a:pPr/>
             <a:r>
               <a:t>focus </a:t>
             </a:r>
           </a:p>
           <a:p>
-            <a:pPr/>
             <a:r>
               <a:t>on how to do it?</a:t>
             </a:r>
           </a:p>
           <a:p>
-            <a:pPr/>
             <a:r>
               <a:t>vs</a:t>
             </a:r>
           </a:p>
           <a:p>
-            <a:pPr/>
             <a:r>
               <a:t>on how to do it </a:t>
             </a:r>
@@ -6654,12 +7169,19 @@
   <p:clrMapOvr>
     <a:masterClrMapping/>
   </p:clrMapOvr>
-  <p:transition xmlns:p14="http://schemas.microsoft.com/office/powerpoint/2010/main" spd="med" advClick="1"/>
+  <p:transition spd="med"/>
+  <p:timing>
+    <p:tnLst>
+      <p:par>
+        <p:cTn id="1" dur="indefinite" restart="never" nodeType="tmRoot"/>
+      </p:par>
+    </p:tnLst>
+  </p:timing>
 </p:sld>
 </file>
 
 <file path=ppt/slides/slide13.xml><?xml version="1.0" encoding="utf-8"?>
-<p:sld xmlns:a="http://schemas.openxmlformats.org/drawingml/2006/main" xmlns:r="http://schemas.openxmlformats.org/officeDocument/2006/relationships" xmlns:p="http://schemas.openxmlformats.org/presentationml/2006/main" xmlns:m="http://schemas.openxmlformats.org/officeDocument/2006/math" xmlns:a14="http://schemas.microsoft.com/office/drawing/2010/main" showMasterSp="1" showMasterPhAnim="1">
+<p:sld xmlns:a="http://schemas.openxmlformats.org/drawingml/2006/main" xmlns:r="http://schemas.openxmlformats.org/officeDocument/2006/relationships" xmlns:p="http://schemas.openxmlformats.org/presentationml/2006/main">
   <p:cSld>
     <p:spTree>
       <p:nvGrpSpPr>
@@ -6678,7 +7200,9 @@
       <p:sp>
         <p:nvSpPr>
           <p:cNvPr id="283" name="Should we be concerned that we might be viewed as an over- paid, over-privileged elite that does not care enough about the damage that our work can cause?"/>
-          <p:cNvSpPr txBox="1"/>
+          <p:cNvSpPr txBox="1">
+            <a:spLocks noGrp="1"/>
+          </p:cNvSpPr>
           <p:nvPr>
             <p:ph type="title"/>
           </p:nvPr>
@@ -6700,7 +7224,18 @@
               <a:defRPr sz="6200"/>
             </a:pPr>
             <a:r>
-              <a:t>Should we be concerned that we might be viewed as an over- paid, over-privileged </a:t>
+              <a:t>Should we be concerned that we might be viewed as </a:t>
+            </a:r>
+            <a:r>
+              <a:rPr/>
+              <a:t>an </a:t>
+            </a:r>
+            <a:r>
+              <a:rPr smtClean="0"/>
+              <a:t>over-paid</a:t>
+            </a:r>
+            <a:r>
+              <a:t>, over-privileged </a:t>
             </a:r>
             <a:r>
               <a:rPr>
@@ -6757,7 +7292,7 @@
           </a:ln>
           <a:extLst>
             <a:ext uri="{C572A759-6A51-4108-AA02-DFA0A04FC94B}">
-              <ma14:wrappingTextBoxFlag xmlns:ma14="http://schemas.microsoft.com/office/mac/drawingml/2011/main" val="1"/>
+              <ma14:wrappingTextBoxFlag xmlns:ma14="http://schemas.microsoft.com/office/mac/drawingml/2011/main" xmlns:a14="http://schemas.microsoft.com/office/drawing/2010/main" xmlns:m="http://schemas.openxmlformats.org/officeDocument/2006/math" xmlns="" val="1"/>
             </a:ext>
           </a:extLst>
         </p:spPr>
@@ -6791,7 +7326,7 @@
             </a:pPr>
             <a:r>
               <a:rPr u="sng">
-                <a:hlinkClick r:id="rId3" invalidUrl="" action="" tgtFrame="" tooltip="" history="1" highlightClick="0" endSnd="0"/>
+                <a:hlinkClick r:id="rId3"/>
               </a:rPr>
               <a:t>https://dl.acm.org/citation.cfm?id=3203100</a:t>
             </a:r>
@@ -6803,12 +7338,19 @@
   <p:clrMapOvr>
     <a:masterClrMapping/>
   </p:clrMapOvr>
-  <p:transition xmlns:p14="http://schemas.microsoft.com/office/powerpoint/2010/main" spd="med" advClick="1"/>
+  <p:transition spd="med"/>
+  <p:timing>
+    <p:tnLst>
+      <p:par>
+        <p:cTn id="1" dur="indefinite" restart="never" nodeType="tmRoot"/>
+      </p:par>
+    </p:tnLst>
+  </p:timing>
 </p:sld>
 </file>
 
 <file path=ppt/slides/slide14.xml><?xml version="1.0" encoding="utf-8"?>
-<p:sld xmlns:a="http://schemas.openxmlformats.org/drawingml/2006/main" xmlns:r="http://schemas.openxmlformats.org/officeDocument/2006/relationships" xmlns:p="http://schemas.openxmlformats.org/presentationml/2006/main" xmlns:m="http://schemas.openxmlformats.org/officeDocument/2006/math" xmlns:a14="http://schemas.microsoft.com/office/drawing/2010/main" showMasterSp="1" showMasterPhAnim="1">
+<p:sld xmlns:a="http://schemas.openxmlformats.org/drawingml/2006/main" xmlns:r="http://schemas.openxmlformats.org/officeDocument/2006/relationships" xmlns:p="http://schemas.openxmlformats.org/presentationml/2006/main">
   <p:cSld>
     <p:spTree>
       <p:nvGrpSpPr>
@@ -6827,7 +7369,9 @@
       <p:sp>
         <p:nvSpPr>
           <p:cNvPr id="288" name="Ultimately, we need to assure ourselves and our society that our software has been made as sound and robust as feasible so that failures are not attributable to our own carelessness, recklessness, or laziness."/>
-          <p:cNvSpPr txBox="1"/>
+          <p:cNvSpPr txBox="1">
+            <a:spLocks noGrp="1"/>
+          </p:cNvSpPr>
           <p:nvPr>
             <p:ph type="title"/>
           </p:nvPr>
@@ -6884,7 +7428,7 @@
           </a:ln>
           <a:extLst>
             <a:ext uri="{C572A759-6A51-4108-AA02-DFA0A04FC94B}">
-              <ma14:wrappingTextBoxFlag xmlns:ma14="http://schemas.microsoft.com/office/mac/drawingml/2011/main" val="1"/>
+              <ma14:wrappingTextBoxFlag xmlns:ma14="http://schemas.microsoft.com/office/mac/drawingml/2011/main" xmlns:a14="http://schemas.microsoft.com/office/drawing/2010/main" xmlns:m="http://schemas.openxmlformats.org/officeDocument/2006/math" xmlns="" val="1"/>
             </a:ext>
           </a:extLst>
         </p:spPr>
@@ -6939,7 +7483,7 @@
             </a:pPr>
             <a:r>
               <a:rPr u="sng">
-                <a:hlinkClick r:id="rId3" invalidUrl="" action="" tgtFrame="" tooltip="" history="1" highlightClick="0" endSnd="0"/>
+                <a:hlinkClick r:id="rId3"/>
               </a:rPr>
               <a:t>http://doi.acm.org/10.1145/3041765.3041769</a:t>
             </a:r>
@@ -6954,12 +7498,19 @@
   <p:clrMapOvr>
     <a:masterClrMapping/>
   </p:clrMapOvr>
-  <p:transition xmlns:p14="http://schemas.microsoft.com/office/powerpoint/2010/main" spd="med" advClick="1"/>
+  <p:transition spd="med"/>
+  <p:timing>
+    <p:tnLst>
+      <p:par>
+        <p:cTn id="1" dur="indefinite" restart="never" nodeType="tmRoot"/>
+      </p:par>
+    </p:tnLst>
+  </p:timing>
 </p:sld>
 </file>
 
 <file path=ppt/slides/slide15.xml><?xml version="1.0" encoding="utf-8"?>
-<p:sld xmlns:a="http://schemas.openxmlformats.org/drawingml/2006/main" xmlns:r="http://schemas.openxmlformats.org/officeDocument/2006/relationships" xmlns:p="http://schemas.openxmlformats.org/presentationml/2006/main" xmlns:m="http://schemas.openxmlformats.org/officeDocument/2006/math" xmlns:a14="http://schemas.microsoft.com/office/drawing/2010/main" showMasterSp="1" showMasterPhAnim="1">
+<p:sld xmlns:a="http://schemas.openxmlformats.org/drawingml/2006/main" xmlns:r="http://schemas.openxmlformats.org/officeDocument/2006/relationships" xmlns:p="http://schemas.openxmlformats.org/presentationml/2006/main">
   <p:cSld>
     <p:spTree>
       <p:nvGrpSpPr>
@@ -6978,7 +7529,9 @@
       <p:sp>
         <p:nvSpPr>
           <p:cNvPr id="293" name="So our main goal is…"/>
-          <p:cNvSpPr txBox="1"/>
+          <p:cNvSpPr txBox="1">
+            <a:spLocks noGrp="1"/>
+          </p:cNvSpPr>
           <p:nvPr>
             <p:ph type="title"/>
           </p:nvPr>
@@ -6996,7 +7549,6 @@
             </a:lvl1pPr>
           </a:lstStyle>
           <a:p>
-            <a:pPr/>
             <a:r>
               <a:t>So our main goal is…</a:t>
             </a:r>
@@ -7006,7 +7558,9 @@
       <p:sp>
         <p:nvSpPr>
           <p:cNvPr id="294" name="Software and systems quality…"/>
-          <p:cNvSpPr txBox="1"/>
+          <p:cNvSpPr txBox="1">
+            <a:spLocks noGrp="1"/>
+          </p:cNvSpPr>
           <p:nvPr>
             <p:ph type="body" idx="1"/>
           </p:nvPr>
@@ -7014,14 +7568,16 @@
         <p:spPr>
           <a:xfrm>
             <a:off x="952500" y="2597150"/>
-            <a:ext cx="11099800" cy="6286500"/>
+            <a:ext cx="11622130" cy="6286500"/>
           </a:xfrm>
           <a:prstGeom prst="rect">
             <a:avLst/>
           </a:prstGeom>
         </p:spPr>
         <p:txBody>
-          <a:bodyPr/>
+          <a:bodyPr>
+            <a:normAutofit fontScale="92500"/>
+          </a:bodyPr>
           <a:lstStyle/>
           <a:p>
             <a:pPr marL="783723" indent="-783723">
@@ -7056,7 +7612,7 @@
             </a:r>
           </a:p>
           <a:p>
-            <a:pPr lvl="3" marL="1988552" indent="-655052">
+            <a:pPr marL="1988552" lvl="3" indent="-655052">
               <a:defRPr sz="5600"/>
             </a:pPr>
             <a:r>
@@ -7070,12 +7626,19 @@
   <p:clrMapOvr>
     <a:masterClrMapping/>
   </p:clrMapOvr>
-  <p:transition xmlns:p14="http://schemas.microsoft.com/office/powerpoint/2010/main" spd="med" advClick="1"/>
+  <p:transition spd="med"/>
+  <p:timing>
+    <p:tnLst>
+      <p:par>
+        <p:cTn id="1" dur="indefinite" restart="never" nodeType="tmRoot"/>
+      </p:par>
+    </p:tnLst>
+  </p:timing>
 </p:sld>
 </file>
 
 <file path=ppt/slides/slide16.xml><?xml version="1.0" encoding="utf-8"?>
-<p:sld xmlns:a="http://schemas.openxmlformats.org/drawingml/2006/main" xmlns:r="http://schemas.openxmlformats.org/officeDocument/2006/relationships" xmlns:p="http://schemas.openxmlformats.org/presentationml/2006/main" xmlns:m="http://schemas.openxmlformats.org/officeDocument/2006/math" xmlns:a14="http://schemas.microsoft.com/office/drawing/2010/main" showMasterSp="1" showMasterPhAnim="1">
+<p:sld xmlns:a="http://schemas.openxmlformats.org/drawingml/2006/main" xmlns:r="http://schemas.openxmlformats.org/officeDocument/2006/relationships" xmlns:p="http://schemas.openxmlformats.org/presentationml/2006/main">
   <p:cSld>
     <p:spTree>
       <p:nvGrpSpPr>
@@ -7093,8 +7656,10 @@
       </p:grpSpPr>
       <p:sp>
         <p:nvSpPr>
-          <p:cNvPr id="296" name="Software and systems engineering"/>
-          <p:cNvSpPr txBox="1"/>
+          <p:cNvPr id="226" name="Software and systems engineering"/>
+          <p:cNvSpPr txBox="1">
+            <a:spLocks noGrp="1"/>
+          </p:cNvSpPr>
           <p:nvPr>
             <p:ph type="ctrTitle"/>
           </p:nvPr>
@@ -7106,28 +7671,50 @@
         </p:spPr>
         <p:txBody>
           <a:bodyPr>
-            <a:normAutofit fontScale="100000" lnSpcReduction="0"/>
+            <a:normAutofit/>
           </a:bodyPr>
           <a:lstStyle/>
           <a:p>
-            <a:pPr/>
-            <a:r>
-              <a:t>Software and systems engineering</a:t>
-            </a:r>
-          </a:p>
-        </p:txBody>
-      </p:sp>
-      <p:sp>
-        <p:nvSpPr>
-          <p:cNvPr id="297" name="Paulo Borba…"/>
-          <p:cNvSpPr txBox="1"/>
+            <a:r>
+              <a:t>Software </a:t>
+            </a:r>
+            <a:r>
+              <a:rPr/>
+              <a:t>and </a:t>
+            </a:r>
+            <a:r>
+              <a:rPr lang="en-US" dirty="0" smtClean="0"/>
+              <a:t>S</a:t>
+            </a:r>
+            <a:r>
+              <a:rPr smtClean="0"/>
+              <a:t>ystems </a:t>
+            </a:r>
+            <a:r>
+              <a:rPr lang="en-US" dirty="0" smtClean="0"/>
+              <a:t>E</a:t>
+            </a:r>
+            <a:r>
+              <a:rPr smtClean="0"/>
+              <a:t>ngineering</a:t>
+            </a:r>
+            <a:endParaRPr/>
+          </a:p>
+        </p:txBody>
+      </p:sp>
+      <p:sp>
+        <p:nvSpPr>
+          <p:cNvPr id="227" name="Paulo Borba…"/>
+          <p:cNvSpPr txBox="1">
+            <a:spLocks noGrp="1"/>
+          </p:cNvSpPr>
           <p:nvPr>
             <p:ph type="subTitle" sz="quarter" idx="1"/>
           </p:nvPr>
         </p:nvSpPr>
         <p:spPr>
           <a:xfrm>
-            <a:off x="1270000" y="5029200"/>
+            <a:off x="1215988" y="5591180"/>
             <a:ext cx="10464800" cy="1816100"/>
           </a:xfrm>
           <a:prstGeom prst="rect">
@@ -7138,19 +7725,17 @@
           <a:bodyPr/>
           <a:lstStyle/>
           <a:p>
-            <a:pPr/>
-            <a:r>
-              <a:t>Paulo Borba</a:t>
-            </a:r>
-          </a:p>
-          <a:p>
-            <a:pPr/>
-            <a:r>
-              <a:t>Informatics Center</a:t>
-            </a:r>
-          </a:p>
-          <a:p>
-            <a:pPr/>
+            <a:r>
+              <a:rPr lang="en-US" dirty="0" smtClean="0"/>
+              <a:t>Marcelo </a:t>
+            </a:r>
+            <a:r>
+              <a:rPr lang="en-US" dirty="0" err="1" smtClean="0"/>
+              <a:t>d’Amorim</a:t>
+            </a:r>
+            <a:endParaRPr/>
+          </a:p>
+          <a:p>
             <a:r>
               <a:t>Federal University of Pernambuco</a:t>
             </a:r>
@@ -7159,7 +7744,7 @@
       </p:sp>
       <p:sp>
         <p:nvSpPr>
-          <p:cNvPr id="298" name="pauloborba.cin.ufpe.br"/>
+          <p:cNvPr id="228" name="pauloborba.cin.ufpe.br"/>
           <p:cNvSpPr txBox="1"/>
           <p:nvPr/>
         </p:nvSpPr>
@@ -7176,7 +7761,7 @@
           </a:ln>
           <a:extLst>
             <a:ext uri="{C572A759-6A51-4108-AA02-DFA0A04FC94B}">
-              <ma14:wrappingTextBoxFlag xmlns:ma14="http://schemas.microsoft.com/office/mac/drawingml/2011/main" val="1"/>
+              <ma14:wrappingTextBoxFlag xmlns:ma14="http://schemas.microsoft.com/office/mac/drawingml/2011/main" xmlns:a14="http://schemas.microsoft.com/office/drawing/2010/main" xmlns:m="http://schemas.openxmlformats.org/officeDocument/2006/math" xmlns="" val="1"/>
             </a:ext>
           </a:extLst>
         </p:spPr>
@@ -7186,7 +7771,7 @@
           </a:bodyPr>
           <a:lstStyle>
             <a:lvl1pPr algn="ctr" defTabSz="584200">
-              <a:defRPr b="1" sz="2400" u="sng">
+              <a:defRPr sz="2400" b="1" u="sng">
                 <a:solidFill>
                   <a:srgbClr val="F3F9F6"/>
                 </a:solidFill>
@@ -7194,7 +7779,7 @@
                 <a:ea typeface="Courier New"/>
                 <a:cs typeface="Courier New"/>
                 <a:sym typeface="Courier New"/>
-                <a:hlinkClick r:id="rId2" invalidUrl="" action="" tgtFrame="" tooltip="" history="1" highlightClick="0" endSnd="0"/>
+                <a:hlinkClick r:id="rId2"/>
               </a:defRPr>
             </a:lvl1pPr>
           </a:lstStyle>
@@ -7203,11 +7788,172 @@
               <a:defRPr u="none"/>
             </a:pPr>
             <a:r>
-              <a:rPr u="sng">
-                <a:hlinkClick r:id="rId2" invalidUrl="" action="" tgtFrame="" tooltip="" history="1" highlightClick="0" endSnd="0"/>
+              <a:rPr lang="en-US" u="sng" dirty="0" smtClean="0">
+                <a:hlinkClick r:id="rId2"/>
               </a:rPr>
-              <a:t>pauloborba.cin.ufpe.br</a:t>
-            </a:r>
+              <a:t>www.cin.ufpe.br/~damorim</a:t>
+            </a:r>
+            <a:endParaRPr u="sng">
+              <a:hlinkClick r:id="rId2"/>
+            </a:endParaRPr>
+          </a:p>
+        </p:txBody>
+      </p:sp>
+      <p:sp>
+        <p:nvSpPr>
+          <p:cNvPr id="5" name="CaixaDeTexto 4"/>
+          <p:cNvSpPr txBox="1"/>
+          <p:nvPr/>
+        </p:nvSpPr>
+        <p:spPr>
+          <a:xfrm>
+            <a:off x="72980" y="19016"/>
+            <a:ext cx="7683194" cy="287258"/>
+          </a:xfrm>
+          <a:prstGeom prst="rect">
+            <a:avLst/>
+          </a:prstGeom>
+          <a:noFill/>
+          <a:ln w="12700" cap="flat">
+            <a:noFill/>
+            <a:miter lim="400000"/>
+          </a:ln>
+          <a:effectLst/>
+          <a:sp3d/>
+        </p:spPr>
+        <p:style>
+          <a:lnRef idx="0">
+            <a:scrgbClr r="0" g="0" b="0"/>
+          </a:lnRef>
+          <a:fillRef idx="0">
+            <a:scrgbClr r="0" g="0" b="0"/>
+          </a:fillRef>
+          <a:effectRef idx="0">
+            <a:scrgbClr r="0" g="0" b="0"/>
+          </a:effectRef>
+          <a:fontRef idx="none"/>
+        </p:style>
+        <p:txBody>
+          <a:bodyPr rot="0" spcFirstLastPara="1" vertOverflow="overflow" horzOverflow="overflow" vert="horz" wrap="none" lIns="50800" tIns="50800" rIns="50800" bIns="50800" numCol="1" spcCol="38100" rtlCol="0" anchor="ctr">
+            <a:spAutoFit/>
+          </a:bodyPr>
+          <a:lstStyle/>
+          <a:p>
+            <a:pPr marL="0" marR="0" indent="0" algn="l" defTabSz="457200" rtl="0" fontAlgn="auto" latinLnBrk="0" hangingPunct="0">
+              <a:lnSpc>
+                <a:spcPct val="100000"/>
+              </a:lnSpc>
+              <a:spcBef>
+                <a:spcPts val="0"/>
+              </a:spcBef>
+              <a:spcAft>
+                <a:spcPts val="0"/>
+              </a:spcAft>
+              <a:buClrTx/>
+              <a:buSzTx/>
+              <a:buFontTx/>
+              <a:buNone/>
+              <a:tabLst/>
+            </a:pPr>
+            <a:r>
+              <a:rPr kumimoji="0" lang="en-US" sz="1200" b="0" i="0" u="none" strike="noStrike" cap="none" spc="0" normalizeH="0" baseline="0" dirty="0" smtClean="0">
+                <a:ln>
+                  <a:noFill/>
+                </a:ln>
+                <a:solidFill>
+                  <a:srgbClr val="FFFFFF"/>
+                </a:solidFill>
+                <a:effectLst/>
+                <a:uFillTx/>
+                <a:latin typeface="+mn-lt"/>
+                <a:ea typeface="Helvetica"/>
+                <a:cs typeface="Helvetica"/>
+                <a:sym typeface="Helvetica"/>
+              </a:rPr>
+              <a:t>* Slides based on the material published by Paulo </a:t>
+            </a:r>
+            <a:r>
+              <a:rPr kumimoji="0" lang="en-US" sz="1200" b="0" i="0" u="none" strike="noStrike" cap="none" spc="0" normalizeH="0" baseline="0" dirty="0" err="1" smtClean="0">
+                <a:ln>
+                  <a:noFill/>
+                </a:ln>
+                <a:solidFill>
+                  <a:srgbClr val="FFFFFF"/>
+                </a:solidFill>
+                <a:effectLst/>
+                <a:uFillTx/>
+                <a:latin typeface="+mn-lt"/>
+                <a:ea typeface="Helvetica"/>
+                <a:cs typeface="Helvetica"/>
+                <a:sym typeface="Helvetica"/>
+              </a:rPr>
+              <a:t>Borba</a:t>
+            </a:r>
+            <a:r>
+              <a:rPr kumimoji="0" lang="en-US" sz="1200" b="0" i="0" u="none" strike="noStrike" cap="none" spc="0" normalizeH="0" baseline="0" dirty="0" smtClean="0">
+                <a:ln>
+                  <a:noFill/>
+                </a:ln>
+                <a:solidFill>
+                  <a:srgbClr val="FFFFFF"/>
+                </a:solidFill>
+                <a:effectLst/>
+                <a:uFillTx/>
+                <a:latin typeface="+mn-lt"/>
+                <a:ea typeface="Helvetica"/>
+                <a:cs typeface="Helvetica"/>
+                <a:sym typeface="Helvetica"/>
+              </a:rPr>
+              <a:t> (phmb@cin.ufpe.br) under </a:t>
+            </a:r>
+            <a:r>
+              <a:rPr kumimoji="0" lang="en-US" sz="1200" b="0" i="0" u="none" strike="noStrike" cap="none" spc="0" normalizeH="0" baseline="0" dirty="0" smtClean="0">
+                <a:ln>
+                  <a:noFill/>
+                </a:ln>
+                <a:solidFill>
+                  <a:srgbClr val="FFFFFF"/>
+                </a:solidFill>
+                <a:effectLst/>
+                <a:uFillTx/>
+                <a:latin typeface="Helvetica"/>
+                <a:ea typeface="Helvetica"/>
+                <a:cs typeface="Helvetica"/>
+                <a:sym typeface="Helvetica"/>
+              </a:rPr>
+              <a:t>Creative</a:t>
+            </a:r>
+            <a:r>
+              <a:rPr kumimoji="0" lang="en-US" sz="1200" b="0" i="0" u="none" strike="noStrike" cap="none" spc="0" normalizeH="0" dirty="0" smtClean="0">
+                <a:ln>
+                  <a:noFill/>
+                </a:ln>
+                <a:solidFill>
+                  <a:srgbClr val="FFFFFF"/>
+                </a:solidFill>
+                <a:effectLst/>
+                <a:uFillTx/>
+                <a:latin typeface="Helvetica"/>
+                <a:ea typeface="Helvetica"/>
+                <a:cs typeface="Helvetica"/>
+                <a:sym typeface="Helvetica"/>
+              </a:rPr>
+              <a:t> Commons license</a:t>
+            </a:r>
+            <a:endParaRPr kumimoji="0" lang="pt-BR" sz="1200" b="0" i="0" u="none" strike="noStrike" cap="none" spc="0" normalizeH="0" baseline="0" dirty="0">
+              <a:ln>
+                <a:noFill/>
+              </a:ln>
+              <a:solidFill>
+                <a:srgbClr val="FFFFFF"/>
+              </a:solidFill>
+              <a:effectLst/>
+              <a:uFillTx/>
+              <a:latin typeface="Helvetica"/>
+              <a:ea typeface="Helvetica"/>
+              <a:cs typeface="Helvetica"/>
+              <a:sym typeface="Helvetica"/>
+            </a:endParaRPr>
           </a:p>
         </p:txBody>
       </p:sp>
@@ -7216,23 +7962,19 @@
   <p:clrMapOvr>
     <a:masterClrMapping/>
   </p:clrMapOvr>
-  <mc:AlternateContent xmlns:mc="http://schemas.openxmlformats.org/markup-compatibility/2006">
-    <mc:Choice xmlns:p14="http://schemas.microsoft.com/office/powerpoint/2010/main" Requires="p14">
-      <p:transition spd="fast" advClick="1" p14:dur="500">
-        <p:wipe dir="d"/>
-      </p:transition>
-    </mc:Choice>
-    <mc:Fallback>
-      <p:transition spd="fast">
-        <p:fade/>
-      </p:transition>
-    </mc:Fallback>
-  </mc:AlternateContent>
+  <p:transition spd="med"/>
+  <p:timing>
+    <p:tnLst>
+      <p:par>
+        <p:cTn id="1" dur="indefinite" restart="never" nodeType="tmRoot"/>
+      </p:par>
+    </p:tnLst>
+  </p:timing>
 </p:sld>
 </file>
 
 <file path=ppt/slides/slide17.xml><?xml version="1.0" encoding="utf-8"?>
-<p:sld xmlns:a="http://schemas.openxmlformats.org/drawingml/2006/main" xmlns:r="http://schemas.openxmlformats.org/officeDocument/2006/relationships" xmlns:p="http://schemas.openxmlformats.org/presentationml/2006/main" xmlns:m="http://schemas.openxmlformats.org/officeDocument/2006/math" xmlns:a14="http://schemas.microsoft.com/office/drawing/2010/main" showMasterSp="1" showMasterPhAnim="1">
+<p:sld xmlns:a="http://schemas.openxmlformats.org/drawingml/2006/main" xmlns:r="http://schemas.openxmlformats.org/officeDocument/2006/relationships" xmlns:p="http://schemas.openxmlformats.org/presentationml/2006/main">
   <p:cSld>
     <p:spTree>
       <p:nvGrpSpPr>
@@ -7251,7 +7993,9 @@
       <p:sp>
         <p:nvSpPr>
           <p:cNvPr id="300" name="What is the software crisis?"/>
-          <p:cNvSpPr txBox="1"/>
+          <p:cNvSpPr txBox="1">
+            <a:spLocks noGrp="1"/>
+          </p:cNvSpPr>
           <p:nvPr>
             <p:ph type="title"/>
           </p:nvPr>
@@ -7265,7 +8009,6 @@
           <a:bodyPr/>
           <a:lstStyle/>
           <a:p>
-            <a:pPr/>
             <a:r>
               <a:t>What is the software crisis?</a:t>
             </a:r>
@@ -7277,12 +8020,19 @@
   <p:clrMapOvr>
     <a:masterClrMapping/>
   </p:clrMapOvr>
-  <p:transition xmlns:p14="http://schemas.microsoft.com/office/powerpoint/2010/main" spd="med" advClick="1"/>
+  <p:transition spd="med"/>
+  <p:timing>
+    <p:tnLst>
+      <p:par>
+        <p:cTn id="1" dur="indefinite" restart="never" nodeType="tmRoot"/>
+      </p:par>
+    </p:tnLst>
+  </p:timing>
 </p:sld>
 </file>
 
 <file path=ppt/slides/slide18.xml><?xml version="1.0" encoding="utf-8"?>
-<p:sld xmlns:a="http://schemas.openxmlformats.org/drawingml/2006/main" xmlns:r="http://schemas.openxmlformats.org/officeDocument/2006/relationships" xmlns:p="http://schemas.openxmlformats.org/presentationml/2006/main" xmlns:m="http://schemas.openxmlformats.org/officeDocument/2006/math" xmlns:a14="http://schemas.microsoft.com/office/drawing/2010/main" showMasterSp="1" showMasterPhAnim="1">
+<p:sld xmlns:a="http://schemas.openxmlformats.org/drawingml/2006/main" xmlns:r="http://schemas.openxmlformats.org/officeDocument/2006/relationships" xmlns:p="http://schemas.openxmlformats.org/presentationml/2006/main">
   <p:cSld>
     <p:spTree>
       <p:nvGrpSpPr>
@@ -7301,7 +8051,9 @@
       <p:sp>
         <p:nvSpPr>
           <p:cNvPr id="302" name="Practical impact of quality and productivity"/>
-          <p:cNvSpPr txBox="1"/>
+          <p:cNvSpPr txBox="1">
+            <a:spLocks noGrp="1"/>
+          </p:cNvSpPr>
           <p:nvPr>
             <p:ph type="title"/>
           </p:nvPr>
@@ -7312,14 +8064,15 @@
           </a:prstGeom>
         </p:spPr>
         <p:txBody>
-          <a:bodyPr/>
+          <a:bodyPr>
+            <a:normAutofit fontScale="90000"/>
+          </a:bodyPr>
           <a:lstStyle>
             <a:lvl1pPr defTabSz="519937">
               <a:defRPr sz="7119"/>
             </a:lvl1pPr>
           </a:lstStyle>
           <a:p>
-            <a:pPr/>
             <a:r>
               <a:t>Practical impact of quality and productivity</a:t>
             </a:r>
@@ -7329,7 +8082,9 @@
       <p:sp>
         <p:nvSpPr>
           <p:cNvPr id="303" name="Companies competitiveness…"/>
-          <p:cNvSpPr txBox="1"/>
+          <p:cNvSpPr txBox="1">
+            <a:spLocks noGrp="1"/>
+          </p:cNvSpPr>
           <p:nvPr>
             <p:ph type="body" idx="1"/>
           </p:nvPr>
@@ -7370,7 +8125,7 @@
             </a:r>
           </a:p>
           <a:p>
-            <a:pPr lvl="1" marL="1087855" indent="-643355">
+            <a:pPr marL="1087855" lvl="1" indent="-643355">
               <a:spcBef>
                 <a:spcPts val="600"/>
               </a:spcBef>
@@ -7390,12 +8145,19 @@
   <p:clrMapOvr>
     <a:masterClrMapping/>
   </p:clrMapOvr>
-  <p:transition xmlns:p14="http://schemas.microsoft.com/office/powerpoint/2010/main" spd="med" advClick="1"/>
+  <p:transition spd="med"/>
+  <p:timing>
+    <p:tnLst>
+      <p:par>
+        <p:cTn id="1" dur="indefinite" restart="never" nodeType="tmRoot"/>
+      </p:par>
+    </p:tnLst>
+  </p:timing>
 </p:sld>
 </file>
 
 <file path=ppt/slides/slide19.xml><?xml version="1.0" encoding="utf-8"?>
-<p:sld xmlns:a="http://schemas.openxmlformats.org/drawingml/2006/main" xmlns:r="http://schemas.openxmlformats.org/officeDocument/2006/relationships" xmlns:p="http://schemas.openxmlformats.org/presentationml/2006/main" xmlns:m="http://schemas.openxmlformats.org/officeDocument/2006/math" xmlns:a14="http://schemas.microsoft.com/office/drawing/2010/main" showMasterSp="1" showMasterPhAnim="1">
+<p:sld xmlns:a="http://schemas.openxmlformats.org/drawingml/2006/main" xmlns:r="http://schemas.openxmlformats.org/officeDocument/2006/relationships" xmlns:p="http://schemas.openxmlformats.org/presentationml/2006/main">
   <p:cSld>
     <p:spTree>
       <p:nvGrpSpPr>
@@ -7414,7 +8176,9 @@
       <p:sp>
         <p:nvSpPr>
           <p:cNvPr id="307" name="Not always achieved, almost never easy!"/>
-          <p:cNvSpPr txBox="1"/>
+          <p:cNvSpPr txBox="1">
+            <a:spLocks noGrp="1"/>
+          </p:cNvSpPr>
           <p:nvPr>
             <p:ph type="title"/>
           </p:nvPr>
@@ -7436,7 +8200,6 @@
             </a:lvl1pPr>
           </a:lstStyle>
           <a:p>
-            <a:pPr/>
             <a:r>
               <a:t>Not always achieved, almost never easy!</a:t>
             </a:r>
@@ -7449,13 +8212,13 @@
     <a:masterClrMapping/>
   </p:clrMapOvr>
   <mc:AlternateContent xmlns:mc="http://schemas.openxmlformats.org/markup-compatibility/2006">
-    <mc:Choice xmlns:p14="http://schemas.microsoft.com/office/powerpoint/2010/main" Requires="p14">
+    <mc:Choice xmlns:p14="http://schemas.microsoft.com/office/powerpoint/2010/main" xmlns:a14="http://schemas.microsoft.com/office/drawing/2010/main" xmlns:m="http://schemas.openxmlformats.org/officeDocument/2006/math" xmlns="" Requires="p14">
       <p:transition spd="fast" advClick="1" p14:dur="500">
         <p:wipe dir="d"/>
       </p:transition>
     </mc:Choice>
     <mc:Fallback>
-      <p:transition spd="fast">
+      <p:transition>
         <p:fade/>
       </p:transition>
     </mc:Fallback>
@@ -7464,7 +8227,7 @@
 </file>
 
 <file path=ppt/slides/slide2.xml><?xml version="1.0" encoding="utf-8"?>
-<p:sld xmlns:a="http://schemas.openxmlformats.org/drawingml/2006/main" xmlns:r="http://schemas.openxmlformats.org/officeDocument/2006/relationships" xmlns:p="http://schemas.openxmlformats.org/presentationml/2006/main" xmlns:m="http://schemas.openxmlformats.org/officeDocument/2006/math" xmlns:a14="http://schemas.microsoft.com/office/drawing/2010/main" showMasterSp="1" showMasterPhAnim="1">
+<p:sld xmlns:a="http://schemas.openxmlformats.org/drawingml/2006/main" xmlns:r="http://schemas.openxmlformats.org/officeDocument/2006/relationships" xmlns:p="http://schemas.openxmlformats.org/presentationml/2006/main">
   <p:cSld>
     <p:spTree>
       <p:nvGrpSpPr>
@@ -7482,42 +8245,18 @@
       </p:grpSpPr>
       <p:sp>
         <p:nvSpPr>
-          <p:cNvPr id="226" name="Software and systems engineering"/>
-          <p:cNvSpPr txBox="1"/>
-          <p:nvPr>
-            <p:ph type="ctrTitle"/>
-          </p:nvPr>
-        </p:nvSpPr>
-        <p:spPr>
-          <a:prstGeom prst="rect">
-            <a:avLst/>
-          </a:prstGeom>
-        </p:spPr>
-        <p:txBody>
-          <a:bodyPr>
-            <a:normAutofit fontScale="100000" lnSpcReduction="0"/>
-          </a:bodyPr>
-          <a:lstStyle/>
-          <a:p>
-            <a:pPr/>
-            <a:r>
-              <a:t>Software and systems engineering</a:t>
-            </a:r>
-          </a:p>
-        </p:txBody>
-      </p:sp>
-      <p:sp>
-        <p:nvSpPr>
-          <p:cNvPr id="227" name="Paulo Borba…"/>
-          <p:cNvSpPr txBox="1"/>
-          <p:nvPr>
-            <p:ph type="subTitle" sz="quarter" idx="1"/>
+          <p:cNvPr id="230" name="What is software and systems engineering?"/>
+          <p:cNvSpPr txBox="1">
+            <a:spLocks noGrp="1"/>
+          </p:cNvSpPr>
+          <p:nvPr>
+            <p:ph type="title"/>
           </p:nvPr>
         </p:nvSpPr>
         <p:spPr>
           <a:xfrm>
-            <a:off x="1270000" y="5029200"/>
-            <a:ext cx="10464800" cy="1816100"/>
+            <a:off x="1270000" y="2288496"/>
+            <a:ext cx="10464800" cy="5176608"/>
           </a:xfrm>
           <a:prstGeom prst="rect">
             <a:avLst/>
@@ -7527,75 +8266,8 @@
           <a:bodyPr/>
           <a:lstStyle/>
           <a:p>
-            <a:pPr/>
-            <a:r>
-              <a:t>Paulo Borba</a:t>
-            </a:r>
-          </a:p>
-          <a:p>
-            <a:pPr/>
-            <a:r>
-              <a:t>Informatics Center</a:t>
-            </a:r>
-          </a:p>
-          <a:p>
-            <a:pPr/>
-            <a:r>
-              <a:t>Federal University of Pernambuco</a:t>
-            </a:r>
-          </a:p>
-        </p:txBody>
-      </p:sp>
-      <p:sp>
-        <p:nvSpPr>
-          <p:cNvPr id="228" name="pauloborba.cin.ufpe.br"/>
-          <p:cNvSpPr txBox="1"/>
-          <p:nvPr/>
-        </p:nvSpPr>
-        <p:spPr>
-          <a:xfrm>
-            <a:off x="2578100" y="8833826"/>
-            <a:ext cx="7848600" cy="482601"/>
-          </a:xfrm>
-          <a:prstGeom prst="rect">
-            <a:avLst/>
-          </a:prstGeom>
-          <a:ln w="12700">
-            <a:miter lim="400000"/>
-          </a:ln>
-          <a:extLst>
-            <a:ext uri="{C572A759-6A51-4108-AA02-DFA0A04FC94B}">
-              <ma14:wrappingTextBoxFlag xmlns:ma14="http://schemas.microsoft.com/office/mac/drawingml/2011/main" val="1"/>
-            </a:ext>
-          </a:extLst>
-        </p:spPr>
-        <p:txBody>
-          <a:bodyPr lIns="50800" tIns="50800" rIns="50800" bIns="50800" anchor="ctr">
-            <a:spAutoFit/>
-          </a:bodyPr>
-          <a:lstStyle>
-            <a:lvl1pPr algn="ctr" defTabSz="584200">
-              <a:defRPr b="1" sz="2400" u="sng">
-                <a:solidFill>
-                  <a:srgbClr val="F3F9F6"/>
-                </a:solidFill>
-                <a:latin typeface="Courier New"/>
-                <a:ea typeface="Courier New"/>
-                <a:cs typeface="Courier New"/>
-                <a:sym typeface="Courier New"/>
-                <a:hlinkClick r:id="rId2" invalidUrl="" action="" tgtFrame="" tooltip="" history="1" highlightClick="0" endSnd="0"/>
-              </a:defRPr>
-            </a:lvl1pPr>
-          </a:lstStyle>
-          <a:p>
-            <a:pPr>
-              <a:defRPr u="none"/>
-            </a:pPr>
-            <a:r>
-              <a:rPr u="sng">
-                <a:hlinkClick r:id="rId2" invalidUrl="" action="" tgtFrame="" tooltip="" history="1" highlightClick="0" endSnd="0"/>
-              </a:rPr>
-              <a:t>pauloborba.cin.ufpe.br</a:t>
+            <a:r>
+              <a:t>What is software and systems engineering?</a:t>
             </a:r>
           </a:p>
         </p:txBody>
@@ -7605,12 +8277,19 @@
   <p:clrMapOvr>
     <a:masterClrMapping/>
   </p:clrMapOvr>
-  <p:transition xmlns:p14="http://schemas.microsoft.com/office/powerpoint/2010/main" spd="med" advClick="1"/>
+  <p:transition spd="med"/>
+  <p:timing>
+    <p:tnLst>
+      <p:par>
+        <p:cTn id="1" dur="indefinite" restart="never" nodeType="tmRoot"/>
+      </p:par>
+    </p:tnLst>
+  </p:timing>
 </p:sld>
 </file>
 
 <file path=ppt/slides/slide20.xml><?xml version="1.0" encoding="utf-8"?>
-<p:sld xmlns:a="http://schemas.openxmlformats.org/drawingml/2006/main" xmlns:r="http://schemas.openxmlformats.org/officeDocument/2006/relationships" xmlns:p="http://schemas.openxmlformats.org/presentationml/2006/main" xmlns:m="http://schemas.openxmlformats.org/officeDocument/2006/math" xmlns:a14="http://schemas.microsoft.com/office/drawing/2010/main" showMasterSp="1" showMasterPhAnim="1">
+<p:sld xmlns:a="http://schemas.openxmlformats.org/drawingml/2006/main" xmlns:r="http://schemas.openxmlformats.org/officeDocument/2006/relationships" xmlns:p="http://schemas.openxmlformats.org/presentationml/2006/main">
   <p:cSld>
     <p:spTree>
       <p:nvGrpSpPr>
@@ -7629,7 +8308,9 @@
       <p:sp>
         <p:nvSpPr>
           <p:cNvPr id="309" name="Software development issues, (crisis? since 1968!)"/>
-          <p:cNvSpPr txBox="1"/>
+          <p:cNvSpPr txBox="1">
+            <a:spLocks noGrp="1"/>
+          </p:cNvSpPr>
           <p:nvPr>
             <p:ph type="title"/>
           </p:nvPr>
@@ -7640,14 +8321,15 @@
           </a:prstGeom>
         </p:spPr>
         <p:txBody>
-          <a:bodyPr/>
+          <a:bodyPr>
+            <a:normAutofit fontScale="90000"/>
+          </a:bodyPr>
           <a:lstStyle>
             <a:lvl1pPr defTabSz="519937">
               <a:defRPr sz="7119"/>
             </a:lvl1pPr>
           </a:lstStyle>
           <a:p>
-            <a:pPr/>
             <a:r>
               <a:t>Software development issues, (crisis? since 1968!)</a:t>
             </a:r>
@@ -7657,7 +8339,9 @@
       <p:sp>
         <p:nvSpPr>
           <p:cNvPr id="310" name="Project cancellations…"/>
-          <p:cNvSpPr txBox="1"/>
+          <p:cNvSpPr txBox="1">
+            <a:spLocks noGrp="1"/>
+          </p:cNvSpPr>
           <p:nvPr>
             <p:ph type="body" idx="1"/>
           </p:nvPr>
@@ -7725,12 +8409,19 @@
   <p:clrMapOvr>
     <a:masterClrMapping/>
   </p:clrMapOvr>
-  <p:transition xmlns:p14="http://schemas.microsoft.com/office/powerpoint/2010/main" spd="med" advClick="1"/>
+  <p:transition spd="med"/>
+  <p:timing>
+    <p:tnLst>
+      <p:par>
+        <p:cTn id="1" dur="indefinite" restart="never" nodeType="tmRoot"/>
+      </p:par>
+    </p:tnLst>
+  </p:timing>
 </p:sld>
 </file>
 
 <file path=ppt/slides/slide21.xml><?xml version="1.0" encoding="utf-8"?>
-<p:sld xmlns:a="http://schemas.openxmlformats.org/drawingml/2006/main" xmlns:r="http://schemas.openxmlformats.org/officeDocument/2006/relationships" xmlns:p="http://schemas.openxmlformats.org/presentationml/2006/main" xmlns:m="http://schemas.openxmlformats.org/officeDocument/2006/math" xmlns:a14="http://schemas.microsoft.com/office/drawing/2010/main" showMasterSp="1" showMasterPhAnim="1">
+<p:sld xmlns:a="http://schemas.openxmlformats.org/drawingml/2006/main" xmlns:r="http://schemas.openxmlformats.org/officeDocument/2006/relationships" xmlns:p="http://schemas.openxmlformats.org/presentationml/2006/main">
   <p:cSld>
     <p:spTree>
       <p:nvGrpSpPr>
@@ -7749,7 +8440,9 @@
       <p:sp>
         <p:nvSpPr>
           <p:cNvPr id="314" name="No silver bullet!"/>
-          <p:cNvSpPr txBox="1"/>
+          <p:cNvSpPr txBox="1">
+            <a:spLocks noGrp="1"/>
+          </p:cNvSpPr>
           <p:nvPr>
             <p:ph type="title"/>
           </p:nvPr>
@@ -7763,7 +8456,6 @@
           <a:bodyPr/>
           <a:lstStyle/>
           <a:p>
-            <a:pPr/>
             <a:r>
               <a:t>No silver bullet!</a:t>
             </a:r>
@@ -7776,22 +8468,29 @@
     <a:masterClrMapping/>
   </p:clrMapOvr>
   <mc:AlternateContent xmlns:mc="http://schemas.openxmlformats.org/markup-compatibility/2006">
-    <mc:Choice xmlns:p14="http://schemas.microsoft.com/office/powerpoint/2010/main" Requires="p14">
+    <mc:Choice xmlns:p14="http://schemas.microsoft.com/office/powerpoint/2010/main" xmlns:a14="http://schemas.microsoft.com/office/drawing/2010/main" xmlns:m="http://schemas.openxmlformats.org/officeDocument/2006/math" xmlns="" Requires="p14">
       <p:transition spd="fast" advClick="1" p14:dur="500">
         <p:wipe dir="d"/>
       </p:transition>
     </mc:Choice>
     <mc:Fallback>
-      <p:transition spd="fast">
+      <p:transition>
         <p:fade/>
       </p:transition>
     </mc:Fallback>
   </mc:AlternateContent>
+  <p:timing>
+    <p:tnLst>
+      <p:par>
+        <p:cTn id="1" dur="indefinite" restart="never" nodeType="tmRoot"/>
+      </p:par>
+    </p:tnLst>
+  </p:timing>
 </p:sld>
 </file>
 
 <file path=ppt/slides/slide22.xml><?xml version="1.0" encoding="utf-8"?>
-<p:sld xmlns:a="http://schemas.openxmlformats.org/drawingml/2006/main" xmlns:r="http://schemas.openxmlformats.org/officeDocument/2006/relationships" xmlns:p="http://schemas.openxmlformats.org/presentationml/2006/main" xmlns:m="http://schemas.openxmlformats.org/officeDocument/2006/math" xmlns:a14="http://schemas.microsoft.com/office/drawing/2010/main" showMasterSp="1" showMasterPhAnim="1">
+<p:sld xmlns:a="http://schemas.openxmlformats.org/drawingml/2006/main" xmlns:r="http://schemas.openxmlformats.org/officeDocument/2006/relationships" xmlns:p="http://schemas.openxmlformats.org/presentationml/2006/main">
   <p:cSld>
     <p:spTree>
       <p:nvGrpSpPr>
@@ -7810,7 +8509,9 @@
       <p:sp>
         <p:nvSpPr>
           <p:cNvPr id="318" name="Essential causes of software issues"/>
-          <p:cNvSpPr txBox="1"/>
+          <p:cNvSpPr txBox="1">
+            <a:spLocks noGrp="1"/>
+          </p:cNvSpPr>
           <p:nvPr>
             <p:ph type="title"/>
           </p:nvPr>
@@ -7824,7 +8525,6 @@
           <a:bodyPr/>
           <a:lstStyle/>
           <a:p>
-            <a:pPr/>
             <a:r>
               <a:rPr>
                 <a:solidFill>
@@ -7842,7 +8542,9 @@
       <p:sp>
         <p:nvSpPr>
           <p:cNvPr id="319" name="Increasing systems complexity…"/>
-          <p:cNvSpPr txBox="1"/>
+          <p:cNvSpPr txBox="1">
+            <a:spLocks noGrp="1"/>
+          </p:cNvSpPr>
           <p:nvPr>
             <p:ph type="body" sz="half" idx="1"/>
           </p:nvPr>
@@ -7860,7 +8562,7 @@
           <a:bodyPr/>
           <a:lstStyle/>
           <a:p>
-            <a:pPr lvl="1" marL="1426646" indent="-664646">
+            <a:pPr marL="1426646" lvl="1" indent="-664646">
               <a:buClr>
                 <a:srgbClr val="009900"/>
               </a:buClr>
@@ -7871,7 +8573,7 @@
             </a:r>
           </a:p>
           <a:p>
-            <a:pPr lvl="1" marL="1426646" indent="-664646">
+            <a:pPr marL="1426646" lvl="1" indent="-664646">
               <a:buClr>
                 <a:srgbClr val="009900"/>
               </a:buClr>
@@ -7917,12 +8619,19 @@
   <p:clrMapOvr>
     <a:masterClrMapping/>
   </p:clrMapOvr>
-  <p:transition xmlns:p14="http://schemas.microsoft.com/office/powerpoint/2010/main" spd="med" advClick="1"/>
+  <p:transition spd="med"/>
+  <p:timing>
+    <p:tnLst>
+      <p:par>
+        <p:cTn id="1" dur="indefinite" restart="never" nodeType="tmRoot"/>
+      </p:par>
+    </p:tnLst>
+  </p:timing>
 </p:sld>
 </file>
 
 <file path=ppt/slides/slide23.xml><?xml version="1.0" encoding="utf-8"?>
-<p:sld xmlns:a="http://schemas.openxmlformats.org/drawingml/2006/main" xmlns:r="http://schemas.openxmlformats.org/officeDocument/2006/relationships" xmlns:p="http://schemas.openxmlformats.org/presentationml/2006/main" xmlns:m="http://schemas.openxmlformats.org/officeDocument/2006/math" xmlns:a14="http://schemas.microsoft.com/office/drawing/2010/main" showMasterSp="1" showMasterPhAnim="1">
+<p:sld xmlns:a="http://schemas.openxmlformats.org/drawingml/2006/main" xmlns:r="http://schemas.openxmlformats.org/officeDocument/2006/relationships" xmlns:p="http://schemas.openxmlformats.org/presentationml/2006/main">
   <p:cSld>
     <p:spTree>
       <p:nvGrpSpPr>
@@ -7941,7 +8650,9 @@
       <p:sp>
         <p:nvSpPr>
           <p:cNvPr id="322" name="Accidental causes of software issues"/>
-          <p:cNvSpPr txBox="1"/>
+          <p:cNvSpPr txBox="1">
+            <a:spLocks noGrp="1"/>
+          </p:cNvSpPr>
           <p:nvPr>
             <p:ph type="title"/>
           </p:nvPr>
@@ -7955,7 +8666,6 @@
           <a:bodyPr/>
           <a:lstStyle/>
           <a:p>
-            <a:pPr/>
             <a:r>
               <a:rPr>
                 <a:solidFill>
@@ -7973,7 +8683,9 @@
       <p:sp>
         <p:nvSpPr>
           <p:cNvPr id="323" name="People lack skills and experience…"/>
-          <p:cNvSpPr txBox="1"/>
+          <p:cNvSpPr txBox="1">
+            <a:spLocks noGrp="1"/>
+          </p:cNvSpPr>
           <p:nvPr>
             <p:ph type="body" idx="1"/>
           </p:nvPr>
@@ -8084,12 +8796,19 @@
   <p:clrMapOvr>
     <a:masterClrMapping/>
   </p:clrMapOvr>
-  <p:transition xmlns:p14="http://schemas.microsoft.com/office/powerpoint/2010/main" spd="med" advClick="1"/>
+  <p:transition spd="med"/>
+  <p:timing>
+    <p:tnLst>
+      <p:par>
+        <p:cTn id="1" dur="indefinite" restart="never" nodeType="tmRoot"/>
+      </p:par>
+    </p:tnLst>
+  </p:timing>
 </p:sld>
 </file>
 
 <file path=ppt/slides/slide24.xml><?xml version="1.0" encoding="utf-8"?>
-<p:sld xmlns:a="http://schemas.openxmlformats.org/drawingml/2006/main" xmlns:r="http://schemas.openxmlformats.org/officeDocument/2006/relationships" xmlns:p="http://schemas.openxmlformats.org/presentationml/2006/main" xmlns:m="http://schemas.openxmlformats.org/officeDocument/2006/math" xmlns:a14="http://schemas.microsoft.com/office/drawing/2010/main" showMasterSp="1" showMasterPhAnim="1">
+<p:sld xmlns:a="http://schemas.openxmlformats.org/drawingml/2006/main" xmlns:r="http://schemas.openxmlformats.org/officeDocument/2006/relationships" xmlns:p="http://schemas.openxmlformats.org/presentationml/2006/main">
   <p:cSld>
     <p:spTree>
       <p:nvGrpSpPr>
@@ -8108,7 +8827,9 @@
       <p:sp>
         <p:nvSpPr>
           <p:cNvPr id="325" name="Teams that don’t achieve share these deficiencies"/>
-          <p:cNvSpPr txBox="1"/>
+          <p:cNvSpPr txBox="1">
+            <a:spLocks noGrp="1"/>
+          </p:cNvSpPr>
           <p:nvPr>
             <p:ph type="title"/>
           </p:nvPr>
@@ -8122,7 +8843,6 @@
           <a:bodyPr/>
           <a:lstStyle/>
           <a:p>
-            <a:pPr/>
             <a:r>
               <a:t>Teams that don’t achieve share these deficiencies</a:t>
             </a:r>
@@ -8134,12 +8854,19 @@
   <p:clrMapOvr>
     <a:masterClrMapping/>
   </p:clrMapOvr>
-  <p:transition xmlns:p14="http://schemas.microsoft.com/office/powerpoint/2010/main" spd="med" advClick="1"/>
+  <p:transition spd="med"/>
+  <p:timing>
+    <p:tnLst>
+      <p:par>
+        <p:cTn id="1" dur="indefinite" restart="never" nodeType="tmRoot"/>
+      </p:par>
+    </p:tnLst>
+  </p:timing>
 </p:sld>
 </file>
 
 <file path=ppt/slides/slide25.xml><?xml version="1.0" encoding="utf-8"?>
-<p:sld xmlns:a="http://schemas.openxmlformats.org/drawingml/2006/main" xmlns:r="http://schemas.openxmlformats.org/officeDocument/2006/relationships" xmlns:p="http://schemas.openxmlformats.org/presentationml/2006/main" xmlns:m="http://schemas.openxmlformats.org/officeDocument/2006/math" xmlns:a14="http://schemas.microsoft.com/office/drawing/2010/main" showMasterSp="1" showMasterPhAnim="1">
+<p:sld xmlns:a="http://schemas.openxmlformats.org/drawingml/2006/main" xmlns:r="http://schemas.openxmlformats.org/officeDocument/2006/relationships" xmlns:p="http://schemas.openxmlformats.org/presentationml/2006/main">
   <p:cSld>
     <p:spTree>
       <p:nvGrpSpPr>
@@ -8158,7 +8885,9 @@
       <p:sp>
         <p:nvSpPr>
           <p:cNvPr id="327" name="Handling the crisis"/>
-          <p:cNvSpPr txBox="1"/>
+          <p:cNvSpPr txBox="1">
+            <a:spLocks noGrp="1"/>
+          </p:cNvSpPr>
           <p:nvPr>
             <p:ph type="title"/>
           </p:nvPr>
@@ -8172,7 +8901,6 @@
           <a:bodyPr/>
           <a:lstStyle/>
           <a:p>
-            <a:pPr/>
             <a:r>
               <a:t>Handling the crisis</a:t>
             </a:r>
@@ -8182,7 +8910,9 @@
       <p:sp>
         <p:nvSpPr>
           <p:cNvPr id="328" name="50: compilers, OS…"/>
-          <p:cNvSpPr txBox="1"/>
+          <p:cNvSpPr txBox="1">
+            <a:spLocks noGrp="1"/>
+          </p:cNvSpPr>
           <p:nvPr>
             <p:ph type="body" idx="1"/>
           </p:nvPr>
@@ -8343,7 +9073,7 @@
             </a:r>
           </a:p>
           <a:p>
-            <a:pPr lvl="1" marL="1256620" indent="-494620">
+            <a:pPr marL="1256620" lvl="1" indent="-494620">
               <a:spcBef>
                 <a:spcPts val="200"/>
               </a:spcBef>
@@ -8358,7 +9088,7 @@
             </a:r>
           </a:p>
           <a:p>
-            <a:pPr lvl="1" marL="1256620" indent="-494620">
+            <a:pPr marL="1256620" lvl="1" indent="-494620">
               <a:spcBef>
                 <a:spcPts val="200"/>
               </a:spcBef>
@@ -8373,7 +9103,7 @@
             </a:r>
           </a:p>
           <a:p>
-            <a:pPr lvl="1" marL="1256620" indent="-494620">
+            <a:pPr marL="1256620" lvl="1" indent="-494620">
               <a:spcBef>
                 <a:spcPts val="200"/>
               </a:spcBef>
@@ -8388,7 +9118,7 @@
             </a:r>
           </a:p>
           <a:p>
-            <a:pPr lvl="1" marL="1256620" indent="-494620">
+            <a:pPr marL="1256620" lvl="1" indent="-494620">
               <a:spcBef>
                 <a:spcPts val="200"/>
               </a:spcBef>
@@ -8403,7 +9133,7 @@
             </a:r>
           </a:p>
           <a:p>
-            <a:pPr lvl="1" marL="1256620" indent="-494620">
+            <a:pPr marL="1256620" lvl="1" indent="-494620">
               <a:spcBef>
                 <a:spcPts val="200"/>
               </a:spcBef>
@@ -8424,12 +9154,19 @@
   <p:clrMapOvr>
     <a:masterClrMapping/>
   </p:clrMapOvr>
-  <p:transition xmlns:p14="http://schemas.microsoft.com/office/powerpoint/2010/main" spd="med" advClick="1"/>
+  <p:transition spd="med"/>
+  <p:timing>
+    <p:tnLst>
+      <p:par>
+        <p:cTn id="1" dur="indefinite" restart="never" nodeType="tmRoot"/>
+      </p:par>
+    </p:tnLst>
+  </p:timing>
 </p:sld>
 </file>
 
 <file path=ppt/slides/slide26.xml><?xml version="1.0" encoding="utf-8"?>
-<p:sld xmlns:a="http://schemas.openxmlformats.org/drawingml/2006/main" xmlns:r="http://schemas.openxmlformats.org/officeDocument/2006/relationships" xmlns:p="http://schemas.openxmlformats.org/presentationml/2006/main" xmlns:m="http://schemas.openxmlformats.org/officeDocument/2006/math" xmlns:a14="http://schemas.microsoft.com/office/drawing/2010/main" showMasterSp="1" showMasterPhAnim="1">
+<p:sld xmlns:a="http://schemas.openxmlformats.org/drawingml/2006/main" xmlns:r="http://schemas.openxmlformats.org/officeDocument/2006/relationships" xmlns:p="http://schemas.openxmlformats.org/presentationml/2006/main">
   <p:cSld>
     <p:spTree>
       <p:nvGrpSpPr>
@@ -8447,8 +9184,10 @@
       </p:grpSpPr>
       <p:sp>
         <p:nvSpPr>
-          <p:cNvPr id="330" name="Software and systems engineering"/>
-          <p:cNvSpPr txBox="1"/>
+          <p:cNvPr id="226" name="Software and systems engineering"/>
+          <p:cNvSpPr txBox="1">
+            <a:spLocks noGrp="1"/>
+          </p:cNvSpPr>
           <p:nvPr>
             <p:ph type="ctrTitle"/>
           </p:nvPr>
@@ -8460,28 +9199,50 @@
         </p:spPr>
         <p:txBody>
           <a:bodyPr>
-            <a:normAutofit fontScale="100000" lnSpcReduction="0"/>
+            <a:normAutofit/>
           </a:bodyPr>
           <a:lstStyle/>
           <a:p>
-            <a:pPr/>
-            <a:r>
-              <a:t>Software and systems engineering</a:t>
-            </a:r>
-          </a:p>
-        </p:txBody>
-      </p:sp>
-      <p:sp>
-        <p:nvSpPr>
-          <p:cNvPr id="331" name="Paulo Borba…"/>
-          <p:cNvSpPr txBox="1"/>
+            <a:r>
+              <a:t>Software </a:t>
+            </a:r>
+            <a:r>
+              <a:rPr/>
+              <a:t>and </a:t>
+            </a:r>
+            <a:r>
+              <a:rPr lang="en-US" dirty="0" smtClean="0"/>
+              <a:t>S</a:t>
+            </a:r>
+            <a:r>
+              <a:rPr smtClean="0"/>
+              <a:t>ystems </a:t>
+            </a:r>
+            <a:r>
+              <a:rPr lang="en-US" dirty="0" smtClean="0"/>
+              <a:t>E</a:t>
+            </a:r>
+            <a:r>
+              <a:rPr smtClean="0"/>
+              <a:t>ngineering</a:t>
+            </a:r>
+            <a:endParaRPr/>
+          </a:p>
+        </p:txBody>
+      </p:sp>
+      <p:sp>
+        <p:nvSpPr>
+          <p:cNvPr id="227" name="Paulo Borba…"/>
+          <p:cNvSpPr txBox="1">
+            <a:spLocks noGrp="1"/>
+          </p:cNvSpPr>
           <p:nvPr>
             <p:ph type="subTitle" sz="quarter" idx="1"/>
           </p:nvPr>
         </p:nvSpPr>
         <p:spPr>
           <a:xfrm>
-            <a:off x="1270000" y="5029200"/>
+            <a:off x="1215988" y="5591180"/>
             <a:ext cx="10464800" cy="1816100"/>
           </a:xfrm>
           <a:prstGeom prst="rect">
@@ -8492,19 +9253,17 @@
           <a:bodyPr/>
           <a:lstStyle/>
           <a:p>
-            <a:pPr/>
-            <a:r>
-              <a:t>Paulo Borba</a:t>
-            </a:r>
-          </a:p>
-          <a:p>
-            <a:pPr/>
-            <a:r>
-              <a:t>Informatics Center</a:t>
-            </a:r>
-          </a:p>
-          <a:p>
-            <a:pPr/>
+            <a:r>
+              <a:rPr lang="en-US" dirty="0" smtClean="0"/>
+              <a:t>Marcelo </a:t>
+            </a:r>
+            <a:r>
+              <a:rPr lang="en-US" dirty="0" err="1" smtClean="0"/>
+              <a:t>d’Amorim</a:t>
+            </a:r>
+            <a:endParaRPr/>
+          </a:p>
+          <a:p>
             <a:r>
               <a:t>Federal University of Pernambuco</a:t>
             </a:r>
@@ -8513,7 +9272,7 @@
       </p:sp>
       <p:sp>
         <p:nvSpPr>
-          <p:cNvPr id="332" name="pauloborba.cin.ufpe.br"/>
+          <p:cNvPr id="228" name="pauloborba.cin.ufpe.br"/>
           <p:cNvSpPr txBox="1"/>
           <p:nvPr/>
         </p:nvSpPr>
@@ -8530,7 +9289,7 @@
           </a:ln>
           <a:extLst>
             <a:ext uri="{C572A759-6A51-4108-AA02-DFA0A04FC94B}">
-              <ma14:wrappingTextBoxFlag xmlns:ma14="http://schemas.microsoft.com/office/mac/drawingml/2011/main" val="1"/>
+              <ma14:wrappingTextBoxFlag xmlns:ma14="http://schemas.microsoft.com/office/mac/drawingml/2011/main" xmlns:a14="http://schemas.microsoft.com/office/drawing/2010/main" xmlns:m="http://schemas.openxmlformats.org/officeDocument/2006/math" xmlns="" val="1"/>
             </a:ext>
           </a:extLst>
         </p:spPr>
@@ -8540,7 +9299,7 @@
           </a:bodyPr>
           <a:lstStyle>
             <a:lvl1pPr algn="ctr" defTabSz="584200">
-              <a:defRPr b="1" sz="2400" u="sng">
+              <a:defRPr sz="2400" b="1" u="sng">
                 <a:solidFill>
                   <a:srgbClr val="F3F9F6"/>
                 </a:solidFill>
@@ -8548,7 +9307,7 @@
                 <a:ea typeface="Courier New"/>
                 <a:cs typeface="Courier New"/>
                 <a:sym typeface="Courier New"/>
-                <a:hlinkClick r:id="rId2" invalidUrl="" action="" tgtFrame="" tooltip="" history="1" highlightClick="0" endSnd="0"/>
+                <a:hlinkClick r:id="rId2"/>
               </a:defRPr>
             </a:lvl1pPr>
           </a:lstStyle>
@@ -8557,11 +9316,172 @@
               <a:defRPr u="none"/>
             </a:pPr>
             <a:r>
-              <a:rPr u="sng">
-                <a:hlinkClick r:id="rId2" invalidUrl="" action="" tgtFrame="" tooltip="" history="1" highlightClick="0" endSnd="0"/>
+              <a:rPr lang="en-US" u="sng" dirty="0" smtClean="0">
+                <a:hlinkClick r:id="rId2"/>
               </a:rPr>
-              <a:t>pauloborba.cin.ufpe.br</a:t>
-            </a:r>
+              <a:t>www.cin.ufpe.br/~damorim</a:t>
+            </a:r>
+            <a:endParaRPr u="sng">
+              <a:hlinkClick r:id="rId2"/>
+            </a:endParaRPr>
+          </a:p>
+        </p:txBody>
+      </p:sp>
+      <p:sp>
+        <p:nvSpPr>
+          <p:cNvPr id="5" name="CaixaDeTexto 4"/>
+          <p:cNvSpPr txBox="1"/>
+          <p:nvPr/>
+        </p:nvSpPr>
+        <p:spPr>
+          <a:xfrm>
+            <a:off x="72980" y="19016"/>
+            <a:ext cx="7683194" cy="287258"/>
+          </a:xfrm>
+          <a:prstGeom prst="rect">
+            <a:avLst/>
+          </a:prstGeom>
+          <a:noFill/>
+          <a:ln w="12700" cap="flat">
+            <a:noFill/>
+            <a:miter lim="400000"/>
+          </a:ln>
+          <a:effectLst/>
+          <a:sp3d/>
+        </p:spPr>
+        <p:style>
+          <a:lnRef idx="0">
+            <a:scrgbClr r="0" g="0" b="0"/>
+          </a:lnRef>
+          <a:fillRef idx="0">
+            <a:scrgbClr r="0" g="0" b="0"/>
+          </a:fillRef>
+          <a:effectRef idx="0">
+            <a:scrgbClr r="0" g="0" b="0"/>
+          </a:effectRef>
+          <a:fontRef idx="none"/>
+        </p:style>
+        <p:txBody>
+          <a:bodyPr rot="0" spcFirstLastPara="1" vertOverflow="overflow" horzOverflow="overflow" vert="horz" wrap="none" lIns="50800" tIns="50800" rIns="50800" bIns="50800" numCol="1" spcCol="38100" rtlCol="0" anchor="ctr">
+            <a:spAutoFit/>
+          </a:bodyPr>
+          <a:lstStyle/>
+          <a:p>
+            <a:pPr marL="0" marR="0" indent="0" algn="l" defTabSz="457200" rtl="0" fontAlgn="auto" latinLnBrk="0" hangingPunct="0">
+              <a:lnSpc>
+                <a:spcPct val="100000"/>
+              </a:lnSpc>
+              <a:spcBef>
+                <a:spcPts val="0"/>
+              </a:spcBef>
+              <a:spcAft>
+                <a:spcPts val="0"/>
+              </a:spcAft>
+              <a:buClrTx/>
+              <a:buSzTx/>
+              <a:buFontTx/>
+              <a:buNone/>
+              <a:tabLst/>
+            </a:pPr>
+            <a:r>
+              <a:rPr kumimoji="0" lang="en-US" sz="1200" b="0" i="0" u="none" strike="noStrike" cap="none" spc="0" normalizeH="0" baseline="0" dirty="0" smtClean="0">
+                <a:ln>
+                  <a:noFill/>
+                </a:ln>
+                <a:solidFill>
+                  <a:srgbClr val="FFFFFF"/>
+                </a:solidFill>
+                <a:effectLst/>
+                <a:uFillTx/>
+                <a:latin typeface="+mn-lt"/>
+                <a:ea typeface="Helvetica"/>
+                <a:cs typeface="Helvetica"/>
+                <a:sym typeface="Helvetica"/>
+              </a:rPr>
+              <a:t>* Slides based on the material published by Paulo </a:t>
+            </a:r>
+            <a:r>
+              <a:rPr kumimoji="0" lang="en-US" sz="1200" b="0" i="0" u="none" strike="noStrike" cap="none" spc="0" normalizeH="0" baseline="0" dirty="0" err="1" smtClean="0">
+                <a:ln>
+                  <a:noFill/>
+                </a:ln>
+                <a:solidFill>
+                  <a:srgbClr val="FFFFFF"/>
+                </a:solidFill>
+                <a:effectLst/>
+                <a:uFillTx/>
+                <a:latin typeface="+mn-lt"/>
+                <a:ea typeface="Helvetica"/>
+                <a:cs typeface="Helvetica"/>
+                <a:sym typeface="Helvetica"/>
+              </a:rPr>
+              <a:t>Borba</a:t>
+            </a:r>
+            <a:r>
+              <a:rPr kumimoji="0" lang="en-US" sz="1200" b="0" i="0" u="none" strike="noStrike" cap="none" spc="0" normalizeH="0" baseline="0" dirty="0" smtClean="0">
+                <a:ln>
+                  <a:noFill/>
+                </a:ln>
+                <a:solidFill>
+                  <a:srgbClr val="FFFFFF"/>
+                </a:solidFill>
+                <a:effectLst/>
+                <a:uFillTx/>
+                <a:latin typeface="+mn-lt"/>
+                <a:ea typeface="Helvetica"/>
+                <a:cs typeface="Helvetica"/>
+                <a:sym typeface="Helvetica"/>
+              </a:rPr>
+              <a:t> (phmb@cin.ufpe.br) under </a:t>
+            </a:r>
+            <a:r>
+              <a:rPr kumimoji="0" lang="en-US" sz="1200" b="0" i="0" u="none" strike="noStrike" cap="none" spc="0" normalizeH="0" baseline="0" dirty="0" smtClean="0">
+                <a:ln>
+                  <a:noFill/>
+                </a:ln>
+                <a:solidFill>
+                  <a:srgbClr val="FFFFFF"/>
+                </a:solidFill>
+                <a:effectLst/>
+                <a:uFillTx/>
+                <a:latin typeface="Helvetica"/>
+                <a:ea typeface="Helvetica"/>
+                <a:cs typeface="Helvetica"/>
+                <a:sym typeface="Helvetica"/>
+              </a:rPr>
+              <a:t>Creative</a:t>
+            </a:r>
+            <a:r>
+              <a:rPr kumimoji="0" lang="en-US" sz="1200" b="0" i="0" u="none" strike="noStrike" cap="none" spc="0" normalizeH="0" dirty="0" smtClean="0">
+                <a:ln>
+                  <a:noFill/>
+                </a:ln>
+                <a:solidFill>
+                  <a:srgbClr val="FFFFFF"/>
+                </a:solidFill>
+                <a:effectLst/>
+                <a:uFillTx/>
+                <a:latin typeface="Helvetica"/>
+                <a:ea typeface="Helvetica"/>
+                <a:cs typeface="Helvetica"/>
+                <a:sym typeface="Helvetica"/>
+              </a:rPr>
+              <a:t> Commons license</a:t>
+            </a:r>
+            <a:endParaRPr kumimoji="0" lang="pt-BR" sz="1200" b="0" i="0" u="none" strike="noStrike" cap="none" spc="0" normalizeH="0" baseline="0" dirty="0">
+              <a:ln>
+                <a:noFill/>
+              </a:ln>
+              <a:solidFill>
+                <a:srgbClr val="FFFFFF"/>
+              </a:solidFill>
+              <a:effectLst/>
+              <a:uFillTx/>
+              <a:latin typeface="Helvetica"/>
+              <a:ea typeface="Helvetica"/>
+              <a:cs typeface="Helvetica"/>
+              <a:sym typeface="Helvetica"/>
+            </a:endParaRPr>
           </a:p>
         </p:txBody>
       </p:sp>
@@ -8570,12 +9490,19 @@
   <p:clrMapOvr>
     <a:masterClrMapping/>
   </p:clrMapOvr>
-  <p:transition xmlns:p14="http://schemas.microsoft.com/office/powerpoint/2010/main" spd="med" advClick="1"/>
+  <p:transition spd="med"/>
+  <p:timing>
+    <p:tnLst>
+      <p:par>
+        <p:cTn id="1" dur="indefinite" restart="never" nodeType="tmRoot"/>
+      </p:par>
+    </p:tnLst>
+  </p:timing>
 </p:sld>
 </file>
 
 <file path=ppt/slides/slide27.xml><?xml version="1.0" encoding="utf-8"?>
-<p:sld xmlns:a="http://schemas.openxmlformats.org/drawingml/2006/main" xmlns:r="http://schemas.openxmlformats.org/officeDocument/2006/relationships" xmlns:p="http://schemas.openxmlformats.org/presentationml/2006/main" xmlns:m="http://schemas.openxmlformats.org/officeDocument/2006/math" xmlns:a14="http://schemas.microsoft.com/office/drawing/2010/main" showMasterSp="1" showMasterPhAnim="1">
+<p:sld xmlns:a="http://schemas.openxmlformats.org/drawingml/2006/main" xmlns:r="http://schemas.openxmlformats.org/officeDocument/2006/relationships" xmlns:p="http://schemas.openxmlformats.org/presentationml/2006/main">
   <p:cSld>
     <p:spTree>
       <p:nvGrpSpPr>
@@ -8594,7 +9521,9 @@
       <p:sp>
         <p:nvSpPr>
           <p:cNvPr id="334" name="What is software quality?"/>
-          <p:cNvSpPr txBox="1"/>
+          <p:cNvSpPr txBox="1">
+            <a:spLocks noGrp="1"/>
+          </p:cNvSpPr>
           <p:nvPr>
             <p:ph type="title"/>
           </p:nvPr>
@@ -8608,7 +9537,6 @@
           <a:bodyPr/>
           <a:lstStyle/>
           <a:p>
-            <a:pPr/>
             <a:r>
               <a:t>What is software </a:t>
             </a:r>
@@ -8631,12 +9559,12 @@
   <p:clrMapOvr>
     <a:masterClrMapping/>
   </p:clrMapOvr>
-  <p:transition xmlns:p14="http://schemas.microsoft.com/office/powerpoint/2010/main" spd="med" advClick="1"/>
+  <p:transition spd="med"/>
 </p:sld>
 </file>
 
 <file path=ppt/slides/slide28.xml><?xml version="1.0" encoding="utf-8"?>
-<p:sld xmlns:a="http://schemas.openxmlformats.org/drawingml/2006/main" xmlns:r="http://schemas.openxmlformats.org/officeDocument/2006/relationships" xmlns:p="http://schemas.openxmlformats.org/presentationml/2006/main" xmlns:m="http://schemas.openxmlformats.org/officeDocument/2006/math" xmlns:a14="http://schemas.microsoft.com/office/drawing/2010/main" showMasterSp="1" showMasterPhAnim="1">
+<p:sld xmlns:a="http://schemas.openxmlformats.org/drawingml/2006/main" xmlns:r="http://schemas.openxmlformats.org/officeDocument/2006/relationships" xmlns:p="http://schemas.openxmlformats.org/presentationml/2006/main">
   <p:cSld>
     <p:spTree>
       <p:nvGrpSpPr>
@@ -8655,15 +9583,17 @@
       <p:sp>
         <p:nvSpPr>
           <p:cNvPr id="336" name="Software quality factors, focus on ethics and business values"/>
-          <p:cNvSpPr txBox="1"/>
+          <p:cNvSpPr txBox="1">
+            <a:spLocks noGrp="1"/>
+          </p:cNvSpPr>
           <p:nvPr>
             <p:ph type="title"/>
           </p:nvPr>
         </p:nvSpPr>
         <p:spPr>
           <a:xfrm>
-            <a:off x="1270000" y="254000"/>
-            <a:ext cx="10464800" cy="3521388"/>
+            <a:off x="144418" y="254000"/>
+            <a:ext cx="12715964" cy="3521388"/>
           </a:xfrm>
           <a:prstGeom prst="rect">
             <a:avLst/>
@@ -8673,7 +9603,6 @@
           <a:bodyPr/>
           <a:lstStyle/>
           <a:p>
-            <a:pPr/>
             <a:r>
               <a:t>Software quality factors, focus on ethics and business values</a:t>
             </a:r>
@@ -8683,7 +9612,9 @@
       <p:sp>
         <p:nvSpPr>
           <p:cNvPr id="337" name="Reliability…"/>
-          <p:cNvSpPr txBox="1"/>
+          <p:cNvSpPr txBox="1">
+            <a:spLocks noGrp="1"/>
+          </p:cNvSpPr>
           <p:nvPr>
             <p:ph type="body" sz="half" idx="1"/>
           </p:nvPr>
@@ -8781,12 +9712,12 @@
   <p:clrMapOvr>
     <a:masterClrMapping/>
   </p:clrMapOvr>
-  <p:transition xmlns:p14="http://schemas.microsoft.com/office/powerpoint/2010/main" spd="med" advClick="1"/>
+  <p:transition spd="med"/>
 </p:sld>
 </file>
 
 <file path=ppt/slides/slide29.xml><?xml version="1.0" encoding="utf-8"?>
-<p:sld xmlns:a="http://schemas.openxmlformats.org/drawingml/2006/main" xmlns:r="http://schemas.openxmlformats.org/officeDocument/2006/relationships" xmlns:p="http://schemas.openxmlformats.org/presentationml/2006/main" xmlns:m="http://schemas.openxmlformats.org/officeDocument/2006/math" xmlns:a14="http://schemas.microsoft.com/office/drawing/2010/main" showMasterSp="1" showMasterPhAnim="1">
+<p:sld xmlns:a="http://schemas.openxmlformats.org/drawingml/2006/main" xmlns:r="http://schemas.openxmlformats.org/officeDocument/2006/relationships" xmlns:p="http://schemas.openxmlformats.org/presentationml/2006/main">
   <p:cSld>
     <p:spTree>
       <p:nvGrpSpPr>
@@ -8805,7 +9736,9 @@
       <p:sp>
         <p:nvSpPr>
           <p:cNvPr id="341" name="More factors, internal and external"/>
-          <p:cNvSpPr txBox="1"/>
+          <p:cNvSpPr txBox="1">
+            <a:spLocks noGrp="1"/>
+          </p:cNvSpPr>
           <p:nvPr>
             <p:ph type="title"/>
           </p:nvPr>
@@ -8819,7 +9752,6 @@
           <a:bodyPr/>
           <a:lstStyle/>
           <a:p>
-            <a:pPr/>
             <a:r>
               <a:t>More factors, </a:t>
             </a:r>
@@ -8848,15 +9780,17 @@
       <p:sp>
         <p:nvSpPr>
           <p:cNvPr id="342" name="Performance…"/>
-          <p:cNvSpPr txBox="1"/>
+          <p:cNvSpPr txBox="1">
+            <a:spLocks noGrp="1"/>
+          </p:cNvSpPr>
           <p:nvPr>
             <p:ph type="body" sz="half" idx="1"/>
           </p:nvPr>
         </p:nvSpPr>
         <p:spPr>
           <a:xfrm>
-            <a:off x="1270000" y="3652676"/>
-            <a:ext cx="10464800" cy="4830924"/>
+            <a:off x="501608" y="3652676"/>
+            <a:ext cx="12215898" cy="4830924"/>
           </a:xfrm>
           <a:prstGeom prst="rect">
             <a:avLst/>
@@ -8936,22 +9870,29 @@
     <a:masterClrMapping/>
   </p:clrMapOvr>
   <mc:AlternateContent xmlns:mc="http://schemas.openxmlformats.org/markup-compatibility/2006">
-    <mc:Choice xmlns:p14="http://schemas.microsoft.com/office/powerpoint/2010/main" Requires="p14">
+    <mc:Choice xmlns:p14="http://schemas.microsoft.com/office/powerpoint/2010/main" xmlns:a14="http://schemas.microsoft.com/office/drawing/2010/main" xmlns:m="http://schemas.openxmlformats.org/officeDocument/2006/math" xmlns="" Requires="p14">
       <p:transition spd="fast" advClick="1" p14:dur="500">
         <p:wipe dir="d"/>
       </p:transition>
     </mc:Choice>
     <mc:Fallback>
-      <p:transition spd="fast">
+      <p:transition>
         <p:fade/>
       </p:transition>
     </mc:Fallback>
   </mc:AlternateContent>
+  <p:timing>
+    <p:tnLst>
+      <p:par>
+        <p:cTn id="1" dur="indefinite" restart="never" nodeType="tmRoot"/>
+      </p:par>
+    </p:tnLst>
+  </p:timing>
 </p:sld>
 </file>
 
 <file path=ppt/slides/slide3.xml><?xml version="1.0" encoding="utf-8"?>
-<p:sld xmlns:a="http://schemas.openxmlformats.org/drawingml/2006/main" xmlns:r="http://schemas.openxmlformats.org/officeDocument/2006/relationships" xmlns:p="http://schemas.openxmlformats.org/presentationml/2006/main" xmlns:m="http://schemas.openxmlformats.org/officeDocument/2006/math" xmlns:a14="http://schemas.microsoft.com/office/drawing/2010/main" showMasterSp="1" showMasterPhAnim="1">
+<p:sld xmlns:a="http://schemas.openxmlformats.org/drawingml/2006/main" xmlns:r="http://schemas.openxmlformats.org/officeDocument/2006/relationships" xmlns:p="http://schemas.openxmlformats.org/presentationml/2006/main">
   <p:cSld>
     <p:spTree>
       <p:nvGrpSpPr>
@@ -8969,17 +9910,15 @@
       </p:grpSpPr>
       <p:sp>
         <p:nvSpPr>
-          <p:cNvPr id="230" name="What is software and systems engineering?"/>
-          <p:cNvSpPr txBox="1"/>
+          <p:cNvPr id="234" name="Engineering is…"/>
+          <p:cNvSpPr txBox="1">
+            <a:spLocks noGrp="1"/>
+          </p:cNvSpPr>
           <p:nvPr>
             <p:ph type="title"/>
           </p:nvPr>
         </p:nvSpPr>
         <p:spPr>
-          <a:xfrm>
-            <a:off x="1270000" y="2288496"/>
-            <a:ext cx="10464800" cy="5176608"/>
-          </a:xfrm>
           <a:prstGeom prst="rect">
             <a:avLst/>
           </a:prstGeom>
@@ -8988,9 +9927,143 @@
           <a:bodyPr/>
           <a:lstStyle/>
           <a:p>
-            <a:pPr/>
-            <a:r>
-              <a:t>What is software and systems engineering?</a:t>
+            <a:r>
+              <a:t>Engineering is…</a:t>
+            </a:r>
+          </a:p>
+        </p:txBody>
+      </p:sp>
+      <p:sp>
+        <p:nvSpPr>
+          <p:cNvPr id="235" name="the application of science…"/>
+          <p:cNvSpPr txBox="1"/>
+          <p:nvPr/>
+        </p:nvSpPr>
+        <p:spPr>
+          <a:xfrm>
+            <a:off x="644483" y="3238500"/>
+            <a:ext cx="12192897" cy="4903907"/>
+          </a:xfrm>
+          <a:prstGeom prst="rect">
+            <a:avLst/>
+          </a:prstGeom>
+          <a:ln w="12700">
+            <a:miter lim="400000"/>
+          </a:ln>
+          <a:extLst>
+            <a:ext uri="{C572A759-6A51-4108-AA02-DFA0A04FC94B}">
+              <ma14:wrappingTextBoxFlag xmlns:ma14="http://schemas.microsoft.com/office/mac/drawingml/2011/main" xmlns:a14="http://schemas.microsoft.com/office/drawing/2010/main" xmlns:m="http://schemas.openxmlformats.org/officeDocument/2006/math" xmlns="" val="1"/>
+            </a:ext>
+          </a:extLst>
+        </p:spPr>
+        <p:txBody>
+          <a:bodyPr wrap="square" lIns="50800" tIns="50800" rIns="50800" bIns="50800" anchor="ctr">
+            <a:spAutoFit/>
+          </a:bodyPr>
+          <a:lstStyle/>
+          <a:p>
+            <a:pPr algn="ctr">
+              <a:defRPr sz="7800">
+                <a:solidFill>
+                  <a:srgbClr val="FFFFFF"/>
+                </a:solidFill>
+                <a:latin typeface="+mn-lt"/>
+                <a:ea typeface="+mn-ea"/>
+                <a:cs typeface="+mn-cs"/>
+                <a:sym typeface="Gill Sans"/>
+              </a:defRPr>
+            </a:pPr>
+            <a:r>
+              <a:t>the application of </a:t>
+            </a:r>
+            <a:r>
+              <a:rPr>
+                <a:solidFill>
+                  <a:srgbClr val="FFFDA9"/>
+                </a:solidFill>
+              </a:rPr>
+              <a:t>science</a:t>
+            </a:r>
+            <a:r>
+              <a:t> </a:t>
+            </a:r>
+          </a:p>
+          <a:p>
+            <a:pPr algn="ctr">
+              <a:defRPr sz="7800">
+                <a:solidFill>
+                  <a:srgbClr val="FFFFFF"/>
+                </a:solidFill>
+                <a:latin typeface="+mn-lt"/>
+                <a:ea typeface="+mn-ea"/>
+                <a:cs typeface="+mn-cs"/>
+                <a:sym typeface="Gill Sans"/>
+              </a:defRPr>
+            </a:pPr>
+            <a:r>
+              <a:t>to the </a:t>
+            </a:r>
+            <a:r>
+              <a:rPr>
+                <a:solidFill>
+                  <a:srgbClr val="FFFDA9"/>
+                </a:solidFill>
+              </a:rPr>
+              <a:t>design, building and use</a:t>
+            </a:r>
+            <a:r>
+              <a:rPr/>
+              <a:t> </a:t>
+            </a:r>
+            <a:r>
+              <a:rPr smtClean="0"/>
+              <a:t>of </a:t>
+            </a:r>
+            <a:r>
+              <a:t>machines, construction, etc.</a:t>
+            </a:r>
+          </a:p>
+        </p:txBody>
+      </p:sp>
+      <p:sp>
+        <p:nvSpPr>
+          <p:cNvPr id="236" name="The Concise Oxford Dictionary"/>
+          <p:cNvSpPr txBox="1"/>
+          <p:nvPr/>
+        </p:nvSpPr>
+        <p:spPr>
+          <a:xfrm>
+            <a:off x="9645672" y="8091510"/>
+            <a:ext cx="2535263" cy="317500"/>
+          </a:xfrm>
+          <a:prstGeom prst="rect">
+            <a:avLst/>
+          </a:prstGeom>
+          <a:ln w="12700">
+            <a:miter lim="400000"/>
+          </a:ln>
+          <a:extLst>
+            <a:ext uri="{C572A759-6A51-4108-AA02-DFA0A04FC94B}">
+              <ma14:wrappingTextBoxFlag xmlns:ma14="http://schemas.microsoft.com/office/mac/drawingml/2011/main" xmlns:a14="http://schemas.microsoft.com/office/drawing/2010/main" xmlns:m="http://schemas.openxmlformats.org/officeDocument/2006/math" xmlns="" val="1"/>
+            </a:ext>
+          </a:extLst>
+        </p:spPr>
+        <p:txBody>
+          <a:bodyPr wrap="none" lIns="50800" tIns="50800" rIns="50800" bIns="50800" anchor="ctr">
+            <a:spAutoFit/>
+          </a:bodyPr>
+          <a:lstStyle>
+            <a:lvl1pPr>
+              <a:defRPr sz="1400">
+                <a:solidFill>
+                  <a:srgbClr val="FFFFFF"/>
+                </a:solidFill>
+              </a:defRPr>
+            </a:lvl1pPr>
+          </a:lstStyle>
+          <a:p>
+            <a:r>
+              <a:t>The Concise Oxford Dictionary</a:t>
             </a:r>
           </a:p>
         </p:txBody>
@@ -9000,12 +10073,19 @@
   <p:clrMapOvr>
     <a:masterClrMapping/>
   </p:clrMapOvr>
-  <p:transition xmlns:p14="http://schemas.microsoft.com/office/powerpoint/2010/main" spd="med" advClick="1"/>
+  <p:transition spd="med"/>
+  <p:timing>
+    <p:tnLst>
+      <p:par>
+        <p:cTn id="1" dur="indefinite" restart="never" nodeType="tmRoot"/>
+      </p:par>
+    </p:tnLst>
+  </p:timing>
 </p:sld>
 </file>
 
 <file path=ppt/slides/slide30.xml><?xml version="1.0" encoding="utf-8"?>
-<p:sld xmlns:a="http://schemas.openxmlformats.org/drawingml/2006/main" xmlns:r="http://schemas.openxmlformats.org/officeDocument/2006/relationships" xmlns:p="http://schemas.openxmlformats.org/presentationml/2006/main" xmlns:m="http://schemas.openxmlformats.org/officeDocument/2006/math" xmlns:a14="http://schemas.microsoft.com/office/drawing/2010/main" showMasterSp="1" showMasterPhAnim="1">
+<p:sld xmlns:a="http://schemas.openxmlformats.org/drawingml/2006/main" xmlns:r="http://schemas.openxmlformats.org/officeDocument/2006/relationships" xmlns:p="http://schemas.openxmlformats.org/presentationml/2006/main">
   <p:cSld>
     <p:spTree>
       <p:nvGrpSpPr>
@@ -9024,7 +10104,9 @@
       <p:sp>
         <p:nvSpPr>
           <p:cNvPr id="346" name="For example, why would those factors be important for a store automation system?"/>
-          <p:cNvSpPr txBox="1"/>
+          <p:cNvSpPr txBox="1">
+            <a:spLocks noGrp="1"/>
+          </p:cNvSpPr>
           <p:nvPr>
             <p:ph type="title"/>
           </p:nvPr>
@@ -9042,7 +10124,6 @@
           <a:bodyPr/>
           <a:lstStyle/>
           <a:p>
-            <a:pPr/>
             <a:r>
               <a:t>For example, why would those factors be important for a store automation system?</a:t>
             </a:r>
@@ -9054,12 +10135,19 @@
   <p:clrMapOvr>
     <a:masterClrMapping/>
   </p:clrMapOvr>
-  <p:transition xmlns:p14="http://schemas.microsoft.com/office/powerpoint/2010/main" spd="med" advClick="1"/>
+  <p:transition spd="med"/>
+  <p:timing>
+    <p:tnLst>
+      <p:par>
+        <p:cTn id="1" dur="indefinite" restart="never" nodeType="tmRoot"/>
+      </p:par>
+    </p:tnLst>
+  </p:timing>
 </p:sld>
 </file>
 
 <file path=ppt/slides/slide31.xml><?xml version="1.0" encoding="utf-8"?>
-<p:sld xmlns:a="http://schemas.openxmlformats.org/drawingml/2006/main" xmlns:r="http://schemas.openxmlformats.org/officeDocument/2006/relationships" xmlns:p="http://schemas.openxmlformats.org/presentationml/2006/main" xmlns:m="http://schemas.openxmlformats.org/officeDocument/2006/math" xmlns:a14="http://schemas.microsoft.com/office/drawing/2010/main" show="0" showMasterSp="1" showMasterPhAnim="1">
+<p:sld xmlns:a="http://schemas.openxmlformats.org/drawingml/2006/main" xmlns:r="http://schemas.openxmlformats.org/officeDocument/2006/relationships" xmlns:p="http://schemas.openxmlformats.org/presentationml/2006/main" show="0">
   <p:cSld>
     <p:spTree>
       <p:nvGrpSpPr>
@@ -9078,7 +10166,9 @@
       <p:sp>
         <p:nvSpPr>
           <p:cNvPr id="348" name="Qualidade de software (para o varejo)"/>
-          <p:cNvSpPr txBox="1"/>
+          <p:cNvSpPr txBox="1">
+            <a:spLocks noGrp="1"/>
+          </p:cNvSpPr>
           <p:nvPr>
             <p:ph type="title"/>
           </p:nvPr>
@@ -9089,7 +10179,9 @@
           </a:prstGeom>
         </p:spPr>
         <p:txBody>
-          <a:bodyPr/>
+          <a:bodyPr>
+            <a:normAutofit fontScale="90000"/>
+          </a:bodyPr>
           <a:lstStyle/>
           <a:p>
             <a:pPr defTabSz="519937">
@@ -9108,7 +10200,9 @@
       <p:sp>
         <p:nvSpPr>
           <p:cNvPr id="349" name="Correto…"/>
-          <p:cNvSpPr txBox="1"/>
+          <p:cNvSpPr txBox="1">
+            <a:spLocks noGrp="1"/>
+          </p:cNvSpPr>
           <p:nvPr>
             <p:ph type="body" idx="1"/>
           </p:nvPr>
@@ -9204,12 +10298,12 @@
   <p:clrMapOvr>
     <a:masterClrMapping/>
   </p:clrMapOvr>
-  <p:transition xmlns:p14="http://schemas.microsoft.com/office/powerpoint/2010/main" spd="med" advClick="1"/>
+  <p:transition spd="med"/>
 </p:sld>
 </file>
 
 <file path=ppt/slides/slide32.xml><?xml version="1.0" encoding="utf-8"?>
-<p:sld xmlns:a="http://schemas.openxmlformats.org/drawingml/2006/main" xmlns:r="http://schemas.openxmlformats.org/officeDocument/2006/relationships" xmlns:p="http://schemas.openxmlformats.org/presentationml/2006/main" xmlns:m="http://schemas.openxmlformats.org/officeDocument/2006/math" xmlns:a14="http://schemas.microsoft.com/office/drawing/2010/main" show="0" showMasterSp="1" showMasterPhAnim="1">
+<p:sld xmlns:a="http://schemas.openxmlformats.org/drawingml/2006/main" xmlns:r="http://schemas.openxmlformats.org/officeDocument/2006/relationships" xmlns:p="http://schemas.openxmlformats.org/presentationml/2006/main" show="0">
   <p:cSld>
     <p:spTree>
       <p:nvGrpSpPr>
@@ -9228,7 +10322,9 @@
       <p:sp>
         <p:nvSpPr>
           <p:cNvPr id="351" name="Qualidade de software (para o varejo)"/>
-          <p:cNvSpPr txBox="1"/>
+          <p:cNvSpPr txBox="1">
+            <a:spLocks noGrp="1"/>
+          </p:cNvSpPr>
           <p:nvPr>
             <p:ph type="title"/>
           </p:nvPr>
@@ -9239,7 +10335,9 @@
           </a:prstGeom>
         </p:spPr>
         <p:txBody>
-          <a:bodyPr/>
+          <a:bodyPr>
+            <a:normAutofit fontScale="90000"/>
+          </a:bodyPr>
           <a:lstStyle/>
           <a:p>
             <a:pPr defTabSz="519937">
@@ -9258,7 +10356,9 @@
       <p:sp>
         <p:nvSpPr>
           <p:cNvPr id="352" name="Altamente extensível e adaptável…"/>
-          <p:cNvSpPr txBox="1"/>
+          <p:cNvSpPr txBox="1">
+            <a:spLocks noGrp="1"/>
+          </p:cNvSpPr>
           <p:nvPr>
             <p:ph type="body" idx="1"/>
           </p:nvPr>
@@ -9333,12 +10433,12 @@
   <p:clrMapOvr>
     <a:masterClrMapping/>
   </p:clrMapOvr>
-  <p:transition xmlns:p14="http://schemas.microsoft.com/office/powerpoint/2010/main" spd="med" advClick="1"/>
+  <p:transition spd="med"/>
 </p:sld>
 </file>
 
 <file path=ppt/slides/slide33.xml><?xml version="1.0" encoding="utf-8"?>
-<p:sld xmlns:a="http://schemas.openxmlformats.org/drawingml/2006/main" xmlns:r="http://schemas.openxmlformats.org/officeDocument/2006/relationships" xmlns:p="http://schemas.openxmlformats.org/presentationml/2006/main" xmlns:m="http://schemas.openxmlformats.org/officeDocument/2006/math" xmlns:a14="http://schemas.microsoft.com/office/drawing/2010/main" show="0" showMasterSp="1" showMasterPhAnim="1">
+<p:sld xmlns:a="http://schemas.openxmlformats.org/drawingml/2006/main" xmlns:r="http://schemas.openxmlformats.org/officeDocument/2006/relationships" xmlns:p="http://schemas.openxmlformats.org/presentationml/2006/main" show="0">
   <p:cSld>
     <p:spTree>
       <p:nvGrpSpPr>
@@ -9357,7 +10457,9 @@
       <p:sp>
         <p:nvSpPr>
           <p:cNvPr id="354" name="Qualidade de software (para o varejo)"/>
-          <p:cNvSpPr txBox="1"/>
+          <p:cNvSpPr txBox="1">
+            <a:spLocks noGrp="1"/>
+          </p:cNvSpPr>
           <p:nvPr>
             <p:ph type="title"/>
           </p:nvPr>
@@ -9368,7 +10470,9 @@
           </a:prstGeom>
         </p:spPr>
         <p:txBody>
-          <a:bodyPr/>
+          <a:bodyPr>
+            <a:normAutofit fontScale="90000"/>
+          </a:bodyPr>
           <a:lstStyle/>
           <a:p>
             <a:pPr defTabSz="519937">
@@ -9387,7 +10491,9 @@
       <p:sp>
         <p:nvSpPr>
           <p:cNvPr id="355" name="Amigável e fácil de usar…"/>
-          <p:cNvSpPr txBox="1"/>
+          <p:cNvSpPr txBox="1">
+            <a:spLocks noGrp="1"/>
+          </p:cNvSpPr>
           <p:nvPr>
             <p:ph type="body" idx="1"/>
           </p:nvPr>
@@ -9449,12 +10555,12 @@
   <p:clrMapOvr>
     <a:masterClrMapping/>
   </p:clrMapOvr>
-  <p:transition xmlns:p14="http://schemas.microsoft.com/office/powerpoint/2010/main" spd="med" advClick="1"/>
+  <p:transition spd="med"/>
 </p:sld>
 </file>
 
 <file path=ppt/slides/slide34.xml><?xml version="1.0" encoding="utf-8"?>
-<p:sld xmlns:a="http://schemas.openxmlformats.org/drawingml/2006/main" xmlns:r="http://schemas.openxmlformats.org/officeDocument/2006/relationships" xmlns:p="http://schemas.openxmlformats.org/presentationml/2006/main" xmlns:m="http://schemas.openxmlformats.org/officeDocument/2006/math" xmlns:a14="http://schemas.microsoft.com/office/drawing/2010/main" show="0" showMasterSp="1" showMasterPhAnim="1">
+<p:sld xmlns:a="http://schemas.openxmlformats.org/drawingml/2006/main" xmlns:r="http://schemas.openxmlformats.org/officeDocument/2006/relationships" xmlns:p="http://schemas.openxmlformats.org/presentationml/2006/main" show="0">
   <p:cSld>
     <p:spTree>
       <p:nvGrpSpPr>
@@ -9473,7 +10579,9 @@
       <p:sp>
         <p:nvSpPr>
           <p:cNvPr id="357" name="Qualidade de software (para o varejo)"/>
-          <p:cNvSpPr txBox="1"/>
+          <p:cNvSpPr txBox="1">
+            <a:spLocks noGrp="1"/>
+          </p:cNvSpPr>
           <p:nvPr>
             <p:ph type="title"/>
           </p:nvPr>
@@ -9484,7 +10592,9 @@
           </a:prstGeom>
         </p:spPr>
         <p:txBody>
-          <a:bodyPr/>
+          <a:bodyPr>
+            <a:normAutofit fontScale="90000"/>
+          </a:bodyPr>
           <a:lstStyle/>
           <a:p>
             <a:pPr defTabSz="519937">
@@ -9503,7 +10613,9 @@
       <p:sp>
         <p:nvSpPr>
           <p:cNvPr id="358" name="Portável e independente de plataforma (hw e sw)…"/>
-          <p:cNvSpPr txBox="1"/>
+          <p:cNvSpPr txBox="1">
+            <a:spLocks noGrp="1"/>
+          </p:cNvSpPr>
           <p:nvPr>
             <p:ph type="body" idx="1"/>
           </p:nvPr>
@@ -9565,12 +10677,12 @@
   <p:clrMapOvr>
     <a:masterClrMapping/>
   </p:clrMapOvr>
-  <p:transition xmlns:p14="http://schemas.microsoft.com/office/powerpoint/2010/main" spd="med" advClick="1"/>
+  <p:transition spd="med"/>
 </p:sld>
 </file>
 
 <file path=ppt/slides/slide35.xml><?xml version="1.0" encoding="utf-8"?>
-<p:sld xmlns:a="http://schemas.openxmlformats.org/drawingml/2006/main" xmlns:r="http://schemas.openxmlformats.org/officeDocument/2006/relationships" xmlns:p="http://schemas.openxmlformats.org/presentationml/2006/main" xmlns:m="http://schemas.openxmlformats.org/officeDocument/2006/math" xmlns:a14="http://schemas.microsoft.com/office/drawing/2010/main" showMasterSp="1" showMasterPhAnim="1">
+<p:sld xmlns:a="http://schemas.openxmlformats.org/drawingml/2006/main" xmlns:r="http://schemas.openxmlformats.org/officeDocument/2006/relationships" xmlns:p="http://schemas.openxmlformats.org/presentationml/2006/main">
   <p:cSld>
     <p:spTree>
       <p:nvGrpSpPr>
@@ -9588,8 +10700,10 @@
       </p:grpSpPr>
       <p:sp>
         <p:nvSpPr>
-          <p:cNvPr id="360" name="Software and systems engineering"/>
-          <p:cNvSpPr txBox="1"/>
+          <p:cNvPr id="226" name="Software and systems engineering"/>
+          <p:cNvSpPr txBox="1">
+            <a:spLocks noGrp="1"/>
+          </p:cNvSpPr>
           <p:nvPr>
             <p:ph type="ctrTitle"/>
           </p:nvPr>
@@ -9601,28 +10715,50 @@
         </p:spPr>
         <p:txBody>
           <a:bodyPr>
-            <a:normAutofit fontScale="100000" lnSpcReduction="0"/>
+            <a:normAutofit/>
           </a:bodyPr>
           <a:lstStyle/>
           <a:p>
-            <a:pPr/>
-            <a:r>
-              <a:t>Software and systems engineering</a:t>
-            </a:r>
-          </a:p>
-        </p:txBody>
-      </p:sp>
-      <p:sp>
-        <p:nvSpPr>
-          <p:cNvPr id="361" name="Paulo Borba…"/>
-          <p:cNvSpPr txBox="1"/>
+            <a:r>
+              <a:t>Software </a:t>
+            </a:r>
+            <a:r>
+              <a:rPr/>
+              <a:t>and </a:t>
+            </a:r>
+            <a:r>
+              <a:rPr lang="en-US" dirty="0" smtClean="0"/>
+              <a:t>S</a:t>
+            </a:r>
+            <a:r>
+              <a:rPr smtClean="0"/>
+              <a:t>ystems </a:t>
+            </a:r>
+            <a:r>
+              <a:rPr lang="en-US" dirty="0" smtClean="0"/>
+              <a:t>E</a:t>
+            </a:r>
+            <a:r>
+              <a:rPr smtClean="0"/>
+              <a:t>ngineering</a:t>
+            </a:r>
+            <a:endParaRPr/>
+          </a:p>
+        </p:txBody>
+      </p:sp>
+      <p:sp>
+        <p:nvSpPr>
+          <p:cNvPr id="227" name="Paulo Borba…"/>
+          <p:cNvSpPr txBox="1">
+            <a:spLocks noGrp="1"/>
+          </p:cNvSpPr>
           <p:nvPr>
             <p:ph type="subTitle" sz="quarter" idx="1"/>
           </p:nvPr>
         </p:nvSpPr>
         <p:spPr>
           <a:xfrm>
-            <a:off x="1270000" y="5029200"/>
+            <a:off x="1215988" y="5591180"/>
             <a:ext cx="10464800" cy="1816100"/>
           </a:xfrm>
           <a:prstGeom prst="rect">
@@ -9633,19 +10769,17 @@
           <a:bodyPr/>
           <a:lstStyle/>
           <a:p>
-            <a:pPr/>
-            <a:r>
-              <a:t>Paulo Borba</a:t>
-            </a:r>
-          </a:p>
-          <a:p>
-            <a:pPr/>
-            <a:r>
-              <a:t>Informatics Center</a:t>
-            </a:r>
-          </a:p>
-          <a:p>
-            <a:pPr/>
+            <a:r>
+              <a:rPr lang="en-US" dirty="0" smtClean="0"/>
+              <a:t>Marcelo </a:t>
+            </a:r>
+            <a:r>
+              <a:rPr lang="en-US" dirty="0" err="1" smtClean="0"/>
+              <a:t>d’Amorim</a:t>
+            </a:r>
+            <a:endParaRPr/>
+          </a:p>
+          <a:p>
             <a:r>
               <a:t>Federal University of Pernambuco</a:t>
             </a:r>
@@ -9654,7 +10788,7 @@
       </p:sp>
       <p:sp>
         <p:nvSpPr>
-          <p:cNvPr id="362" name="pauloborba.cin.ufpe.br"/>
+          <p:cNvPr id="228" name="pauloborba.cin.ufpe.br"/>
           <p:cNvSpPr txBox="1"/>
           <p:nvPr/>
         </p:nvSpPr>
@@ -9671,7 +10805,7 @@
           </a:ln>
           <a:extLst>
             <a:ext uri="{C572A759-6A51-4108-AA02-DFA0A04FC94B}">
-              <ma14:wrappingTextBoxFlag xmlns:ma14="http://schemas.microsoft.com/office/mac/drawingml/2011/main" val="1"/>
+              <ma14:wrappingTextBoxFlag xmlns:ma14="http://schemas.microsoft.com/office/mac/drawingml/2011/main" xmlns:a14="http://schemas.microsoft.com/office/drawing/2010/main" xmlns:m="http://schemas.openxmlformats.org/officeDocument/2006/math" xmlns="" val="1"/>
             </a:ext>
           </a:extLst>
         </p:spPr>
@@ -9681,7 +10815,7 @@
           </a:bodyPr>
           <a:lstStyle>
             <a:lvl1pPr algn="ctr" defTabSz="584200">
-              <a:defRPr b="1" sz="2400" u="sng">
+              <a:defRPr sz="2400" b="1" u="sng">
                 <a:solidFill>
                   <a:srgbClr val="F3F9F6"/>
                 </a:solidFill>
@@ -9689,7 +10823,7 @@
                 <a:ea typeface="Courier New"/>
                 <a:cs typeface="Courier New"/>
                 <a:sym typeface="Courier New"/>
-                <a:hlinkClick r:id="rId2" invalidUrl="" action="" tgtFrame="" tooltip="" history="1" highlightClick="0" endSnd="0"/>
+                <a:hlinkClick r:id="rId2"/>
               </a:defRPr>
             </a:lvl1pPr>
           </a:lstStyle>
@@ -9698,11 +10832,172 @@
               <a:defRPr u="none"/>
             </a:pPr>
             <a:r>
-              <a:rPr u="sng">
-                <a:hlinkClick r:id="rId2" invalidUrl="" action="" tgtFrame="" tooltip="" history="1" highlightClick="0" endSnd="0"/>
+              <a:rPr lang="en-US" u="sng" dirty="0" smtClean="0">
+                <a:hlinkClick r:id="rId2"/>
               </a:rPr>
-              <a:t>pauloborba.cin.ufpe.br</a:t>
-            </a:r>
+              <a:t>www.cin.ufpe.br/~damorim</a:t>
+            </a:r>
+            <a:endParaRPr u="sng">
+              <a:hlinkClick r:id="rId2"/>
+            </a:endParaRPr>
+          </a:p>
+        </p:txBody>
+      </p:sp>
+      <p:sp>
+        <p:nvSpPr>
+          <p:cNvPr id="5" name="CaixaDeTexto 4"/>
+          <p:cNvSpPr txBox="1"/>
+          <p:nvPr/>
+        </p:nvSpPr>
+        <p:spPr>
+          <a:xfrm>
+            <a:off x="72980" y="19016"/>
+            <a:ext cx="7683194" cy="287258"/>
+          </a:xfrm>
+          <a:prstGeom prst="rect">
+            <a:avLst/>
+          </a:prstGeom>
+          <a:noFill/>
+          <a:ln w="12700" cap="flat">
+            <a:noFill/>
+            <a:miter lim="400000"/>
+          </a:ln>
+          <a:effectLst/>
+          <a:sp3d/>
+        </p:spPr>
+        <p:style>
+          <a:lnRef idx="0">
+            <a:scrgbClr r="0" g="0" b="0"/>
+          </a:lnRef>
+          <a:fillRef idx="0">
+            <a:scrgbClr r="0" g="0" b="0"/>
+          </a:fillRef>
+          <a:effectRef idx="0">
+            <a:scrgbClr r="0" g="0" b="0"/>
+          </a:effectRef>
+          <a:fontRef idx="none"/>
+        </p:style>
+        <p:txBody>
+          <a:bodyPr rot="0" spcFirstLastPara="1" vertOverflow="overflow" horzOverflow="overflow" vert="horz" wrap="none" lIns="50800" tIns="50800" rIns="50800" bIns="50800" numCol="1" spcCol="38100" rtlCol="0" anchor="ctr">
+            <a:spAutoFit/>
+          </a:bodyPr>
+          <a:lstStyle/>
+          <a:p>
+            <a:pPr marL="0" marR="0" indent="0" algn="l" defTabSz="457200" rtl="0" fontAlgn="auto" latinLnBrk="0" hangingPunct="0">
+              <a:lnSpc>
+                <a:spcPct val="100000"/>
+              </a:lnSpc>
+              <a:spcBef>
+                <a:spcPts val="0"/>
+              </a:spcBef>
+              <a:spcAft>
+                <a:spcPts val="0"/>
+              </a:spcAft>
+              <a:buClrTx/>
+              <a:buSzTx/>
+              <a:buFontTx/>
+              <a:buNone/>
+              <a:tabLst/>
+            </a:pPr>
+            <a:r>
+              <a:rPr kumimoji="0" lang="en-US" sz="1200" b="0" i="0" u="none" strike="noStrike" cap="none" spc="0" normalizeH="0" baseline="0" dirty="0" smtClean="0">
+                <a:ln>
+                  <a:noFill/>
+                </a:ln>
+                <a:solidFill>
+                  <a:srgbClr val="FFFFFF"/>
+                </a:solidFill>
+                <a:effectLst/>
+                <a:uFillTx/>
+                <a:latin typeface="+mn-lt"/>
+                <a:ea typeface="Helvetica"/>
+                <a:cs typeface="Helvetica"/>
+                <a:sym typeface="Helvetica"/>
+              </a:rPr>
+              <a:t>* Slides based on the material published by Paulo </a:t>
+            </a:r>
+            <a:r>
+              <a:rPr kumimoji="0" lang="en-US" sz="1200" b="0" i="0" u="none" strike="noStrike" cap="none" spc="0" normalizeH="0" baseline="0" dirty="0" err="1" smtClean="0">
+                <a:ln>
+                  <a:noFill/>
+                </a:ln>
+                <a:solidFill>
+                  <a:srgbClr val="FFFFFF"/>
+                </a:solidFill>
+                <a:effectLst/>
+                <a:uFillTx/>
+                <a:latin typeface="+mn-lt"/>
+                <a:ea typeface="Helvetica"/>
+                <a:cs typeface="Helvetica"/>
+                <a:sym typeface="Helvetica"/>
+              </a:rPr>
+              <a:t>Borba</a:t>
+            </a:r>
+            <a:r>
+              <a:rPr kumimoji="0" lang="en-US" sz="1200" b="0" i="0" u="none" strike="noStrike" cap="none" spc="0" normalizeH="0" baseline="0" dirty="0" smtClean="0">
+                <a:ln>
+                  <a:noFill/>
+                </a:ln>
+                <a:solidFill>
+                  <a:srgbClr val="FFFFFF"/>
+                </a:solidFill>
+                <a:effectLst/>
+                <a:uFillTx/>
+                <a:latin typeface="+mn-lt"/>
+                <a:ea typeface="Helvetica"/>
+                <a:cs typeface="Helvetica"/>
+                <a:sym typeface="Helvetica"/>
+              </a:rPr>
+              <a:t> (phmb@cin.ufpe.br) under </a:t>
+            </a:r>
+            <a:r>
+              <a:rPr kumimoji="0" lang="en-US" sz="1200" b="0" i="0" u="none" strike="noStrike" cap="none" spc="0" normalizeH="0" baseline="0" dirty="0" smtClean="0">
+                <a:ln>
+                  <a:noFill/>
+                </a:ln>
+                <a:solidFill>
+                  <a:srgbClr val="FFFFFF"/>
+                </a:solidFill>
+                <a:effectLst/>
+                <a:uFillTx/>
+                <a:latin typeface="Helvetica"/>
+                <a:ea typeface="Helvetica"/>
+                <a:cs typeface="Helvetica"/>
+                <a:sym typeface="Helvetica"/>
+              </a:rPr>
+              <a:t>Creative</a:t>
+            </a:r>
+            <a:r>
+              <a:rPr kumimoji="0" lang="en-US" sz="1200" b="0" i="0" u="none" strike="noStrike" cap="none" spc="0" normalizeH="0" dirty="0" smtClean="0">
+                <a:ln>
+                  <a:noFill/>
+                </a:ln>
+                <a:solidFill>
+                  <a:srgbClr val="FFFFFF"/>
+                </a:solidFill>
+                <a:effectLst/>
+                <a:uFillTx/>
+                <a:latin typeface="Helvetica"/>
+                <a:ea typeface="Helvetica"/>
+                <a:cs typeface="Helvetica"/>
+                <a:sym typeface="Helvetica"/>
+              </a:rPr>
+              <a:t> Commons license</a:t>
+            </a:r>
+            <a:endParaRPr kumimoji="0" lang="pt-BR" sz="1200" b="0" i="0" u="none" strike="noStrike" cap="none" spc="0" normalizeH="0" baseline="0" dirty="0">
+              <a:ln>
+                <a:noFill/>
+              </a:ln>
+              <a:solidFill>
+                <a:srgbClr val="FFFFFF"/>
+              </a:solidFill>
+              <a:effectLst/>
+              <a:uFillTx/>
+              <a:latin typeface="Helvetica"/>
+              <a:ea typeface="Helvetica"/>
+              <a:cs typeface="Helvetica"/>
+              <a:sym typeface="Helvetica"/>
+            </a:endParaRPr>
           </a:p>
         </p:txBody>
       </p:sp>
@@ -9711,23 +11006,19 @@
   <p:clrMapOvr>
     <a:masterClrMapping/>
   </p:clrMapOvr>
-  <mc:AlternateContent xmlns:mc="http://schemas.openxmlformats.org/markup-compatibility/2006">
-    <mc:Choice xmlns:p14="http://schemas.microsoft.com/office/powerpoint/2010/main" Requires="p14">
-      <p:transition spd="fast" advClick="1" p14:dur="500">
-        <p:wipe dir="d"/>
-      </p:transition>
-    </mc:Choice>
-    <mc:Fallback>
-      <p:transition spd="fast">
-        <p:fade/>
-      </p:transition>
-    </mc:Fallback>
-  </mc:AlternateContent>
+  <p:transition spd="med"/>
+  <p:timing>
+    <p:tnLst>
+      <p:par>
+        <p:cTn id="1" dur="indefinite" restart="never" nodeType="tmRoot"/>
+      </p:par>
+    </p:tnLst>
+  </p:timing>
 </p:sld>
 </file>
 
 <file path=ppt/slides/slide36.xml><?xml version="1.0" encoding="utf-8"?>
-<p:sld xmlns:a="http://schemas.openxmlformats.org/drawingml/2006/main" xmlns:r="http://schemas.openxmlformats.org/officeDocument/2006/relationships" xmlns:p="http://schemas.openxmlformats.org/presentationml/2006/main" xmlns:m="http://schemas.openxmlformats.org/officeDocument/2006/math" xmlns:a14="http://schemas.microsoft.com/office/drawing/2010/main" showMasterSp="1" showMasterPhAnim="1">
+<p:sld xmlns:a="http://schemas.openxmlformats.org/drawingml/2006/main" xmlns:r="http://schemas.openxmlformats.org/officeDocument/2006/relationships" xmlns:p="http://schemas.openxmlformats.org/presentationml/2006/main">
   <p:cSld>
     <p:spTree>
       <p:nvGrpSpPr>
@@ -9746,7 +11037,9 @@
       <p:sp>
         <p:nvSpPr>
           <p:cNvPr id="364" name="What is software productivity?"/>
-          <p:cNvSpPr txBox="1"/>
+          <p:cNvSpPr txBox="1">
+            <a:spLocks noGrp="1"/>
+          </p:cNvSpPr>
           <p:nvPr>
             <p:ph type="title"/>
           </p:nvPr>
@@ -9760,7 +11053,6 @@
           <a:bodyPr/>
           <a:lstStyle/>
           <a:p>
-            <a:pPr/>
             <a:r>
               <a:t>What is software </a:t>
             </a:r>
@@ -9802,7 +11094,7 @@
           </a:bodyPr>
           <a:lstStyle/>
           <a:p>
-            <a:pPr/>
+            <a:endParaRPr/>
           </a:p>
         </p:txBody>
       </p:sp>
@@ -9811,12 +11103,12 @@
   <p:clrMapOvr>
     <a:masterClrMapping/>
   </p:clrMapOvr>
-  <p:transition xmlns:p14="http://schemas.microsoft.com/office/powerpoint/2010/main" spd="med" advClick="1"/>
+  <p:transition spd="med"/>
 </p:sld>
 </file>
 
 <file path=ppt/slides/slide37.xml><?xml version="1.0" encoding="utf-8"?>
-<p:sld xmlns:a="http://schemas.openxmlformats.org/drawingml/2006/main" xmlns:r="http://schemas.openxmlformats.org/officeDocument/2006/relationships" xmlns:p="http://schemas.openxmlformats.org/presentationml/2006/main" xmlns:m="http://schemas.openxmlformats.org/officeDocument/2006/math" xmlns:a14="http://schemas.microsoft.com/office/drawing/2010/main" showMasterSp="1" showMasterPhAnim="1">
+<p:sld xmlns:a="http://schemas.openxmlformats.org/drawingml/2006/main" xmlns:r="http://schemas.openxmlformats.org/officeDocument/2006/relationships" xmlns:p="http://schemas.openxmlformats.org/presentationml/2006/main">
   <p:cSld>
     <p:spTree>
       <p:nvGrpSpPr>
@@ -9835,7 +11127,9 @@
       <p:sp>
         <p:nvSpPr>
           <p:cNvPr id="367" name="Productivity aspects, assuming constant functionality and quality"/>
-          <p:cNvSpPr txBox="1"/>
+          <p:cNvSpPr txBox="1">
+            <a:spLocks noGrp="1"/>
+          </p:cNvSpPr>
           <p:nvPr>
             <p:ph type="title"/>
           </p:nvPr>
@@ -9846,14 +11140,15 @@
           </a:prstGeom>
         </p:spPr>
         <p:txBody>
-          <a:bodyPr/>
+          <a:bodyPr>
+            <a:normAutofit fontScale="90000"/>
+          </a:bodyPr>
           <a:lstStyle>
             <a:lvl1pPr defTabSz="473201">
               <a:defRPr sz="6480"/>
             </a:lvl1pPr>
           </a:lstStyle>
           <a:p>
-            <a:pPr/>
             <a:r>
               <a:t>Productivity aspects, assuming constant functionality and quality</a:t>
             </a:r>
@@ -9863,7 +11158,9 @@
       <p:sp>
         <p:nvSpPr>
           <p:cNvPr id="368" name="Reduced development cost…"/>
-          <p:cNvSpPr txBox="1"/>
+          <p:cNvSpPr txBox="1">
+            <a:spLocks noGrp="1"/>
+          </p:cNvSpPr>
           <p:nvPr>
             <p:ph type="body" idx="1"/>
           </p:nvPr>
@@ -9874,7 +11171,9 @@
           </a:prstGeom>
         </p:spPr>
         <p:txBody>
-          <a:bodyPr/>
+          <a:bodyPr>
+            <a:normAutofit lnSpcReduction="10000"/>
+          </a:bodyPr>
           <a:lstStyle/>
           <a:p>
             <a:pPr marL="526381" indent="-526381">
@@ -9894,7 +11193,7 @@
             </a:r>
           </a:p>
           <a:p>
-            <a:pPr lvl="1" marL="970881" indent="-526381">
+            <a:pPr marL="970881" lvl="1" indent="-526381">
               <a:spcBef>
                 <a:spcPts val="600"/>
               </a:spcBef>
@@ -9908,7 +11207,7 @@
             </a:r>
           </a:p>
           <a:p>
-            <a:pPr lvl="1" marL="970881" indent="-526381">
+            <a:pPr marL="970881" lvl="1" indent="-526381">
               <a:spcBef>
                 <a:spcPts val="600"/>
               </a:spcBef>
@@ -9939,7 +11238,7 @@
             </a:r>
           </a:p>
           <a:p>
-            <a:pPr lvl="1" marL="970881" indent="-526381">
+            <a:pPr marL="970881" lvl="1" indent="-526381">
               <a:spcBef>
                 <a:spcPts val="600"/>
               </a:spcBef>
@@ -9959,12 +11258,12 @@
   <p:clrMapOvr>
     <a:masterClrMapping/>
   </p:clrMapOvr>
-  <p:transition xmlns:p14="http://schemas.microsoft.com/office/powerpoint/2010/main" spd="med" advClick="1"/>
+  <p:transition spd="med"/>
 </p:sld>
 </file>
 
 <file path=ppt/slides/slide38.xml><?xml version="1.0" encoding="utf-8"?>
-<p:sld xmlns:a="http://schemas.openxmlformats.org/drawingml/2006/main" xmlns:r="http://schemas.openxmlformats.org/officeDocument/2006/relationships" xmlns:p="http://schemas.openxmlformats.org/presentationml/2006/main" xmlns:m="http://schemas.openxmlformats.org/officeDocument/2006/math" xmlns:a14="http://schemas.microsoft.com/office/drawing/2010/main" showMasterSp="1" showMasterPhAnim="1">
+<p:sld xmlns:a="http://schemas.openxmlformats.org/drawingml/2006/main" xmlns:r="http://schemas.openxmlformats.org/officeDocument/2006/relationships" xmlns:p="http://schemas.openxmlformats.org/presentationml/2006/main">
   <p:cSld>
     <p:spTree>
       <p:nvGrpSpPr>
@@ -9983,7 +11282,9 @@
       <p:sp>
         <p:nvSpPr>
           <p:cNvPr id="370" name="“Inexpensive software”"/>
-          <p:cNvSpPr txBox="1"/>
+          <p:cNvSpPr txBox="1">
+            <a:spLocks noGrp="1"/>
+          </p:cNvSpPr>
           <p:nvPr>
             <p:ph type="title"/>
           </p:nvPr>
@@ -9997,7 +11298,6 @@
           <a:bodyPr/>
           <a:lstStyle/>
           <a:p>
-            <a:pPr/>
             <a:r>
               <a:t>“Inexpensive software”</a:t>
             </a:r>
@@ -10007,7 +11307,9 @@
       <p:sp>
         <p:nvSpPr>
           <p:cNvPr id="371" name="Not only a result of lower development costs, but also of the cost distribution among a number of clients"/>
-          <p:cNvSpPr txBox="1"/>
+          <p:cNvSpPr txBox="1">
+            <a:spLocks noGrp="1"/>
+          </p:cNvSpPr>
           <p:nvPr>
             <p:ph type="body" idx="1"/>
           </p:nvPr>
@@ -10047,6 +11349,7 @@
               <a:buSzTx/>
               <a:buNone/>
             </a:pPr>
+            <a:endParaRPr/>
           </a:p>
           <a:p>
             <a:pPr marL="342900" indent="-342900">
@@ -10067,8 +11370,8 @@
         </p:nvSpPr>
         <p:spPr>
           <a:xfrm>
-            <a:off x="1679457" y="6788573"/>
-            <a:ext cx="9645886" cy="1219201"/>
+            <a:off x="1215988" y="6788573"/>
+            <a:ext cx="11072890" cy="1272143"/>
           </a:xfrm>
           <a:prstGeom prst="rect">
             <a:avLst/>
@@ -10081,12 +11384,12 @@
           </a:ln>
           <a:extLst>
             <a:ext uri="{C572A759-6A51-4108-AA02-DFA0A04FC94B}">
-              <ma14:wrappingTextBoxFlag xmlns:ma14="http://schemas.microsoft.com/office/mac/drawingml/2011/main" val="1"/>
+              <ma14:wrappingTextBoxFlag xmlns:ma14="http://schemas.microsoft.com/office/mac/drawingml/2011/main" xmlns:a14="http://schemas.microsoft.com/office/drawing/2010/main" xmlns:m="http://schemas.openxmlformats.org/officeDocument/2006/math" xmlns="" val="1"/>
             </a:ext>
           </a:extLst>
         </p:spPr>
         <p:txBody>
-          <a:bodyPr wrap="none" lIns="50800" tIns="50800" rIns="50800" bIns="50800" anchor="ctr">
+          <a:bodyPr wrap="square" lIns="50800" tIns="50800" rIns="50800" bIns="50800" anchor="ctr">
             <a:spAutoFit/>
           </a:bodyPr>
           <a:lstStyle/>
@@ -10123,12 +11426,12 @@
   <p:clrMapOvr>
     <a:masterClrMapping/>
   </p:clrMapOvr>
-  <p:transition xmlns:p14="http://schemas.microsoft.com/office/powerpoint/2010/main" spd="med" advClick="1"/>
+  <p:transition spd="med"/>
 </p:sld>
 </file>
 
 <file path=ppt/slides/slide39.xml><?xml version="1.0" encoding="utf-8"?>
-<p:sld xmlns:a="http://schemas.openxmlformats.org/drawingml/2006/main" xmlns:r="http://schemas.openxmlformats.org/officeDocument/2006/relationships" xmlns:p="http://schemas.openxmlformats.org/presentationml/2006/main" xmlns:m="http://schemas.openxmlformats.org/officeDocument/2006/math" xmlns:a14="http://schemas.microsoft.com/office/drawing/2010/main" showMasterSp="1" showMasterPhAnim="1">
+<p:sld xmlns:a="http://schemas.openxmlformats.org/drawingml/2006/main" xmlns:r="http://schemas.openxmlformats.org/officeDocument/2006/relationships" xmlns:p="http://schemas.openxmlformats.org/presentationml/2006/main">
   <p:cSld>
     <p:spTree>
       <p:nvGrpSpPr>
@@ -10147,12 +11450,18 @@
       <p:sp>
         <p:nvSpPr>
           <p:cNvPr id="374" name="Trade-offs between quality and productivity"/>
-          <p:cNvSpPr txBox="1"/>
+          <p:cNvSpPr txBox="1">
+            <a:spLocks noGrp="1"/>
+          </p:cNvSpPr>
           <p:nvPr>
             <p:ph type="title"/>
           </p:nvPr>
         </p:nvSpPr>
         <p:spPr>
+          <a:xfrm>
+            <a:off x="287294" y="254000"/>
+            <a:ext cx="12501650" cy="2438400"/>
+          </a:xfrm>
           <a:prstGeom prst="rect">
             <a:avLst/>
           </a:prstGeom>
@@ -10161,7 +11470,6 @@
           <a:bodyPr/>
           <a:lstStyle/>
           <a:p>
-            <a:pPr/>
             <a:r>
               <a:t>Trade-offs between quality and productivity</a:t>
             </a:r>
@@ -10171,15 +11479,17 @@
       <p:sp>
         <p:nvSpPr>
           <p:cNvPr id="375" name="Investing too much in quality can reduce productivity in the short term…"/>
-          <p:cNvSpPr txBox="1"/>
+          <p:cNvSpPr txBox="1">
+            <a:spLocks noGrp="1"/>
+          </p:cNvSpPr>
           <p:nvPr>
             <p:ph type="body" idx="1"/>
           </p:nvPr>
         </p:nvSpPr>
         <p:spPr>
           <a:xfrm>
-            <a:off x="1270000" y="3045501"/>
-            <a:ext cx="10464800" cy="6376967"/>
+            <a:off x="715922" y="3143303"/>
+            <a:ext cx="11858708" cy="6376967"/>
           </a:xfrm>
           <a:prstGeom prst="rect">
             <a:avLst/>
@@ -10213,7 +11523,7 @@
             </a:r>
           </a:p>
           <a:p>
-            <a:pPr lvl="1" marL="1374321" indent="-612321">
+            <a:pPr marL="1374321" lvl="1" indent="-612321">
               <a:defRPr sz="4500"/>
             </a:pPr>
             <a:r>
@@ -10227,12 +11537,12 @@
   <p:clrMapOvr>
     <a:masterClrMapping/>
   </p:clrMapOvr>
-  <p:transition xmlns:p14="http://schemas.microsoft.com/office/powerpoint/2010/main" spd="med" advClick="1"/>
+  <p:transition spd="med"/>
 </p:sld>
 </file>
 
 <file path=ppt/slides/slide4.xml><?xml version="1.0" encoding="utf-8"?>
-<p:sld xmlns:a="http://schemas.openxmlformats.org/drawingml/2006/main" xmlns:r="http://schemas.openxmlformats.org/officeDocument/2006/relationships" xmlns:p="http://schemas.openxmlformats.org/presentationml/2006/main" xmlns:m="http://schemas.openxmlformats.org/officeDocument/2006/math" xmlns:a14="http://schemas.microsoft.com/office/drawing/2010/main" showMasterSp="1" showMasterPhAnim="1">
+<p:sld xmlns:a="http://schemas.openxmlformats.org/drawingml/2006/main" xmlns:r="http://schemas.openxmlformats.org/officeDocument/2006/relationships" xmlns:p="http://schemas.openxmlformats.org/presentationml/2006/main">
   <p:cSld>
     <p:spTree>
       <p:nvGrpSpPr>
@@ -10250,13 +11560,19 @@
       </p:grpSpPr>
       <p:sp>
         <p:nvSpPr>
-          <p:cNvPr id="234" name="Engineering is…"/>
-          <p:cNvSpPr txBox="1"/>
+          <p:cNvPr id="240" name="System =…"/>
+          <p:cNvSpPr txBox="1">
+            <a:spLocks noGrp="1"/>
+          </p:cNvSpPr>
           <p:nvPr>
             <p:ph type="title"/>
           </p:nvPr>
         </p:nvSpPr>
         <p:spPr>
+          <a:xfrm>
+            <a:off x="358732" y="521964"/>
+            <a:ext cx="12501650" cy="8709671"/>
+          </a:xfrm>
           <a:prstGeom prst="rect">
             <a:avLst/>
           </a:prstGeom>
@@ -10265,153 +11581,67 @@
           <a:bodyPr/>
           <a:lstStyle/>
           <a:p>
-            <a:pPr/>
-            <a:r>
-              <a:t>Engineering is…</a:t>
-            </a:r>
-          </a:p>
-        </p:txBody>
-      </p:sp>
-      <p:sp>
-        <p:nvSpPr>
-          <p:cNvPr id="235" name="the application of science…"/>
-          <p:cNvSpPr txBox="1"/>
-          <p:nvPr/>
-        </p:nvSpPr>
-        <p:spPr>
-          <a:xfrm>
-            <a:off x="167419" y="3238500"/>
-            <a:ext cx="12669962" cy="3530601"/>
-          </a:xfrm>
-          <a:prstGeom prst="rect">
-            <a:avLst/>
-          </a:prstGeom>
-          <a:ln w="12700">
-            <a:miter lim="400000"/>
-          </a:ln>
-          <a:extLst>
-            <a:ext uri="{C572A759-6A51-4108-AA02-DFA0A04FC94B}">
-              <ma14:wrappingTextBoxFlag xmlns:ma14="http://schemas.microsoft.com/office/mac/drawingml/2011/main" val="1"/>
-            </a:ext>
-          </a:extLst>
-        </p:spPr>
-        <p:txBody>
-          <a:bodyPr wrap="none" lIns="50800" tIns="50800" rIns="50800" bIns="50800" anchor="ctr">
-            <a:spAutoFit/>
-          </a:bodyPr>
-          <a:lstStyle/>
-          <a:p>
-            <a:pPr algn="ctr">
-              <a:defRPr sz="7800">
-                <a:solidFill>
-                  <a:srgbClr val="FFFFFF"/>
-                </a:solidFill>
-                <a:latin typeface="+mn-lt"/>
-                <a:ea typeface="+mn-ea"/>
-                <a:cs typeface="+mn-cs"/>
-                <a:sym typeface="Gill Sans"/>
-              </a:defRPr>
-            </a:pPr>
-            <a:r>
-              <a:t>the application of </a:t>
-            </a:r>
+            <a:pPr algn="l"/>
             <a:r>
               <a:rPr>
                 <a:solidFill>
                   <a:srgbClr val="FFFDA9"/>
                 </a:solidFill>
               </a:rPr>
-              <a:t>science</a:t>
+              <a:t>System</a:t>
             </a:r>
             <a:r>
               <a:t> </a:t>
             </a:r>
-          </a:p>
-          <a:p>
-            <a:pPr algn="ctr">
-              <a:defRPr sz="7800">
-                <a:solidFill>
-                  <a:srgbClr val="FFFFFF"/>
-                </a:solidFill>
-                <a:latin typeface="+mn-lt"/>
-                <a:ea typeface="+mn-ea"/>
-                <a:cs typeface="+mn-cs"/>
-                <a:sym typeface="Gill Sans"/>
-              </a:defRPr>
-            </a:pPr>
-            <a:r>
-              <a:t>to the </a:t>
-            </a:r>
-            <a:r>
-              <a:rPr>
+            <a:r>
+              <a:rPr/>
+              <a:t>= </a:t>
+            </a:r>
+            <a:r>
+              <a:rPr smtClean="0">
                 <a:solidFill>
                   <a:srgbClr val="FFFDA9"/>
                 </a:solidFill>
               </a:rPr>
-              <a:t>design, building and use</a:t>
-            </a:r>
-            <a:r>
+              <a:t>Software</a:t>
+            </a:r>
+            <a:r>
+              <a:rPr smtClean="0"/>
+              <a:t>+People+Data+Hardware </a:t>
+            </a:r>
+            <a:r>
+              <a:t>(computers, sensors</a:t>
+            </a:r>
+            <a:r>
+              <a:rPr/>
+              <a:t>, </a:t>
+            </a:r>
+            <a:r>
+              <a:rPr smtClean="0"/>
+              <a:t>phones</a:t>
+            </a:r>
+            <a:r>
+              <a:rPr/>
+              <a:t>, </a:t>
+            </a:r>
+            <a:r>
+              <a:rPr lang="en-US" dirty="0" smtClean="0"/>
+              <a:t>w</a:t>
+            </a:r>
+            <a:r>
+              <a:rPr smtClean="0"/>
+              <a:t>atches,</a:t>
+            </a:r>
+            <a:r>
+              <a:rPr lang="en-US" dirty="0" smtClean="0"/>
               <a:t> </a:t>
             </a:r>
-          </a:p>
-          <a:p>
-            <a:pPr algn="ctr">
-              <a:defRPr sz="7800">
-                <a:solidFill>
-                  <a:srgbClr val="FFFFFF"/>
-                </a:solidFill>
-                <a:latin typeface="+mn-lt"/>
-                <a:ea typeface="+mn-ea"/>
-                <a:cs typeface="+mn-cs"/>
-                <a:sym typeface="Gill Sans"/>
-              </a:defRPr>
-            </a:pPr>
-            <a:r>
-              <a:t>of machines, construction, etc.</a:t>
-            </a:r>
-          </a:p>
-        </p:txBody>
-      </p:sp>
-      <p:sp>
-        <p:nvSpPr>
-          <p:cNvPr id="236" name="The Concise Oxford Dictionary"/>
-          <p:cNvSpPr txBox="1"/>
-          <p:nvPr/>
-        </p:nvSpPr>
-        <p:spPr>
-          <a:xfrm>
-            <a:off x="9607500" y="6775450"/>
-            <a:ext cx="2535263" cy="317500"/>
-          </a:xfrm>
-          <a:prstGeom prst="rect">
-            <a:avLst/>
-          </a:prstGeom>
-          <a:ln w="12700">
-            <a:miter lim="400000"/>
-          </a:ln>
-          <a:extLst>
-            <a:ext uri="{C572A759-6A51-4108-AA02-DFA0A04FC94B}">
-              <ma14:wrappingTextBoxFlag xmlns:ma14="http://schemas.microsoft.com/office/mac/drawingml/2011/main" val="1"/>
-            </a:ext>
-          </a:extLst>
-        </p:spPr>
-        <p:txBody>
-          <a:bodyPr wrap="none" lIns="50800" tIns="50800" rIns="50800" bIns="50800" anchor="ctr">
-            <a:spAutoFit/>
-          </a:bodyPr>
-          <a:lstStyle>
-            <a:lvl1pPr>
-              <a:defRPr sz="1400">
-                <a:solidFill>
-                  <a:srgbClr val="FFFFFF"/>
-                </a:solidFill>
-              </a:defRPr>
-            </a:lvl1pPr>
-          </a:lstStyle>
-          <a:p>
-            <a:pPr/>
-            <a:r>
-              <a:t>The Concise Oxford Dictionary</a:t>
+            <a:r>
+              <a:rPr smtClean="0"/>
+              <a:t>drones</a:t>
+            </a:r>
+            <a:r>
+              <a:t>, etc.) </a:t>
             </a:r>
           </a:p>
         </p:txBody>
@@ -10421,12 +11651,19 @@
   <p:clrMapOvr>
     <a:masterClrMapping/>
   </p:clrMapOvr>
-  <p:transition xmlns:p14="http://schemas.microsoft.com/office/powerpoint/2010/main" spd="med" advClick="1"/>
+  <p:transition spd="med"/>
+  <p:timing>
+    <p:tnLst>
+      <p:par>
+        <p:cTn id="1" dur="indefinite" restart="never" nodeType="tmRoot"/>
+      </p:par>
+    </p:tnLst>
+  </p:timing>
 </p:sld>
 </file>
 
 <file path=ppt/slides/slide40.xml><?xml version="1.0" encoding="utf-8"?>
-<p:sld xmlns:a="http://schemas.openxmlformats.org/drawingml/2006/main" xmlns:r="http://schemas.openxmlformats.org/officeDocument/2006/relationships" xmlns:p="http://schemas.openxmlformats.org/presentationml/2006/main" xmlns:m="http://schemas.openxmlformats.org/officeDocument/2006/math" xmlns:a14="http://schemas.microsoft.com/office/drawing/2010/main" showMasterSp="1" showMasterPhAnim="1">
+<p:sld xmlns:a="http://schemas.openxmlformats.org/drawingml/2006/main" xmlns:r="http://schemas.openxmlformats.org/officeDocument/2006/relationships" xmlns:p="http://schemas.openxmlformats.org/presentationml/2006/main">
   <p:cSld>
     <p:spTree>
       <p:nvGrpSpPr>
@@ -10445,7 +11682,9 @@
       <p:sp>
         <p:nvSpPr>
           <p:cNvPr id="379" name="To obtain software quality and productivity,  teams have to deal with those issues in a professional way!"/>
-          <p:cNvSpPr txBox="1"/>
+          <p:cNvSpPr txBox="1">
+            <a:spLocks noGrp="1"/>
+          </p:cNvSpPr>
           <p:nvPr>
             <p:ph type="title"/>
           </p:nvPr>
@@ -10463,9 +11702,13 @@
           <a:bodyPr/>
           <a:lstStyle/>
           <a:p>
-            <a:pPr/>
-            <a:r>
-              <a:t>To obtain software </a:t>
+            <a:r>
+              <a:rPr lang="en-US" dirty="0" smtClean="0"/>
+              <a:t>For high </a:t>
+            </a:r>
+            <a:r>
+              <a:rPr smtClean="0"/>
+              <a:t>software </a:t>
             </a:r>
             <a:r>
               <a:rPr>
@@ -10476,10 +11719,14 @@
               <a:t>quality</a:t>
             </a:r>
             <a:r>
-              <a:t> and </a:t>
-            </a:r>
-            <a:r>
-              <a:rPr>
+              <a:t> </a:t>
+            </a:r>
+            <a:r>
+              <a:rPr/>
+              <a:t>and </a:t>
+            </a:r>
+            <a:r>
+              <a:rPr smtClean="0">
                 <a:solidFill>
                   <a:srgbClr val="FEFB27"/>
                 </a:solidFill>
@@ -10487,8 +11734,45 @@
               <a:t>productivity</a:t>
             </a:r>
             <a:r>
-              <a:t>,  teams have to deal with those issues in a professional way!</a:t>
-            </a:r>
+              <a:rPr smtClean="0"/>
+              <a:t>,</a:t>
+            </a:r>
+            <a:r>
+              <a:rPr lang="en-US" dirty="0" smtClean="0"/>
+              <a:t> </a:t>
+            </a:r>
+            <a:r>
+              <a:rPr smtClean="0"/>
+              <a:t>teams </a:t>
+            </a:r>
+            <a:r>
+              <a:t>have to deal with </a:t>
+            </a:r>
+            <a:r>
+              <a:rPr/>
+              <a:t>those </a:t>
+            </a:r>
+            <a:r>
+              <a:rPr smtClean="0"/>
+              <a:t>issues</a:t>
+            </a:r>
+            <a:r>
+              <a:rPr lang="en-US" dirty="0" smtClean="0"/>
+              <a:t> </a:t>
+            </a:r>
+            <a:r>
+              <a:rPr smtClean="0"/>
+              <a:t>professiona</a:t>
+            </a:r>
+            <a:r>
+              <a:rPr lang="en-US" dirty="0" err="1" smtClean="0"/>
+              <a:t>lly</a:t>
+            </a:r>
+            <a:r>
+              <a:rPr smtClean="0"/>
+              <a:t>!</a:t>
+            </a:r>
+            <a:endParaRPr/>
           </a:p>
         </p:txBody>
       </p:sp>
@@ -10497,12 +11781,12 @@
   <p:clrMapOvr>
     <a:masterClrMapping/>
   </p:clrMapOvr>
-  <p:transition xmlns:p14="http://schemas.microsoft.com/office/powerpoint/2010/main" spd="med" advClick="1"/>
+  <p:transition spd="med"/>
 </p:sld>
 </file>
 
 <file path=ppt/slides/slide41.xml><?xml version="1.0" encoding="utf-8"?>
-<p:sld xmlns:a="http://schemas.openxmlformats.org/drawingml/2006/main" xmlns:r="http://schemas.openxmlformats.org/officeDocument/2006/relationships" xmlns:p="http://schemas.openxmlformats.org/presentationml/2006/main" xmlns:m="http://schemas.openxmlformats.org/officeDocument/2006/math" xmlns:a14="http://schemas.microsoft.com/office/drawing/2010/main" showMasterSp="1" showMasterPhAnim="1">
+<p:sld xmlns:a="http://schemas.openxmlformats.org/drawingml/2006/main" xmlns:r="http://schemas.openxmlformats.org/officeDocument/2006/relationships" xmlns:p="http://schemas.openxmlformats.org/presentationml/2006/main">
   <p:cSld>
     <p:spTree>
       <p:nvGrpSpPr>
@@ -10521,7 +11805,9 @@
       <p:sp>
         <p:nvSpPr>
           <p:cNvPr id="381" name="Take notes, now!"/>
-          <p:cNvSpPr txBox="1"/>
+          <p:cNvSpPr txBox="1">
+            <a:spLocks noGrp="1"/>
+          </p:cNvSpPr>
           <p:nvPr>
             <p:ph type="title"/>
           </p:nvPr>
@@ -10543,7 +11829,6 @@
             </a:lvl1pPr>
           </a:lstStyle>
           <a:p>
-            <a:pPr/>
             <a:r>
               <a:t>Take notes, now!</a:t>
             </a:r>
@@ -10555,12 +11840,12 @@
   <p:clrMapOvr>
     <a:masterClrMapping/>
   </p:clrMapOvr>
-  <p:transition xmlns:p14="http://schemas.microsoft.com/office/powerpoint/2010/main" spd="med" advClick="1"/>
+  <p:transition spd="med"/>
 </p:sld>
 </file>
 
 <file path=ppt/slides/slide42.xml><?xml version="1.0" encoding="utf-8"?>
-<p:sld xmlns:a="http://schemas.openxmlformats.org/drawingml/2006/main" xmlns:r="http://schemas.openxmlformats.org/officeDocument/2006/relationships" xmlns:p="http://schemas.openxmlformats.org/presentationml/2006/main" xmlns:m="http://schemas.openxmlformats.org/officeDocument/2006/math" xmlns:a14="http://schemas.microsoft.com/office/drawing/2010/main" showMasterSp="1" showMasterPhAnim="1">
+<p:sld xmlns:a="http://schemas.openxmlformats.org/drawingml/2006/main" xmlns:r="http://schemas.openxmlformats.org/officeDocument/2006/relationships" xmlns:p="http://schemas.openxmlformats.org/presentationml/2006/main">
   <p:cSld>
     <p:spTree>
       <p:nvGrpSpPr>
@@ -10579,7 +11864,9 @@
       <p:sp>
         <p:nvSpPr>
           <p:cNvPr id="383" name="To do after class"/>
-          <p:cNvSpPr txBox="1"/>
+          <p:cNvSpPr txBox="1">
+            <a:spLocks noGrp="1"/>
+          </p:cNvSpPr>
           <p:nvPr>
             <p:ph type="title"/>
           </p:nvPr>
@@ -10593,7 +11880,6 @@
           <a:bodyPr/>
           <a:lstStyle/>
           <a:p>
-            <a:pPr/>
             <a:r>
               <a:t>To do after class</a:t>
             </a:r>
@@ -10603,7 +11889,9 @@
       <p:sp>
         <p:nvSpPr>
           <p:cNvPr id="384" name="Read Uma longa noite aprendendo, and Chapter 1 from the textbook…"/>
-          <p:cNvSpPr txBox="1"/>
+          <p:cNvSpPr txBox="1">
+            <a:spLocks noGrp="1"/>
+          </p:cNvSpPr>
           <p:nvPr>
             <p:ph type="body" idx="1"/>
           </p:nvPr>
@@ -10611,7 +11899,7 @@
         <p:spPr>
           <a:xfrm>
             <a:off x="1270000" y="2204707"/>
-            <a:ext cx="10464800" cy="7255741"/>
+            <a:ext cx="11233192" cy="7255741"/>
           </a:xfrm>
           <a:prstGeom prst="rect">
             <a:avLst/>
@@ -10629,7 +11917,7 @@
             </a:r>
             <a:r>
               <a:rPr u="sng">
-                <a:hlinkClick r:id="rId2" invalidUrl="" action="" tgtFrame="" tooltip="" history="1" highlightClick="0" endSnd="0"/>
+                <a:hlinkClick r:id="rId2"/>
               </a:rPr>
               <a:t>Uma longa noite aprendendo</a:t>
             </a:r>
@@ -10638,7 +11926,7 @@
             </a:r>
             <a:r>
               <a:rPr u="sng">
-                <a:hlinkClick r:id="rId3" invalidUrl="" action="" tgtFrame="" tooltip="" history="1" highlightClick="0" endSnd="0"/>
+                <a:hlinkClick r:id="rId3"/>
               </a:rPr>
               <a:t>textbook</a:t>
             </a:r>
@@ -10652,7 +11940,7 @@
             </a:r>
             <a:r>
               <a:rPr u="sng">
-                <a:hlinkClick r:id="rId4" invalidUrl="" action="" tgtFrame="" tooltip="" history="1" highlightClick="0" endSnd="0"/>
+                <a:hlinkClick r:id="rId4"/>
               </a:rPr>
               <a:t>Software Engineering Code of Ethics and Professional Practice</a:t>
             </a:r>
@@ -10666,7 +11954,7 @@
             </a:r>
             <a:r>
               <a:rPr u="sng">
-                <a:hlinkClick r:id="rId5" invalidUrl="" action="" tgtFrame="" tooltip="" history="1" highlightClick="0" endSnd="0"/>
+                <a:hlinkClick r:id="rId5"/>
               </a:rPr>
               <a:t>Software powers the world</a:t>
             </a:r>
@@ -10676,24 +11964,21 @@
               <a:defRPr sz="3300"/>
             </a:pPr>
             <a:r>
-              <a:t>Choose your team</a:t>
-            </a:r>
-          </a:p>
-          <a:p>
-            <a:pPr marL="888999" indent="-571499">
-              <a:defRPr sz="3300"/>
-            </a:pPr>
-            <a:r>
-              <a:t>Subscribe to the course calendar</a:t>
-            </a:r>
-          </a:p>
-          <a:p>
-            <a:pPr marL="888999" indent="-571499">
-              <a:defRPr sz="3300"/>
-            </a:pPr>
-            <a:r>
-              <a:t>Study questions from previous exams</a:t>
-            </a:r>
+              <a:rPr smtClean="0"/>
+              <a:t>Subscribe </a:t>
+            </a:r>
+            <a:r>
+              <a:t>to the </a:t>
+            </a:r>
+            <a:r>
+              <a:rPr/>
+              <a:t>course </a:t>
+            </a:r>
+            <a:r>
+              <a:rPr smtClean="0"/>
+              <a:t>calendar</a:t>
+            </a:r>
+            <a:endParaRPr/>
           </a:p>
         </p:txBody>
       </p:sp>
@@ -10702,12 +11987,12 @@
   <p:clrMapOvr>
     <a:masterClrMapping/>
   </p:clrMapOvr>
-  <p:transition xmlns:p14="http://schemas.microsoft.com/office/powerpoint/2010/main" spd="med" advClick="1"/>
+  <p:transition spd="med"/>
 </p:sld>
 </file>
 
-<file path=ppt/slides/slide43.xml><?xml version="1.0" encoding="utf-8"?>
-<p:sld xmlns:a="http://schemas.openxmlformats.org/drawingml/2006/main" xmlns:r="http://schemas.openxmlformats.org/officeDocument/2006/relationships" xmlns:p="http://schemas.openxmlformats.org/presentationml/2006/main" xmlns:m="http://schemas.openxmlformats.org/officeDocument/2006/math" xmlns:a14="http://schemas.microsoft.com/office/drawing/2010/main" showMasterSp="1" showMasterPhAnim="1">
+<file path=ppt/slides/slide5.xml><?xml version="1.0" encoding="utf-8"?>
+<p:sld xmlns:a="http://schemas.openxmlformats.org/drawingml/2006/main" xmlns:r="http://schemas.openxmlformats.org/officeDocument/2006/relationships" xmlns:p="http://schemas.openxmlformats.org/presentationml/2006/main">
   <p:cSld>
     <p:spTree>
       <p:nvGrpSpPr>
@@ -10725,8 +12010,10 @@
       </p:grpSpPr>
       <p:sp>
         <p:nvSpPr>
-          <p:cNvPr id="386" name="Questions from previous exams"/>
-          <p:cNvSpPr txBox="1"/>
+          <p:cNvPr id="244" name="Our society depends on software systems"/>
+          <p:cNvSpPr txBox="1">
+            <a:spLocks noGrp="1"/>
+          </p:cNvSpPr>
           <p:nvPr>
             <p:ph type="title"/>
           </p:nvPr>
@@ -10740,149 +12027,22 @@
           <a:bodyPr/>
           <a:lstStyle/>
           <a:p>
-            <a:pPr/>
-            <a:r>
-              <a:t>Questions from previous exams</a:t>
-            </a:r>
-          </a:p>
-        </p:txBody>
-      </p:sp>
-      <p:sp>
-        <p:nvSpPr>
-          <p:cNvPr id="387" name="Indique dois fatores de qualidade de software e explique porque eles são importantes.…"/>
-          <p:cNvSpPr txBox="1"/>
-          <p:nvPr>
-            <p:ph type="body" idx="1"/>
-          </p:nvPr>
-        </p:nvSpPr>
-        <p:spPr>
-          <a:xfrm>
-            <a:off x="1270000" y="2768600"/>
-            <a:ext cx="10464800" cy="6886889"/>
-          </a:xfrm>
-          <a:prstGeom prst="rect">
-            <a:avLst/>
-          </a:prstGeom>
-        </p:spPr>
-        <p:txBody>
-          <a:bodyPr/>
-          <a:lstStyle/>
-          <a:p>
-            <a:pPr/>
-            <a:r>
-              <a:t>Indique dois fatores de qualidade de software e explique porque eles são importantes.</a:t>
-            </a:r>
-          </a:p>
-          <a:p>
-            <a:pPr/>
-            <a:r>
-              <a:t>Indique quais dos seguintes termos correspondem a fatores de qualidade de software: corretude, robustez, produtividade e extensibilidade. Defina e explique brevemente porque cada um dos fatores que você indicou é importante.</a:t>
-            </a:r>
-          </a:p>
-        </p:txBody>
-      </p:sp>
-    </p:spTree>
-  </p:cSld>
-  <p:clrMapOvr>
-    <a:masterClrMapping/>
-  </p:clrMapOvr>
-  <p:transition xmlns:p14="http://schemas.microsoft.com/office/powerpoint/2010/main" spd="med" advClick="1"/>
-</p:sld>
-</file>
-
-<file path=ppt/slides/slide44.xml><?xml version="1.0" encoding="utf-8"?>
-<p:sld xmlns:a="http://schemas.openxmlformats.org/drawingml/2006/main" xmlns:r="http://schemas.openxmlformats.org/officeDocument/2006/relationships" xmlns:p="http://schemas.openxmlformats.org/presentationml/2006/main" xmlns:m="http://schemas.openxmlformats.org/officeDocument/2006/math" xmlns:a14="http://schemas.microsoft.com/office/drawing/2010/main" showMasterSp="1" showMasterPhAnim="1">
-  <p:cSld>
-    <p:spTree>
-      <p:nvGrpSpPr>
-        <p:cNvPr id="1" name=""/>
-        <p:cNvGrpSpPr/>
-        <p:nvPr/>
-      </p:nvGrpSpPr>
-      <p:grpSpPr>
-        <a:xfrm>
-          <a:off x="0" y="0"/>
-          <a:ext cx="0" cy="0"/>
-          <a:chOff x="0" y="0"/>
-          <a:chExt cx="0" cy="0"/>
-        </a:xfrm>
-      </p:grpSpPr>
-      <p:sp>
-        <p:nvSpPr>
-          <p:cNvPr id="389" name="Software and systems engineering"/>
-          <p:cNvSpPr txBox="1"/>
-          <p:nvPr>
-            <p:ph type="ctrTitle"/>
-          </p:nvPr>
-        </p:nvSpPr>
-        <p:spPr>
-          <a:prstGeom prst="rect">
-            <a:avLst/>
-          </a:prstGeom>
-        </p:spPr>
-        <p:txBody>
-          <a:bodyPr>
-            <a:normAutofit fontScale="100000" lnSpcReduction="0"/>
-          </a:bodyPr>
-          <a:lstStyle/>
-          <a:p>
-            <a:pPr/>
-            <a:r>
-              <a:t>Software and systems engineering</a:t>
-            </a:r>
-          </a:p>
-        </p:txBody>
-      </p:sp>
-      <p:sp>
-        <p:nvSpPr>
-          <p:cNvPr id="390" name="Paulo Borba…"/>
-          <p:cNvSpPr txBox="1"/>
-          <p:nvPr>
-            <p:ph type="subTitle" sz="quarter" idx="1"/>
-          </p:nvPr>
-        </p:nvSpPr>
-        <p:spPr>
-          <a:xfrm>
-            <a:off x="1270000" y="5029200"/>
-            <a:ext cx="10464800" cy="1816100"/>
-          </a:xfrm>
-          <a:prstGeom prst="rect">
-            <a:avLst/>
-          </a:prstGeom>
-        </p:spPr>
-        <p:txBody>
-          <a:bodyPr/>
-          <a:lstStyle/>
-          <a:p>
-            <a:pPr/>
-            <a:r>
-              <a:t>Paulo Borba</a:t>
-            </a:r>
-          </a:p>
-          <a:p>
-            <a:pPr/>
-            <a:r>
-              <a:t>Informatics Center</a:t>
-            </a:r>
-          </a:p>
-          <a:p>
-            <a:pPr/>
-            <a:r>
-              <a:t>Federal University of Pernambuco</a:t>
-            </a:r>
-          </a:p>
-        </p:txBody>
-      </p:sp>
-      <p:sp>
-        <p:nvSpPr>
-          <p:cNvPr id="391" name="pauloborba.cin.ufpe.br"/>
+            <a:r>
+              <a:t>Our society depends on software systems</a:t>
+            </a:r>
+          </a:p>
+        </p:txBody>
+      </p:sp>
+      <p:sp>
+        <p:nvSpPr>
+          <p:cNvPr id="246" name="Text"/>
           <p:cNvSpPr txBox="1"/>
           <p:nvPr/>
         </p:nvSpPr>
         <p:spPr>
           <a:xfrm>
-            <a:off x="2578100" y="8833826"/>
-            <a:ext cx="7848600" cy="482601"/>
+            <a:off x="9096895" y="8480213"/>
+            <a:ext cx="2730413" cy="487681"/>
           </a:xfrm>
           <a:prstGeom prst="rect">
             <a:avLst/>
@@ -10892,25 +12052,25 @@
           </a:ln>
           <a:extLst>
             <a:ext uri="{C572A759-6A51-4108-AA02-DFA0A04FC94B}">
-              <ma14:wrappingTextBoxFlag xmlns:ma14="http://schemas.microsoft.com/office/mac/drawingml/2011/main" val="1"/>
+              <ma14:wrappingTextBoxFlag xmlns:ma14="http://schemas.microsoft.com/office/mac/drawingml/2011/main" xmlns:a14="http://schemas.microsoft.com/office/drawing/2010/main" xmlns:m="http://schemas.openxmlformats.org/officeDocument/2006/math" xmlns="" val="1"/>
             </a:ext>
           </a:extLst>
         </p:spPr>
         <p:txBody>
-          <a:bodyPr lIns="50800" tIns="50800" rIns="50800" bIns="50800" anchor="ctr">
+          <a:bodyPr wrap="none" lIns="54186" tIns="54186" rIns="54186" bIns="54186" anchor="ctr">
             <a:spAutoFit/>
           </a:bodyPr>
           <a:lstStyle>
-            <a:lvl1pPr algn="ctr" defTabSz="584200">
-              <a:defRPr b="1" sz="2400" u="sng">
+            <a:lvl1pPr algn="ctr" defTabSz="406400">
+              <a:defRPr sz="2400" u="sng">
                 <a:solidFill>
-                  <a:srgbClr val="F3F9F6"/>
+                  <a:srgbClr val="FFFFFF"/>
                 </a:solidFill>
-                <a:latin typeface="Courier New"/>
-                <a:ea typeface="Courier New"/>
-                <a:cs typeface="Courier New"/>
-                <a:sym typeface="Courier New"/>
-                <a:hlinkClick r:id="rId2" invalidUrl="" action="" tgtFrame="" tooltip="" history="1" highlightClick="0" endSnd="0"/>
+                <a:latin typeface="+mn-lt"/>
+                <a:ea typeface="+mn-ea"/>
+                <a:cs typeface="+mn-cs"/>
+                <a:sym typeface="Gill Sans"/>
+                <a:hlinkClick r:id="rId3"/>
               </a:defRPr>
             </a:lvl1pPr>
           </a:lstStyle>
@@ -10920,182 +12080,23 @@
             </a:pPr>
             <a:r>
               <a:rPr u="sng">
-                <a:hlinkClick r:id="rId2" invalidUrl="" action="" tgtFrame="" tooltip="" history="1" highlightClick="0" endSnd="0"/>
+                <a:hlinkClick r:id="rId3"/>
               </a:rPr>
-              <a:t>pauloborba.cin.ufpe.br</a:t>
-            </a:r>
-          </a:p>
-        </p:txBody>
-      </p:sp>
-    </p:spTree>
-  </p:cSld>
-  <p:clrMapOvr>
-    <a:masterClrMapping/>
-  </p:clrMapOvr>
-  <p:transition xmlns:p14="http://schemas.microsoft.com/office/powerpoint/2010/main" spd="med" advClick="1"/>
-</p:sld>
-</file>
-
-<file path=ppt/slides/slide5.xml><?xml version="1.0" encoding="utf-8"?>
-<p:sld xmlns:a="http://schemas.openxmlformats.org/drawingml/2006/main" xmlns:r="http://schemas.openxmlformats.org/officeDocument/2006/relationships" xmlns:p="http://schemas.openxmlformats.org/presentationml/2006/main" xmlns:m="http://schemas.openxmlformats.org/officeDocument/2006/math" xmlns:a14="http://schemas.microsoft.com/office/drawing/2010/main" showMasterSp="1" showMasterPhAnim="1">
-  <p:cSld>
-    <p:spTree>
-      <p:nvGrpSpPr>
-        <p:cNvPr id="1" name=""/>
-        <p:cNvGrpSpPr/>
-        <p:nvPr/>
-      </p:nvGrpSpPr>
-      <p:grpSpPr>
-        <a:xfrm>
-          <a:off x="0" y="0"/>
-          <a:ext cx="0" cy="0"/>
-          <a:chOff x="0" y="0"/>
-          <a:chExt cx="0" cy="0"/>
-        </a:xfrm>
-      </p:grpSpPr>
-      <p:sp>
-        <p:nvSpPr>
-          <p:cNvPr id="240" name="System =…"/>
-          <p:cNvSpPr txBox="1"/>
-          <p:nvPr>
-            <p:ph type="title"/>
-          </p:nvPr>
-        </p:nvSpPr>
-        <p:spPr>
-          <a:xfrm>
-            <a:off x="1145902" y="521964"/>
-            <a:ext cx="10712997" cy="8709671"/>
-          </a:xfrm>
-          <a:prstGeom prst="rect">
-            <a:avLst/>
-          </a:prstGeom>
-        </p:spPr>
-        <p:txBody>
-          <a:bodyPr/>
-          <a:lstStyle/>
-          <a:p>
-            <a:pPr algn="l"/>
-            <a:r>
-              <a:rPr>
-                <a:solidFill>
-                  <a:srgbClr val="FFFDA9"/>
-                </a:solidFill>
-              </a:rPr>
-              <a:t>System</a:t>
-            </a:r>
-            <a:r>
-              <a:t> = </a:t>
-            </a:r>
-          </a:p>
-          <a:p>
-            <a:pPr algn="l"/>
-            <a:r>
-              <a:t>  </a:t>
-            </a:r>
-            <a:r>
-              <a:rPr>
-                <a:solidFill>
-                  <a:srgbClr val="FFFDA9"/>
-                </a:solidFill>
-              </a:rPr>
-              <a:t>Software</a:t>
-            </a:r>
-            <a:r>
-              <a:t> + </a:t>
-            </a:r>
-          </a:p>
-          <a:p>
-            <a:pPr algn="l"/>
-            <a:r>
-              <a:t>  People + Data + </a:t>
-            </a:r>
-          </a:p>
-          <a:p>
-            <a:pPr algn="l"/>
-            <a:r>
-              <a:t>  Hardware  </a:t>
-            </a:r>
-          </a:p>
-          <a:p>
-            <a:pPr algn="l"/>
-            <a:r>
-              <a:t>     (computers, sensors, </a:t>
-            </a:r>
-          </a:p>
-          <a:p>
-            <a:pPr algn="l"/>
-            <a:r>
-              <a:t>      phones, watches,  </a:t>
-            </a:r>
-          </a:p>
-          <a:p>
-            <a:pPr algn="l"/>
-            <a:r>
-              <a:t>      drones, etc.) </a:t>
-            </a:r>
-          </a:p>
-        </p:txBody>
-      </p:sp>
-    </p:spTree>
-  </p:cSld>
-  <p:clrMapOvr>
-    <a:masterClrMapping/>
-  </p:clrMapOvr>
-  <p:transition xmlns:p14="http://schemas.microsoft.com/office/powerpoint/2010/main" spd="med" advClick="1"/>
-</p:sld>
-</file>
-
-<file path=ppt/slides/slide6.xml><?xml version="1.0" encoding="utf-8"?>
-<p:sld xmlns:a="http://schemas.openxmlformats.org/drawingml/2006/main" xmlns:r="http://schemas.openxmlformats.org/officeDocument/2006/relationships" xmlns:p="http://schemas.openxmlformats.org/presentationml/2006/main" xmlns:m="http://schemas.openxmlformats.org/officeDocument/2006/math" xmlns:a14="http://schemas.microsoft.com/office/drawing/2010/main" showMasterSp="1" showMasterPhAnim="1">
-  <p:cSld>
-    <p:spTree>
-      <p:nvGrpSpPr>
-        <p:cNvPr id="1" name=""/>
-        <p:cNvGrpSpPr/>
-        <p:nvPr/>
-      </p:nvGrpSpPr>
-      <p:grpSpPr>
-        <a:xfrm>
-          <a:off x="0" y="0"/>
-          <a:ext cx="0" cy="0"/>
-          <a:chOff x="0" y="0"/>
-          <a:chExt cx="0" cy="0"/>
-        </a:xfrm>
-      </p:grpSpPr>
-      <p:sp>
-        <p:nvSpPr>
-          <p:cNvPr id="244" name="Our society depends on software systems"/>
-          <p:cNvSpPr txBox="1"/>
-          <p:nvPr>
-            <p:ph type="title"/>
-          </p:nvPr>
-        </p:nvSpPr>
-        <p:spPr>
-          <a:prstGeom prst="rect">
-            <a:avLst/>
-          </a:prstGeom>
-        </p:spPr>
-        <p:txBody>
-          <a:bodyPr/>
-          <a:lstStyle/>
-          <a:p>
-            <a:pPr/>
-            <a:r>
-              <a:t>Our society depends on software systems</a:t>
-            </a:r>
-          </a:p>
-        </p:txBody>
-      </p:sp>
-      <p:sp>
-        <p:nvSpPr>
-          <p:cNvPr id="245" name="Every year, billions of lines of code (LOC) are created or modified"/>
+              <a:t> </a:t>
+            </a:r>
+          </a:p>
+        </p:txBody>
+      </p:sp>
+      <p:sp>
+        <p:nvSpPr>
+          <p:cNvPr id="247" name="They are the basis of essential services, communication, entertainment, etc. and drive innovation"/>
           <p:cNvSpPr txBox="1"/>
           <p:nvPr/>
         </p:nvSpPr>
         <p:spPr>
           <a:xfrm>
-            <a:off x="4395221" y="6647119"/>
-            <a:ext cx="7586135" cy="2330028"/>
+            <a:off x="501608" y="3806752"/>
+            <a:ext cx="11358642" cy="3570378"/>
           </a:xfrm>
           <a:prstGeom prst="rect">
             <a:avLst/>
@@ -11105,12 +12106,12 @@
           </a:ln>
           <a:extLst>
             <a:ext uri="{C572A759-6A51-4108-AA02-DFA0A04FC94B}">
-              <ma14:wrappingTextBoxFlag xmlns:ma14="http://schemas.microsoft.com/office/mac/drawingml/2011/main" val="1"/>
+              <ma14:wrappingTextBoxFlag xmlns:ma14="http://schemas.microsoft.com/office/mac/drawingml/2011/main" xmlns:a14="http://schemas.microsoft.com/office/drawing/2010/main" xmlns:m="http://schemas.openxmlformats.org/officeDocument/2006/math" xmlns="" val="1"/>
             </a:ext>
           </a:extLst>
         </p:spPr>
         <p:txBody>
-          <a:bodyPr lIns="54186" tIns="54186" rIns="54186" bIns="54186" anchor="ctr">
+          <a:bodyPr wrap="square" lIns="54186" tIns="54186" rIns="54186" bIns="54186" anchor="ctr">
             <a:spAutoFit/>
           </a:bodyPr>
           <a:lstStyle>
@@ -11133,23 +12134,113 @@
             </a:lvl1pPr>
           </a:lstStyle>
           <a:p>
-            <a:pPr/>
-            <a:r>
-              <a:t>Every year, billions of lines of code (LOC) are created or modified</a:t>
-            </a:r>
-          </a:p>
-        </p:txBody>
-      </p:sp>
-      <p:sp>
-        <p:nvSpPr>
-          <p:cNvPr id="246" name="Text"/>
+            <a:pPr algn="ctr"/>
+            <a:r>
+              <a:t>They are the basis </a:t>
+            </a:r>
+            <a:r>
+              <a:rPr/>
+              <a:t>of </a:t>
+            </a:r>
+            <a:r>
+              <a:rPr smtClean="0"/>
+              <a:t>essential</a:t>
+            </a:r>
+            <a:r>
+              <a:rPr lang="en-US" dirty="0" smtClean="0"/>
+              <a:t> s</a:t>
+            </a:r>
+            <a:r>
+              <a:rPr smtClean="0"/>
+              <a:t>ervices,</a:t>
+            </a:r>
+            <a:r>
+              <a:rPr lang="en-US" dirty="0" smtClean="0"/>
+              <a:t> c</a:t>
+            </a:r>
+            <a:r>
+              <a:rPr smtClean="0"/>
+              <a:t>ommunication</a:t>
+            </a:r>
+            <a:r>
+              <a:t>, entertainment, etc</a:t>
+            </a:r>
+            <a:r>
+              <a:rPr/>
+              <a:t>. </a:t>
+            </a:r>
+            <a:endParaRPr/>
+          </a:p>
+        </p:txBody>
+      </p:sp>
+    </p:spTree>
+  </p:cSld>
+  <p:clrMapOvr>
+    <a:masterClrMapping/>
+  </p:clrMapOvr>
+  <p:transition spd="med"/>
+  <p:timing>
+    <p:tnLst>
+      <p:par>
+        <p:cTn id="1" dur="indefinite" restart="never" nodeType="tmRoot"/>
+      </p:par>
+    </p:tnLst>
+  </p:timing>
+</p:sld>
+</file>
+
+<file path=ppt/slides/slide6.xml><?xml version="1.0" encoding="utf-8"?>
+<p:sld xmlns:a="http://schemas.openxmlformats.org/drawingml/2006/main" xmlns:r="http://schemas.openxmlformats.org/officeDocument/2006/relationships" xmlns:p="http://schemas.openxmlformats.org/presentationml/2006/main">
+  <p:cSld>
+    <p:spTree>
+      <p:nvGrpSpPr>
+        <p:cNvPr id="1" name=""/>
+        <p:cNvGrpSpPr/>
+        <p:nvPr/>
+      </p:nvGrpSpPr>
+      <p:grpSpPr>
+        <a:xfrm>
+          <a:off x="0" y="0"/>
+          <a:ext cx="0" cy="0"/>
+          <a:chOff x="0" y="0"/>
+          <a:chExt cx="0" cy="0"/>
+        </a:xfrm>
+      </p:grpSpPr>
+      <p:sp>
+        <p:nvSpPr>
+          <p:cNvPr id="244" name="Our society depends on software systems"/>
+          <p:cNvSpPr txBox="1">
+            <a:spLocks noGrp="1"/>
+          </p:cNvSpPr>
+          <p:nvPr>
+            <p:ph type="title"/>
+          </p:nvPr>
+        </p:nvSpPr>
+        <p:spPr>
+          <a:prstGeom prst="rect">
+            <a:avLst/>
+          </a:prstGeom>
+        </p:spPr>
+        <p:txBody>
+          <a:bodyPr/>
+          <a:lstStyle/>
+          <a:p>
+            <a:r>
+              <a:t>Our society depends on software systems</a:t>
+            </a:r>
+          </a:p>
+        </p:txBody>
+      </p:sp>
+      <p:sp>
+        <p:nvSpPr>
+          <p:cNvPr id="245" name="Every year, billions of lines of code (LOC) are created or modified"/>
           <p:cNvSpPr txBox="1"/>
           <p:nvPr/>
         </p:nvSpPr>
         <p:spPr>
           <a:xfrm>
-            <a:off x="9096895" y="8480213"/>
-            <a:ext cx="2730413" cy="487681"/>
+            <a:off x="644484" y="4019544"/>
+            <a:ext cx="11765500" cy="2364920"/>
           </a:xfrm>
           <a:prstGeom prst="rect">
             <a:avLst/>
@@ -11159,66 +12250,12 @@
           </a:ln>
           <a:extLst>
             <a:ext uri="{C572A759-6A51-4108-AA02-DFA0A04FC94B}">
-              <ma14:wrappingTextBoxFlag xmlns:ma14="http://schemas.microsoft.com/office/mac/drawingml/2011/main" val="1"/>
+              <ma14:wrappingTextBoxFlag xmlns:ma14="http://schemas.microsoft.com/office/mac/drawingml/2011/main" xmlns:a14="http://schemas.microsoft.com/office/drawing/2010/main" xmlns:m="http://schemas.openxmlformats.org/officeDocument/2006/math" xmlns="" val="1"/>
             </a:ext>
           </a:extLst>
         </p:spPr>
         <p:txBody>
-          <a:bodyPr wrap="none" lIns="54186" tIns="54186" rIns="54186" bIns="54186" anchor="ctr">
-            <a:spAutoFit/>
-          </a:bodyPr>
-          <a:lstStyle>
-            <a:lvl1pPr algn="ctr" defTabSz="406400">
-              <a:defRPr sz="2400" u="sng">
-                <a:solidFill>
-                  <a:srgbClr val="FFFFFF"/>
-                </a:solidFill>
-                <a:latin typeface="+mn-lt"/>
-                <a:ea typeface="+mn-ea"/>
-                <a:cs typeface="+mn-cs"/>
-                <a:sym typeface="Gill Sans"/>
-                <a:hlinkClick r:id="rId3" invalidUrl="" action="" tgtFrame="" tooltip="" history="1" highlightClick="0" endSnd="0"/>
-              </a:defRPr>
-            </a:lvl1pPr>
-          </a:lstStyle>
-          <a:p>
-            <a:pPr>
-              <a:defRPr u="none"/>
-            </a:pPr>
-            <a:r>
-              <a:rPr u="sng">
-                <a:hlinkClick r:id="rId3" invalidUrl="" action="" tgtFrame="" tooltip="" history="1" highlightClick="0" endSnd="0"/>
-              </a:rPr>
-              <a:t> </a:t>
-            </a:r>
-          </a:p>
-        </p:txBody>
-      </p:sp>
-      <p:sp>
-        <p:nvSpPr>
-          <p:cNvPr id="247" name="They are the basis of essential services, communication, entertainment, etc. and drive innovation"/>
-          <p:cNvSpPr txBox="1"/>
-          <p:nvPr/>
-        </p:nvSpPr>
-        <p:spPr>
-          <a:xfrm>
-            <a:off x="3389394" y="3043867"/>
-            <a:ext cx="8553768" cy="3054774"/>
-          </a:xfrm>
-          <a:prstGeom prst="rect">
-            <a:avLst/>
-          </a:prstGeom>
-          <a:ln w="12700">
-            <a:miter lim="400000"/>
-          </a:ln>
-          <a:extLst>
-            <a:ext uri="{C572A759-6A51-4108-AA02-DFA0A04FC94B}">
-              <ma14:wrappingTextBoxFlag xmlns:ma14="http://schemas.microsoft.com/office/mac/drawingml/2011/main" val="1"/>
-            </a:ext>
-          </a:extLst>
-        </p:spPr>
-        <p:txBody>
-          <a:bodyPr lIns="54186" tIns="54186" rIns="54186" bIns="54186" anchor="ctr">
+          <a:bodyPr wrap="square" lIns="54186" tIns="54186" rIns="54186" bIns="54186" anchor="ctr">
             <a:spAutoFit/>
           </a:bodyPr>
           <a:lstStyle>
@@ -11241,9 +12278,63 @@
             </a:lvl1pPr>
           </a:lstStyle>
           <a:p>
-            <a:pPr/>
-            <a:r>
-              <a:t>They are the basis of essential services, communication, entertainment, etc. and drive innovation </a:t>
+            <a:pPr algn="ctr"/>
+            <a:r>
+              <a:t>Every year, billions of lines of code (LOC) are created or modified</a:t>
+            </a:r>
+          </a:p>
+        </p:txBody>
+      </p:sp>
+      <p:sp>
+        <p:nvSpPr>
+          <p:cNvPr id="246" name="Text"/>
+          <p:cNvSpPr txBox="1"/>
+          <p:nvPr/>
+        </p:nvSpPr>
+        <p:spPr>
+          <a:xfrm>
+            <a:off x="9096895" y="8480213"/>
+            <a:ext cx="2730413" cy="487681"/>
+          </a:xfrm>
+          <a:prstGeom prst="rect">
+            <a:avLst/>
+          </a:prstGeom>
+          <a:ln w="12700">
+            <a:miter lim="400000"/>
+          </a:ln>
+          <a:extLst>
+            <a:ext uri="{C572A759-6A51-4108-AA02-DFA0A04FC94B}">
+              <ma14:wrappingTextBoxFlag xmlns:ma14="http://schemas.microsoft.com/office/mac/drawingml/2011/main" xmlns:a14="http://schemas.microsoft.com/office/drawing/2010/main" xmlns:m="http://schemas.openxmlformats.org/officeDocument/2006/math" xmlns="" val="1"/>
+            </a:ext>
+          </a:extLst>
+        </p:spPr>
+        <p:txBody>
+          <a:bodyPr wrap="none" lIns="54186" tIns="54186" rIns="54186" bIns="54186" anchor="ctr">
+            <a:spAutoFit/>
+          </a:bodyPr>
+          <a:lstStyle>
+            <a:lvl1pPr algn="ctr" defTabSz="406400">
+              <a:defRPr sz="2400" u="sng">
+                <a:solidFill>
+                  <a:srgbClr val="FFFFFF"/>
+                </a:solidFill>
+                <a:latin typeface="+mn-lt"/>
+                <a:ea typeface="+mn-ea"/>
+                <a:cs typeface="+mn-cs"/>
+                <a:sym typeface="Gill Sans"/>
+                <a:hlinkClick r:id="rId3"/>
+              </a:defRPr>
+            </a:lvl1pPr>
+          </a:lstStyle>
+          <a:p>
+            <a:pPr>
+              <a:defRPr u="none"/>
+            </a:pPr>
+            <a:r>
+              <a:rPr u="sng">
+                <a:hlinkClick r:id="rId3"/>
+              </a:rPr>
+              <a:t> </a:t>
             </a:r>
           </a:p>
         </p:txBody>
@@ -11256,13 +12347,13 @@
         </p:nvSpPr>
         <p:spPr>
           <a:xfrm>
-            <a:off x="103110" y="7611794"/>
-            <a:ext cx="4305245" cy="2025305"/>
+            <a:off x="2358996" y="7305692"/>
+            <a:ext cx="4305245" cy="1739553"/>
           </a:xfrm>
           <a:prstGeom prst="wedgeEllipseCallout">
             <a:avLst>
-              <a:gd name="adj1" fmla="val 50917"/>
-              <a:gd name="adj2" fmla="val -51098"/>
+              <a:gd name="adj1" fmla="val 44566"/>
+              <a:gd name="adj2" fmla="val -82048"/>
             </a:avLst>
           </a:prstGeom>
           <a:blipFill>
@@ -11273,7 +12364,7 @@
           </a:ln>
           <a:extLst>
             <a:ext uri="{C572A759-6A51-4108-AA02-DFA0A04FC94B}">
-              <ma14:wrappingTextBoxFlag xmlns:ma14="http://schemas.microsoft.com/office/mac/drawingml/2011/main" val="1"/>
+              <ma14:wrappingTextBoxFlag xmlns:ma14="http://schemas.microsoft.com/office/mac/drawingml/2011/main" xmlns:a14="http://schemas.microsoft.com/office/drawing/2010/main" xmlns:m="http://schemas.openxmlformats.org/officeDocument/2006/math" xmlns="" val="1"/>
             </a:ext>
           </a:extLst>
         </p:spPr>
@@ -11287,7 +12378,7 @@
                   <a:srgbClr val="FFFFFF"/>
                 </a:solidFill>
                 <a:effectLst>
-                  <a:outerShdw sx="100000" sy="100000" kx="0" ky="0" algn="b" rotWithShape="0" blurRad="38100" dist="12700" dir="5400000">
+                  <a:outerShdw blurRad="38100" dist="12700" dir="5400000" rotWithShape="0">
                     <a:srgbClr val="000000">
                       <a:alpha val="50000"/>
                     </a:srgbClr>
@@ -11300,6 +12391,7 @@
               </a:defRPr>
             </a:pPr>
             <a:r>
+              <a:rPr sz="2400"/>
               <a:t>Volvo car &gt; 50 MLOC</a:t>
             </a:r>
           </a:p>
@@ -11310,7 +12402,7 @@
                   <a:srgbClr val="FFFFFF"/>
                 </a:solidFill>
                 <a:effectLst>
-                  <a:outerShdw sx="100000" sy="100000" kx="0" ky="0" algn="b" rotWithShape="0" blurRad="38100" dist="12700" dir="5400000">
+                  <a:outerShdw blurRad="38100" dist="12700" dir="5400000" rotWithShape="0">
                     <a:srgbClr val="000000">
                       <a:alpha val="50000"/>
                     </a:srgbClr>
@@ -11323,6 +12415,7 @@
               </a:defRPr>
             </a:pPr>
             <a:r>
+              <a:rPr sz="2400"/>
               <a:t>A380 &gt; 100 MLOC</a:t>
             </a:r>
           </a:p>
@@ -11333,12 +12426,19 @@
   <p:clrMapOvr>
     <a:masterClrMapping/>
   </p:clrMapOvr>
-  <p:transition xmlns:p14="http://schemas.microsoft.com/office/powerpoint/2010/main" spd="med" advClick="1"/>
+  <p:transition spd="med"/>
+  <p:timing>
+    <p:tnLst>
+      <p:par>
+        <p:cTn id="1" dur="indefinite" restart="never" nodeType="tmRoot"/>
+      </p:par>
+    </p:tnLst>
+  </p:timing>
 </p:sld>
 </file>
 
 <file path=ppt/slides/slide7.xml><?xml version="1.0" encoding="utf-8"?>
-<p:sld xmlns:a="http://schemas.openxmlformats.org/drawingml/2006/main" xmlns:r="http://schemas.openxmlformats.org/officeDocument/2006/relationships" xmlns:p="http://schemas.openxmlformats.org/presentationml/2006/main" xmlns:m="http://schemas.openxmlformats.org/officeDocument/2006/math" xmlns:a14="http://schemas.microsoft.com/office/drawing/2010/main" showMasterSp="1" showMasterPhAnim="1">
+<p:sld xmlns:a="http://schemas.openxmlformats.org/drawingml/2006/main" xmlns:r="http://schemas.openxmlformats.org/officeDocument/2006/relationships" xmlns:p="http://schemas.openxmlformats.org/presentationml/2006/main">
   <p:cSld>
     <p:spTree>
       <p:nvGrpSpPr>
@@ -11373,7 +12473,7 @@
           </a:ln>
           <a:extLst>
             <a:ext uri="{C572A759-6A51-4108-AA02-DFA0A04FC94B}">
-              <ma14:wrappingTextBoxFlag xmlns:ma14="http://schemas.microsoft.com/office/mac/drawingml/2011/main" val="1"/>
+              <ma14:wrappingTextBoxFlag xmlns:ma14="http://schemas.microsoft.com/office/mac/drawingml/2011/main" xmlns:a14="http://schemas.microsoft.com/office/drawing/2010/main" xmlns:m="http://schemas.openxmlformats.org/officeDocument/2006/math" xmlns="" val="1"/>
             </a:ext>
           </a:extLst>
         </p:spPr>
@@ -11435,7 +12535,9 @@
       <p:sp>
         <p:nvSpPr>
           <p:cNvPr id="253" name="Software and systems engineering is concerned with…"/>
-          <p:cNvSpPr txBox="1"/>
+          <p:cNvSpPr txBox="1">
+            <a:spLocks noGrp="1"/>
+          </p:cNvSpPr>
           <p:nvPr>
             <p:ph type="title"/>
           </p:nvPr>
@@ -11453,7 +12555,6 @@
             </a:lvl1pPr>
           </a:lstStyle>
           <a:p>
-            <a:pPr/>
             <a:r>
               <a:t>Software and systems engineering is concerned with…</a:t>
             </a:r>
@@ -11465,12 +12566,19 @@
   <p:clrMapOvr>
     <a:masterClrMapping/>
   </p:clrMapOvr>
-  <p:transition xmlns:p14="http://schemas.microsoft.com/office/powerpoint/2010/main" spd="med" advClick="1"/>
+  <p:transition spd="med"/>
+  <p:timing>
+    <p:tnLst>
+      <p:par>
+        <p:cTn id="1" dur="indefinite" restart="never" nodeType="tmRoot"/>
+      </p:par>
+    </p:tnLst>
+  </p:timing>
 </p:sld>
 </file>
 
 <file path=ppt/slides/slide8.xml><?xml version="1.0" encoding="utf-8"?>
-<p:sld xmlns:a="http://schemas.openxmlformats.org/drawingml/2006/main" xmlns:r="http://schemas.openxmlformats.org/officeDocument/2006/relationships" xmlns:p="http://schemas.openxmlformats.org/presentationml/2006/main" xmlns:m="http://schemas.openxmlformats.org/officeDocument/2006/math" xmlns:a14="http://schemas.microsoft.com/office/drawing/2010/main" showMasterSp="1" showMasterPhAnim="1">
+<p:sld xmlns:a="http://schemas.openxmlformats.org/drawingml/2006/main" xmlns:r="http://schemas.openxmlformats.org/officeDocument/2006/relationships" xmlns:p="http://schemas.openxmlformats.org/presentationml/2006/main">
   <p:cSld>
     <p:spTree>
       <p:nvGrpSpPr>
@@ -11489,14 +12597,16 @@
       <p:sp>
         <p:nvSpPr>
           <p:cNvPr id="257" name="Professional software and systems development"/>
-          <p:cNvSpPr txBox="1"/>
+          <p:cNvSpPr txBox="1">
+            <a:spLocks noGrp="1"/>
+          </p:cNvSpPr>
           <p:nvPr>
             <p:ph type="title"/>
           </p:nvPr>
         </p:nvSpPr>
         <p:spPr>
           <a:xfrm>
-            <a:off x="843459" y="254000"/>
+            <a:off x="843459" y="661958"/>
             <a:ext cx="11317883" cy="2438401"/>
           </a:xfrm>
           <a:prstGeom prst="rect">
@@ -11507,7 +12617,6 @@
           <a:bodyPr/>
           <a:lstStyle/>
           <a:p>
-            <a:pPr/>
             <a:r>
               <a:t>Professional software and systems development</a:t>
             </a:r>
@@ -11532,7 +12641,7 @@
         </p:blipFill>
         <p:spPr>
           <a:xfrm>
-            <a:off x="1904088" y="5083104"/>
+            <a:off x="1930368" y="5448304"/>
             <a:ext cx="2247586" cy="1688187"/>
           </a:xfrm>
           <a:prstGeom prst="rect">
@@ -11551,7 +12660,7 @@
         </p:nvSpPr>
         <p:spPr>
           <a:xfrm>
-            <a:off x="1251096" y="6751716"/>
+            <a:off x="1215988" y="7234254"/>
             <a:ext cx="3553570" cy="279401"/>
           </a:xfrm>
           <a:prstGeom prst="rect">
@@ -11562,7 +12671,7 @@
           </a:ln>
           <a:extLst>
             <a:ext uri="{C572A759-6A51-4108-AA02-DFA0A04FC94B}">
-              <ma14:wrappingTextBoxFlag xmlns:ma14="http://schemas.microsoft.com/office/mac/drawingml/2011/main" val="1"/>
+              <ma14:wrappingTextBoxFlag xmlns:ma14="http://schemas.microsoft.com/office/mac/drawingml/2011/main" xmlns:a14="http://schemas.microsoft.com/office/drawing/2010/main" xmlns:m="http://schemas.openxmlformats.org/officeDocument/2006/math" xmlns="" val="1"/>
             </a:ext>
           </a:extLst>
         </p:spPr>
@@ -11576,7 +12685,7 @@
                 <a:solidFill>
                   <a:srgbClr val="FFFFFF"/>
                 </a:solidFill>
-                <a:hlinkClick r:id="rId4" invalidUrl="" action="" tgtFrame="" tooltip="" history="1" highlightClick="0" endSnd="0"/>
+                <a:hlinkClick r:id="rId4"/>
               </a:defRPr>
             </a:lvl1pPr>
           </a:lstStyle>
@@ -11586,7 +12695,7 @@
             </a:pPr>
             <a:r>
               <a:rPr u="sng">
-                <a:hlinkClick r:id="rId4" invalidUrl="" action="" tgtFrame="" tooltip="" history="1" highlightClick="0" endSnd="0"/>
+                <a:hlinkClick r:id="rId4"/>
               </a:rPr>
               <a:t>http://www.home-dzine.co.za/diy/diy-doghouse.htm</a:t>
             </a:r>
@@ -11611,8 +12720,8 @@
         </p:blipFill>
         <p:spPr>
           <a:xfrm>
-            <a:off x="7069134" y="3025895"/>
-            <a:ext cx="4036365" cy="6062431"/>
+            <a:off x="7069135" y="4038225"/>
+            <a:ext cx="3362356" cy="5050101"/>
           </a:xfrm>
           <a:prstGeom prst="rect">
             <a:avLst/>
@@ -11630,7 +12739,7 @@
         </p:nvSpPr>
         <p:spPr>
           <a:xfrm>
-            <a:off x="7987242" y="9094005"/>
+            <a:off x="7645408" y="9091642"/>
             <a:ext cx="2494509" cy="279401"/>
           </a:xfrm>
           <a:prstGeom prst="rect">
@@ -11641,7 +12750,7 @@
           </a:ln>
           <a:extLst>
             <a:ext uri="{C572A759-6A51-4108-AA02-DFA0A04FC94B}">
-              <ma14:wrappingTextBoxFlag xmlns:ma14="http://schemas.microsoft.com/office/mac/drawingml/2011/main" val="1"/>
+              <ma14:wrappingTextBoxFlag xmlns:ma14="http://schemas.microsoft.com/office/mac/drawingml/2011/main" xmlns:a14="http://schemas.microsoft.com/office/drawing/2010/main" xmlns:m="http://schemas.openxmlformats.org/officeDocument/2006/math" xmlns="" val="1"/>
             </a:ext>
           </a:extLst>
         </p:spPr>
@@ -11655,7 +12764,7 @@
                 <a:solidFill>
                   <a:srgbClr val="FFFFFF"/>
                 </a:solidFill>
-                <a:hlinkClick r:id="rId6" invalidUrl="" action="" tgtFrame="" tooltip="" history="1" highlightClick="0" endSnd="0"/>
+                <a:hlinkClick r:id="rId6"/>
               </a:defRPr>
             </a:lvl1pPr>
           </a:lstStyle>
@@ -11665,7 +12774,7 @@
             </a:pPr>
             <a:r>
               <a:rPr u="sng">
-                <a:hlinkClick r:id="rId6" invalidUrl="" action="" tgtFrame="" tooltip="" history="1" highlightClick="0" endSnd="0"/>
+                <a:hlinkClick r:id="rId6"/>
               </a:rPr>
               <a:t>http://silviarangel.wix.com/fotografa</a:t>
             </a:r>
@@ -11677,12 +12786,19 @@
   <p:clrMapOvr>
     <a:masterClrMapping/>
   </p:clrMapOvr>
-  <p:transition xmlns:p14="http://schemas.microsoft.com/office/powerpoint/2010/main" spd="med" advClick="1"/>
+  <p:transition spd="med"/>
+  <p:timing>
+    <p:tnLst>
+      <p:par>
+        <p:cTn id="1" dur="indefinite" restart="never" nodeType="tmRoot"/>
+      </p:par>
+    </p:tnLst>
+  </p:timing>
 </p:sld>
 </file>
 
 <file path=ppt/slides/slide9.xml><?xml version="1.0" encoding="utf-8"?>
-<p:sld xmlns:a="http://schemas.openxmlformats.org/drawingml/2006/main" xmlns:r="http://schemas.openxmlformats.org/officeDocument/2006/relationships" xmlns:p="http://schemas.openxmlformats.org/presentationml/2006/main" xmlns:m="http://schemas.openxmlformats.org/officeDocument/2006/math" xmlns:a14="http://schemas.microsoft.com/office/drawing/2010/main" showMasterSp="1" showMasterPhAnim="1">
+<p:sld xmlns:a="http://schemas.openxmlformats.org/drawingml/2006/main" xmlns:r="http://schemas.openxmlformats.org/officeDocument/2006/relationships" xmlns:p="http://schemas.openxmlformats.org/presentationml/2006/main">
   <p:cSld>
     <p:spTree>
       <p:nvGrpSpPr>
@@ -11701,7 +12817,9 @@
       <p:sp>
         <p:nvSpPr>
           <p:cNvPr id="265" name="It’s not about small versus large"/>
-          <p:cNvSpPr txBox="1"/>
+          <p:cNvSpPr txBox="1">
+            <a:spLocks noGrp="1"/>
+          </p:cNvSpPr>
           <p:nvPr>
             <p:ph type="title"/>
           </p:nvPr>
@@ -11719,7 +12837,6 @@
           <a:bodyPr/>
           <a:lstStyle/>
           <a:p>
-            <a:pPr/>
             <a:r>
               <a:t>It’s not about small versus large</a:t>
             </a:r>
@@ -11774,7 +12891,7 @@
           </a:ln>
           <a:extLst>
             <a:ext uri="{C572A759-6A51-4108-AA02-DFA0A04FC94B}">
-              <ma14:wrappingTextBoxFlag xmlns:ma14="http://schemas.microsoft.com/office/mac/drawingml/2011/main" val="1"/>
+              <ma14:wrappingTextBoxFlag xmlns:ma14="http://schemas.microsoft.com/office/mac/drawingml/2011/main" xmlns:a14="http://schemas.microsoft.com/office/drawing/2010/main" xmlns:m="http://schemas.openxmlformats.org/officeDocument/2006/math" xmlns="" val="1"/>
             </a:ext>
           </a:extLst>
         </p:spPr>
@@ -11788,7 +12905,7 @@
                 <a:solidFill>
                   <a:srgbClr val="FFFFFF"/>
                 </a:solidFill>
-                <a:hlinkClick r:id="rId4" invalidUrl="" action="" tgtFrame="" tooltip="" history="1" highlightClick="0" endSnd="0"/>
+                <a:hlinkClick r:id="rId4"/>
               </a:defRPr>
             </a:lvl1pPr>
           </a:lstStyle>
@@ -11798,7 +12915,7 @@
             </a:pPr>
             <a:r>
               <a:rPr u="sng">
-                <a:hlinkClick r:id="rId4" invalidUrl="" action="" tgtFrame="" tooltip="" history="1" highlightClick="0" endSnd="0"/>
+                <a:hlinkClick r:id="rId4"/>
               </a:rPr>
               <a:t>http://transmissionsmedia.com/the-inexplicable-precision-in-the-construction-of-the-great-pyramid-at-giza/</a:t>
             </a:r>
@@ -11810,12 +12927,19 @@
   <p:clrMapOvr>
     <a:masterClrMapping/>
   </p:clrMapOvr>
-  <p:transition xmlns:p14="http://schemas.microsoft.com/office/powerpoint/2010/main" spd="med" advClick="1"/>
+  <p:transition spd="med"/>
+  <p:timing>
+    <p:tnLst>
+      <p:par>
+        <p:cTn id="1" dur="indefinite" restart="never" nodeType="tmRoot"/>
+      </p:par>
+    </p:tnLst>
+  </p:timing>
 </p:sld>
 </file>
 
 <file path=ppt/theme/theme1.xml><?xml version="1.0" encoding="utf-8"?>
-<a:theme xmlns:a="http://schemas.openxmlformats.org/drawingml/2006/main" xmlns:r="http://schemas.openxmlformats.org/officeDocument/2006/relationships" name="Black">
+<a:theme xmlns:a="http://schemas.openxmlformats.org/drawingml/2006/main" name="Black">
   <a:themeElements>
     <a:clrScheme name="Black">
       <a:dk1>
@@ -12005,8 +13129,8 @@
     <a:spDef>
       <a:spPr>
         <a:blipFill rotWithShape="1">
-          <a:blip r:embed="rId1"/>
-          <a:srcRect l="0" t="0" r="0" b="0"/>
+          <a:blip xmlns:r="http://schemas.openxmlformats.org/officeDocument/2006/relationships" r:embed="rId1"/>
+          <a:srcRect/>
           <a:tile tx="0" ty="0" sx="100000" sy="100000" flip="none" algn="tl"/>
         </a:blipFill>
         <a:ln w="12700" cap="flat">
@@ -12016,7 +13140,7 @@
         <a:effectLst/>
         <a:sp3d/>
       </a:spPr>
-      <a:bodyPr rot="0" spcFirstLastPara="1" vertOverflow="overflow" horzOverflow="overflow" vert="horz" wrap="square" lIns="50800" tIns="50800" rIns="50800" bIns="50800" numCol="1" spcCol="38100" rtlCol="0" anchor="ctr" upright="0">
+      <a:bodyPr rot="0" spcFirstLastPara="1" vertOverflow="overflow" horzOverflow="overflow" vert="horz" wrap="square" lIns="50800" tIns="50800" rIns="50800" bIns="50800" numCol="1" spcCol="38100" rtlCol="0" anchor="ctr">
         <a:spAutoFit/>
       </a:bodyPr>
       <a:lstStyle>
@@ -12035,7 +13159,7 @@
           <a:buFontTx/>
           <a:buNone/>
           <a:tabLst/>
-          <a:defRPr b="0" baseline="0" cap="none" i="0" spc="0" strike="noStrike" sz="3000" u="none" kumimoji="0" normalizeH="0">
+          <a:defRPr kumimoji="0" sz="3000" b="0" i="0" u="none" strike="noStrike" cap="none" spc="0" normalizeH="0" baseline="0">
             <a:ln>
               <a:noFill/>
             </a:ln>
@@ -12043,7 +13167,7 @@
               <a:srgbClr val="FFFFFF"/>
             </a:solidFill>
             <a:effectLst>
-              <a:outerShdw sx="100000" sy="100000" kx="0" ky="0" algn="b" rotWithShape="0" blurRad="38100" dist="12700" dir="5400000">
+              <a:outerShdw blurRad="38100" dist="12700" dir="5400000" rotWithShape="0">
                 <a:srgbClr val="000000">
                   <a:alpha val="50000"/>
                 </a:srgbClr>
@@ -12071,7 +13195,7 @@
           <a:buFontTx/>
           <a:buNone/>
           <a:tabLst/>
-          <a:defRPr b="0" baseline="0" cap="none" i="0" spc="0" strike="noStrike" sz="1800" u="none" kumimoji="0" normalizeH="0">
+          <a:defRPr kumimoji="0" sz="1800" b="0" i="0" u="none" strike="noStrike" cap="none" spc="0" normalizeH="0" baseline="0">
             <a:ln>
               <a:noFill/>
             </a:ln>
@@ -12097,7 +13221,7 @@
           <a:buFontTx/>
           <a:buNone/>
           <a:tabLst/>
-          <a:defRPr b="0" baseline="0" cap="none" i="0" spc="0" strike="noStrike" sz="1800" u="none" kumimoji="0" normalizeH="0">
+          <a:defRPr kumimoji="0" sz="1800" b="0" i="0" u="none" strike="noStrike" cap="none" spc="0" normalizeH="0" baseline="0">
             <a:ln>
               <a:noFill/>
             </a:ln>
@@ -12123,7 +13247,7 @@
           <a:buFontTx/>
           <a:buNone/>
           <a:tabLst/>
-          <a:defRPr b="0" baseline="0" cap="none" i="0" spc="0" strike="noStrike" sz="1800" u="none" kumimoji="0" normalizeH="0">
+          <a:defRPr kumimoji="0" sz="1800" b="0" i="0" u="none" strike="noStrike" cap="none" spc="0" normalizeH="0" baseline="0">
             <a:ln>
               <a:noFill/>
             </a:ln>
@@ -12149,7 +13273,7 @@
           <a:buFontTx/>
           <a:buNone/>
           <a:tabLst/>
-          <a:defRPr b="0" baseline="0" cap="none" i="0" spc="0" strike="noStrike" sz="1800" u="none" kumimoji="0" normalizeH="0">
+          <a:defRPr kumimoji="0" sz="1800" b="0" i="0" u="none" strike="noStrike" cap="none" spc="0" normalizeH="0" baseline="0">
             <a:ln>
               <a:noFill/>
             </a:ln>
@@ -12175,7 +13299,7 @@
           <a:buFontTx/>
           <a:buNone/>
           <a:tabLst/>
-          <a:defRPr b="0" baseline="0" cap="none" i="0" spc="0" strike="noStrike" sz="1800" u="none" kumimoji="0" normalizeH="0">
+          <a:defRPr kumimoji="0" sz="1800" b="0" i="0" u="none" strike="noStrike" cap="none" spc="0" normalizeH="0" baseline="0">
             <a:ln>
               <a:noFill/>
             </a:ln>
@@ -12201,7 +13325,7 @@
           <a:buFontTx/>
           <a:buNone/>
           <a:tabLst/>
-          <a:defRPr b="0" baseline="0" cap="none" i="0" spc="0" strike="noStrike" sz="1800" u="none" kumimoji="0" normalizeH="0">
+          <a:defRPr kumimoji="0" sz="1800" b="0" i="0" u="none" strike="noStrike" cap="none" spc="0" normalizeH="0" baseline="0">
             <a:ln>
               <a:noFill/>
             </a:ln>
@@ -12227,7 +13351,7 @@
           <a:buFontTx/>
           <a:buNone/>
           <a:tabLst/>
-          <a:defRPr b="0" baseline="0" cap="none" i="0" spc="0" strike="noStrike" sz="1800" u="none" kumimoji="0" normalizeH="0">
+          <a:defRPr kumimoji="0" sz="1800" b="0" i="0" u="none" strike="noStrike" cap="none" spc="0" normalizeH="0" baseline="0">
             <a:ln>
               <a:noFill/>
             </a:ln>
@@ -12253,7 +13377,7 @@
           <a:buFontTx/>
           <a:buNone/>
           <a:tabLst/>
-          <a:defRPr b="0" baseline="0" cap="none" i="0" spc="0" strike="noStrike" sz="1800" u="none" kumimoji="0" normalizeH="0">
+          <a:defRPr kumimoji="0" sz="1800" b="0" i="0" u="none" strike="noStrike" cap="none" spc="0" normalizeH="0" baseline="0">
             <a:ln>
               <a:noFill/>
             </a:ln>
@@ -12279,7 +13403,7 @@
           <a:buFontTx/>
           <a:buNone/>
           <a:tabLst/>
-          <a:defRPr b="0" baseline="0" cap="none" i="0" spc="0" strike="noStrike" sz="1800" u="none" kumimoji="0" normalizeH="0">
+          <a:defRPr kumimoji="0" sz="1800" b="0" i="0" u="none" strike="noStrike" cap="none" spc="0" normalizeH="0" baseline="0">
             <a:ln>
               <a:noFill/>
             </a:ln>
@@ -12292,9 +13416,15 @@
         </a:lvl9pPr>
       </a:lstStyle>
       <a:style>
-        <a:lnRef idx="0"/>
-        <a:fillRef idx="0"/>
-        <a:effectRef idx="0"/>
+        <a:lnRef idx="0">
+          <a:scrgbClr r="0" g="0" b="0"/>
+        </a:lnRef>
+        <a:fillRef idx="0">
+          <a:scrgbClr r="0" g="0" b="0"/>
+        </a:fillRef>
+        <a:effectRef idx="0">
+          <a:scrgbClr r="0" g="0" b="0"/>
+        </a:effectRef>
         <a:fontRef idx="none"/>
       </a:style>
     </a:spDef>
@@ -12311,7 +13441,7 @@
         <a:effectLst/>
         <a:sp3d/>
       </a:spPr>
-      <a:bodyPr rot="0" spcFirstLastPara="1" vertOverflow="overflow" horzOverflow="overflow" vert="horz" wrap="square" lIns="91439" tIns="45719" rIns="91439" bIns="45719" numCol="1" spcCol="38100" rtlCol="0" anchor="t" upright="0">
+      <a:bodyPr rot="0" spcFirstLastPara="1" vertOverflow="overflow" horzOverflow="overflow" vert="horz" wrap="square" lIns="91439" tIns="45719" rIns="91439" bIns="45719" numCol="1" spcCol="38100" rtlCol="0" anchor="t">
         <a:noAutofit/>
       </a:bodyPr>
       <a:lstStyle>
@@ -12330,7 +13460,7 @@
           <a:buFontTx/>
           <a:buNone/>
           <a:tabLst/>
-          <a:defRPr b="0" baseline="0" cap="none" i="0" spc="0" strike="noStrike" sz="1800" u="none" kumimoji="0" normalizeH="0">
+          <a:defRPr kumimoji="0" sz="1800" b="0" i="0" u="none" strike="noStrike" cap="none" spc="0" normalizeH="0" baseline="0">
             <a:ln>
               <a:noFill/>
             </a:ln>
@@ -12356,7 +13486,7 @@
           <a:buFontTx/>
           <a:buNone/>
           <a:tabLst/>
-          <a:defRPr b="0" baseline="0" cap="none" i="0" spc="0" strike="noStrike" sz="1800" u="none" kumimoji="0" normalizeH="0">
+          <a:defRPr kumimoji="0" sz="1800" b="0" i="0" u="none" strike="noStrike" cap="none" spc="0" normalizeH="0" baseline="0">
             <a:ln>
               <a:noFill/>
             </a:ln>
@@ -12382,7 +13512,7 @@
           <a:buFontTx/>
           <a:buNone/>
           <a:tabLst/>
-          <a:defRPr b="0" baseline="0" cap="none" i="0" spc="0" strike="noStrike" sz="1800" u="none" kumimoji="0" normalizeH="0">
+          <a:defRPr kumimoji="0" sz="1800" b="0" i="0" u="none" strike="noStrike" cap="none" spc="0" normalizeH="0" baseline="0">
             <a:ln>
               <a:noFill/>
             </a:ln>
@@ -12408,7 +13538,7 @@
           <a:buFontTx/>
           <a:buNone/>
           <a:tabLst/>
-          <a:defRPr b="0" baseline="0" cap="none" i="0" spc="0" strike="noStrike" sz="1800" u="none" kumimoji="0" normalizeH="0">
+          <a:defRPr kumimoji="0" sz="1800" b="0" i="0" u="none" strike="noStrike" cap="none" spc="0" normalizeH="0" baseline="0">
             <a:ln>
               <a:noFill/>
             </a:ln>
@@ -12434,7 +13564,7 @@
           <a:buFontTx/>
           <a:buNone/>
           <a:tabLst/>
-          <a:defRPr b="0" baseline="0" cap="none" i="0" spc="0" strike="noStrike" sz="1800" u="none" kumimoji="0" normalizeH="0">
+          <a:defRPr kumimoji="0" sz="1800" b="0" i="0" u="none" strike="noStrike" cap="none" spc="0" normalizeH="0" baseline="0">
             <a:ln>
               <a:noFill/>
             </a:ln>
@@ -12460,7 +13590,7 @@
           <a:buFontTx/>
           <a:buNone/>
           <a:tabLst/>
-          <a:defRPr b="0" baseline="0" cap="none" i="0" spc="0" strike="noStrike" sz="1800" u="none" kumimoji="0" normalizeH="0">
+          <a:defRPr kumimoji="0" sz="1800" b="0" i="0" u="none" strike="noStrike" cap="none" spc="0" normalizeH="0" baseline="0">
             <a:ln>
               <a:noFill/>
             </a:ln>
@@ -12486,7 +13616,7 @@
           <a:buFontTx/>
           <a:buNone/>
           <a:tabLst/>
-          <a:defRPr b="0" baseline="0" cap="none" i="0" spc="0" strike="noStrike" sz="1800" u="none" kumimoji="0" normalizeH="0">
+          <a:defRPr kumimoji="0" sz="1800" b="0" i="0" u="none" strike="noStrike" cap="none" spc="0" normalizeH="0" baseline="0">
             <a:ln>
               <a:noFill/>
             </a:ln>
@@ -12512,7 +13642,7 @@
           <a:buFontTx/>
           <a:buNone/>
           <a:tabLst/>
-          <a:defRPr b="0" baseline="0" cap="none" i="0" spc="0" strike="noStrike" sz="1800" u="none" kumimoji="0" normalizeH="0">
+          <a:defRPr kumimoji="0" sz="1800" b="0" i="0" u="none" strike="noStrike" cap="none" spc="0" normalizeH="0" baseline="0">
             <a:ln>
               <a:noFill/>
             </a:ln>
@@ -12538,7 +13668,7 @@
           <a:buFontTx/>
           <a:buNone/>
           <a:tabLst/>
-          <a:defRPr b="0" baseline="0" cap="none" i="0" spc="0" strike="noStrike" sz="1800" u="none" kumimoji="0" normalizeH="0">
+          <a:defRPr kumimoji="0" sz="1800" b="0" i="0" u="none" strike="noStrike" cap="none" spc="0" normalizeH="0" baseline="0">
             <a:ln>
               <a:noFill/>
             </a:ln>
@@ -12564,7 +13694,7 @@
           <a:buFontTx/>
           <a:buNone/>
           <a:tabLst/>
-          <a:defRPr b="0" baseline="0" cap="none" i="0" spc="0" strike="noStrike" sz="1800" u="none" kumimoji="0" normalizeH="0">
+          <a:defRPr kumimoji="0" sz="1800" b="0" i="0" u="none" strike="noStrike" cap="none" spc="0" normalizeH="0" baseline="0">
             <a:ln>
               <a:noFill/>
             </a:ln>
@@ -12577,9 +13707,15 @@
         </a:lvl9pPr>
       </a:lstStyle>
       <a:style>
-        <a:lnRef idx="0"/>
-        <a:fillRef idx="0"/>
-        <a:effectRef idx="0"/>
+        <a:lnRef idx="0">
+          <a:scrgbClr r="0" g="0" b="0"/>
+        </a:lnRef>
+        <a:fillRef idx="0">
+          <a:scrgbClr r="0" g="0" b="0"/>
+        </a:fillRef>
+        <a:effectRef idx="0">
+          <a:scrgbClr r="0" g="0" b="0"/>
+        </a:effectRef>
         <a:fontRef idx="none"/>
       </a:style>
     </a:lnDef>
@@ -12593,7 +13729,7 @@
         <a:effectLst/>
         <a:sp3d/>
       </a:spPr>
-      <a:bodyPr rot="0" spcFirstLastPara="1" vertOverflow="overflow" horzOverflow="overflow" vert="horz" wrap="square" lIns="50800" tIns="50800" rIns="50800" bIns="50800" numCol="1" spcCol="38100" rtlCol="0" anchor="ctr" upright="0">
+      <a:bodyPr rot="0" spcFirstLastPara="1" vertOverflow="overflow" horzOverflow="overflow" vert="horz" wrap="square" lIns="50800" tIns="50800" rIns="50800" bIns="50800" numCol="1" spcCol="38100" rtlCol="0" anchor="ctr">
         <a:spAutoFit/>
       </a:bodyPr>
       <a:lstStyle>
@@ -12612,7 +13748,7 @@
           <a:buFontTx/>
           <a:buNone/>
           <a:tabLst/>
-          <a:defRPr b="0" baseline="0" cap="none" i="0" spc="0" strike="noStrike" sz="1200" u="none" kumimoji="0" normalizeH="0">
+          <a:defRPr kumimoji="0" sz="1200" b="0" i="0" u="none" strike="noStrike" cap="none" spc="0" normalizeH="0" baseline="0">
             <a:ln>
               <a:noFill/>
             </a:ln>
@@ -12642,7 +13778,7 @@
           <a:buFontTx/>
           <a:buNone/>
           <a:tabLst/>
-          <a:defRPr b="0" baseline="0" cap="none" i="0" spc="0" strike="noStrike" sz="1800" u="none" kumimoji="0" normalizeH="0">
+          <a:defRPr kumimoji="0" sz="1800" b="0" i="0" u="none" strike="noStrike" cap="none" spc="0" normalizeH="0" baseline="0">
             <a:ln>
               <a:noFill/>
             </a:ln>
@@ -12668,7 +13804,7 @@
           <a:buFontTx/>
           <a:buNone/>
           <a:tabLst/>
-          <a:defRPr b="0" baseline="0" cap="none" i="0" spc="0" strike="noStrike" sz="1800" u="none" kumimoji="0" normalizeH="0">
+          <a:defRPr kumimoji="0" sz="1800" b="0" i="0" u="none" strike="noStrike" cap="none" spc="0" normalizeH="0" baseline="0">
             <a:ln>
               <a:noFill/>
             </a:ln>
@@ -12694,7 +13830,7 @@
           <a:buFontTx/>
           <a:buNone/>
           <a:tabLst/>
-          <a:defRPr b="0" baseline="0" cap="none" i="0" spc="0" strike="noStrike" sz="1800" u="none" kumimoji="0" normalizeH="0">
+          <a:defRPr kumimoji="0" sz="1800" b="0" i="0" u="none" strike="noStrike" cap="none" spc="0" normalizeH="0" baseline="0">
             <a:ln>
               <a:noFill/>
             </a:ln>
@@ -12720,7 +13856,7 @@
           <a:buFontTx/>
           <a:buNone/>
           <a:tabLst/>
-          <a:defRPr b="0" baseline="0" cap="none" i="0" spc="0" strike="noStrike" sz="1800" u="none" kumimoji="0" normalizeH="0">
+          <a:defRPr kumimoji="0" sz="1800" b="0" i="0" u="none" strike="noStrike" cap="none" spc="0" normalizeH="0" baseline="0">
             <a:ln>
               <a:noFill/>
             </a:ln>
@@ -12746,7 +13882,7 @@
           <a:buFontTx/>
           <a:buNone/>
           <a:tabLst/>
-          <a:defRPr b="0" baseline="0" cap="none" i="0" spc="0" strike="noStrike" sz="1800" u="none" kumimoji="0" normalizeH="0">
+          <a:defRPr kumimoji="0" sz="1800" b="0" i="0" u="none" strike="noStrike" cap="none" spc="0" normalizeH="0" baseline="0">
             <a:ln>
               <a:noFill/>
             </a:ln>
@@ -12772,7 +13908,7 @@
           <a:buFontTx/>
           <a:buNone/>
           <a:tabLst/>
-          <a:defRPr b="0" baseline="0" cap="none" i="0" spc="0" strike="noStrike" sz="1800" u="none" kumimoji="0" normalizeH="0">
+          <a:defRPr kumimoji="0" sz="1800" b="0" i="0" u="none" strike="noStrike" cap="none" spc="0" normalizeH="0" baseline="0">
             <a:ln>
               <a:noFill/>
             </a:ln>
@@ -12798,7 +13934,7 @@
           <a:buFontTx/>
           <a:buNone/>
           <a:tabLst/>
-          <a:defRPr b="0" baseline="0" cap="none" i="0" spc="0" strike="noStrike" sz="1800" u="none" kumimoji="0" normalizeH="0">
+          <a:defRPr kumimoji="0" sz="1800" b="0" i="0" u="none" strike="noStrike" cap="none" spc="0" normalizeH="0" baseline="0">
             <a:ln>
               <a:noFill/>
             </a:ln>
@@ -12824,7 +13960,7 @@
           <a:buFontTx/>
           <a:buNone/>
           <a:tabLst/>
-          <a:defRPr b="0" baseline="0" cap="none" i="0" spc="0" strike="noStrike" sz="1800" u="none" kumimoji="0" normalizeH="0">
+          <a:defRPr kumimoji="0" sz="1800" b="0" i="0" u="none" strike="noStrike" cap="none" spc="0" normalizeH="0" baseline="0">
             <a:ln>
               <a:noFill/>
             </a:ln>
@@ -12850,7 +13986,7 @@
           <a:buFontTx/>
           <a:buNone/>
           <a:tabLst/>
-          <a:defRPr b="0" baseline="0" cap="none" i="0" spc="0" strike="noStrike" sz="1800" u="none" kumimoji="0" normalizeH="0">
+          <a:defRPr kumimoji="0" sz="1800" b="0" i="0" u="none" strike="noStrike" cap="none" spc="0" normalizeH="0" baseline="0">
             <a:ln>
               <a:noFill/>
             </a:ln>
@@ -12863,18 +13999,25 @@
         </a:lvl9pPr>
       </a:lstStyle>
       <a:style>
-        <a:lnRef idx="0"/>
-        <a:fillRef idx="0"/>
-        <a:effectRef idx="0"/>
+        <a:lnRef idx="0">
+          <a:scrgbClr r="0" g="0" b="0"/>
+        </a:lnRef>
+        <a:fillRef idx="0">
+          <a:scrgbClr r="0" g="0" b="0"/>
+        </a:fillRef>
+        <a:effectRef idx="0">
+          <a:scrgbClr r="0" g="0" b="0"/>
+        </a:effectRef>
         <a:fontRef idx="none"/>
       </a:style>
     </a:txDef>
   </a:objectDefaults>
+  <a:extraClrSchemeLst/>
 </a:theme>
 </file>
 
 <file path=ppt/theme/theme2.xml><?xml version="1.0" encoding="utf-8"?>
-<a:theme xmlns:a="http://schemas.openxmlformats.org/drawingml/2006/main" xmlns:r="http://schemas.openxmlformats.org/officeDocument/2006/relationships" name="Black">
+<a:theme xmlns:a="http://schemas.openxmlformats.org/drawingml/2006/main" name="Black">
   <a:themeElements>
     <a:clrScheme name="Black">
       <a:dk1>
@@ -13064,8 +14207,8 @@
     <a:spDef>
       <a:spPr>
         <a:blipFill rotWithShape="1">
-          <a:blip r:embed="rId1"/>
-          <a:srcRect l="0" t="0" r="0" b="0"/>
+          <a:blip xmlns:r="http://schemas.openxmlformats.org/officeDocument/2006/relationships" r:embed="rId1"/>
+          <a:srcRect/>
           <a:tile tx="0" ty="0" sx="100000" sy="100000" flip="none" algn="tl"/>
         </a:blipFill>
         <a:ln w="12700" cap="flat">
@@ -13075,7 +14218,7 @@
         <a:effectLst/>
         <a:sp3d/>
       </a:spPr>
-      <a:bodyPr rot="0" spcFirstLastPara="1" vertOverflow="overflow" horzOverflow="overflow" vert="horz" wrap="square" lIns="50800" tIns="50800" rIns="50800" bIns="50800" numCol="1" spcCol="38100" rtlCol="0" anchor="ctr" upright="0">
+      <a:bodyPr rot="0" spcFirstLastPara="1" vertOverflow="overflow" horzOverflow="overflow" vert="horz" wrap="square" lIns="50800" tIns="50800" rIns="50800" bIns="50800" numCol="1" spcCol="38100" rtlCol="0" anchor="ctr">
         <a:spAutoFit/>
       </a:bodyPr>
       <a:lstStyle>
@@ -13094,7 +14237,7 @@
           <a:buFontTx/>
           <a:buNone/>
           <a:tabLst/>
-          <a:defRPr b="0" baseline="0" cap="none" i="0" spc="0" strike="noStrike" sz="3000" u="none" kumimoji="0" normalizeH="0">
+          <a:defRPr kumimoji="0" sz="3000" b="0" i="0" u="none" strike="noStrike" cap="none" spc="0" normalizeH="0" baseline="0">
             <a:ln>
               <a:noFill/>
             </a:ln>
@@ -13102,7 +14245,7 @@
               <a:srgbClr val="FFFFFF"/>
             </a:solidFill>
             <a:effectLst>
-              <a:outerShdw sx="100000" sy="100000" kx="0" ky="0" algn="b" rotWithShape="0" blurRad="38100" dist="12700" dir="5400000">
+              <a:outerShdw blurRad="38100" dist="12700" dir="5400000" rotWithShape="0">
                 <a:srgbClr val="000000">
                   <a:alpha val="50000"/>
                 </a:srgbClr>
@@ -13130,7 +14273,7 @@
           <a:buFontTx/>
           <a:buNone/>
           <a:tabLst/>
-          <a:defRPr b="0" baseline="0" cap="none" i="0" spc="0" strike="noStrike" sz="1800" u="none" kumimoji="0" normalizeH="0">
+          <a:defRPr kumimoji="0" sz="1800" b="0" i="0" u="none" strike="noStrike" cap="none" spc="0" normalizeH="0" baseline="0">
             <a:ln>
               <a:noFill/>
             </a:ln>
@@ -13156,7 +14299,7 @@
           <a:buFontTx/>
           <a:buNone/>
           <a:tabLst/>
-          <a:defRPr b="0" baseline="0" cap="none" i="0" spc="0" strike="noStrike" sz="1800" u="none" kumimoji="0" normalizeH="0">
+          <a:defRPr kumimoji="0" sz="1800" b="0" i="0" u="none" strike="noStrike" cap="none" spc="0" normalizeH="0" baseline="0">
             <a:ln>
               <a:noFill/>
             </a:ln>
@@ -13182,7 +14325,7 @@
           <a:buFontTx/>
           <a:buNone/>
           <a:tabLst/>
-          <a:defRPr b="0" baseline="0" cap="none" i="0" spc="0" strike="noStrike" sz="1800" u="none" kumimoji="0" normalizeH="0">
+          <a:defRPr kumimoji="0" sz="1800" b="0" i="0" u="none" strike="noStrike" cap="none" spc="0" normalizeH="0" baseline="0">
             <a:ln>
               <a:noFill/>
             </a:ln>
@@ -13208,7 +14351,7 @@
           <a:buFontTx/>
           <a:buNone/>
           <a:tabLst/>
-          <a:defRPr b="0" baseline="0" cap="none" i="0" spc="0" strike="noStrike" sz="1800" u="none" kumimoji="0" normalizeH="0">
+          <a:defRPr kumimoji="0" sz="1800" b="0" i="0" u="none" strike="noStrike" cap="none" spc="0" normalizeH="0" baseline="0">
             <a:ln>
               <a:noFill/>
             </a:ln>
@@ -13234,7 +14377,7 @@
           <a:buFontTx/>
           <a:buNone/>
           <a:tabLst/>
-          <a:defRPr b="0" baseline="0" cap="none" i="0" spc="0" strike="noStrike" sz="1800" u="none" kumimoji="0" normalizeH="0">
+          <a:defRPr kumimoji="0" sz="1800" b="0" i="0" u="none" strike="noStrike" cap="none" spc="0" normalizeH="0" baseline="0">
             <a:ln>
               <a:noFill/>
             </a:ln>
@@ -13260,7 +14403,7 @@
           <a:buFontTx/>
           <a:buNone/>
           <a:tabLst/>
-          <a:defRPr b="0" baseline="0" cap="none" i="0" spc="0" strike="noStrike" sz="1800" u="none" kumimoji="0" normalizeH="0">
+          <a:defRPr kumimoji="0" sz="1800" b="0" i="0" u="none" strike="noStrike" cap="none" spc="0" normalizeH="0" baseline="0">
             <a:ln>
               <a:noFill/>
             </a:ln>
@@ -13286,7 +14429,7 @@
           <a:buFontTx/>
           <a:buNone/>
           <a:tabLst/>
-          <a:defRPr b="0" baseline="0" cap="none" i="0" spc="0" strike="noStrike" sz="1800" u="none" kumimoji="0" normalizeH="0">
+          <a:defRPr kumimoji="0" sz="1800" b="0" i="0" u="none" strike="noStrike" cap="none" spc="0" normalizeH="0" baseline="0">
             <a:ln>
               <a:noFill/>
             </a:ln>
@@ -13312,7 +14455,7 @@
           <a:buFontTx/>
           <a:buNone/>
           <a:tabLst/>
-          <a:defRPr b="0" baseline="0" cap="none" i="0" spc="0" strike="noStrike" sz="1800" u="none" kumimoji="0" normalizeH="0">
+          <a:defRPr kumimoji="0" sz="1800" b="0" i="0" u="none" strike="noStrike" cap="none" spc="0" normalizeH="0" baseline="0">
             <a:ln>
               <a:noFill/>
             </a:ln>
@@ -13338,7 +14481,7 @@
           <a:buFontTx/>
           <a:buNone/>
           <a:tabLst/>
-          <a:defRPr b="0" baseline="0" cap="none" i="0" spc="0" strike="noStrike" sz="1800" u="none" kumimoji="0" normalizeH="0">
+          <a:defRPr kumimoji="0" sz="1800" b="0" i="0" u="none" strike="noStrike" cap="none" spc="0" normalizeH="0" baseline="0">
             <a:ln>
               <a:noFill/>
             </a:ln>
@@ -13351,9 +14494,15 @@
         </a:lvl9pPr>
       </a:lstStyle>
       <a:style>
-        <a:lnRef idx="0"/>
-        <a:fillRef idx="0"/>
-        <a:effectRef idx="0"/>
+        <a:lnRef idx="0">
+          <a:scrgbClr r="0" g="0" b="0"/>
+        </a:lnRef>
+        <a:fillRef idx="0">
+          <a:scrgbClr r="0" g="0" b="0"/>
+        </a:fillRef>
+        <a:effectRef idx="0">
+          <a:scrgbClr r="0" g="0" b="0"/>
+        </a:effectRef>
         <a:fontRef idx="none"/>
       </a:style>
     </a:spDef>
@@ -13370,7 +14519,7 @@
         <a:effectLst/>
         <a:sp3d/>
       </a:spPr>
-      <a:bodyPr rot="0" spcFirstLastPara="1" vertOverflow="overflow" horzOverflow="overflow" vert="horz" wrap="square" lIns="91439" tIns="45719" rIns="91439" bIns="45719" numCol="1" spcCol="38100" rtlCol="0" anchor="t" upright="0">
+      <a:bodyPr rot="0" spcFirstLastPara="1" vertOverflow="overflow" horzOverflow="overflow" vert="horz" wrap="square" lIns="91439" tIns="45719" rIns="91439" bIns="45719" numCol="1" spcCol="38100" rtlCol="0" anchor="t">
         <a:noAutofit/>
       </a:bodyPr>
       <a:lstStyle>
@@ -13389,7 +14538,7 @@
           <a:buFontTx/>
           <a:buNone/>
           <a:tabLst/>
-          <a:defRPr b="0" baseline="0" cap="none" i="0" spc="0" strike="noStrike" sz="1800" u="none" kumimoji="0" normalizeH="0">
+          <a:defRPr kumimoji="0" sz="1800" b="0" i="0" u="none" strike="noStrike" cap="none" spc="0" normalizeH="0" baseline="0">
             <a:ln>
               <a:noFill/>
             </a:ln>
@@ -13415,7 +14564,7 @@
           <a:buFontTx/>
           <a:buNone/>
           <a:tabLst/>
-          <a:defRPr b="0" baseline="0" cap="none" i="0" spc="0" strike="noStrike" sz="1800" u="none" kumimoji="0" normalizeH="0">
+          <a:defRPr kumimoji="0" sz="1800" b="0" i="0" u="none" strike="noStrike" cap="none" spc="0" normalizeH="0" baseline="0">
             <a:ln>
               <a:noFill/>
             </a:ln>
@@ -13441,7 +14590,7 @@
           <a:buFontTx/>
           <a:buNone/>
           <a:tabLst/>
-          <a:defRPr b="0" baseline="0" cap="none" i="0" spc="0" strike="noStrike" sz="1800" u="none" kumimoji="0" normalizeH="0">
+          <a:defRPr kumimoji="0" sz="1800" b="0" i="0" u="none" strike="noStrike" cap="none" spc="0" normalizeH="0" baseline="0">
             <a:ln>
               <a:noFill/>
             </a:ln>
@@ -13467,7 +14616,7 @@
           <a:buFontTx/>
           <a:buNone/>
           <a:tabLst/>
-          <a:defRPr b="0" baseline="0" cap="none" i="0" spc="0" strike="noStrike" sz="1800" u="none" kumimoji="0" normalizeH="0">
+          <a:defRPr kumimoji="0" sz="1800" b="0" i="0" u="none" strike="noStrike" cap="none" spc="0" normalizeH="0" baseline="0">
             <a:ln>
               <a:noFill/>
             </a:ln>
@@ -13493,7 +14642,7 @@
           <a:buFontTx/>
           <a:buNone/>
           <a:tabLst/>
-          <a:defRPr b="0" baseline="0" cap="none" i="0" spc="0" strike="noStrike" sz="1800" u="none" kumimoji="0" normalizeH="0">
+          <a:defRPr kumimoji="0" sz="1800" b="0" i="0" u="none" strike="noStrike" cap="none" spc="0" normalizeH="0" baseline="0">
             <a:ln>
               <a:noFill/>
             </a:ln>
@@ -13519,7 +14668,7 @@
           <a:buFontTx/>
           <a:buNone/>
           <a:tabLst/>
-          <a:defRPr b="0" baseline="0" cap="none" i="0" spc="0" strike="noStrike" sz="1800" u="none" kumimoji="0" normalizeH="0">
+          <a:defRPr kumimoji="0" sz="1800" b="0" i="0" u="none" strike="noStrike" cap="none" spc="0" normalizeH="0" baseline="0">
             <a:ln>
               <a:noFill/>
             </a:ln>
@@ -13545,7 +14694,7 @@
           <a:buFontTx/>
           <a:buNone/>
           <a:tabLst/>
-          <a:defRPr b="0" baseline="0" cap="none" i="0" spc="0" strike="noStrike" sz="1800" u="none" kumimoji="0" normalizeH="0">
+          <a:defRPr kumimoji="0" sz="1800" b="0" i="0" u="none" strike="noStrike" cap="none" spc="0" normalizeH="0" baseline="0">
             <a:ln>
               <a:noFill/>
             </a:ln>
@@ -13571,7 +14720,7 @@
           <a:buFontTx/>
           <a:buNone/>
           <a:tabLst/>
-          <a:defRPr b="0" baseline="0" cap="none" i="0" spc="0" strike="noStrike" sz="1800" u="none" kumimoji="0" normalizeH="0">
+          <a:defRPr kumimoji="0" sz="1800" b="0" i="0" u="none" strike="noStrike" cap="none" spc="0" normalizeH="0" baseline="0">
             <a:ln>
               <a:noFill/>
             </a:ln>
@@ -13597,7 +14746,7 @@
           <a:buFontTx/>
           <a:buNone/>
           <a:tabLst/>
-          <a:defRPr b="0" baseline="0" cap="none" i="0" spc="0" strike="noStrike" sz="1800" u="none" kumimoji="0" normalizeH="0">
+          <a:defRPr kumimoji="0" sz="1800" b="0" i="0" u="none" strike="noStrike" cap="none" spc="0" normalizeH="0" baseline="0">
             <a:ln>
               <a:noFill/>
             </a:ln>
@@ -13623,7 +14772,7 @@
           <a:buFontTx/>
           <a:buNone/>
           <a:tabLst/>
-          <a:defRPr b="0" baseline="0" cap="none" i="0" spc="0" strike="noStrike" sz="1800" u="none" kumimoji="0" normalizeH="0">
+          <a:defRPr kumimoji="0" sz="1800" b="0" i="0" u="none" strike="noStrike" cap="none" spc="0" normalizeH="0" baseline="0">
             <a:ln>
               <a:noFill/>
             </a:ln>
@@ -13636,9 +14785,15 @@
         </a:lvl9pPr>
       </a:lstStyle>
       <a:style>
-        <a:lnRef idx="0"/>
-        <a:fillRef idx="0"/>
-        <a:effectRef idx="0"/>
+        <a:lnRef idx="0">
+          <a:scrgbClr r="0" g="0" b="0"/>
+        </a:lnRef>
+        <a:fillRef idx="0">
+          <a:scrgbClr r="0" g="0" b="0"/>
+        </a:fillRef>
+        <a:effectRef idx="0">
+          <a:scrgbClr r="0" g="0" b="0"/>
+        </a:effectRef>
         <a:fontRef idx="none"/>
       </a:style>
     </a:lnDef>
@@ -13652,7 +14807,7 @@
         <a:effectLst/>
         <a:sp3d/>
       </a:spPr>
-      <a:bodyPr rot="0" spcFirstLastPara="1" vertOverflow="overflow" horzOverflow="overflow" vert="horz" wrap="square" lIns="50800" tIns="50800" rIns="50800" bIns="50800" numCol="1" spcCol="38100" rtlCol="0" anchor="ctr" upright="0">
+      <a:bodyPr rot="0" spcFirstLastPara="1" vertOverflow="overflow" horzOverflow="overflow" vert="horz" wrap="square" lIns="50800" tIns="50800" rIns="50800" bIns="50800" numCol="1" spcCol="38100" rtlCol="0" anchor="ctr">
         <a:spAutoFit/>
       </a:bodyPr>
       <a:lstStyle>
@@ -13671,7 +14826,7 @@
           <a:buFontTx/>
           <a:buNone/>
           <a:tabLst/>
-          <a:defRPr b="0" baseline="0" cap="none" i="0" spc="0" strike="noStrike" sz="1200" u="none" kumimoji="0" normalizeH="0">
+          <a:defRPr kumimoji="0" sz="1200" b="0" i="0" u="none" strike="noStrike" cap="none" spc="0" normalizeH="0" baseline="0">
             <a:ln>
               <a:noFill/>
             </a:ln>
@@ -13701,7 +14856,7 @@
           <a:buFontTx/>
           <a:buNone/>
           <a:tabLst/>
-          <a:defRPr b="0" baseline="0" cap="none" i="0" spc="0" strike="noStrike" sz="1800" u="none" kumimoji="0" normalizeH="0">
+          <a:defRPr kumimoji="0" sz="1800" b="0" i="0" u="none" strike="noStrike" cap="none" spc="0" normalizeH="0" baseline="0">
             <a:ln>
               <a:noFill/>
             </a:ln>
@@ -13727,7 +14882,7 @@
           <a:buFontTx/>
           <a:buNone/>
           <a:tabLst/>
-          <a:defRPr b="0" baseline="0" cap="none" i="0" spc="0" strike="noStrike" sz="1800" u="none" kumimoji="0" normalizeH="0">
+          <a:defRPr kumimoji="0" sz="1800" b="0" i="0" u="none" strike="noStrike" cap="none" spc="0" normalizeH="0" baseline="0">
             <a:ln>
               <a:noFill/>
             </a:ln>
@@ -13753,7 +14908,7 @@
           <a:buFontTx/>
           <a:buNone/>
           <a:tabLst/>
-          <a:defRPr b="0" baseline="0" cap="none" i="0" spc="0" strike="noStrike" sz="1800" u="none" kumimoji="0" normalizeH="0">
+          <a:defRPr kumimoji="0" sz="1800" b="0" i="0" u="none" strike="noStrike" cap="none" spc="0" normalizeH="0" baseline="0">
             <a:ln>
               <a:noFill/>
             </a:ln>
@@ -13779,7 +14934,7 @@
           <a:buFontTx/>
           <a:buNone/>
           <a:tabLst/>
-          <a:defRPr b="0" baseline="0" cap="none" i="0" spc="0" strike="noStrike" sz="1800" u="none" kumimoji="0" normalizeH="0">
+          <a:defRPr kumimoji="0" sz="1800" b="0" i="0" u="none" strike="noStrike" cap="none" spc="0" normalizeH="0" baseline="0">
             <a:ln>
               <a:noFill/>
             </a:ln>
@@ -13805,7 +14960,7 @@
           <a:buFontTx/>
           <a:buNone/>
           <a:tabLst/>
-          <a:defRPr b="0" baseline="0" cap="none" i="0" spc="0" strike="noStrike" sz="1800" u="none" kumimoji="0" normalizeH="0">
+          <a:defRPr kumimoji="0" sz="1800" b="0" i="0" u="none" strike="noStrike" cap="none" spc="0" normalizeH="0" baseline="0">
             <a:ln>
               <a:noFill/>
             </a:ln>
@@ -13831,7 +14986,7 @@
           <a:buFontTx/>
           <a:buNone/>
           <a:tabLst/>
-          <a:defRPr b="0" baseline="0" cap="none" i="0" spc="0" strike="noStrike" sz="1800" u="none" kumimoji="0" normalizeH="0">
+          <a:defRPr kumimoji="0" sz="1800" b="0" i="0" u="none" strike="noStrike" cap="none" spc="0" normalizeH="0" baseline="0">
             <a:ln>
               <a:noFill/>
             </a:ln>
@@ -13857,7 +15012,7 @@
           <a:buFontTx/>
           <a:buNone/>
           <a:tabLst/>
-          <a:defRPr b="0" baseline="0" cap="none" i="0" spc="0" strike="noStrike" sz="1800" u="none" kumimoji="0" normalizeH="0">
+          <a:defRPr kumimoji="0" sz="1800" b="0" i="0" u="none" strike="noStrike" cap="none" spc="0" normalizeH="0" baseline="0">
             <a:ln>
               <a:noFill/>
             </a:ln>
@@ -13883,7 +15038,7 @@
           <a:buFontTx/>
           <a:buNone/>
           <a:tabLst/>
-          <a:defRPr b="0" baseline="0" cap="none" i="0" spc="0" strike="noStrike" sz="1800" u="none" kumimoji="0" normalizeH="0">
+          <a:defRPr kumimoji="0" sz="1800" b="0" i="0" u="none" strike="noStrike" cap="none" spc="0" normalizeH="0" baseline="0">
             <a:ln>
               <a:noFill/>
             </a:ln>
@@ -13909,7 +15064,7 @@
           <a:buFontTx/>
           <a:buNone/>
           <a:tabLst/>
-          <a:defRPr b="0" baseline="0" cap="none" i="0" spc="0" strike="noStrike" sz="1800" u="none" kumimoji="0" normalizeH="0">
+          <a:defRPr kumimoji="0" sz="1800" b="0" i="0" u="none" strike="noStrike" cap="none" spc="0" normalizeH="0" baseline="0">
             <a:ln>
               <a:noFill/>
             </a:ln>
@@ -13922,12 +15077,19 @@
         </a:lvl9pPr>
       </a:lstStyle>
       <a:style>
-        <a:lnRef idx="0"/>
-        <a:fillRef idx="0"/>
-        <a:effectRef idx="0"/>
+        <a:lnRef idx="0">
+          <a:scrgbClr r="0" g="0" b="0"/>
+        </a:lnRef>
+        <a:fillRef idx="0">
+          <a:scrgbClr r="0" g="0" b="0"/>
+        </a:fillRef>
+        <a:effectRef idx="0">
+          <a:scrgbClr r="0" g="0" b="0"/>
+        </a:effectRef>
         <a:fontRef idx="none"/>
       </a:style>
     </a:txDef>
   </a:objectDefaults>
+  <a:extraClrSchemeLst/>
 </a:theme>
 </file>